--- a/Iteration Management - Your Key to Predictable Delivery.pptx
+++ b/Iteration Management - Your Key to Predictable Delivery.pptx
@@ -26,12 +26,12 @@
     <p:sldId id="274" r:id="rId17"/>
     <p:sldId id="276" r:id="rId18"/>
     <p:sldId id="261" r:id="rId19"/>
-    <p:sldId id="279" r:id="rId20"/>
-    <p:sldId id="266" r:id="rId21"/>
-    <p:sldId id="262" r:id="rId22"/>
-    <p:sldId id="282" r:id="rId23"/>
-    <p:sldId id="263" r:id="rId24"/>
-    <p:sldId id="264" r:id="rId25"/>
+    <p:sldId id="262" r:id="rId20"/>
+    <p:sldId id="282" r:id="rId21"/>
+    <p:sldId id="279" r:id="rId22"/>
+    <p:sldId id="266" r:id="rId23"/>
+    <p:sldId id="264" r:id="rId24"/>
+    <p:sldId id="263" r:id="rId25"/>
     <p:sldId id="265" r:id="rId26"/>
     <p:sldId id="277" r:id="rId27"/>
   </p:sldIdLst>
@@ -1764,7 +1764,7 @@
           <a:p>
             <a:fld id="{CF4E5B25-4A79-484F-8CBE-17420048C75D}" type="slidenum">
               <a:rPr lang="en-US" smtClean="0"/>
-              <a:t>19</a:t>
+              <a:t>21</a:t>
             </a:fld>
             <a:endParaRPr lang="en-US"/>
           </a:p>
@@ -1988,7 +1988,7 @@
           <a:p>
             <a:fld id="{CF4E5B25-4A79-484F-8CBE-17420048C75D}" type="slidenum">
               <a:rPr lang="en-US" smtClean="0"/>
-              <a:t>20</a:t>
+              <a:t>22</a:t>
             </a:fld>
             <a:endParaRPr lang="en-US"/>
           </a:p>
@@ -17936,7 +17936,7 @@
             <a:pPr algn="ctr"/>
             <a:r>
               <a:rPr lang="en-US" dirty="0" smtClean="0"/>
-              <a:t>Capacity Planning</a:t>
+              <a:t>Metrics</a:t>
             </a:r>
             <a:endParaRPr lang="en-US" dirty="0"/>
           </a:p>
@@ -17964,7 +17964,7 @@
     </p:spTree>
     <p:extLst>
       <p:ext uri="{BB962C8B-B14F-4D97-AF65-F5344CB8AC3E}">
-        <p14:creationId xmlns:p14="http://schemas.microsoft.com/office/powerpoint/2010/main" val="3351244940"/>
+        <p14:creationId xmlns:p14="http://schemas.microsoft.com/office/powerpoint/2010/main" val="538743597"/>
       </p:ext>
     </p:extLst>
   </p:cSld>
@@ -18105,8 +18105,12 @@
           <a:p>
             <a:pPr algn="ctr"/>
             <a:r>
+              <a:rPr lang="en-US" dirty="0" err="1" smtClean="0"/>
+              <a:t>Burndown</a:t>
+            </a:r>
+            <a:r>
               <a:rPr lang="en-US" dirty="0" smtClean="0"/>
-              <a:t>Involving Stakeholders</a:t>
+              <a:t> Charts</a:t>
             </a:r>
             <a:endParaRPr lang="en-US" dirty="0"/>
           </a:p>
@@ -18134,7 +18138,7 @@
     </p:spTree>
     <p:extLst>
       <p:ext uri="{BB962C8B-B14F-4D97-AF65-F5344CB8AC3E}">
-        <p14:creationId xmlns:p14="http://schemas.microsoft.com/office/powerpoint/2010/main" val="3466306024"/>
+        <p14:creationId xmlns:p14="http://schemas.microsoft.com/office/powerpoint/2010/main" val="1410654561"/>
       </p:ext>
     </p:extLst>
   </p:cSld>
@@ -18191,7 +18195,7 @@
             <a:pPr algn="ctr"/>
             <a:r>
               <a:rPr lang="en-US" dirty="0" smtClean="0"/>
-              <a:t>Metrics</a:t>
+              <a:t>Capacity Planning</a:t>
             </a:r>
             <a:endParaRPr lang="en-US" dirty="0"/>
           </a:p>
@@ -18219,7 +18223,7 @@
     </p:spTree>
     <p:extLst>
       <p:ext uri="{BB962C8B-B14F-4D97-AF65-F5344CB8AC3E}">
-        <p14:creationId xmlns:p14="http://schemas.microsoft.com/office/powerpoint/2010/main" val="538743597"/>
+        <p14:creationId xmlns:p14="http://schemas.microsoft.com/office/powerpoint/2010/main" val="3351244940"/>
       </p:ext>
     </p:extLst>
   </p:cSld>
@@ -18275,12 +18279,8 @@
           <a:p>
             <a:pPr algn="ctr"/>
             <a:r>
-              <a:rPr lang="en-US" dirty="0" err="1" smtClean="0"/>
-              <a:t>Burndown</a:t>
-            </a:r>
-            <a:r>
               <a:rPr lang="en-US" dirty="0" smtClean="0"/>
-              <a:t> Charts</a:t>
+              <a:t>Involving Stakeholders</a:t>
             </a:r>
             <a:endParaRPr lang="en-US" dirty="0"/>
           </a:p>
@@ -18308,7 +18308,7 @@
     </p:spTree>
     <p:extLst>
       <p:ext uri="{BB962C8B-B14F-4D97-AF65-F5344CB8AC3E}">
-        <p14:creationId xmlns:p14="http://schemas.microsoft.com/office/powerpoint/2010/main" val="1410654561"/>
+        <p14:creationId xmlns:p14="http://schemas.microsoft.com/office/powerpoint/2010/main" val="3466306024"/>
       </p:ext>
     </p:extLst>
   </p:cSld>
@@ -18365,7 +18365,7 @@
             <a:pPr algn="ctr"/>
             <a:r>
               <a:rPr lang="en-US" dirty="0" smtClean="0"/>
-              <a:t>Working with Management</a:t>
+              <a:t>Managing the Backlog</a:t>
             </a:r>
             <a:endParaRPr lang="en-US" dirty="0"/>
           </a:p>
@@ -18393,7 +18393,7 @@
     </p:spTree>
     <p:extLst>
       <p:ext uri="{BB962C8B-B14F-4D97-AF65-F5344CB8AC3E}">
-        <p14:creationId xmlns:p14="http://schemas.microsoft.com/office/powerpoint/2010/main" val="3476679645"/>
+        <p14:creationId xmlns:p14="http://schemas.microsoft.com/office/powerpoint/2010/main" val="2147404377"/>
       </p:ext>
     </p:extLst>
   </p:cSld>
@@ -18450,7 +18450,7 @@
             <a:pPr algn="ctr"/>
             <a:r>
               <a:rPr lang="en-US" dirty="0" smtClean="0"/>
-              <a:t>Managing the Backlog</a:t>
+              <a:t>Working with Management</a:t>
             </a:r>
             <a:endParaRPr lang="en-US" dirty="0"/>
           </a:p>
@@ -18478,7 +18478,7 @@
     </p:spTree>
     <p:extLst>
       <p:ext uri="{BB962C8B-B14F-4D97-AF65-F5344CB8AC3E}">
-        <p14:creationId xmlns:p14="http://schemas.microsoft.com/office/powerpoint/2010/main" val="2147404377"/>
+        <p14:creationId xmlns:p14="http://schemas.microsoft.com/office/powerpoint/2010/main" val="3476679645"/>
       </p:ext>
     </p:extLst>
   </p:cSld>

--- a/Iteration Management - Your Key to Predictable Delivery.pptx
+++ b/Iteration Management - Your Key to Predictable Delivery.pptx
@@ -5,35 +5,49 @@
     <p:sldMasterId id="2147483912" r:id="rId1"/>
   </p:sldMasterIdLst>
   <p:notesMasterIdLst>
-    <p:notesMasterId r:id="rId28"/>
+    <p:notesMasterId r:id="rId42"/>
   </p:notesMasterIdLst>
   <p:sldIdLst>
     <p:sldId id="256" r:id="rId2"/>
     <p:sldId id="257" r:id="rId3"/>
-    <p:sldId id="283" r:id="rId4"/>
-    <p:sldId id="284" r:id="rId5"/>
-    <p:sldId id="281" r:id="rId6"/>
-    <p:sldId id="267" r:id="rId7"/>
-    <p:sldId id="268" r:id="rId8"/>
-    <p:sldId id="269" r:id="rId9"/>
-    <p:sldId id="270" r:id="rId10"/>
-    <p:sldId id="271" r:id="rId11"/>
-    <p:sldId id="278" r:id="rId12"/>
-    <p:sldId id="259" r:id="rId13"/>
-    <p:sldId id="260" r:id="rId14"/>
-    <p:sldId id="280" r:id="rId15"/>
-    <p:sldId id="273" r:id="rId16"/>
-    <p:sldId id="274" r:id="rId17"/>
-    <p:sldId id="276" r:id="rId18"/>
-    <p:sldId id="261" r:id="rId19"/>
-    <p:sldId id="262" r:id="rId20"/>
-    <p:sldId id="282" r:id="rId21"/>
-    <p:sldId id="279" r:id="rId22"/>
-    <p:sldId id="266" r:id="rId23"/>
-    <p:sldId id="264" r:id="rId24"/>
-    <p:sldId id="263" r:id="rId25"/>
-    <p:sldId id="265" r:id="rId26"/>
-    <p:sldId id="277" r:id="rId27"/>
+    <p:sldId id="289" r:id="rId4"/>
+    <p:sldId id="283" r:id="rId5"/>
+    <p:sldId id="284" r:id="rId6"/>
+    <p:sldId id="281" r:id="rId7"/>
+    <p:sldId id="267" r:id="rId8"/>
+    <p:sldId id="268" r:id="rId9"/>
+    <p:sldId id="269" r:id="rId10"/>
+    <p:sldId id="270" r:id="rId11"/>
+    <p:sldId id="271" r:id="rId12"/>
+    <p:sldId id="278" r:id="rId13"/>
+    <p:sldId id="259" r:id="rId14"/>
+    <p:sldId id="260" r:id="rId15"/>
+    <p:sldId id="280" r:id="rId16"/>
+    <p:sldId id="285" r:id="rId17"/>
+    <p:sldId id="286" r:id="rId18"/>
+    <p:sldId id="287" r:id="rId19"/>
+    <p:sldId id="288" r:id="rId20"/>
+    <p:sldId id="273" r:id="rId21"/>
+    <p:sldId id="274" r:id="rId22"/>
+    <p:sldId id="276" r:id="rId23"/>
+    <p:sldId id="261" r:id="rId24"/>
+    <p:sldId id="290" r:id="rId25"/>
+    <p:sldId id="262" r:id="rId26"/>
+    <p:sldId id="291" r:id="rId27"/>
+    <p:sldId id="296" r:id="rId28"/>
+    <p:sldId id="292" r:id="rId29"/>
+    <p:sldId id="297" r:id="rId30"/>
+    <p:sldId id="293" r:id="rId31"/>
+    <p:sldId id="298" r:id="rId32"/>
+    <p:sldId id="294" r:id="rId33"/>
+    <p:sldId id="295" r:id="rId34"/>
+    <p:sldId id="282" r:id="rId35"/>
+    <p:sldId id="279" r:id="rId36"/>
+    <p:sldId id="266" r:id="rId37"/>
+    <p:sldId id="264" r:id="rId38"/>
+    <p:sldId id="263" r:id="rId39"/>
+    <p:sldId id="265" r:id="rId40"/>
+    <p:sldId id="277" r:id="rId41"/>
   </p:sldIdLst>
   <p:sldSz cx="9144000" cy="6858000" type="screen4x3"/>
   <p:notesSz cx="6858000" cy="9144000"/>
@@ -217,7 +231,7 @@
           <a:p>
             <a:fld id="{6C6C5C74-C5D5-44B4-837D-76A1EE64E52E}" type="datetimeFigureOut">
               <a:rPr lang="en-US" smtClean="0"/>
-              <a:t>2/10/2015</a:t>
+              <a:t>2/11/2015</a:t>
             </a:fld>
             <a:endParaRPr lang="en-US"/>
           </a:p>
@@ -668,6 +682,18 @@
           <a:bodyPr/>
           <a:lstStyle/>
           <a:p>
+            <a:r>
+              <a:rPr lang="en-US" sz="1200" b="0" i="0" kern="1200" dirty="0" smtClean="0">
+                <a:solidFill>
+                  <a:schemeClr val="tx1"/>
+                </a:solidFill>
+                <a:effectLst/>
+                <a:latin typeface="+mn-lt"/>
+                <a:ea typeface="+mn-ea"/>
+                <a:cs typeface="+mn-cs"/>
+              </a:rPr>
+              <a:t>Things are flowing pretty smoothly. We have a good sized backlog, no blockers, the work is evenly distributed, and we’re getting a lot done.</a:t>
+            </a:r>
             <a:endParaRPr lang="en-US" dirty="0"/>
           </a:p>
         </p:txBody>
@@ -752,20 +778,7 @@
           <a:bodyPr/>
           <a:lstStyle/>
           <a:p>
-            <a:r>
-              <a:rPr lang="en-US" dirty="0" smtClean="0"/>
-              <a:t>Board</a:t>
-            </a:r>
-          </a:p>
-          <a:p>
-            <a:r>
-              <a:rPr lang="en-US" dirty="0" smtClean="0"/>
-              <a:t>Online</a:t>
-            </a:r>
-            <a:r>
-              <a:rPr lang="en-US" baseline="0" dirty="0" smtClean="0"/>
-              <a:t> tools</a:t>
-            </a:r>
+            <a:endParaRPr lang="en-US" dirty="0"/>
           </a:p>
         </p:txBody>
       </p:sp>
@@ -850,134 +863,43 @@
           <a:lstStyle/>
           <a:p>
             <a:r>
-              <a:rPr lang="en-US" dirty="0" smtClean="0"/>
-              <a:t>“Estimates are always wrong” – business needs better</a:t>
-            </a:r>
-            <a:r>
               <a:rPr lang="en-US" baseline="0" dirty="0" smtClean="0"/>
-              <a:t> that this</a:t>
+              <a:t>See the big picture</a:t>
             </a:r>
           </a:p>
           <a:p>
             <a:r>
               <a:rPr lang="en-US" baseline="0" dirty="0" smtClean="0"/>
-              <a:t>You know that estimates will be interpreted as commitments, this should not surprise you anymore</a:t>
-            </a:r>
-            <a:endParaRPr lang="en-US" dirty="0" smtClean="0"/>
+              <a:t>Be the </a:t>
+            </a:r>
+            <a:r>
+              <a:rPr lang="en-US" baseline="0" dirty="0" err="1" smtClean="0"/>
+              <a:t>unblocker</a:t>
+            </a:r>
+            <a:endParaRPr lang="en-US" baseline="0" dirty="0" smtClean="0"/>
           </a:p>
           <a:p>
             <a:r>
               <a:rPr lang="en-US" baseline="0" dirty="0" smtClean="0"/>
-              <a:t>Small tasks are easier to estimate (how small is up to you)</a:t>
+              <a:t>Keep things flowing – blockers, people stuck</a:t>
             </a:r>
           </a:p>
           <a:p>
             <a:r>
               <a:rPr lang="en-US" baseline="0" dirty="0" smtClean="0"/>
-              <a:t>3 amigos</a:t>
-            </a:r>
-          </a:p>
-          <a:p>
-            <a:pPr marL="0" marR="0" indent="0" algn="l" defTabSz="914400" rtl="0" eaLnBrk="1" fontAlgn="auto" latinLnBrk="0" hangingPunct="1">
-              <a:lnSpc>
-                <a:spcPct val="100000"/>
-              </a:lnSpc>
-              <a:spcBef>
-                <a:spcPts val="0"/>
-              </a:spcBef>
-              <a:spcAft>
-                <a:spcPts val="0"/>
-              </a:spcAft>
-              <a:buClrTx/>
-              <a:buSzTx/>
-              <a:buFontTx/>
-              <a:buNone/>
-              <a:tabLst/>
-              <a:defRPr/>
-            </a:pPr>
-            <a:r>
-              <a:rPr lang="en-US" dirty="0" smtClean="0"/>
-              <a:t>People</a:t>
-            </a:r>
+              <a:t>Finding the bottlenecks</a:t>
+            </a:r>
+          </a:p>
+          <a:p>
             <a:r>
               <a:rPr lang="en-US" baseline="0" dirty="0" smtClean="0"/>
-              <a:t> doing the work should do the estimates</a:t>
-            </a:r>
-          </a:p>
-          <a:p>
-            <a:pPr marL="0" marR="0" indent="0" algn="l" defTabSz="914400" rtl="0" eaLnBrk="1" fontAlgn="auto" latinLnBrk="0" hangingPunct="1">
-              <a:lnSpc>
-                <a:spcPct val="100000"/>
-              </a:lnSpc>
-              <a:spcBef>
-                <a:spcPts val="0"/>
-              </a:spcBef>
-              <a:spcAft>
-                <a:spcPts val="0"/>
-              </a:spcAft>
-              <a:buClrTx/>
-              <a:buSzTx/>
-              <a:buFontTx/>
-              <a:buNone/>
-              <a:tabLst/>
-              <a:defRPr/>
-            </a:pPr>
-            <a:r>
-              <a:rPr lang="en-US" baseline="0" dirty="0" smtClean="0"/>
-              <a:t>Estimate as late as possible</a:t>
-            </a:r>
-          </a:p>
-          <a:p>
-            <a:pPr marL="0" marR="0" indent="0" algn="l" defTabSz="914400" rtl="0" eaLnBrk="1" fontAlgn="auto" latinLnBrk="0" hangingPunct="1">
-              <a:lnSpc>
-                <a:spcPct val="100000"/>
-              </a:lnSpc>
-              <a:spcBef>
-                <a:spcPts val="0"/>
-              </a:spcBef>
-              <a:spcAft>
-                <a:spcPts val="0"/>
-              </a:spcAft>
-              <a:buClrTx/>
-              <a:buSzTx/>
-              <a:buFontTx/>
-              <a:buNone/>
-              <a:tabLst/>
-              <a:defRPr/>
-            </a:pPr>
-            <a:r>
-              <a:rPr lang="en-US" baseline="0" dirty="0" smtClean="0"/>
-              <a:t>Re-estimating work that was estimated long ago</a:t>
-            </a:r>
-          </a:p>
-          <a:p>
-            <a:pPr marL="0" marR="0" indent="0" algn="l" defTabSz="914400" rtl="0" eaLnBrk="1" fontAlgn="auto" latinLnBrk="0" hangingPunct="1">
-              <a:lnSpc>
-                <a:spcPct val="100000"/>
-              </a:lnSpc>
-              <a:spcBef>
-                <a:spcPts val="0"/>
-              </a:spcBef>
-              <a:spcAft>
-                <a:spcPts val="0"/>
-              </a:spcAft>
-              <a:buClrTx/>
-              <a:buSzTx/>
-              <a:buFontTx/>
-              <a:buNone/>
-              <a:tabLst/>
-              <a:defRPr/>
-            </a:pPr>
-            <a:r>
-              <a:rPr lang="en-US" baseline="0" dirty="0" smtClean="0"/>
-              <a:t>Don’t have long estimation meetings</a:t>
-            </a:r>
-          </a:p>
-          <a:p>
-            <a:r>
-              <a:rPr lang="en-US" baseline="0" dirty="0" smtClean="0"/>
-              <a:t>Story points vs. hours</a:t>
-            </a:r>
+              <a:t>Finishing the iteration – cut off </a:t>
+            </a:r>
+            <a:r>
+              <a:rPr lang="en-US" baseline="0" dirty="0" err="1" smtClean="0"/>
+              <a:t>dev</a:t>
+            </a:r>
+            <a:endParaRPr lang="en-US" baseline="0" dirty="0" smtClean="0"/>
           </a:p>
         </p:txBody>
       </p:sp>
@@ -1007,7 +929,7 @@
     </p:spTree>
     <p:extLst>
       <p:ext uri="{BB962C8B-B14F-4D97-AF65-F5344CB8AC3E}">
-        <p14:creationId xmlns:p14="http://schemas.microsoft.com/office/powerpoint/2010/main" val="2101706009"/>
+        <p14:creationId xmlns:p14="http://schemas.microsoft.com/office/powerpoint/2010/main" val="2479593562"/>
       </p:ext>
     </p:extLst>
   </p:cSld>
@@ -1063,7 +985,157 @@
           <a:p>
             <a:r>
               <a:rPr lang="en-US" dirty="0" smtClean="0"/>
-              <a:t>Pros and cons of each</a:t>
+              <a:t>How many</a:t>
+            </a:r>
+            <a:r>
+              <a:rPr lang="en-US" baseline="0" dirty="0" smtClean="0"/>
+              <a:t> of you estimate </a:t>
+            </a:r>
+            <a:r>
+              <a:rPr lang="en-US" baseline="0" dirty="0" err="1" smtClean="0"/>
+              <a:t>dev</a:t>
+            </a:r>
+            <a:r>
+              <a:rPr lang="en-US" baseline="0" dirty="0" smtClean="0"/>
+              <a:t>?  QA?  Analysis?</a:t>
+            </a:r>
+            <a:endParaRPr lang="en-US" dirty="0" smtClean="0"/>
+          </a:p>
+          <a:p>
+            <a:r>
+              <a:rPr lang="en-US" dirty="0" smtClean="0"/>
+              <a:t>“</a:t>
+            </a:r>
+            <a:r>
+              <a:rPr lang="en-US" dirty="0" smtClean="0"/>
+              <a:t>Estimates are always wrong” – business needs better</a:t>
+            </a:r>
+            <a:r>
+              <a:rPr lang="en-US" baseline="0" dirty="0" smtClean="0"/>
+              <a:t> that this</a:t>
+            </a:r>
+          </a:p>
+          <a:p>
+            <a:r>
+              <a:rPr lang="en-US" baseline="0" dirty="0" smtClean="0"/>
+              <a:t>You know that estimates will be interpreted as commitments, this should not surprise you anymore</a:t>
+            </a:r>
+            <a:endParaRPr lang="en-US" dirty="0" smtClean="0"/>
+          </a:p>
+          <a:p>
+            <a:r>
+              <a:rPr lang="en-US" baseline="0" dirty="0" smtClean="0"/>
+              <a:t>Small tasks are easier to estimate (how small is up to you)</a:t>
+            </a:r>
+          </a:p>
+          <a:p>
+            <a:r>
+              <a:rPr lang="en-US" baseline="0" dirty="0" smtClean="0"/>
+              <a:t>3 amigos</a:t>
+            </a:r>
+          </a:p>
+          <a:p>
+            <a:pPr marL="0" marR="0" indent="0" algn="l" defTabSz="914400" rtl="0" eaLnBrk="1" fontAlgn="auto" latinLnBrk="0" hangingPunct="1">
+              <a:lnSpc>
+                <a:spcPct val="100000"/>
+              </a:lnSpc>
+              <a:spcBef>
+                <a:spcPts val="0"/>
+              </a:spcBef>
+              <a:spcAft>
+                <a:spcPts val="0"/>
+              </a:spcAft>
+              <a:buClrTx/>
+              <a:buSzTx/>
+              <a:buFontTx/>
+              <a:buNone/>
+              <a:tabLst/>
+              <a:defRPr/>
+            </a:pPr>
+            <a:r>
+              <a:rPr lang="en-US" dirty="0" smtClean="0"/>
+              <a:t>People</a:t>
+            </a:r>
+            <a:r>
+              <a:rPr lang="en-US" baseline="0" dirty="0" smtClean="0"/>
+              <a:t> doing the work should do the estimates</a:t>
+            </a:r>
+          </a:p>
+          <a:p>
+            <a:pPr marL="0" marR="0" indent="0" algn="l" defTabSz="914400" rtl="0" eaLnBrk="1" fontAlgn="auto" latinLnBrk="0" hangingPunct="1">
+              <a:lnSpc>
+                <a:spcPct val="100000"/>
+              </a:lnSpc>
+              <a:spcBef>
+                <a:spcPts val="0"/>
+              </a:spcBef>
+              <a:spcAft>
+                <a:spcPts val="0"/>
+              </a:spcAft>
+              <a:buClrTx/>
+              <a:buSzTx/>
+              <a:buFontTx/>
+              <a:buNone/>
+              <a:tabLst/>
+              <a:defRPr/>
+            </a:pPr>
+            <a:r>
+              <a:rPr lang="en-US" baseline="0" dirty="0" smtClean="0"/>
+              <a:t>Estimate as late as possible</a:t>
+            </a:r>
+          </a:p>
+          <a:p>
+            <a:pPr marL="0" marR="0" indent="0" algn="l" defTabSz="914400" rtl="0" eaLnBrk="1" fontAlgn="auto" latinLnBrk="0" hangingPunct="1">
+              <a:lnSpc>
+                <a:spcPct val="100000"/>
+              </a:lnSpc>
+              <a:spcBef>
+                <a:spcPts val="0"/>
+              </a:spcBef>
+              <a:spcAft>
+                <a:spcPts val="0"/>
+              </a:spcAft>
+              <a:buClrTx/>
+              <a:buSzTx/>
+              <a:buFontTx/>
+              <a:buNone/>
+              <a:tabLst/>
+              <a:defRPr/>
+            </a:pPr>
+            <a:r>
+              <a:rPr lang="en-US" baseline="0" dirty="0" smtClean="0"/>
+              <a:t>Don’t have long estimation meetings</a:t>
+            </a:r>
+          </a:p>
+          <a:p>
+            <a:pPr marL="0" marR="0" indent="0" algn="l" defTabSz="914400" rtl="0" eaLnBrk="1" fontAlgn="auto" latinLnBrk="0" hangingPunct="1">
+              <a:lnSpc>
+                <a:spcPct val="100000"/>
+              </a:lnSpc>
+              <a:spcBef>
+                <a:spcPts val="0"/>
+              </a:spcBef>
+              <a:spcAft>
+                <a:spcPts val="0"/>
+              </a:spcAft>
+              <a:buClrTx/>
+              <a:buSzTx/>
+              <a:buFontTx/>
+              <a:buNone/>
+              <a:tabLst/>
+              <a:defRPr/>
+            </a:pPr>
+            <a:r>
+              <a:rPr lang="en-US" baseline="0" dirty="0" smtClean="0"/>
+              <a:t>Re-estimating </a:t>
+            </a:r>
+            <a:r>
+              <a:rPr lang="en-US" baseline="0" dirty="0" smtClean="0"/>
+              <a:t>work that was estimated long </a:t>
+            </a:r>
+            <a:r>
+              <a:rPr lang="en-US" baseline="0" dirty="0" smtClean="0"/>
+              <a:t>ago</a:t>
             </a:r>
             <a:endParaRPr lang="en-US" baseline="0" dirty="0" smtClean="0"/>
           </a:p>
@@ -1149,7 +1221,11 @@
           <a:bodyPr/>
           <a:lstStyle/>
           <a:p>
-            <a:endParaRPr lang="en-US" dirty="0"/>
+            <a:r>
+              <a:rPr lang="en-US" dirty="0" smtClean="0"/>
+              <a:t>Pros and cons of each</a:t>
+            </a:r>
+            <a:endParaRPr lang="en-US" baseline="0" dirty="0" smtClean="0"/>
           </a:p>
         </p:txBody>
       </p:sp>
@@ -1179,7 +1255,7 @@
     </p:spTree>
     <p:extLst>
       <p:ext uri="{BB962C8B-B14F-4D97-AF65-F5344CB8AC3E}">
-        <p14:creationId xmlns:p14="http://schemas.microsoft.com/office/powerpoint/2010/main" val="2457676039"/>
+        <p14:creationId xmlns:p14="http://schemas.microsoft.com/office/powerpoint/2010/main" val="2101706009"/>
       </p:ext>
     </p:extLst>
   </p:cSld>
@@ -1233,7 +1309,54 @@
           <a:bodyPr/>
           <a:lstStyle/>
           <a:p>
-            <a:endParaRPr lang="en-US" dirty="0"/>
+            <a:r>
+              <a:rPr lang="en-US" dirty="0" smtClean="0"/>
+              <a:t>Pros:</a:t>
+            </a:r>
+          </a:p>
+          <a:p>
+            <a:pPr marL="171450" indent="-171450">
+              <a:buFontTx/>
+              <a:buChar char="-"/>
+            </a:pPr>
+            <a:r>
+              <a:rPr lang="en-US" baseline="0" dirty="0" smtClean="0"/>
+              <a:t>Makes sense, people are used to it</a:t>
+            </a:r>
+          </a:p>
+          <a:p>
+            <a:pPr marL="171450" indent="-171450">
+              <a:buFontTx/>
+              <a:buChar char="-"/>
+            </a:pPr>
+            <a:r>
+              <a:rPr lang="en-US" baseline="0" dirty="0" smtClean="0"/>
+              <a:t>Easier if you know the app/business/subject matter well</a:t>
+            </a:r>
+          </a:p>
+          <a:p>
+            <a:pPr marL="171450" indent="-171450">
+              <a:buFontTx/>
+              <a:buChar char="-"/>
+            </a:pPr>
+            <a:r>
+              <a:rPr lang="en-US" baseline="0" dirty="0" smtClean="0"/>
+              <a:t>People doing the work do the estimating</a:t>
+            </a:r>
+          </a:p>
+          <a:p>
+            <a:pPr marL="171450" indent="-171450">
+              <a:buFontTx/>
+              <a:buChar char="-"/>
+            </a:pPr>
+            <a:endParaRPr lang="en-US" baseline="0" dirty="0" smtClean="0"/>
+          </a:p>
+          <a:p>
+            <a:pPr marL="0" indent="0">
+              <a:buFontTx/>
+              <a:buNone/>
+            </a:pPr>
+            <a:endParaRPr lang="en-US" baseline="0" dirty="0" smtClean="0"/>
           </a:p>
         </p:txBody>
       </p:sp>
@@ -1263,7 +1386,7 @@
     </p:spTree>
     <p:extLst>
       <p:ext uri="{BB962C8B-B14F-4D97-AF65-F5344CB8AC3E}">
-        <p14:creationId xmlns:p14="http://schemas.microsoft.com/office/powerpoint/2010/main" val="2457676039"/>
+        <p14:creationId xmlns:p14="http://schemas.microsoft.com/office/powerpoint/2010/main" val="2101706009"/>
       </p:ext>
     </p:extLst>
   </p:cSld>
@@ -1317,15 +1440,117 @@
           <a:bodyPr/>
           <a:lstStyle/>
           <a:p>
-            <a:r>
-              <a:rPr lang="en-US" dirty="0" smtClean="0"/>
-              <a:t>It</a:t>
-            </a:r>
+            <a:pPr marL="0" indent="0">
+              <a:buFontTx/>
+              <a:buNone/>
+            </a:pPr>
             <a:r>
               <a:rPr lang="en-US" baseline="0" dirty="0" smtClean="0"/>
-              <a:t> becomes much easier to estimate once we have data that can help us determine the right answer.</a:t>
-            </a:r>
-            <a:endParaRPr lang="en-US" dirty="0"/>
+              <a:t>Relative to other features</a:t>
+            </a:r>
+          </a:p>
+          <a:p>
+            <a:pPr marL="0" indent="0">
+              <a:buFontTx/>
+              <a:buNone/>
+            </a:pPr>
+            <a:endParaRPr lang="en-US" baseline="0" dirty="0" smtClean="0"/>
+          </a:p>
+          <a:p>
+            <a:pPr marL="0" indent="0">
+              <a:buFontTx/>
+              <a:buNone/>
+            </a:pPr>
+            <a:r>
+              <a:rPr lang="en-US" baseline="0" dirty="0" smtClean="0"/>
+              <a:t>Pros:</a:t>
+            </a:r>
+          </a:p>
+          <a:p>
+            <a:pPr marL="171450" indent="-171450">
+              <a:buFontTx/>
+              <a:buChar char="-"/>
+            </a:pPr>
+            <a:r>
+              <a:rPr lang="en-US" baseline="0" dirty="0" smtClean="0"/>
+              <a:t>Easier if you </a:t>
+            </a:r>
+            <a:r>
+              <a:rPr lang="en-US" b="1" baseline="0" dirty="0" smtClean="0"/>
+              <a:t>don’t </a:t>
+            </a:r>
+            <a:r>
+              <a:rPr lang="en-US" baseline="0" dirty="0" smtClean="0"/>
+              <a:t>know the app/business/subject matter well</a:t>
+            </a:r>
+          </a:p>
+          <a:p>
+            <a:pPr marL="171450" indent="-171450">
+              <a:buFontTx/>
+              <a:buChar char="-"/>
+            </a:pPr>
+            <a:r>
+              <a:rPr lang="en-US" baseline="0" dirty="0" smtClean="0"/>
+              <a:t>People better at estimating relative size than actual size</a:t>
+            </a:r>
+          </a:p>
+          <a:p>
+            <a:pPr marL="171450" indent="-171450">
+              <a:buFontTx/>
+              <a:buChar char="-"/>
+            </a:pPr>
+            <a:r>
+              <a:rPr lang="en-US" baseline="0" dirty="0" smtClean="0"/>
+              <a:t>People might estimate different hours but same relative size</a:t>
+            </a:r>
+          </a:p>
+          <a:p>
+            <a:pPr marL="171450" indent="-171450">
+              <a:buFontTx/>
+              <a:buChar char="-"/>
+            </a:pPr>
+            <a:r>
+              <a:rPr lang="en-US" baseline="0" dirty="0" smtClean="0"/>
+              <a:t>Velocity has more meaning</a:t>
+            </a:r>
+          </a:p>
+          <a:p>
+            <a:pPr marL="171450" indent="-171450">
+              <a:buFontTx/>
+              <a:buChar char="-"/>
+            </a:pPr>
+            <a:endParaRPr lang="en-US" baseline="0" dirty="0" smtClean="0"/>
+          </a:p>
+          <a:p>
+            <a:pPr marL="0" indent="0">
+              <a:buFontTx/>
+              <a:buNone/>
+            </a:pPr>
+            <a:r>
+              <a:rPr lang="en-US" baseline="0" dirty="0" smtClean="0"/>
+              <a:t>Cons:</a:t>
+            </a:r>
+          </a:p>
+          <a:p>
+            <a:pPr marL="171450" indent="-171450">
+              <a:buFontTx/>
+              <a:buChar char="-"/>
+            </a:pPr>
+            <a:r>
+              <a:rPr lang="en-US" baseline="0" dirty="0" smtClean="0"/>
+              <a:t>Estimating in arbitrary sizes can be awkward</a:t>
+            </a:r>
+          </a:p>
+          <a:p>
+            <a:pPr marL="171450" indent="-171450">
+              <a:buFontTx/>
+              <a:buChar char="-"/>
+            </a:pPr>
+            <a:r>
+              <a:rPr lang="en-US" baseline="0" dirty="0" smtClean="0"/>
+              <a:t>People tend to convert to hours in their head</a:t>
+            </a:r>
+            <a:endParaRPr lang="en-US" baseline="0" dirty="0" smtClean="0"/>
           </a:p>
         </p:txBody>
       </p:sp>
@@ -1355,7 +1580,7 @@
     </p:spTree>
     <p:extLst>
       <p:ext uri="{BB962C8B-B14F-4D97-AF65-F5344CB8AC3E}">
-        <p14:creationId xmlns:p14="http://schemas.microsoft.com/office/powerpoint/2010/main" val="2457676039"/>
+        <p14:creationId xmlns:p14="http://schemas.microsoft.com/office/powerpoint/2010/main" val="2101706009"/>
       </p:ext>
     </p:extLst>
   </p:cSld>
@@ -1409,41 +1634,13 @@
           <a:bodyPr/>
           <a:lstStyle/>
           <a:p>
-            <a:r>
-              <a:rPr lang="en-US" dirty="0" smtClean="0"/>
-              <a:t>Past experiences with data analysis</a:t>
-            </a:r>
-          </a:p>
-          <a:p>
-            <a:r>
-              <a:rPr lang="en-US" dirty="0" smtClean="0"/>
-              <a:t>Get</a:t>
-            </a:r>
-            <a:r>
-              <a:rPr lang="en-US" baseline="0" dirty="0" smtClean="0"/>
-              <a:t> better at estimating</a:t>
-            </a:r>
-          </a:p>
-          <a:p>
-            <a:r>
-              <a:rPr lang="en-US" baseline="0" dirty="0" smtClean="0"/>
-              <a:t>How will you know if you’re estimating correctly?</a:t>
-            </a:r>
-          </a:p>
-          <a:p>
-            <a:r>
-              <a:rPr lang="en-US" baseline="0" dirty="0" smtClean="0"/>
-              <a:t>Control variables</a:t>
-            </a:r>
-          </a:p>
-          <a:p>
             <a:pPr marL="171450" indent="-171450">
               <a:buFontTx/>
               <a:buChar char="-"/>
             </a:pPr>
             <a:r>
               <a:rPr lang="en-US" baseline="0" dirty="0" smtClean="0"/>
-              <a:t>Team members</a:t>
+              <a:t>Estimates are usually wrong</a:t>
             </a:r>
           </a:p>
           <a:p>
@@ -1453,7 +1650,7 @@
             </a:pPr>
             <a:r>
               <a:rPr lang="en-US" baseline="0" dirty="0" smtClean="0"/>
-              <a:t>Smaller teams</a:t>
+              <a:t>Break all tickets down into small enough sizes and the variance in sizes averages out</a:t>
             </a:r>
           </a:p>
           <a:p>
@@ -1463,7 +1660,7 @@
             </a:pPr>
             <a:r>
               <a:rPr lang="en-US" baseline="0" dirty="0" smtClean="0"/>
-              <a:t>Expected the unexpected</a:t>
+              <a:t>Need to have less variance in tickets</a:t>
             </a:r>
           </a:p>
           <a:p>
@@ -1473,45 +1670,9 @@
             </a:pPr>
             <a:r>
               <a:rPr lang="en-US" baseline="0" dirty="0" smtClean="0"/>
-              <a:t>Consistent hours/accounting for all hours</a:t>
-            </a:r>
-          </a:p>
-          <a:p>
-            <a:pPr marL="0" indent="0">
-              <a:buFontTx/>
-              <a:buNone/>
-            </a:pPr>
-            <a:r>
-              <a:rPr lang="en-US" baseline="0" dirty="0" smtClean="0"/>
-              <a:t>Track everything!</a:t>
-            </a:r>
-          </a:p>
-          <a:p>
-            <a:pPr marL="0" marR="0" indent="0" algn="l" defTabSz="914400" rtl="0" eaLnBrk="1" fontAlgn="auto" latinLnBrk="0" hangingPunct="1">
-              <a:lnSpc>
-                <a:spcPct val="100000"/>
-              </a:lnSpc>
-              <a:spcBef>
-                <a:spcPts val="0"/>
-              </a:spcBef>
-              <a:spcAft>
-                <a:spcPts val="0"/>
-              </a:spcAft>
-              <a:buClrTx/>
-              <a:buSzTx/>
-              <a:buFontTx/>
-              <a:buNone/>
-              <a:tabLst/>
-              <a:defRPr/>
-            </a:pPr>
-            <a:r>
-              <a:rPr lang="en-US" baseline="0" dirty="0" smtClean="0"/>
-              <a:t>Tracking estimates vs. actuals</a:t>
-            </a:r>
-            <a:endParaRPr lang="en-US" dirty="0" smtClean="0"/>
-          </a:p>
-          <a:p>
-            <a:endParaRPr lang="en-US" dirty="0"/>
+              <a:t>Alternative – T-Shirt sizes (combination of counting tickets and story points)</a:t>
+            </a:r>
+            <a:endParaRPr lang="en-US" baseline="0" dirty="0" smtClean="0"/>
           </a:p>
         </p:txBody>
       </p:sp>
@@ -1541,7 +1702,7 @@
     </p:spTree>
     <p:extLst>
       <p:ext uri="{BB962C8B-B14F-4D97-AF65-F5344CB8AC3E}">
-        <p14:creationId xmlns:p14="http://schemas.microsoft.com/office/powerpoint/2010/main" val="2457676039"/>
+        <p14:creationId xmlns:p14="http://schemas.microsoft.com/office/powerpoint/2010/main" val="2101706009"/>
       </p:ext>
     </p:extLst>
   </p:cSld>
@@ -1595,155 +1756,35 @@
           <a:bodyPr/>
           <a:lstStyle/>
           <a:p>
-            <a:pPr marL="0" marR="0" indent="0" algn="l" defTabSz="914400" rtl="0" eaLnBrk="1" fontAlgn="auto" latinLnBrk="0" hangingPunct="1">
-              <a:lnSpc>
-                <a:spcPct val="100000"/>
-              </a:lnSpc>
-              <a:spcBef>
-                <a:spcPts val="0"/>
-              </a:spcBef>
-              <a:spcAft>
-                <a:spcPts val="0"/>
-              </a:spcAft>
-              <a:buClrTx/>
-              <a:buSzTx/>
+            <a:pPr marL="171450" indent="-171450">
               <a:buFontTx/>
-              <a:buNone/>
-              <a:tabLst/>
-              <a:defRPr/>
+              <a:buChar char="-"/>
             </a:pPr>
             <a:r>
-              <a:rPr lang="en-US" dirty="0" smtClean="0"/>
-              <a:t>How much can we commit to, and what</a:t>
-            </a:r>
-            <a:r>
               <a:rPr lang="en-US" baseline="0" dirty="0" smtClean="0"/>
-              <a:t> should we work on</a:t>
-            </a:r>
-            <a:r>
-              <a:rPr lang="en-US" dirty="0" smtClean="0"/>
-              <a:t>?</a:t>
-            </a:r>
-          </a:p>
-          <a:p>
-            <a:r>
-              <a:rPr lang="en-US" dirty="0" smtClean="0"/>
-              <a:t>Tickets should already be estimated (incl.</a:t>
-            </a:r>
+              <a:t>Works well if you handle work as it comes to you </a:t>
+            </a:r>
+          </a:p>
+          <a:p>
+            <a:pPr marL="171450" indent="-171450">
+              <a:buFontTx/>
+              <a:buChar char="-"/>
+            </a:pPr>
             <a:r>
               <a:rPr lang="en-US" baseline="0" dirty="0" smtClean="0"/>
-              <a:t> analysis, testing)</a:t>
-            </a:r>
-          </a:p>
-          <a:p>
+              <a:t>Works well if the majority of the tickets aren’t known when the iteration starts</a:t>
+            </a:r>
+          </a:p>
+          <a:p>
+            <a:pPr marL="171450" indent="-171450">
+              <a:buFontTx/>
+              <a:buChar char="-"/>
+            </a:pPr>
+            <a:r>
+              <a:rPr lang="en-US" baseline="0" dirty="0" smtClean="0"/>
+              <a:t>e.g. production support</a:t>
+            </a:r>
             <a:endParaRPr lang="en-US" baseline="0" dirty="0" smtClean="0"/>
-          </a:p>
-          <a:p>
-            <a:r>
-              <a:rPr lang="en-US" baseline="0" dirty="0" smtClean="0"/>
-              <a:t>% person’s time in each discipline for moving tickets?  (separate by project)</a:t>
-            </a:r>
-          </a:p>
-          <a:p>
-            <a:r>
-              <a:rPr lang="en-US" dirty="0" smtClean="0"/>
-              <a:t>Account</a:t>
-            </a:r>
-            <a:r>
-              <a:rPr lang="en-US" baseline="0" dirty="0" smtClean="0"/>
-              <a:t> for time off, special meetings, etc.</a:t>
-            </a:r>
-          </a:p>
-          <a:p>
-            <a:pPr marL="0" marR="0" indent="0" algn="l" defTabSz="914400" rtl="0" eaLnBrk="1" fontAlgn="auto" latinLnBrk="0" hangingPunct="1">
-              <a:lnSpc>
-                <a:spcPct val="100000"/>
-              </a:lnSpc>
-              <a:spcBef>
-                <a:spcPts val="0"/>
-              </a:spcBef>
-              <a:spcAft>
-                <a:spcPts val="0"/>
-              </a:spcAft>
-              <a:buClrTx/>
-              <a:buSzTx/>
-              <a:buFontTx/>
-              <a:buNone/>
-              <a:tabLst/>
-              <a:defRPr/>
-            </a:pPr>
-            <a:r>
-              <a:rPr lang="en-US" baseline="0" dirty="0" smtClean="0"/>
-              <a:t>Expected time needed for new scope, prod support, etc.</a:t>
-            </a:r>
-          </a:p>
-          <a:p>
-            <a:pPr marL="0" marR="0" indent="0" algn="l" defTabSz="914400" rtl="0" eaLnBrk="1" fontAlgn="auto" latinLnBrk="0" hangingPunct="1">
-              <a:lnSpc>
-                <a:spcPct val="100000"/>
-              </a:lnSpc>
-              <a:spcBef>
-                <a:spcPts val="0"/>
-              </a:spcBef>
-              <a:spcAft>
-                <a:spcPts val="0"/>
-              </a:spcAft>
-              <a:buClrTx/>
-              <a:buSzTx/>
-              <a:buFontTx/>
-              <a:buNone/>
-              <a:tabLst/>
-              <a:defRPr/>
-            </a:pPr>
-            <a:r>
-              <a:rPr lang="en-US" baseline="0" dirty="0" smtClean="0"/>
-              <a:t>Normal working hours</a:t>
-            </a:r>
-          </a:p>
-          <a:p>
-            <a:r>
-              <a:rPr lang="en-US" dirty="0" smtClean="0"/>
-              <a:t>Break</a:t>
-            </a:r>
-            <a:r>
-              <a:rPr lang="en-US" baseline="0" dirty="0" smtClean="0"/>
-              <a:t> the team into smaller teams (or sub-teams) </a:t>
-            </a:r>
-          </a:p>
-          <a:p>
-            <a:r>
-              <a:rPr lang="en-US" baseline="0" dirty="0" smtClean="0"/>
-              <a:t>Each sub-team can do their own capacity planning</a:t>
-            </a:r>
-          </a:p>
-          <a:p>
-            <a:endParaRPr lang="en-US" baseline="0" dirty="0" smtClean="0"/>
-          </a:p>
-          <a:p>
-            <a:pPr marL="0" marR="0" indent="0" algn="l" defTabSz="914400" rtl="0" eaLnBrk="1" fontAlgn="auto" latinLnBrk="0" hangingPunct="1">
-              <a:lnSpc>
-                <a:spcPct val="100000"/>
-              </a:lnSpc>
-              <a:spcBef>
-                <a:spcPts val="0"/>
-              </a:spcBef>
-              <a:spcAft>
-                <a:spcPts val="0"/>
-              </a:spcAft>
-              <a:buClrTx/>
-              <a:buSzTx/>
-              <a:buFontTx/>
-              <a:buNone/>
-              <a:tabLst/>
-              <a:defRPr/>
-            </a:pPr>
-            <a:r>
-              <a:rPr lang="en-US" baseline="0" dirty="0" smtClean="0"/>
-              <a:t>Start with a gut feel, and then adjust your gut feel estimate based on data and experiences (PUT THIS POINT SOMEWHERE ELSE?)</a:t>
-            </a:r>
-          </a:p>
-          <a:p>
-            <a:endParaRPr lang="en-US" dirty="0" smtClean="0"/>
           </a:p>
         </p:txBody>
       </p:sp>
@@ -1764,7 +1805,7 @@
           <a:p>
             <a:fld id="{CF4E5B25-4A79-484F-8CBE-17420048C75D}" type="slidenum">
               <a:rPr lang="en-US" smtClean="0"/>
-              <a:t>21</a:t>
+              <a:t>19</a:t>
             </a:fld>
             <a:endParaRPr lang="en-US"/>
           </a:p>
@@ -1773,7 +1814,7 @@
     </p:spTree>
     <p:extLst>
       <p:ext uri="{BB962C8B-B14F-4D97-AF65-F5344CB8AC3E}">
-        <p14:creationId xmlns:p14="http://schemas.microsoft.com/office/powerpoint/2010/main" val="1936386122"/>
+        <p14:creationId xmlns:p14="http://schemas.microsoft.com/office/powerpoint/2010/main" val="2101706009"/>
       </p:ext>
     </p:extLst>
   </p:cSld>
@@ -1827,147 +1868,7 @@
           <a:bodyPr/>
           <a:lstStyle/>
           <a:p>
-            <a:pPr marL="0" marR="0" indent="0" algn="l" defTabSz="914400" rtl="0" eaLnBrk="1" fontAlgn="auto" latinLnBrk="0" hangingPunct="1">
-              <a:lnSpc>
-                <a:spcPct val="100000"/>
-              </a:lnSpc>
-              <a:spcBef>
-                <a:spcPts val="0"/>
-              </a:spcBef>
-              <a:spcAft>
-                <a:spcPts val="0"/>
-              </a:spcAft>
-              <a:buClrTx/>
-              <a:buSzTx/>
-              <a:buFontTx/>
-              <a:buNone/>
-              <a:tabLst/>
-              <a:defRPr/>
-            </a:pPr>
-            <a:r>
-              <a:rPr lang="en-US" baseline="0" smtClean="0"/>
-              <a:t>Product owners</a:t>
-            </a:r>
-          </a:p>
-          <a:p>
-            <a:pPr marL="0" marR="0" indent="0" algn="l" defTabSz="914400" rtl="0" eaLnBrk="1" fontAlgn="auto" latinLnBrk="0" hangingPunct="1">
-              <a:lnSpc>
-                <a:spcPct val="100000"/>
-              </a:lnSpc>
-              <a:spcBef>
-                <a:spcPts val="0"/>
-              </a:spcBef>
-              <a:spcAft>
-                <a:spcPts val="0"/>
-              </a:spcAft>
-              <a:buClrTx/>
-              <a:buSzTx/>
-              <a:buFontTx/>
-              <a:buNone/>
-              <a:tabLst/>
-              <a:defRPr/>
-            </a:pPr>
-            <a:r>
-              <a:rPr lang="en-US" baseline="0" dirty="0" smtClean="0"/>
-              <a:t>Let the business pick what you work on</a:t>
-            </a:r>
-          </a:p>
-          <a:p>
-            <a:pPr marL="0" marR="0" indent="0" algn="l" defTabSz="914400" rtl="0" eaLnBrk="1" fontAlgn="auto" latinLnBrk="0" hangingPunct="1">
-              <a:lnSpc>
-                <a:spcPct val="100000"/>
-              </a:lnSpc>
-              <a:spcBef>
-                <a:spcPts val="0"/>
-              </a:spcBef>
-              <a:spcAft>
-                <a:spcPts val="0"/>
-              </a:spcAft>
-              <a:buClrTx/>
-              <a:buSzTx/>
-              <a:buFontTx/>
-              <a:buNone/>
-              <a:tabLst/>
-              <a:defRPr/>
-            </a:pPr>
-            <a:r>
-              <a:rPr lang="en-US" baseline="0" dirty="0" smtClean="0"/>
-              <a:t>Include the business in the meeting, or meet with the before, whatever works</a:t>
-            </a:r>
-          </a:p>
-          <a:p>
-            <a:pPr marL="0" marR="0" indent="0" algn="l" defTabSz="914400" rtl="0" eaLnBrk="1" fontAlgn="auto" latinLnBrk="0" hangingPunct="1">
-              <a:lnSpc>
-                <a:spcPct val="100000"/>
-              </a:lnSpc>
-              <a:spcBef>
-                <a:spcPts val="0"/>
-              </a:spcBef>
-              <a:spcAft>
-                <a:spcPts val="0"/>
-              </a:spcAft>
-              <a:buClrTx/>
-              <a:buSzTx/>
-              <a:buFontTx/>
-              <a:buNone/>
-              <a:tabLst/>
-              <a:defRPr/>
-            </a:pPr>
-            <a:r>
-              <a:rPr lang="en-US" dirty="0" smtClean="0"/>
-              <a:t>Set goals for the iteration</a:t>
-            </a:r>
-          </a:p>
-          <a:p>
-            <a:pPr marL="0" marR="0" indent="0" algn="l" defTabSz="914400" rtl="0" eaLnBrk="1" fontAlgn="auto" latinLnBrk="0" hangingPunct="1">
-              <a:lnSpc>
-                <a:spcPct val="100000"/>
-              </a:lnSpc>
-              <a:spcBef>
-                <a:spcPts val="0"/>
-              </a:spcBef>
-              <a:spcAft>
-                <a:spcPts val="0"/>
-              </a:spcAft>
-              <a:buClrTx/>
-              <a:buSzTx/>
-              <a:buFontTx/>
-              <a:buNone/>
-              <a:tabLst/>
-              <a:defRPr/>
-            </a:pPr>
-            <a:r>
-              <a:rPr lang="en-US" dirty="0" smtClean="0"/>
-              <a:t>Swapping</a:t>
-            </a:r>
-            <a:r>
-              <a:rPr lang="en-US" baseline="0" dirty="0" smtClean="0"/>
-              <a:t> things out during the iteration</a:t>
-            </a:r>
-          </a:p>
-          <a:p>
-            <a:pPr marL="0" marR="0" indent="0" algn="l" defTabSz="914400" rtl="0" eaLnBrk="1" fontAlgn="auto" latinLnBrk="0" hangingPunct="1">
-              <a:lnSpc>
-                <a:spcPct val="100000"/>
-              </a:lnSpc>
-              <a:spcBef>
-                <a:spcPts val="0"/>
-              </a:spcBef>
-              <a:spcAft>
-                <a:spcPts val="0"/>
-              </a:spcAft>
-              <a:buClrTx/>
-              <a:buSzTx/>
-              <a:buFontTx/>
-              <a:buNone/>
-              <a:tabLst/>
-              <a:defRPr/>
-            </a:pPr>
-            <a:r>
-              <a:rPr lang="en-US" baseline="0" dirty="0" smtClean="0"/>
-              <a:t>Demos/UAT</a:t>
-            </a:r>
-            <a:endParaRPr lang="en-US" dirty="0" smtClean="0"/>
+            <a:endParaRPr lang="en-US" dirty="0"/>
           </a:p>
         </p:txBody>
       </p:sp>
@@ -1988,7 +1889,7 @@
           <a:p>
             <a:fld id="{CF4E5B25-4A79-484F-8CBE-17420048C75D}" type="slidenum">
               <a:rPr lang="en-US" smtClean="0"/>
-              <a:t>22</a:t>
+              <a:t>20</a:t>
             </a:fld>
             <a:endParaRPr lang="en-US"/>
           </a:p>
@@ -1997,7 +1898,7 @@
     </p:spTree>
     <p:extLst>
       <p:ext uri="{BB962C8B-B14F-4D97-AF65-F5344CB8AC3E}">
-        <p14:creationId xmlns:p14="http://schemas.microsoft.com/office/powerpoint/2010/main" val="1936386122"/>
+        <p14:creationId xmlns:p14="http://schemas.microsoft.com/office/powerpoint/2010/main" val="2457676039"/>
       </p:ext>
     </p:extLst>
   </p:cSld>
@@ -2052,20 +1953,16 @@
           <a:lstStyle/>
           <a:p>
             <a:r>
-              <a:rPr lang="en-US" dirty="0" smtClean="0"/>
-              <a:t>You</a:t>
-            </a:r>
-            <a:r>
               <a:rPr lang="en-US" baseline="0" dirty="0" smtClean="0"/>
-              <a:t> don’t have to be in an Agile environment to do these things, although Agile practices make this a lot easier</a:t>
+              <a:t>Management doesn’t like surprises</a:t>
             </a:r>
           </a:p>
           <a:p>
             <a:r>
               <a:rPr lang="en-US" baseline="0" dirty="0" smtClean="0"/>
-              <a:t>Apply these ideas to the work that you are doing so that you can see problems quicker</a:t>
-            </a:r>
-            <a:endParaRPr lang="en-US" dirty="0"/>
+              <a:t>Need to be able to deliver consistently</a:t>
+            </a:r>
+            <a:endParaRPr lang="en-US" baseline="0" dirty="0" smtClean="0"/>
           </a:p>
         </p:txBody>
       </p:sp>
@@ -2096,6 +1993,1191 @@
     <p:extLst>
       <p:ext uri="{BB962C8B-B14F-4D97-AF65-F5344CB8AC3E}">
         <p14:creationId xmlns:p14="http://schemas.microsoft.com/office/powerpoint/2010/main" val="3961000220"/>
+      </p:ext>
+    </p:extLst>
+  </p:cSld>
+  <p:clrMapOvr>
+    <a:masterClrMapping/>
+  </p:clrMapOvr>
+</p:notes>
+</file>
+
+<file path=ppt/notesSlides/notesSlide20.xml><?xml version="1.0" encoding="utf-8"?>
+<p:notes xmlns:a="http://schemas.openxmlformats.org/drawingml/2006/main" xmlns:r="http://schemas.openxmlformats.org/officeDocument/2006/relationships" xmlns:p="http://schemas.openxmlformats.org/presentationml/2006/main">
+  <p:cSld>
+    <p:spTree>
+      <p:nvGrpSpPr>
+        <p:cNvPr id="1" name=""/>
+        <p:cNvGrpSpPr/>
+        <p:nvPr/>
+      </p:nvGrpSpPr>
+      <p:grpSpPr>
+        <a:xfrm>
+          <a:off x="0" y="0"/>
+          <a:ext cx="0" cy="0"/>
+          <a:chOff x="0" y="0"/>
+          <a:chExt cx="0" cy="0"/>
+        </a:xfrm>
+      </p:grpSpPr>
+      <p:sp>
+        <p:nvSpPr>
+          <p:cNvPr id="2" name="Slide Image Placeholder 1"/>
+          <p:cNvSpPr>
+            <a:spLocks noGrp="1" noRot="1" noChangeAspect="1"/>
+          </p:cNvSpPr>
+          <p:nvPr>
+            <p:ph type="sldImg"/>
+          </p:nvPr>
+        </p:nvSpPr>
+        <p:spPr/>
+      </p:sp>
+      <p:sp>
+        <p:nvSpPr>
+          <p:cNvPr id="3" name="Notes Placeholder 2"/>
+          <p:cNvSpPr>
+            <a:spLocks noGrp="1"/>
+          </p:cNvSpPr>
+          <p:nvPr>
+            <p:ph type="body" idx="1"/>
+          </p:nvPr>
+        </p:nvSpPr>
+        <p:spPr/>
+        <p:txBody>
+          <a:bodyPr/>
+          <a:lstStyle/>
+          <a:p>
+            <a:endParaRPr lang="en-US" dirty="0"/>
+          </a:p>
+        </p:txBody>
+      </p:sp>
+      <p:sp>
+        <p:nvSpPr>
+          <p:cNvPr id="4" name="Slide Number Placeholder 3"/>
+          <p:cNvSpPr>
+            <a:spLocks noGrp="1"/>
+          </p:cNvSpPr>
+          <p:nvPr>
+            <p:ph type="sldNum" sz="quarter" idx="10"/>
+          </p:nvPr>
+        </p:nvSpPr>
+        <p:spPr/>
+        <p:txBody>
+          <a:bodyPr/>
+          <a:lstStyle/>
+          <a:p>
+            <a:fld id="{CF4E5B25-4A79-484F-8CBE-17420048C75D}" type="slidenum">
+              <a:rPr lang="en-US" smtClean="0"/>
+              <a:t>21</a:t>
+            </a:fld>
+            <a:endParaRPr lang="en-US"/>
+          </a:p>
+        </p:txBody>
+      </p:sp>
+    </p:spTree>
+    <p:extLst>
+      <p:ext uri="{BB962C8B-B14F-4D97-AF65-F5344CB8AC3E}">
+        <p14:creationId xmlns:p14="http://schemas.microsoft.com/office/powerpoint/2010/main" val="2457676039"/>
+      </p:ext>
+    </p:extLst>
+  </p:cSld>
+  <p:clrMapOvr>
+    <a:masterClrMapping/>
+  </p:clrMapOvr>
+</p:notes>
+</file>
+
+<file path=ppt/notesSlides/notesSlide21.xml><?xml version="1.0" encoding="utf-8"?>
+<p:notes xmlns:a="http://schemas.openxmlformats.org/drawingml/2006/main" xmlns:r="http://schemas.openxmlformats.org/officeDocument/2006/relationships" xmlns:p="http://schemas.openxmlformats.org/presentationml/2006/main">
+  <p:cSld>
+    <p:spTree>
+      <p:nvGrpSpPr>
+        <p:cNvPr id="1" name=""/>
+        <p:cNvGrpSpPr/>
+        <p:nvPr/>
+      </p:nvGrpSpPr>
+      <p:grpSpPr>
+        <a:xfrm>
+          <a:off x="0" y="0"/>
+          <a:ext cx="0" cy="0"/>
+          <a:chOff x="0" y="0"/>
+          <a:chExt cx="0" cy="0"/>
+        </a:xfrm>
+      </p:grpSpPr>
+      <p:sp>
+        <p:nvSpPr>
+          <p:cNvPr id="2" name="Slide Image Placeholder 1"/>
+          <p:cNvSpPr>
+            <a:spLocks noGrp="1" noRot="1" noChangeAspect="1"/>
+          </p:cNvSpPr>
+          <p:nvPr>
+            <p:ph type="sldImg"/>
+          </p:nvPr>
+        </p:nvSpPr>
+        <p:spPr/>
+      </p:sp>
+      <p:sp>
+        <p:nvSpPr>
+          <p:cNvPr id="3" name="Notes Placeholder 2"/>
+          <p:cNvSpPr>
+            <a:spLocks noGrp="1"/>
+          </p:cNvSpPr>
+          <p:nvPr>
+            <p:ph type="body" idx="1"/>
+          </p:nvPr>
+        </p:nvSpPr>
+        <p:spPr/>
+        <p:txBody>
+          <a:bodyPr/>
+          <a:lstStyle/>
+          <a:p>
+            <a:r>
+              <a:rPr lang="en-US" dirty="0" smtClean="0"/>
+              <a:t>It</a:t>
+            </a:r>
+            <a:r>
+              <a:rPr lang="en-US" baseline="0" dirty="0" smtClean="0"/>
+              <a:t> becomes much easier to estimate once we have data that can help us determine the right answer.</a:t>
+            </a:r>
+            <a:endParaRPr lang="en-US" dirty="0"/>
+          </a:p>
+        </p:txBody>
+      </p:sp>
+      <p:sp>
+        <p:nvSpPr>
+          <p:cNvPr id="4" name="Slide Number Placeholder 3"/>
+          <p:cNvSpPr>
+            <a:spLocks noGrp="1"/>
+          </p:cNvSpPr>
+          <p:nvPr>
+            <p:ph type="sldNum" sz="quarter" idx="10"/>
+          </p:nvPr>
+        </p:nvSpPr>
+        <p:spPr/>
+        <p:txBody>
+          <a:bodyPr/>
+          <a:lstStyle/>
+          <a:p>
+            <a:fld id="{CF4E5B25-4A79-484F-8CBE-17420048C75D}" type="slidenum">
+              <a:rPr lang="en-US" smtClean="0"/>
+              <a:t>22</a:t>
+            </a:fld>
+            <a:endParaRPr lang="en-US"/>
+          </a:p>
+        </p:txBody>
+      </p:sp>
+    </p:spTree>
+    <p:extLst>
+      <p:ext uri="{BB962C8B-B14F-4D97-AF65-F5344CB8AC3E}">
+        <p14:creationId xmlns:p14="http://schemas.microsoft.com/office/powerpoint/2010/main" val="2457676039"/>
+      </p:ext>
+    </p:extLst>
+  </p:cSld>
+  <p:clrMapOvr>
+    <a:masterClrMapping/>
+  </p:clrMapOvr>
+</p:notes>
+</file>
+
+<file path=ppt/notesSlides/notesSlide22.xml><?xml version="1.0" encoding="utf-8"?>
+<p:notes xmlns:a="http://schemas.openxmlformats.org/drawingml/2006/main" xmlns:r="http://schemas.openxmlformats.org/officeDocument/2006/relationships" xmlns:p="http://schemas.openxmlformats.org/presentationml/2006/main">
+  <p:cSld>
+    <p:spTree>
+      <p:nvGrpSpPr>
+        <p:cNvPr id="1" name=""/>
+        <p:cNvGrpSpPr/>
+        <p:nvPr/>
+      </p:nvGrpSpPr>
+      <p:grpSpPr>
+        <a:xfrm>
+          <a:off x="0" y="0"/>
+          <a:ext cx="0" cy="0"/>
+          <a:chOff x="0" y="0"/>
+          <a:chExt cx="0" cy="0"/>
+        </a:xfrm>
+      </p:grpSpPr>
+      <p:sp>
+        <p:nvSpPr>
+          <p:cNvPr id="2" name="Slide Image Placeholder 1"/>
+          <p:cNvSpPr>
+            <a:spLocks noGrp="1" noRot="1" noChangeAspect="1"/>
+          </p:cNvSpPr>
+          <p:nvPr>
+            <p:ph type="sldImg"/>
+          </p:nvPr>
+        </p:nvSpPr>
+        <p:spPr/>
+      </p:sp>
+      <p:sp>
+        <p:nvSpPr>
+          <p:cNvPr id="3" name="Notes Placeholder 2"/>
+          <p:cNvSpPr>
+            <a:spLocks noGrp="1"/>
+          </p:cNvSpPr>
+          <p:nvPr>
+            <p:ph type="body" idx="1"/>
+          </p:nvPr>
+        </p:nvSpPr>
+        <p:spPr/>
+        <p:txBody>
+          <a:bodyPr/>
+          <a:lstStyle/>
+          <a:p>
+            <a:r>
+              <a:rPr lang="en-US" dirty="0" smtClean="0"/>
+              <a:t>Past experiences with data analysis</a:t>
+            </a:r>
+          </a:p>
+          <a:p>
+            <a:r>
+              <a:rPr lang="en-US" dirty="0" smtClean="0"/>
+              <a:t>Get</a:t>
+            </a:r>
+            <a:r>
+              <a:rPr lang="en-US" baseline="0" dirty="0" smtClean="0"/>
+              <a:t> better at estimating</a:t>
+            </a:r>
+          </a:p>
+          <a:p>
+            <a:r>
+              <a:rPr lang="en-US" baseline="0" dirty="0" smtClean="0"/>
+              <a:t>How will you know if you’re estimating correctly?</a:t>
+            </a:r>
+          </a:p>
+          <a:p>
+            <a:r>
+              <a:rPr lang="en-US" baseline="0" dirty="0" smtClean="0"/>
+              <a:t>Control variables</a:t>
+            </a:r>
+          </a:p>
+          <a:p>
+            <a:pPr marL="171450" indent="-171450">
+              <a:buFontTx/>
+              <a:buChar char="-"/>
+            </a:pPr>
+            <a:r>
+              <a:rPr lang="en-US" baseline="0" dirty="0" smtClean="0"/>
+              <a:t>Team members</a:t>
+            </a:r>
+          </a:p>
+          <a:p>
+            <a:pPr marL="171450" indent="-171450">
+              <a:buFontTx/>
+              <a:buChar char="-"/>
+            </a:pPr>
+            <a:r>
+              <a:rPr lang="en-US" baseline="0" dirty="0" smtClean="0"/>
+              <a:t>Smaller teams</a:t>
+            </a:r>
+          </a:p>
+          <a:p>
+            <a:pPr marL="171450" indent="-171450">
+              <a:buFontTx/>
+              <a:buChar char="-"/>
+            </a:pPr>
+            <a:r>
+              <a:rPr lang="en-US" baseline="0" dirty="0" smtClean="0"/>
+              <a:t>Expected the unexpected</a:t>
+            </a:r>
+          </a:p>
+          <a:p>
+            <a:pPr marL="171450" indent="-171450">
+              <a:buFontTx/>
+              <a:buChar char="-"/>
+            </a:pPr>
+            <a:r>
+              <a:rPr lang="en-US" baseline="0" dirty="0" smtClean="0"/>
+              <a:t>Consistent hours/accounting for all hours</a:t>
+            </a:r>
+          </a:p>
+          <a:p>
+            <a:pPr marL="0" indent="0">
+              <a:buFontTx/>
+              <a:buNone/>
+            </a:pPr>
+            <a:r>
+              <a:rPr lang="en-US" baseline="0" dirty="0" smtClean="0"/>
+              <a:t>Track everything!</a:t>
+            </a:r>
+          </a:p>
+          <a:p>
+            <a:pPr marL="0" marR="0" indent="0" algn="l" defTabSz="914400" rtl="0" eaLnBrk="1" fontAlgn="auto" latinLnBrk="0" hangingPunct="1">
+              <a:lnSpc>
+                <a:spcPct val="100000"/>
+              </a:lnSpc>
+              <a:spcBef>
+                <a:spcPts val="0"/>
+              </a:spcBef>
+              <a:spcAft>
+                <a:spcPts val="0"/>
+              </a:spcAft>
+              <a:buClrTx/>
+              <a:buSzTx/>
+              <a:buFontTx/>
+              <a:buNone/>
+              <a:tabLst/>
+              <a:defRPr/>
+            </a:pPr>
+            <a:r>
+              <a:rPr lang="en-US" baseline="0" dirty="0" smtClean="0"/>
+              <a:t>Tracking estimates vs. </a:t>
+            </a:r>
+            <a:r>
+              <a:rPr lang="en-US" baseline="0" dirty="0" smtClean="0"/>
+              <a:t>actuals</a:t>
+            </a:r>
+            <a:endParaRPr lang="en-US" dirty="0" smtClean="0"/>
+          </a:p>
+        </p:txBody>
+      </p:sp>
+      <p:sp>
+        <p:nvSpPr>
+          <p:cNvPr id="4" name="Slide Number Placeholder 3"/>
+          <p:cNvSpPr>
+            <a:spLocks noGrp="1"/>
+          </p:cNvSpPr>
+          <p:nvPr>
+            <p:ph type="sldNum" sz="quarter" idx="10"/>
+          </p:nvPr>
+        </p:nvSpPr>
+        <p:spPr/>
+        <p:txBody>
+          <a:bodyPr/>
+          <a:lstStyle/>
+          <a:p>
+            <a:fld id="{CF4E5B25-4A79-484F-8CBE-17420048C75D}" type="slidenum">
+              <a:rPr lang="en-US" smtClean="0"/>
+              <a:t>23</a:t>
+            </a:fld>
+            <a:endParaRPr lang="en-US"/>
+          </a:p>
+        </p:txBody>
+      </p:sp>
+    </p:spTree>
+    <p:extLst>
+      <p:ext uri="{BB962C8B-B14F-4D97-AF65-F5344CB8AC3E}">
+        <p14:creationId xmlns:p14="http://schemas.microsoft.com/office/powerpoint/2010/main" val="2457676039"/>
+      </p:ext>
+    </p:extLst>
+  </p:cSld>
+  <p:clrMapOvr>
+    <a:masterClrMapping/>
+  </p:clrMapOvr>
+</p:notes>
+</file>
+
+<file path=ppt/notesSlides/notesSlide23.xml><?xml version="1.0" encoding="utf-8"?>
+<p:notes xmlns:a="http://schemas.openxmlformats.org/drawingml/2006/main" xmlns:r="http://schemas.openxmlformats.org/officeDocument/2006/relationships" xmlns:p="http://schemas.openxmlformats.org/presentationml/2006/main">
+  <p:cSld>
+    <p:spTree>
+      <p:nvGrpSpPr>
+        <p:cNvPr id="1" name=""/>
+        <p:cNvGrpSpPr/>
+        <p:nvPr/>
+      </p:nvGrpSpPr>
+      <p:grpSpPr>
+        <a:xfrm>
+          <a:off x="0" y="0"/>
+          <a:ext cx="0" cy="0"/>
+          <a:chOff x="0" y="0"/>
+          <a:chExt cx="0" cy="0"/>
+        </a:xfrm>
+      </p:grpSpPr>
+      <p:sp>
+        <p:nvSpPr>
+          <p:cNvPr id="2" name="Slide Image Placeholder 1"/>
+          <p:cNvSpPr>
+            <a:spLocks noGrp="1" noRot="1" noChangeAspect="1"/>
+          </p:cNvSpPr>
+          <p:nvPr>
+            <p:ph type="sldImg"/>
+          </p:nvPr>
+        </p:nvSpPr>
+        <p:spPr/>
+      </p:sp>
+      <p:sp>
+        <p:nvSpPr>
+          <p:cNvPr id="3" name="Notes Placeholder 2"/>
+          <p:cNvSpPr>
+            <a:spLocks noGrp="1"/>
+          </p:cNvSpPr>
+          <p:nvPr>
+            <p:ph type="body" idx="1"/>
+          </p:nvPr>
+        </p:nvSpPr>
+        <p:spPr/>
+        <p:txBody>
+          <a:bodyPr/>
+          <a:lstStyle/>
+          <a:p>
+            <a:r>
+              <a:rPr lang="en-US" dirty="0" smtClean="0"/>
+              <a:t>- Track everything you do</a:t>
+            </a:r>
+          </a:p>
+          <a:p>
+            <a:r>
+              <a:rPr lang="en-US" dirty="0" smtClean="0"/>
+              <a:t>- % time per activity</a:t>
+            </a:r>
+          </a:p>
+          <a:p>
+            <a:r>
+              <a:rPr lang="en-US" dirty="0" smtClean="0"/>
+              <a:t>   - difference between 50% and 60%</a:t>
+            </a:r>
+          </a:p>
+          <a:p>
+            <a:r>
+              <a:rPr lang="en-US" dirty="0" smtClean="0"/>
+              <a:t>- "invisible time" - time doing things without recording what it went towards</a:t>
+            </a:r>
+          </a:p>
+          <a:p>
+            <a:pPr marL="171450" indent="-171450">
+              <a:buFontTx/>
+              <a:buChar char="-"/>
+            </a:pPr>
+            <a:r>
+              <a:rPr lang="en-US" dirty="0" smtClean="0"/>
+              <a:t>create tickets for everything</a:t>
+            </a:r>
+          </a:p>
+          <a:p>
+            <a:pPr marL="171450" indent="-171450">
+              <a:buFontTx/>
+              <a:buChar char="-"/>
+            </a:pPr>
+            <a:r>
+              <a:rPr lang="en-US" dirty="0" smtClean="0"/>
+              <a:t>Compare</a:t>
+            </a:r>
+            <a:r>
+              <a:rPr lang="en-US" baseline="0" dirty="0" smtClean="0"/>
+              <a:t> estimates vs. actuals</a:t>
+            </a:r>
+            <a:endParaRPr lang="en-US" dirty="0" smtClean="0"/>
+          </a:p>
+          <a:p>
+            <a:r>
+              <a:rPr lang="en-US" dirty="0" smtClean="0"/>
+              <a:t>- Danger – things feeling up your day</a:t>
+            </a:r>
+          </a:p>
+          <a:p>
+            <a:r>
+              <a:rPr lang="en-US" dirty="0" smtClean="0"/>
+              <a:t>- Limit meetings so that you can have as much time to get work done as you committed to</a:t>
+            </a:r>
+          </a:p>
+        </p:txBody>
+      </p:sp>
+      <p:sp>
+        <p:nvSpPr>
+          <p:cNvPr id="4" name="Slide Number Placeholder 3"/>
+          <p:cNvSpPr>
+            <a:spLocks noGrp="1"/>
+          </p:cNvSpPr>
+          <p:nvPr>
+            <p:ph type="sldNum" sz="quarter" idx="10"/>
+          </p:nvPr>
+        </p:nvSpPr>
+        <p:spPr/>
+        <p:txBody>
+          <a:bodyPr/>
+          <a:lstStyle/>
+          <a:p>
+            <a:fld id="{CF4E5B25-4A79-484F-8CBE-17420048C75D}" type="slidenum">
+              <a:rPr lang="en-US" smtClean="0"/>
+              <a:t>24</a:t>
+            </a:fld>
+            <a:endParaRPr lang="en-US"/>
+          </a:p>
+        </p:txBody>
+      </p:sp>
+    </p:spTree>
+    <p:extLst>
+      <p:ext uri="{BB962C8B-B14F-4D97-AF65-F5344CB8AC3E}">
+        <p14:creationId xmlns:p14="http://schemas.microsoft.com/office/powerpoint/2010/main" val="2457676039"/>
+      </p:ext>
+    </p:extLst>
+  </p:cSld>
+  <p:clrMapOvr>
+    <a:masterClrMapping/>
+  </p:clrMapOvr>
+</p:notes>
+</file>
+
+<file path=ppt/notesSlides/notesSlide24.xml><?xml version="1.0" encoding="utf-8"?>
+<p:notes xmlns:a="http://schemas.openxmlformats.org/drawingml/2006/main" xmlns:r="http://schemas.openxmlformats.org/officeDocument/2006/relationships" xmlns:p="http://schemas.openxmlformats.org/presentationml/2006/main">
+  <p:cSld>
+    <p:spTree>
+      <p:nvGrpSpPr>
+        <p:cNvPr id="1" name=""/>
+        <p:cNvGrpSpPr/>
+        <p:nvPr/>
+      </p:nvGrpSpPr>
+      <p:grpSpPr>
+        <a:xfrm>
+          <a:off x="0" y="0"/>
+          <a:ext cx="0" cy="0"/>
+          <a:chOff x="0" y="0"/>
+          <a:chExt cx="0" cy="0"/>
+        </a:xfrm>
+      </p:grpSpPr>
+      <p:sp>
+        <p:nvSpPr>
+          <p:cNvPr id="2" name="Slide Image Placeholder 1"/>
+          <p:cNvSpPr>
+            <a:spLocks noGrp="1" noRot="1" noChangeAspect="1"/>
+          </p:cNvSpPr>
+          <p:nvPr>
+            <p:ph type="sldImg"/>
+          </p:nvPr>
+        </p:nvSpPr>
+        <p:spPr/>
+      </p:sp>
+      <p:sp>
+        <p:nvSpPr>
+          <p:cNvPr id="3" name="Notes Placeholder 2"/>
+          <p:cNvSpPr>
+            <a:spLocks noGrp="1"/>
+          </p:cNvSpPr>
+          <p:nvPr>
+            <p:ph type="body" idx="1"/>
+          </p:nvPr>
+        </p:nvSpPr>
+        <p:spPr/>
+        <p:txBody>
+          <a:bodyPr/>
+          <a:lstStyle/>
+          <a:p>
+            <a:r>
+              <a:rPr lang="en-US" dirty="0" smtClean="0"/>
+              <a:t>Things</a:t>
+            </a:r>
+            <a:r>
+              <a:rPr lang="en-US" baseline="0" dirty="0" smtClean="0"/>
+              <a:t> you track that you might share with others to communicate status</a:t>
+            </a:r>
+            <a:endParaRPr lang="en-US" dirty="0"/>
+          </a:p>
+        </p:txBody>
+      </p:sp>
+      <p:sp>
+        <p:nvSpPr>
+          <p:cNvPr id="4" name="Slide Number Placeholder 3"/>
+          <p:cNvSpPr>
+            <a:spLocks noGrp="1"/>
+          </p:cNvSpPr>
+          <p:nvPr>
+            <p:ph type="sldNum" sz="quarter" idx="10"/>
+          </p:nvPr>
+        </p:nvSpPr>
+        <p:spPr/>
+        <p:txBody>
+          <a:bodyPr/>
+          <a:lstStyle/>
+          <a:p>
+            <a:fld id="{CF4E5B25-4A79-484F-8CBE-17420048C75D}" type="slidenum">
+              <a:rPr lang="en-US" smtClean="0"/>
+              <a:t>25</a:t>
+            </a:fld>
+            <a:endParaRPr lang="en-US"/>
+          </a:p>
+        </p:txBody>
+      </p:sp>
+    </p:spTree>
+    <p:extLst>
+      <p:ext uri="{BB962C8B-B14F-4D97-AF65-F5344CB8AC3E}">
+        <p14:creationId xmlns:p14="http://schemas.microsoft.com/office/powerpoint/2010/main" val="3965149903"/>
+      </p:ext>
+    </p:extLst>
+  </p:cSld>
+  <p:clrMapOvr>
+    <a:masterClrMapping/>
+  </p:clrMapOvr>
+</p:notes>
+</file>
+
+<file path=ppt/notesSlides/notesSlide25.xml><?xml version="1.0" encoding="utf-8"?>
+<p:notes xmlns:a="http://schemas.openxmlformats.org/drawingml/2006/main" xmlns:r="http://schemas.openxmlformats.org/officeDocument/2006/relationships" xmlns:p="http://schemas.openxmlformats.org/presentationml/2006/main">
+  <p:cSld>
+    <p:spTree>
+      <p:nvGrpSpPr>
+        <p:cNvPr id="1" name=""/>
+        <p:cNvGrpSpPr/>
+        <p:nvPr/>
+      </p:nvGrpSpPr>
+      <p:grpSpPr>
+        <a:xfrm>
+          <a:off x="0" y="0"/>
+          <a:ext cx="0" cy="0"/>
+          <a:chOff x="0" y="0"/>
+          <a:chExt cx="0" cy="0"/>
+        </a:xfrm>
+      </p:grpSpPr>
+      <p:sp>
+        <p:nvSpPr>
+          <p:cNvPr id="2" name="Slide Image Placeholder 1"/>
+          <p:cNvSpPr>
+            <a:spLocks noGrp="1" noRot="1" noChangeAspect="1"/>
+          </p:cNvSpPr>
+          <p:nvPr>
+            <p:ph type="sldImg"/>
+          </p:nvPr>
+        </p:nvSpPr>
+        <p:spPr/>
+      </p:sp>
+      <p:sp>
+        <p:nvSpPr>
+          <p:cNvPr id="3" name="Notes Placeholder 2"/>
+          <p:cNvSpPr>
+            <a:spLocks noGrp="1"/>
+          </p:cNvSpPr>
+          <p:nvPr>
+            <p:ph type="body" idx="1"/>
+          </p:nvPr>
+        </p:nvSpPr>
+        <p:spPr/>
+        <p:txBody>
+          <a:bodyPr/>
+          <a:lstStyle/>
+          <a:p>
+            <a:r>
+              <a:rPr lang="en-US" dirty="0" smtClean="0"/>
+              <a:t>How would you</a:t>
+            </a:r>
+            <a:r>
+              <a:rPr lang="en-US" baseline="0" dirty="0" smtClean="0"/>
+              <a:t> interpret this?</a:t>
+            </a:r>
+            <a:endParaRPr lang="en-US" dirty="0"/>
+          </a:p>
+        </p:txBody>
+      </p:sp>
+      <p:sp>
+        <p:nvSpPr>
+          <p:cNvPr id="4" name="Slide Number Placeholder 3"/>
+          <p:cNvSpPr>
+            <a:spLocks noGrp="1"/>
+          </p:cNvSpPr>
+          <p:nvPr>
+            <p:ph type="sldNum" sz="quarter" idx="10"/>
+          </p:nvPr>
+        </p:nvSpPr>
+        <p:spPr/>
+        <p:txBody>
+          <a:bodyPr/>
+          <a:lstStyle/>
+          <a:p>
+            <a:fld id="{CF4E5B25-4A79-484F-8CBE-17420048C75D}" type="slidenum">
+              <a:rPr lang="en-US" smtClean="0"/>
+              <a:t>27</a:t>
+            </a:fld>
+            <a:endParaRPr lang="en-US"/>
+          </a:p>
+        </p:txBody>
+      </p:sp>
+    </p:spTree>
+    <p:extLst>
+      <p:ext uri="{BB962C8B-B14F-4D97-AF65-F5344CB8AC3E}">
+        <p14:creationId xmlns:p14="http://schemas.microsoft.com/office/powerpoint/2010/main" val="1231796444"/>
+      </p:ext>
+    </p:extLst>
+  </p:cSld>
+  <p:clrMapOvr>
+    <a:masterClrMapping/>
+  </p:clrMapOvr>
+</p:notes>
+</file>
+
+<file path=ppt/notesSlides/notesSlide26.xml><?xml version="1.0" encoding="utf-8"?>
+<p:notes xmlns:a="http://schemas.openxmlformats.org/drawingml/2006/main" xmlns:r="http://schemas.openxmlformats.org/officeDocument/2006/relationships" xmlns:p="http://schemas.openxmlformats.org/presentationml/2006/main">
+  <p:cSld>
+    <p:spTree>
+      <p:nvGrpSpPr>
+        <p:cNvPr id="1" name=""/>
+        <p:cNvGrpSpPr/>
+        <p:nvPr/>
+      </p:nvGrpSpPr>
+      <p:grpSpPr>
+        <a:xfrm>
+          <a:off x="0" y="0"/>
+          <a:ext cx="0" cy="0"/>
+          <a:chOff x="0" y="0"/>
+          <a:chExt cx="0" cy="0"/>
+        </a:xfrm>
+      </p:grpSpPr>
+      <p:sp>
+        <p:nvSpPr>
+          <p:cNvPr id="2" name="Slide Image Placeholder 1"/>
+          <p:cNvSpPr>
+            <a:spLocks noGrp="1" noRot="1" noChangeAspect="1"/>
+          </p:cNvSpPr>
+          <p:nvPr>
+            <p:ph type="sldImg"/>
+          </p:nvPr>
+        </p:nvSpPr>
+        <p:spPr/>
+      </p:sp>
+      <p:sp>
+        <p:nvSpPr>
+          <p:cNvPr id="3" name="Notes Placeholder 2"/>
+          <p:cNvSpPr>
+            <a:spLocks noGrp="1"/>
+          </p:cNvSpPr>
+          <p:nvPr>
+            <p:ph type="body" idx="1"/>
+          </p:nvPr>
+        </p:nvSpPr>
+        <p:spPr/>
+        <p:txBody>
+          <a:bodyPr/>
+          <a:lstStyle/>
+          <a:p>
+            <a:r>
+              <a:rPr lang="en-US" dirty="0" smtClean="0"/>
+              <a:t>Things</a:t>
+            </a:r>
+            <a:r>
+              <a:rPr lang="en-US" baseline="0" dirty="0" smtClean="0"/>
+              <a:t> I’m going to track to help me plan/estimate</a:t>
+            </a:r>
+          </a:p>
+          <a:p>
+            <a:r>
+              <a:rPr lang="en-US" baseline="0" dirty="0" smtClean="0"/>
+              <a:t>Not going to share (outside the team)</a:t>
+            </a:r>
+            <a:endParaRPr lang="en-US" dirty="0"/>
+          </a:p>
+        </p:txBody>
+      </p:sp>
+      <p:sp>
+        <p:nvSpPr>
+          <p:cNvPr id="4" name="Slide Number Placeholder 3"/>
+          <p:cNvSpPr>
+            <a:spLocks noGrp="1"/>
+          </p:cNvSpPr>
+          <p:nvPr>
+            <p:ph type="sldNum" sz="quarter" idx="10"/>
+          </p:nvPr>
+        </p:nvSpPr>
+        <p:spPr/>
+        <p:txBody>
+          <a:bodyPr/>
+          <a:lstStyle/>
+          <a:p>
+            <a:fld id="{CF4E5B25-4A79-484F-8CBE-17420048C75D}" type="slidenum">
+              <a:rPr lang="en-US" smtClean="0"/>
+              <a:t>28</a:t>
+            </a:fld>
+            <a:endParaRPr lang="en-US"/>
+          </a:p>
+        </p:txBody>
+      </p:sp>
+    </p:spTree>
+    <p:extLst>
+      <p:ext uri="{BB962C8B-B14F-4D97-AF65-F5344CB8AC3E}">
+        <p14:creationId xmlns:p14="http://schemas.microsoft.com/office/powerpoint/2010/main" val="4119223399"/>
+      </p:ext>
+    </p:extLst>
+  </p:cSld>
+  <p:clrMapOvr>
+    <a:masterClrMapping/>
+  </p:clrMapOvr>
+</p:notes>
+</file>
+
+<file path=ppt/notesSlides/notesSlide27.xml><?xml version="1.0" encoding="utf-8"?>
+<p:notes xmlns:a="http://schemas.openxmlformats.org/drawingml/2006/main" xmlns:r="http://schemas.openxmlformats.org/officeDocument/2006/relationships" xmlns:p="http://schemas.openxmlformats.org/presentationml/2006/main">
+  <p:cSld>
+    <p:spTree>
+      <p:nvGrpSpPr>
+        <p:cNvPr id="1" name=""/>
+        <p:cNvGrpSpPr/>
+        <p:nvPr/>
+      </p:nvGrpSpPr>
+      <p:grpSpPr>
+        <a:xfrm>
+          <a:off x="0" y="0"/>
+          <a:ext cx="0" cy="0"/>
+          <a:chOff x="0" y="0"/>
+          <a:chExt cx="0" cy="0"/>
+        </a:xfrm>
+      </p:grpSpPr>
+      <p:sp>
+        <p:nvSpPr>
+          <p:cNvPr id="2" name="Slide Image Placeholder 1"/>
+          <p:cNvSpPr>
+            <a:spLocks noGrp="1" noRot="1" noChangeAspect="1"/>
+          </p:cNvSpPr>
+          <p:nvPr>
+            <p:ph type="sldImg"/>
+          </p:nvPr>
+        </p:nvSpPr>
+        <p:spPr/>
+      </p:sp>
+      <p:sp>
+        <p:nvSpPr>
+          <p:cNvPr id="3" name="Notes Placeholder 2"/>
+          <p:cNvSpPr>
+            <a:spLocks noGrp="1"/>
+          </p:cNvSpPr>
+          <p:nvPr>
+            <p:ph type="body" idx="1"/>
+          </p:nvPr>
+        </p:nvSpPr>
+        <p:spPr/>
+        <p:txBody>
+          <a:bodyPr/>
+          <a:lstStyle/>
+          <a:p>
+            <a:endParaRPr lang="en-US" dirty="0"/>
+          </a:p>
+        </p:txBody>
+      </p:sp>
+      <p:sp>
+        <p:nvSpPr>
+          <p:cNvPr id="4" name="Slide Number Placeholder 3"/>
+          <p:cNvSpPr>
+            <a:spLocks noGrp="1"/>
+          </p:cNvSpPr>
+          <p:nvPr>
+            <p:ph type="sldNum" sz="quarter" idx="10"/>
+          </p:nvPr>
+        </p:nvSpPr>
+        <p:spPr/>
+        <p:txBody>
+          <a:bodyPr/>
+          <a:lstStyle/>
+          <a:p>
+            <a:fld id="{CF4E5B25-4A79-484F-8CBE-17420048C75D}" type="slidenum">
+              <a:rPr lang="en-US" smtClean="0"/>
+              <a:t>29</a:t>
+            </a:fld>
+            <a:endParaRPr lang="en-US"/>
+          </a:p>
+        </p:txBody>
+      </p:sp>
+    </p:spTree>
+    <p:extLst>
+      <p:ext uri="{BB962C8B-B14F-4D97-AF65-F5344CB8AC3E}">
+        <p14:creationId xmlns:p14="http://schemas.microsoft.com/office/powerpoint/2010/main" val="4119223399"/>
+      </p:ext>
+    </p:extLst>
+  </p:cSld>
+  <p:clrMapOvr>
+    <a:masterClrMapping/>
+  </p:clrMapOvr>
+</p:notes>
+</file>
+
+<file path=ppt/notesSlides/notesSlide28.xml><?xml version="1.0" encoding="utf-8"?>
+<p:notes xmlns:a="http://schemas.openxmlformats.org/drawingml/2006/main" xmlns:r="http://schemas.openxmlformats.org/officeDocument/2006/relationships" xmlns:p="http://schemas.openxmlformats.org/presentationml/2006/main">
+  <p:cSld>
+    <p:spTree>
+      <p:nvGrpSpPr>
+        <p:cNvPr id="1" name=""/>
+        <p:cNvGrpSpPr/>
+        <p:nvPr/>
+      </p:nvGrpSpPr>
+      <p:grpSpPr>
+        <a:xfrm>
+          <a:off x="0" y="0"/>
+          <a:ext cx="0" cy="0"/>
+          <a:chOff x="0" y="0"/>
+          <a:chExt cx="0" cy="0"/>
+        </a:xfrm>
+      </p:grpSpPr>
+      <p:sp>
+        <p:nvSpPr>
+          <p:cNvPr id="2" name="Slide Image Placeholder 1"/>
+          <p:cNvSpPr>
+            <a:spLocks noGrp="1" noRot="1" noChangeAspect="1"/>
+          </p:cNvSpPr>
+          <p:nvPr>
+            <p:ph type="sldImg"/>
+          </p:nvPr>
+        </p:nvSpPr>
+        <p:spPr/>
+      </p:sp>
+      <p:sp>
+        <p:nvSpPr>
+          <p:cNvPr id="3" name="Notes Placeholder 2"/>
+          <p:cNvSpPr>
+            <a:spLocks noGrp="1"/>
+          </p:cNvSpPr>
+          <p:nvPr>
+            <p:ph type="body" idx="1"/>
+          </p:nvPr>
+        </p:nvSpPr>
+        <p:spPr/>
+        <p:txBody>
+          <a:bodyPr/>
+          <a:lstStyle/>
+          <a:p>
+            <a:r>
+              <a:rPr lang="en-US" dirty="0" smtClean="0"/>
+              <a:t>Velocity</a:t>
+            </a:r>
+            <a:r>
+              <a:rPr lang="en-US" baseline="0" dirty="0" smtClean="0"/>
+              <a:t> affected by variables</a:t>
+            </a:r>
+          </a:p>
+          <a:p>
+            <a:r>
+              <a:rPr lang="en-US" baseline="0" dirty="0" smtClean="0"/>
+              <a:t>Capacity is better</a:t>
+            </a:r>
+          </a:p>
+          <a:p>
+            <a:endParaRPr lang="en-US" baseline="0" dirty="0" smtClean="0"/>
+          </a:p>
+          <a:p>
+            <a:pPr marL="171450" indent="-171450">
+              <a:buFont typeface="Arial" panose="020B0604020202020204" pitchFamily="34" charset="0"/>
+              <a:buChar char="•"/>
+            </a:pPr>
+            <a:r>
+              <a:rPr lang="en-US" sz="1200" b="0" i="0" kern="1200" dirty="0" smtClean="0">
+                <a:solidFill>
+                  <a:schemeClr val="tx1"/>
+                </a:solidFill>
+                <a:effectLst/>
+                <a:latin typeface="+mn-lt"/>
+                <a:ea typeface="+mn-ea"/>
+                <a:cs typeface="+mn-cs"/>
+              </a:rPr>
+              <a:t>Estimates vs. actuals at the feature level</a:t>
+            </a:r>
+          </a:p>
+          <a:p>
+            <a:pPr marL="171450" indent="-171450">
+              <a:buFont typeface="Arial" panose="020B0604020202020204" pitchFamily="34" charset="0"/>
+              <a:buChar char="•"/>
+            </a:pPr>
+            <a:r>
+              <a:rPr lang="en-US" sz="1200" b="0" i="0" kern="1200" dirty="0" smtClean="0">
+                <a:solidFill>
+                  <a:schemeClr val="tx1"/>
+                </a:solidFill>
+                <a:effectLst/>
+                <a:latin typeface="+mn-lt"/>
+                <a:ea typeface="+mn-ea"/>
+                <a:cs typeface="+mn-cs"/>
+              </a:rPr>
+              <a:t>Work that comes into the iteration after the iteration starts (excluding even swaps of one feature for another) – for example, this could be bugs, production support, etc.</a:t>
+            </a:r>
+          </a:p>
+          <a:p>
+            <a:pPr marL="171450" indent="-171450">
+              <a:buFont typeface="Arial" panose="020B0604020202020204" pitchFamily="34" charset="0"/>
+              <a:buChar char="•"/>
+            </a:pPr>
+            <a:r>
+              <a:rPr lang="en-US" sz="1200" b="0" i="0" kern="1200" dirty="0" smtClean="0">
+                <a:solidFill>
+                  <a:schemeClr val="tx1"/>
+                </a:solidFill>
+                <a:effectLst/>
+                <a:latin typeface="+mn-lt"/>
+                <a:ea typeface="+mn-ea"/>
+                <a:cs typeface="+mn-cs"/>
+              </a:rPr>
+              <a:t>Percentage of time spent on analysis, development, testing, and everything else</a:t>
+            </a:r>
+          </a:p>
+          <a:p>
+            <a:pPr marL="171450" indent="-171450">
+              <a:buFont typeface="Arial" panose="020B0604020202020204" pitchFamily="34" charset="0"/>
+              <a:buChar char="•"/>
+            </a:pPr>
+            <a:r>
+              <a:rPr lang="en-US" sz="1200" b="0" i="0" kern="1200" dirty="0" smtClean="0">
+                <a:solidFill>
+                  <a:schemeClr val="tx1"/>
+                </a:solidFill>
+                <a:effectLst/>
+                <a:latin typeface="+mn-lt"/>
+                <a:ea typeface="+mn-ea"/>
+                <a:cs typeface="+mn-cs"/>
+              </a:rPr>
+              <a:t>Points/hours planned for vs. points/hours completed in an iteration</a:t>
+            </a:r>
+          </a:p>
+          <a:p>
+            <a:pPr marL="171450" indent="-171450">
+              <a:buFont typeface="Arial" panose="020B0604020202020204" pitchFamily="34" charset="0"/>
+              <a:buChar char="•"/>
+            </a:pPr>
+            <a:r>
+              <a:rPr lang="en-US" sz="1200" b="0" i="0" kern="1200" dirty="0" smtClean="0">
+                <a:solidFill>
+                  <a:schemeClr val="tx1"/>
+                </a:solidFill>
+                <a:effectLst/>
+                <a:latin typeface="+mn-lt"/>
+                <a:ea typeface="+mn-ea"/>
+                <a:cs typeface="+mn-cs"/>
+              </a:rPr>
+              <a:t>Planned vacations, holidays, or other unusual events</a:t>
+            </a:r>
+          </a:p>
+          <a:p>
+            <a:endParaRPr lang="en-US" dirty="0" smtClean="0"/>
+          </a:p>
+          <a:p>
+            <a:r>
+              <a:rPr lang="en-US" dirty="0" smtClean="0"/>
+              <a:t>Start with</a:t>
+            </a:r>
+            <a:r>
+              <a:rPr lang="en-US" baseline="0" dirty="0" smtClean="0"/>
+              <a:t> a gut feel and refine it</a:t>
+            </a:r>
+          </a:p>
+          <a:p>
+            <a:r>
+              <a:rPr lang="en-US" baseline="0" dirty="0" smtClean="0"/>
+              <a:t>Velocity is an internal metric, my capacity estimate is the interpretation of velocity (and other data)</a:t>
+            </a:r>
+            <a:endParaRPr lang="en-US" dirty="0"/>
+          </a:p>
+        </p:txBody>
+      </p:sp>
+      <p:sp>
+        <p:nvSpPr>
+          <p:cNvPr id="4" name="Slide Number Placeholder 3"/>
+          <p:cNvSpPr>
+            <a:spLocks noGrp="1"/>
+          </p:cNvSpPr>
+          <p:nvPr>
+            <p:ph type="sldNum" sz="quarter" idx="10"/>
+          </p:nvPr>
+        </p:nvSpPr>
+        <p:spPr/>
+        <p:txBody>
+          <a:bodyPr/>
+          <a:lstStyle/>
+          <a:p>
+            <a:fld id="{CF4E5B25-4A79-484F-8CBE-17420048C75D}" type="slidenum">
+              <a:rPr lang="en-US" smtClean="0"/>
+              <a:t>30</a:t>
+            </a:fld>
+            <a:endParaRPr lang="en-US"/>
+          </a:p>
+        </p:txBody>
+      </p:sp>
+    </p:spTree>
+    <p:extLst>
+      <p:ext uri="{BB962C8B-B14F-4D97-AF65-F5344CB8AC3E}">
+        <p14:creationId xmlns:p14="http://schemas.microsoft.com/office/powerpoint/2010/main" val="1941393864"/>
+      </p:ext>
+    </p:extLst>
+  </p:cSld>
+  <p:clrMapOvr>
+    <a:masterClrMapping/>
+  </p:clrMapOvr>
+</p:notes>
+</file>
+
+<file path=ppt/notesSlides/notesSlide29.xml><?xml version="1.0" encoding="utf-8"?>
+<p:notes xmlns:a="http://schemas.openxmlformats.org/drawingml/2006/main" xmlns:r="http://schemas.openxmlformats.org/officeDocument/2006/relationships" xmlns:p="http://schemas.openxmlformats.org/presentationml/2006/main">
+  <p:cSld>
+    <p:spTree>
+      <p:nvGrpSpPr>
+        <p:cNvPr id="1" name=""/>
+        <p:cNvGrpSpPr/>
+        <p:nvPr/>
+      </p:nvGrpSpPr>
+      <p:grpSpPr>
+        <a:xfrm>
+          <a:off x="0" y="0"/>
+          <a:ext cx="0" cy="0"/>
+          <a:chOff x="0" y="0"/>
+          <a:chExt cx="0" cy="0"/>
+        </a:xfrm>
+      </p:grpSpPr>
+      <p:sp>
+        <p:nvSpPr>
+          <p:cNvPr id="2" name="Slide Image Placeholder 1"/>
+          <p:cNvSpPr>
+            <a:spLocks noGrp="1" noRot="1" noChangeAspect="1"/>
+          </p:cNvSpPr>
+          <p:nvPr>
+            <p:ph type="sldImg"/>
+          </p:nvPr>
+        </p:nvSpPr>
+        <p:spPr/>
+      </p:sp>
+      <p:sp>
+        <p:nvSpPr>
+          <p:cNvPr id="3" name="Notes Placeholder 2"/>
+          <p:cNvSpPr>
+            <a:spLocks noGrp="1"/>
+          </p:cNvSpPr>
+          <p:nvPr>
+            <p:ph type="body" idx="1"/>
+          </p:nvPr>
+        </p:nvSpPr>
+        <p:spPr/>
+        <p:txBody>
+          <a:bodyPr/>
+          <a:lstStyle/>
+          <a:p>
+            <a:r>
+              <a:rPr lang="en-US" dirty="0" smtClean="0"/>
+              <a:t>What do</a:t>
+            </a:r>
+            <a:r>
+              <a:rPr lang="en-US" baseline="0" dirty="0" smtClean="0"/>
+              <a:t> people want to know, and why?</a:t>
+            </a:r>
+          </a:p>
+          <a:p>
+            <a:r>
+              <a:rPr lang="en-US" baseline="0" dirty="0" smtClean="0"/>
+              <a:t>Posted metrics can distract the team from the goal</a:t>
+            </a:r>
+          </a:p>
+          <a:p>
+            <a:r>
+              <a:rPr lang="en-US" baseline="0" dirty="0" smtClean="0"/>
+              <a:t>Have a really good reason for posting metrics</a:t>
+            </a:r>
+            <a:endParaRPr lang="en-US" dirty="0"/>
+          </a:p>
+        </p:txBody>
+      </p:sp>
+      <p:sp>
+        <p:nvSpPr>
+          <p:cNvPr id="4" name="Slide Number Placeholder 3"/>
+          <p:cNvSpPr>
+            <a:spLocks noGrp="1"/>
+          </p:cNvSpPr>
+          <p:nvPr>
+            <p:ph type="sldNum" sz="quarter" idx="10"/>
+          </p:nvPr>
+        </p:nvSpPr>
+        <p:spPr/>
+        <p:txBody>
+          <a:bodyPr/>
+          <a:lstStyle/>
+          <a:p>
+            <a:fld id="{CF4E5B25-4A79-484F-8CBE-17420048C75D}" type="slidenum">
+              <a:rPr lang="en-US" smtClean="0"/>
+              <a:t>31</a:t>
+            </a:fld>
+            <a:endParaRPr lang="en-US"/>
+          </a:p>
+        </p:txBody>
+      </p:sp>
+    </p:spTree>
+    <p:extLst>
+      <p:ext uri="{BB962C8B-B14F-4D97-AF65-F5344CB8AC3E}">
+        <p14:creationId xmlns:p14="http://schemas.microsoft.com/office/powerpoint/2010/main" val="2683108887"/>
       </p:ext>
     </p:extLst>
   </p:cSld>
@@ -2151,11 +3233,17 @@
           <a:p>
             <a:r>
               <a:rPr lang="en-US" dirty="0" smtClean="0"/>
-              <a:t>Think</a:t>
+              <a:t>You</a:t>
             </a:r>
             <a:r>
               <a:rPr lang="en-US" baseline="0" dirty="0" smtClean="0"/>
-              <a:t> of yourself as a team of one – apply principles</a:t>
+              <a:t> don’t have to be in an Agile environment to do these things, although Agile practices make this a lot easier</a:t>
+            </a:r>
+          </a:p>
+          <a:p>
+            <a:r>
+              <a:rPr lang="en-US" baseline="0" dirty="0" smtClean="0"/>
+              <a:t>Apply these ideas to the work that you are doing so that you can see problems quicker</a:t>
             </a:r>
             <a:endParaRPr lang="en-US" dirty="0"/>
           </a:p>
@@ -2188,6 +3276,652 @@
     <p:extLst>
       <p:ext uri="{BB962C8B-B14F-4D97-AF65-F5344CB8AC3E}">
         <p14:creationId xmlns:p14="http://schemas.microsoft.com/office/powerpoint/2010/main" val="3961000220"/>
+      </p:ext>
+    </p:extLst>
+  </p:cSld>
+  <p:clrMapOvr>
+    <a:masterClrMapping/>
+  </p:clrMapOvr>
+</p:notes>
+</file>
+
+<file path=ppt/notesSlides/notesSlide30.xml><?xml version="1.0" encoding="utf-8"?>
+<p:notes xmlns:a="http://schemas.openxmlformats.org/drawingml/2006/main" xmlns:r="http://schemas.openxmlformats.org/officeDocument/2006/relationships" xmlns:p="http://schemas.openxmlformats.org/presentationml/2006/main">
+  <p:cSld>
+    <p:spTree>
+      <p:nvGrpSpPr>
+        <p:cNvPr id="1" name=""/>
+        <p:cNvGrpSpPr/>
+        <p:nvPr/>
+      </p:nvGrpSpPr>
+      <p:grpSpPr>
+        <a:xfrm>
+          <a:off x="0" y="0"/>
+          <a:ext cx="0" cy="0"/>
+          <a:chOff x="0" y="0"/>
+          <a:chExt cx="0" cy="0"/>
+        </a:xfrm>
+      </p:grpSpPr>
+      <p:sp>
+        <p:nvSpPr>
+          <p:cNvPr id="2" name="Slide Image Placeholder 1"/>
+          <p:cNvSpPr>
+            <a:spLocks noGrp="1" noRot="1" noChangeAspect="1"/>
+          </p:cNvSpPr>
+          <p:nvPr>
+            <p:ph type="sldImg"/>
+          </p:nvPr>
+        </p:nvSpPr>
+        <p:spPr/>
+      </p:sp>
+      <p:sp>
+        <p:nvSpPr>
+          <p:cNvPr id="3" name="Notes Placeholder 2"/>
+          <p:cNvSpPr>
+            <a:spLocks noGrp="1"/>
+          </p:cNvSpPr>
+          <p:nvPr>
+            <p:ph type="body" idx="1"/>
+          </p:nvPr>
+        </p:nvSpPr>
+        <p:spPr/>
+        <p:txBody>
+          <a:bodyPr/>
+          <a:lstStyle/>
+          <a:p>
+            <a:r>
+              <a:rPr lang="en-US" dirty="0" smtClean="0"/>
+              <a:t>Anything that compares team</a:t>
+            </a:r>
+            <a:r>
+              <a:rPr lang="en-US" baseline="0" dirty="0" smtClean="0"/>
+              <a:t> members</a:t>
+            </a:r>
+          </a:p>
+          <a:p>
+            <a:r>
+              <a:rPr lang="en-US" baseline="0" dirty="0" smtClean="0"/>
+              <a:t>Anything that encourages competition vs. working together</a:t>
+            </a:r>
+            <a:endParaRPr lang="en-US" dirty="0"/>
+          </a:p>
+        </p:txBody>
+      </p:sp>
+      <p:sp>
+        <p:nvSpPr>
+          <p:cNvPr id="4" name="Slide Number Placeholder 3"/>
+          <p:cNvSpPr>
+            <a:spLocks noGrp="1"/>
+          </p:cNvSpPr>
+          <p:nvPr>
+            <p:ph type="sldNum" sz="quarter" idx="10"/>
+          </p:nvPr>
+        </p:nvSpPr>
+        <p:spPr/>
+        <p:txBody>
+          <a:bodyPr/>
+          <a:lstStyle/>
+          <a:p>
+            <a:fld id="{CF4E5B25-4A79-484F-8CBE-17420048C75D}" type="slidenum">
+              <a:rPr lang="en-US" smtClean="0"/>
+              <a:t>32</a:t>
+            </a:fld>
+            <a:endParaRPr lang="en-US"/>
+          </a:p>
+        </p:txBody>
+      </p:sp>
+    </p:spTree>
+    <p:extLst>
+      <p:ext uri="{BB962C8B-B14F-4D97-AF65-F5344CB8AC3E}">
+        <p14:creationId xmlns:p14="http://schemas.microsoft.com/office/powerpoint/2010/main" val="1329780345"/>
+      </p:ext>
+    </p:extLst>
+  </p:cSld>
+  <p:clrMapOvr>
+    <a:masterClrMapping/>
+  </p:clrMapOvr>
+</p:notes>
+</file>
+
+<file path=ppt/notesSlides/notesSlide31.xml><?xml version="1.0" encoding="utf-8"?>
+<p:notes xmlns:a="http://schemas.openxmlformats.org/drawingml/2006/main" xmlns:r="http://schemas.openxmlformats.org/officeDocument/2006/relationships" xmlns:p="http://schemas.openxmlformats.org/presentationml/2006/main">
+  <p:cSld>
+    <p:spTree>
+      <p:nvGrpSpPr>
+        <p:cNvPr id="1" name=""/>
+        <p:cNvGrpSpPr/>
+        <p:nvPr/>
+      </p:nvGrpSpPr>
+      <p:grpSpPr>
+        <a:xfrm>
+          <a:off x="0" y="0"/>
+          <a:ext cx="0" cy="0"/>
+          <a:chOff x="0" y="0"/>
+          <a:chExt cx="0" cy="0"/>
+        </a:xfrm>
+      </p:grpSpPr>
+      <p:sp>
+        <p:nvSpPr>
+          <p:cNvPr id="2" name="Slide Image Placeholder 1"/>
+          <p:cNvSpPr>
+            <a:spLocks noGrp="1" noRot="1" noChangeAspect="1"/>
+          </p:cNvSpPr>
+          <p:nvPr>
+            <p:ph type="sldImg"/>
+          </p:nvPr>
+        </p:nvSpPr>
+        <p:spPr/>
+      </p:sp>
+      <p:sp>
+        <p:nvSpPr>
+          <p:cNvPr id="3" name="Notes Placeholder 2"/>
+          <p:cNvSpPr>
+            <a:spLocks noGrp="1"/>
+          </p:cNvSpPr>
+          <p:nvPr>
+            <p:ph type="body" idx="1"/>
+          </p:nvPr>
+        </p:nvSpPr>
+        <p:spPr/>
+        <p:txBody>
+          <a:bodyPr/>
+          <a:lstStyle/>
+          <a:p>
+            <a:r>
+              <a:rPr lang="en-US" dirty="0" smtClean="0"/>
+              <a:t>This incentivizes developers</a:t>
+            </a:r>
+            <a:r>
+              <a:rPr lang="en-US" baseline="0" dirty="0" smtClean="0"/>
+              <a:t> to get as many features to QA as possible (quality doesn’t matter, helping others doesn’t matter)</a:t>
+            </a:r>
+            <a:endParaRPr lang="en-US" dirty="0"/>
+          </a:p>
+        </p:txBody>
+      </p:sp>
+      <p:sp>
+        <p:nvSpPr>
+          <p:cNvPr id="4" name="Slide Number Placeholder 3"/>
+          <p:cNvSpPr>
+            <a:spLocks noGrp="1"/>
+          </p:cNvSpPr>
+          <p:nvPr>
+            <p:ph type="sldNum" sz="quarter" idx="10"/>
+          </p:nvPr>
+        </p:nvSpPr>
+        <p:spPr/>
+        <p:txBody>
+          <a:bodyPr/>
+          <a:lstStyle/>
+          <a:p>
+            <a:fld id="{CF4E5B25-4A79-484F-8CBE-17420048C75D}" type="slidenum">
+              <a:rPr lang="en-US" smtClean="0"/>
+              <a:t>33</a:t>
+            </a:fld>
+            <a:endParaRPr lang="en-US"/>
+          </a:p>
+        </p:txBody>
+      </p:sp>
+    </p:spTree>
+    <p:extLst>
+      <p:ext uri="{BB962C8B-B14F-4D97-AF65-F5344CB8AC3E}">
+        <p14:creationId xmlns:p14="http://schemas.microsoft.com/office/powerpoint/2010/main" val="3678939436"/>
+      </p:ext>
+    </p:extLst>
+  </p:cSld>
+  <p:clrMapOvr>
+    <a:masterClrMapping/>
+  </p:clrMapOvr>
+</p:notes>
+</file>
+
+<file path=ppt/notesSlides/notesSlide32.xml><?xml version="1.0" encoding="utf-8"?>
+<p:notes xmlns:a="http://schemas.openxmlformats.org/drawingml/2006/main" xmlns:r="http://schemas.openxmlformats.org/officeDocument/2006/relationships" xmlns:p="http://schemas.openxmlformats.org/presentationml/2006/main">
+  <p:cSld>
+    <p:spTree>
+      <p:nvGrpSpPr>
+        <p:cNvPr id="1" name=""/>
+        <p:cNvGrpSpPr/>
+        <p:nvPr/>
+      </p:nvGrpSpPr>
+      <p:grpSpPr>
+        <a:xfrm>
+          <a:off x="0" y="0"/>
+          <a:ext cx="0" cy="0"/>
+          <a:chOff x="0" y="0"/>
+          <a:chExt cx="0" cy="0"/>
+        </a:xfrm>
+      </p:grpSpPr>
+      <p:sp>
+        <p:nvSpPr>
+          <p:cNvPr id="2" name="Slide Image Placeholder 1"/>
+          <p:cNvSpPr>
+            <a:spLocks noGrp="1" noRot="1" noChangeAspect="1"/>
+          </p:cNvSpPr>
+          <p:nvPr>
+            <p:ph type="sldImg"/>
+          </p:nvPr>
+        </p:nvSpPr>
+        <p:spPr/>
+      </p:sp>
+      <p:sp>
+        <p:nvSpPr>
+          <p:cNvPr id="3" name="Notes Placeholder 2"/>
+          <p:cNvSpPr>
+            <a:spLocks noGrp="1"/>
+          </p:cNvSpPr>
+          <p:nvPr>
+            <p:ph type="body" idx="1"/>
+          </p:nvPr>
+        </p:nvSpPr>
+        <p:spPr/>
+        <p:txBody>
+          <a:bodyPr/>
+          <a:lstStyle/>
+          <a:p>
+            <a:pPr marL="0" marR="0" indent="0" algn="l" defTabSz="914400" rtl="0" eaLnBrk="1" fontAlgn="auto" latinLnBrk="0" hangingPunct="1">
+              <a:lnSpc>
+                <a:spcPct val="100000"/>
+              </a:lnSpc>
+              <a:spcBef>
+                <a:spcPts val="0"/>
+              </a:spcBef>
+              <a:spcAft>
+                <a:spcPts val="0"/>
+              </a:spcAft>
+              <a:buClrTx/>
+              <a:buSzTx/>
+              <a:buFontTx/>
+              <a:buNone/>
+              <a:tabLst/>
+              <a:defRPr/>
+            </a:pPr>
+            <a:r>
+              <a:rPr lang="en-US" dirty="0" smtClean="0"/>
+              <a:t>How much can we commit to, and what</a:t>
+            </a:r>
+            <a:r>
+              <a:rPr lang="en-US" baseline="0" dirty="0" smtClean="0"/>
+              <a:t> should we work on</a:t>
+            </a:r>
+            <a:r>
+              <a:rPr lang="en-US" dirty="0" smtClean="0"/>
+              <a:t>?</a:t>
+            </a:r>
+          </a:p>
+          <a:p>
+            <a:r>
+              <a:rPr lang="en-US" dirty="0" smtClean="0"/>
+              <a:t>Tickets should already be estimated (incl.</a:t>
+            </a:r>
+            <a:r>
+              <a:rPr lang="en-US" baseline="0" dirty="0" smtClean="0"/>
+              <a:t> analysis, testing)</a:t>
+            </a:r>
+          </a:p>
+          <a:p>
+            <a:endParaRPr lang="en-US" baseline="0" dirty="0" smtClean="0"/>
+          </a:p>
+          <a:p>
+            <a:r>
+              <a:rPr lang="en-US" baseline="0" dirty="0" smtClean="0"/>
+              <a:t>% person’s time in each discipline for moving tickets?  (separate by project)</a:t>
+            </a:r>
+          </a:p>
+          <a:p>
+            <a:r>
+              <a:rPr lang="en-US" dirty="0" smtClean="0"/>
+              <a:t>Account</a:t>
+            </a:r>
+            <a:r>
+              <a:rPr lang="en-US" baseline="0" dirty="0" smtClean="0"/>
+              <a:t> for time off, special meetings, etc.</a:t>
+            </a:r>
+          </a:p>
+          <a:p>
+            <a:pPr marL="0" marR="0" indent="0" algn="l" defTabSz="914400" rtl="0" eaLnBrk="1" fontAlgn="auto" latinLnBrk="0" hangingPunct="1">
+              <a:lnSpc>
+                <a:spcPct val="100000"/>
+              </a:lnSpc>
+              <a:spcBef>
+                <a:spcPts val="0"/>
+              </a:spcBef>
+              <a:spcAft>
+                <a:spcPts val="0"/>
+              </a:spcAft>
+              <a:buClrTx/>
+              <a:buSzTx/>
+              <a:buFontTx/>
+              <a:buNone/>
+              <a:tabLst/>
+              <a:defRPr/>
+            </a:pPr>
+            <a:r>
+              <a:rPr lang="en-US" baseline="0" dirty="0" smtClean="0"/>
+              <a:t>Expected time needed for new scope, prod support, etc.</a:t>
+            </a:r>
+          </a:p>
+          <a:p>
+            <a:pPr marL="0" marR="0" indent="0" algn="l" defTabSz="914400" rtl="0" eaLnBrk="1" fontAlgn="auto" latinLnBrk="0" hangingPunct="1">
+              <a:lnSpc>
+                <a:spcPct val="100000"/>
+              </a:lnSpc>
+              <a:spcBef>
+                <a:spcPts val="0"/>
+              </a:spcBef>
+              <a:spcAft>
+                <a:spcPts val="0"/>
+              </a:spcAft>
+              <a:buClrTx/>
+              <a:buSzTx/>
+              <a:buFontTx/>
+              <a:buNone/>
+              <a:tabLst/>
+              <a:defRPr/>
+            </a:pPr>
+            <a:r>
+              <a:rPr lang="en-US" baseline="0" dirty="0" smtClean="0"/>
+              <a:t>Normal working hours</a:t>
+            </a:r>
+          </a:p>
+          <a:p>
+            <a:r>
+              <a:rPr lang="en-US" dirty="0" smtClean="0"/>
+              <a:t>Break</a:t>
+            </a:r>
+            <a:r>
+              <a:rPr lang="en-US" baseline="0" dirty="0" smtClean="0"/>
+              <a:t> the team into smaller teams (or sub-teams) </a:t>
+            </a:r>
+          </a:p>
+          <a:p>
+            <a:r>
+              <a:rPr lang="en-US" baseline="0" dirty="0" smtClean="0"/>
+              <a:t>Each sub-team can do their own capacity planning</a:t>
+            </a:r>
+          </a:p>
+          <a:p>
+            <a:endParaRPr lang="en-US" baseline="0" dirty="0" smtClean="0"/>
+          </a:p>
+          <a:p>
+            <a:pPr marL="0" marR="0" indent="0" algn="l" defTabSz="914400" rtl="0" eaLnBrk="1" fontAlgn="auto" latinLnBrk="0" hangingPunct="1">
+              <a:lnSpc>
+                <a:spcPct val="100000"/>
+              </a:lnSpc>
+              <a:spcBef>
+                <a:spcPts val="0"/>
+              </a:spcBef>
+              <a:spcAft>
+                <a:spcPts val="0"/>
+              </a:spcAft>
+              <a:buClrTx/>
+              <a:buSzTx/>
+              <a:buFontTx/>
+              <a:buNone/>
+              <a:tabLst/>
+              <a:defRPr/>
+            </a:pPr>
+            <a:r>
+              <a:rPr lang="en-US" baseline="0" dirty="0" smtClean="0"/>
+              <a:t>Start with a gut feel, and then adjust your gut feel estimate based on data and experiences (PUT THIS POINT SOMEWHERE ELSE?)</a:t>
+            </a:r>
+          </a:p>
+          <a:p>
+            <a:endParaRPr lang="en-US" dirty="0" smtClean="0"/>
+          </a:p>
+        </p:txBody>
+      </p:sp>
+      <p:sp>
+        <p:nvSpPr>
+          <p:cNvPr id="4" name="Slide Number Placeholder 3"/>
+          <p:cNvSpPr>
+            <a:spLocks noGrp="1"/>
+          </p:cNvSpPr>
+          <p:nvPr>
+            <p:ph type="sldNum" sz="quarter" idx="10"/>
+          </p:nvPr>
+        </p:nvSpPr>
+        <p:spPr/>
+        <p:txBody>
+          <a:bodyPr/>
+          <a:lstStyle/>
+          <a:p>
+            <a:fld id="{CF4E5B25-4A79-484F-8CBE-17420048C75D}" type="slidenum">
+              <a:rPr lang="en-US" smtClean="0"/>
+              <a:t>35</a:t>
+            </a:fld>
+            <a:endParaRPr lang="en-US"/>
+          </a:p>
+        </p:txBody>
+      </p:sp>
+    </p:spTree>
+    <p:extLst>
+      <p:ext uri="{BB962C8B-B14F-4D97-AF65-F5344CB8AC3E}">
+        <p14:creationId xmlns:p14="http://schemas.microsoft.com/office/powerpoint/2010/main" val="1936386122"/>
+      </p:ext>
+    </p:extLst>
+  </p:cSld>
+  <p:clrMapOvr>
+    <a:masterClrMapping/>
+  </p:clrMapOvr>
+</p:notes>
+</file>
+
+<file path=ppt/notesSlides/notesSlide33.xml><?xml version="1.0" encoding="utf-8"?>
+<p:notes xmlns:a="http://schemas.openxmlformats.org/drawingml/2006/main" xmlns:r="http://schemas.openxmlformats.org/officeDocument/2006/relationships" xmlns:p="http://schemas.openxmlformats.org/presentationml/2006/main">
+  <p:cSld>
+    <p:spTree>
+      <p:nvGrpSpPr>
+        <p:cNvPr id="1" name=""/>
+        <p:cNvGrpSpPr/>
+        <p:nvPr/>
+      </p:nvGrpSpPr>
+      <p:grpSpPr>
+        <a:xfrm>
+          <a:off x="0" y="0"/>
+          <a:ext cx="0" cy="0"/>
+          <a:chOff x="0" y="0"/>
+          <a:chExt cx="0" cy="0"/>
+        </a:xfrm>
+      </p:grpSpPr>
+      <p:sp>
+        <p:nvSpPr>
+          <p:cNvPr id="2" name="Slide Image Placeholder 1"/>
+          <p:cNvSpPr>
+            <a:spLocks noGrp="1" noRot="1" noChangeAspect="1"/>
+          </p:cNvSpPr>
+          <p:nvPr>
+            <p:ph type="sldImg"/>
+          </p:nvPr>
+        </p:nvSpPr>
+        <p:spPr/>
+      </p:sp>
+      <p:sp>
+        <p:nvSpPr>
+          <p:cNvPr id="3" name="Notes Placeholder 2"/>
+          <p:cNvSpPr>
+            <a:spLocks noGrp="1"/>
+          </p:cNvSpPr>
+          <p:nvPr>
+            <p:ph type="body" idx="1"/>
+          </p:nvPr>
+        </p:nvSpPr>
+        <p:spPr/>
+        <p:txBody>
+          <a:bodyPr/>
+          <a:lstStyle/>
+          <a:p>
+            <a:pPr marL="0" marR="0" indent="0" algn="l" defTabSz="914400" rtl="0" eaLnBrk="1" fontAlgn="auto" latinLnBrk="0" hangingPunct="1">
+              <a:lnSpc>
+                <a:spcPct val="100000"/>
+              </a:lnSpc>
+              <a:spcBef>
+                <a:spcPts val="0"/>
+              </a:spcBef>
+              <a:spcAft>
+                <a:spcPts val="0"/>
+              </a:spcAft>
+              <a:buClrTx/>
+              <a:buSzTx/>
+              <a:buFontTx/>
+              <a:buNone/>
+              <a:tabLst/>
+              <a:defRPr/>
+            </a:pPr>
+            <a:r>
+              <a:rPr lang="en-US" baseline="0" smtClean="0"/>
+              <a:t>Product owners</a:t>
+            </a:r>
+          </a:p>
+          <a:p>
+            <a:pPr marL="0" marR="0" indent="0" algn="l" defTabSz="914400" rtl="0" eaLnBrk="1" fontAlgn="auto" latinLnBrk="0" hangingPunct="1">
+              <a:lnSpc>
+                <a:spcPct val="100000"/>
+              </a:lnSpc>
+              <a:spcBef>
+                <a:spcPts val="0"/>
+              </a:spcBef>
+              <a:spcAft>
+                <a:spcPts val="0"/>
+              </a:spcAft>
+              <a:buClrTx/>
+              <a:buSzTx/>
+              <a:buFontTx/>
+              <a:buNone/>
+              <a:tabLst/>
+              <a:defRPr/>
+            </a:pPr>
+            <a:r>
+              <a:rPr lang="en-US" baseline="0" dirty="0" smtClean="0"/>
+              <a:t>Let the business pick what you work on</a:t>
+            </a:r>
+          </a:p>
+          <a:p>
+            <a:pPr marL="0" marR="0" indent="0" algn="l" defTabSz="914400" rtl="0" eaLnBrk="1" fontAlgn="auto" latinLnBrk="0" hangingPunct="1">
+              <a:lnSpc>
+                <a:spcPct val="100000"/>
+              </a:lnSpc>
+              <a:spcBef>
+                <a:spcPts val="0"/>
+              </a:spcBef>
+              <a:spcAft>
+                <a:spcPts val="0"/>
+              </a:spcAft>
+              <a:buClrTx/>
+              <a:buSzTx/>
+              <a:buFontTx/>
+              <a:buNone/>
+              <a:tabLst/>
+              <a:defRPr/>
+            </a:pPr>
+            <a:r>
+              <a:rPr lang="en-US" baseline="0" dirty="0" smtClean="0"/>
+              <a:t>Include the business in the meeting, or meet with the before, whatever works</a:t>
+            </a:r>
+          </a:p>
+          <a:p>
+            <a:pPr marL="0" marR="0" indent="0" algn="l" defTabSz="914400" rtl="0" eaLnBrk="1" fontAlgn="auto" latinLnBrk="0" hangingPunct="1">
+              <a:lnSpc>
+                <a:spcPct val="100000"/>
+              </a:lnSpc>
+              <a:spcBef>
+                <a:spcPts val="0"/>
+              </a:spcBef>
+              <a:spcAft>
+                <a:spcPts val="0"/>
+              </a:spcAft>
+              <a:buClrTx/>
+              <a:buSzTx/>
+              <a:buFontTx/>
+              <a:buNone/>
+              <a:tabLst/>
+              <a:defRPr/>
+            </a:pPr>
+            <a:r>
+              <a:rPr lang="en-US" dirty="0" smtClean="0"/>
+              <a:t>Set goals for the iteration</a:t>
+            </a:r>
+          </a:p>
+          <a:p>
+            <a:pPr marL="0" marR="0" indent="0" algn="l" defTabSz="914400" rtl="0" eaLnBrk="1" fontAlgn="auto" latinLnBrk="0" hangingPunct="1">
+              <a:lnSpc>
+                <a:spcPct val="100000"/>
+              </a:lnSpc>
+              <a:spcBef>
+                <a:spcPts val="0"/>
+              </a:spcBef>
+              <a:spcAft>
+                <a:spcPts val="0"/>
+              </a:spcAft>
+              <a:buClrTx/>
+              <a:buSzTx/>
+              <a:buFontTx/>
+              <a:buNone/>
+              <a:tabLst/>
+              <a:defRPr/>
+            </a:pPr>
+            <a:r>
+              <a:rPr lang="en-US" dirty="0" smtClean="0"/>
+              <a:t>Swapping</a:t>
+            </a:r>
+            <a:r>
+              <a:rPr lang="en-US" baseline="0" dirty="0" smtClean="0"/>
+              <a:t> things out during the iteration</a:t>
+            </a:r>
+          </a:p>
+          <a:p>
+            <a:pPr marL="0" marR="0" indent="0" algn="l" defTabSz="914400" rtl="0" eaLnBrk="1" fontAlgn="auto" latinLnBrk="0" hangingPunct="1">
+              <a:lnSpc>
+                <a:spcPct val="100000"/>
+              </a:lnSpc>
+              <a:spcBef>
+                <a:spcPts val="0"/>
+              </a:spcBef>
+              <a:spcAft>
+                <a:spcPts val="0"/>
+              </a:spcAft>
+              <a:buClrTx/>
+              <a:buSzTx/>
+              <a:buFontTx/>
+              <a:buNone/>
+              <a:tabLst/>
+              <a:defRPr/>
+            </a:pPr>
+            <a:r>
+              <a:rPr lang="en-US" baseline="0" dirty="0" smtClean="0"/>
+              <a:t>Demos/UAT</a:t>
+            </a:r>
+            <a:endParaRPr lang="en-US" dirty="0" smtClean="0"/>
+          </a:p>
+        </p:txBody>
+      </p:sp>
+      <p:sp>
+        <p:nvSpPr>
+          <p:cNvPr id="4" name="Slide Number Placeholder 3"/>
+          <p:cNvSpPr>
+            <a:spLocks noGrp="1"/>
+          </p:cNvSpPr>
+          <p:nvPr>
+            <p:ph type="sldNum" sz="quarter" idx="10"/>
+          </p:nvPr>
+        </p:nvSpPr>
+        <p:spPr/>
+        <p:txBody>
+          <a:bodyPr/>
+          <a:lstStyle/>
+          <a:p>
+            <a:fld id="{CF4E5B25-4A79-484F-8CBE-17420048C75D}" type="slidenum">
+              <a:rPr lang="en-US" smtClean="0"/>
+              <a:t>36</a:t>
+            </a:fld>
+            <a:endParaRPr lang="en-US"/>
+          </a:p>
+        </p:txBody>
+      </p:sp>
+    </p:spTree>
+    <p:extLst>
+      <p:ext uri="{BB962C8B-B14F-4D97-AF65-F5344CB8AC3E}">
+        <p14:creationId xmlns:p14="http://schemas.microsoft.com/office/powerpoint/2010/main" val="1936386122"/>
       </p:ext>
     </p:extLst>
   </p:cSld>
@@ -2243,25 +3977,11 @@
           <a:p>
             <a:r>
               <a:rPr lang="en-US" dirty="0" smtClean="0"/>
-              <a:t>Small</a:t>
+              <a:t>Think</a:t>
             </a:r>
             <a:r>
               <a:rPr lang="en-US" baseline="0" dirty="0" smtClean="0"/>
-              <a:t>, defined amount of time (scrum)</a:t>
-            </a:r>
-          </a:p>
-          <a:p>
-            <a:r>
-              <a:rPr lang="en-US" baseline="0" dirty="0" smtClean="0"/>
-              <a:t>Continuous flow of work (</a:t>
-            </a:r>
-            <a:r>
-              <a:rPr lang="en-US" baseline="0" dirty="0" err="1" smtClean="0"/>
-              <a:t>kanban</a:t>
-            </a:r>
-            <a:r>
-              <a:rPr lang="en-US" baseline="0" dirty="0" smtClean="0"/>
-              <a:t>)</a:t>
+              <a:t> of yourself as a team of one – apply principles</a:t>
             </a:r>
             <a:endParaRPr lang="en-US" dirty="0"/>
           </a:p>
@@ -2349,7 +4069,25 @@
           <a:p>
             <a:r>
               <a:rPr lang="en-US" dirty="0" smtClean="0"/>
-              <a:t>Physical board vs. online tools</a:t>
+              <a:t>Small</a:t>
+            </a:r>
+            <a:r>
+              <a:rPr lang="en-US" baseline="0" dirty="0" smtClean="0"/>
+              <a:t>, defined amount of time (scrum)</a:t>
+            </a:r>
+          </a:p>
+          <a:p>
+            <a:r>
+              <a:rPr lang="en-US" baseline="0" dirty="0" smtClean="0"/>
+              <a:t>Continuous flow of work (</a:t>
+            </a:r>
+            <a:r>
+              <a:rPr lang="en-US" baseline="0" dirty="0" err="1" smtClean="0"/>
+              <a:t>kanban</a:t>
+            </a:r>
+            <a:r>
+              <a:rPr lang="en-US" baseline="0" dirty="0" smtClean="0"/>
+              <a:t>)</a:t>
             </a:r>
             <a:endParaRPr lang="en-US" dirty="0"/>
           </a:p>
@@ -2381,7 +4119,7 @@
     </p:spTree>
     <p:extLst>
       <p:ext uri="{BB962C8B-B14F-4D97-AF65-F5344CB8AC3E}">
-        <p14:creationId xmlns:p14="http://schemas.microsoft.com/office/powerpoint/2010/main" val="2479593562"/>
+        <p14:creationId xmlns:p14="http://schemas.microsoft.com/office/powerpoint/2010/main" val="3961000220"/>
       </p:ext>
     </p:extLst>
   </p:cSld>
@@ -2436,16 +4174,18 @@
           <a:lstStyle/>
           <a:p>
             <a:r>
-              <a:rPr lang="en-US" sz="1200" b="0" i="0" kern="1200" dirty="0" smtClean="0">
-                <a:solidFill>
-                  <a:schemeClr val="tx1"/>
-                </a:solidFill>
-                <a:effectLst/>
-                <a:latin typeface="+mn-lt"/>
-                <a:ea typeface="+mn-ea"/>
-                <a:cs typeface="+mn-cs"/>
-              </a:rPr>
-              <a:t>In this example, we can easily see that we are either developing things faster than we can test them, or things are getting stuck in testing due to bugs. We may need to assign more people to testing or work on reducing bugs.</a:t>
+              <a:rPr lang="en-US" dirty="0" smtClean="0"/>
+              <a:t>Physical board vs. online </a:t>
+            </a:r>
+            <a:r>
+              <a:rPr lang="en-US" dirty="0" smtClean="0"/>
+              <a:t>tools</a:t>
+            </a:r>
+          </a:p>
+          <a:p>
+            <a:r>
+              <a:rPr lang="en-US" dirty="0" smtClean="0"/>
+              <a:t>Use the board to see how things are going and when problems occur</a:t>
             </a:r>
             <a:endParaRPr lang="en-US" dirty="0"/>
           </a:p>
@@ -2541,7 +4281,7 @@
                 <a:ea typeface="+mn-ea"/>
                 <a:cs typeface="+mn-cs"/>
               </a:rPr>
-              <a:t>There are a lot of features that are blocked. We should try and address the blocking issues and look and see if there is some greater problem that is causing things to get blocked.</a:t>
+              <a:t>In this example, we can easily see that we are either developing things faster than we can test them, or things are getting stuck in testing due to bugs. We may need to assign more people to testing or work on reducing bugs.</a:t>
             </a:r>
             <a:endParaRPr lang="en-US" dirty="0"/>
           </a:p>
@@ -2637,8 +4377,9 @@
                 <a:ea typeface="+mn-ea"/>
                 <a:cs typeface="+mn-cs"/>
               </a:rPr>
-              <a:t>We don’t have much in our backlog, so the developers are going to be out of stuff to do really soon. We may need to get more people working on requirements gathering.</a:t>
-            </a:r>
+              <a:t>There are a lot of features that are blocked. We should try and address the blocking issues and look and see if there is some greater problem that is causing things to get blocked.</a:t>
+            </a:r>
+            <a:endParaRPr lang="en-US" dirty="0"/>
           </a:p>
         </p:txBody>
       </p:sp>
@@ -2732,9 +4473,8 @@
                 <a:ea typeface="+mn-ea"/>
                 <a:cs typeface="+mn-cs"/>
               </a:rPr>
-              <a:t>Things are flowing pretty smoothly. We have a good sized backlog, no blockers, the work is evenly distributed, and we’re getting a lot done.</a:t>
-            </a:r>
-            <a:endParaRPr lang="en-US" dirty="0"/>
+              <a:t>We don’t have much in our backlog, so the developers are going to be out of stuff to do really soon. We may need to get more people working on requirements gathering.</a:t>
+            </a:r>
           </a:p>
         </p:txBody>
       </p:sp>
@@ -5531,7 +7271,7 @@
           <a:p>
             <a:fld id="{286B444B-C4E2-405B-A158-8F5713CA0896}" type="datetimeFigureOut">
               <a:rPr lang="en-US" smtClean="0"/>
-              <a:t>2/10/2015</a:t>
+              <a:t>2/11/2015</a:t>
             </a:fld>
             <a:endParaRPr lang="en-US"/>
           </a:p>
@@ -5816,7 +7556,7 @@
           <a:p>
             <a:fld id="{286B444B-C4E2-405B-A158-8F5713CA0896}" type="datetimeFigureOut">
               <a:rPr lang="en-US" smtClean="0"/>
-              <a:t>2/10/2015</a:t>
+              <a:t>2/11/2015</a:t>
             </a:fld>
             <a:endParaRPr lang="en-US"/>
           </a:p>
@@ -5991,7 +7731,7 @@
           <a:p>
             <a:fld id="{286B444B-C4E2-405B-A158-8F5713CA0896}" type="datetimeFigureOut">
               <a:rPr lang="en-US" smtClean="0"/>
-              <a:t>2/10/2015</a:t>
+              <a:t>2/11/2015</a:t>
             </a:fld>
             <a:endParaRPr lang="en-US"/>
           </a:p>
@@ -6156,7 +7896,7 @@
           <a:p>
             <a:fld id="{286B444B-C4E2-405B-A158-8F5713CA0896}" type="datetimeFigureOut">
               <a:rPr lang="en-US" smtClean="0"/>
-              <a:t>2/10/2015</a:t>
+              <a:t>2/11/2015</a:t>
             </a:fld>
             <a:endParaRPr lang="en-US"/>
           </a:p>
@@ -6397,7 +8137,7 @@
           <a:p>
             <a:fld id="{286B444B-C4E2-405B-A158-8F5713CA0896}" type="datetimeFigureOut">
               <a:rPr lang="en-US" smtClean="0"/>
-              <a:t>2/10/2015</a:t>
+              <a:t>2/11/2015</a:t>
             </a:fld>
             <a:endParaRPr lang="en-US"/>
           </a:p>
@@ -6510,7 +8250,7 @@
           <a:p>
             <a:fld id="{286B444B-C4E2-405B-A158-8F5713CA0896}" type="datetimeFigureOut">
               <a:rPr lang="en-US" smtClean="0"/>
-              <a:t>2/10/2015</a:t>
+              <a:t>2/11/2015</a:t>
             </a:fld>
             <a:endParaRPr lang="en-US"/>
           </a:p>
@@ -7049,7 +8789,7 @@
           <a:p>
             <a:fld id="{286B444B-C4E2-405B-A158-8F5713CA0896}" type="datetimeFigureOut">
               <a:rPr lang="en-US" smtClean="0"/>
-              <a:t>2/10/2015</a:t>
+              <a:t>2/11/2015</a:t>
             </a:fld>
             <a:endParaRPr lang="en-US"/>
           </a:p>
@@ -7162,7 +8902,7 @@
           <a:p>
             <a:fld id="{286B444B-C4E2-405B-A158-8F5713CA0896}" type="datetimeFigureOut">
               <a:rPr lang="en-US" smtClean="0"/>
-              <a:t>2/10/2015</a:t>
+              <a:t>2/11/2015</a:t>
             </a:fld>
             <a:endParaRPr lang="en-US"/>
           </a:p>
@@ -7252,7 +8992,7 @@
           <a:p>
             <a:fld id="{286B444B-C4E2-405B-A158-8F5713CA0896}" type="datetimeFigureOut">
               <a:rPr lang="en-US" smtClean="0"/>
-              <a:t>2/10/2015</a:t>
+              <a:t>2/11/2015</a:t>
             </a:fld>
             <a:endParaRPr lang="en-US"/>
           </a:p>
@@ -9903,7 +11643,7 @@
           <a:p>
             <a:fld id="{286B444B-C4E2-405B-A158-8F5713CA0896}" type="datetimeFigureOut">
               <a:rPr lang="en-US" smtClean="0"/>
-              <a:t>2/10/2015</a:t>
+              <a:t>2/11/2015</a:t>
             </a:fld>
             <a:endParaRPr lang="en-US"/>
           </a:p>
@@ -13115,7 +14855,7 @@
           <a:p>
             <a:fld id="{286B444B-C4E2-405B-A158-8F5713CA0896}" type="datetimeFigureOut">
               <a:rPr lang="en-US" smtClean="0"/>
-              <a:t>2/10/2015</a:t>
+              <a:t>2/11/2015</a:t>
             </a:fld>
             <a:endParaRPr lang="en-US"/>
           </a:p>
@@ -15937,7 +17677,7 @@
           <a:p>
             <a:fld id="{286B444B-C4E2-405B-A158-8F5713CA0896}" type="datetimeFigureOut">
               <a:rPr lang="en-US" smtClean="0"/>
-              <a:t>2/10/2015</a:t>
+              <a:t>2/11/2015</a:t>
             </a:fld>
             <a:endParaRPr lang="en-US"/>
           </a:p>
@@ -16534,6 +18274,112 @@
       </p:sp>
       <p:pic>
         <p:nvPicPr>
+          <p:cNvPr id="3074" name="Picture 2" descr="no-backlog"/>
+          <p:cNvPicPr>
+            <a:picLocks noGrp="1" noChangeAspect="1" noChangeArrowheads="1"/>
+          </p:cNvPicPr>
+          <p:nvPr>
+            <p:ph idx="1"/>
+          </p:nvPr>
+        </p:nvPicPr>
+        <p:blipFill>
+          <a:blip r:embed="rId3">
+            <a:extLst>
+              <a:ext uri="{28A0092B-C50C-407E-A947-70E740481C1C}">
+                <a14:useLocalDpi xmlns:a14="http://schemas.microsoft.com/office/drawing/2010/main" val="0"/>
+              </a:ext>
+            </a:extLst>
+          </a:blip>
+          <a:srcRect/>
+          <a:stretch>
+            <a:fillRect/>
+          </a:stretch>
+        </p:blipFill>
+        <p:spPr bwMode="auto">
+          <a:xfrm>
+            <a:off x="1562100" y="2133600"/>
+            <a:ext cx="5621893" cy="3747929"/>
+          </a:xfrm>
+          <a:prstGeom prst="rect">
+            <a:avLst/>
+          </a:prstGeom>
+          <a:noFill/>
+          <a:extLst>
+            <a:ext uri="{909E8E84-426E-40DD-AFC4-6F175D3DCCD1}">
+              <a14:hiddenFill xmlns:a14="http://schemas.microsoft.com/office/drawing/2010/main">
+                <a:solidFill>
+                  <a:srgbClr val="FFFFFF"/>
+                </a:solidFill>
+              </a14:hiddenFill>
+            </a:ext>
+          </a:extLst>
+        </p:spPr>
+      </p:pic>
+    </p:spTree>
+    <p:extLst>
+      <p:ext uri="{BB962C8B-B14F-4D97-AF65-F5344CB8AC3E}">
+        <p14:creationId xmlns:p14="http://schemas.microsoft.com/office/powerpoint/2010/main" val="3431851493"/>
+      </p:ext>
+    </p:extLst>
+  </p:cSld>
+  <p:clrMapOvr>
+    <a:masterClrMapping/>
+  </p:clrMapOvr>
+  <p:timing>
+    <p:tnLst>
+      <p:par>
+        <p:cTn id="1" dur="indefinite" restart="never" nodeType="tmRoot"/>
+      </p:par>
+    </p:tnLst>
+  </p:timing>
+</p:sld>
+</file>
+
+<file path=ppt/slides/slide11.xml><?xml version="1.0" encoding="utf-8"?>
+<p:sld xmlns:a="http://schemas.openxmlformats.org/drawingml/2006/main" xmlns:r="http://schemas.openxmlformats.org/officeDocument/2006/relationships" xmlns:p="http://schemas.openxmlformats.org/presentationml/2006/main">
+  <p:cSld>
+    <p:spTree>
+      <p:nvGrpSpPr>
+        <p:cNvPr id="1" name=""/>
+        <p:cNvGrpSpPr/>
+        <p:nvPr/>
+      </p:nvGrpSpPr>
+      <p:grpSpPr>
+        <a:xfrm>
+          <a:off x="0" y="0"/>
+          <a:ext cx="0" cy="0"/>
+          <a:chOff x="0" y="0"/>
+          <a:chExt cx="0" cy="0"/>
+        </a:xfrm>
+      </p:grpSpPr>
+      <p:sp>
+        <p:nvSpPr>
+          <p:cNvPr id="4" name="Title 3"/>
+          <p:cNvSpPr>
+            <a:spLocks noGrp="1"/>
+          </p:cNvSpPr>
+          <p:nvPr>
+            <p:ph type="title"/>
+          </p:nvPr>
+        </p:nvSpPr>
+        <p:spPr/>
+        <p:txBody>
+          <a:bodyPr anchor="ctr">
+            <a:normAutofit fontScale="90000"/>
+          </a:bodyPr>
+          <a:lstStyle/>
+          <a:p>
+            <a:pPr algn="ctr"/>
+            <a:r>
+              <a:rPr lang="en-US" dirty="0" smtClean="0"/>
+              <a:t>What is this board telling you?</a:t>
+            </a:r>
+            <a:endParaRPr lang="en-US" dirty="0"/>
+          </a:p>
+        </p:txBody>
+      </p:sp>
+      <p:pic>
+        <p:nvPicPr>
           <p:cNvPr id="4098" name="Picture 2" descr="good"/>
           <p:cNvPicPr>
             <a:picLocks noGrp="1" noChangeAspect="1" noChangeArrowheads="1"/>
@@ -16595,7 +18441,7 @@
 </p:sld>
 </file>
 
-<file path=ppt/slides/slide11.xml><?xml version="1.0" encoding="utf-8"?>
+<file path=ppt/slides/slide12.xml><?xml version="1.0" encoding="utf-8"?>
 <p:sld xmlns:a="http://schemas.openxmlformats.org/drawingml/2006/main" xmlns:r="http://schemas.openxmlformats.org/officeDocument/2006/relationships" xmlns:p="http://schemas.openxmlformats.org/presentationml/2006/main">
   <p:cSld>
     <p:spTree>
@@ -16694,7 +18540,7 @@
 </p:sld>
 </file>
 
-<file path=ppt/slides/slide12.xml><?xml version="1.0" encoding="utf-8"?>
+<file path=ppt/slides/slide13.xml><?xml version="1.0" encoding="utf-8"?>
 <p:sld xmlns:a="http://schemas.openxmlformats.org/drawingml/2006/main" xmlns:r="http://schemas.openxmlformats.org/officeDocument/2006/relationships" xmlns:p="http://schemas.openxmlformats.org/presentationml/2006/main">
   <p:cSld>
     <p:spTree>
@@ -16779,7 +18625,7 @@
 </p:sld>
 </file>
 
-<file path=ppt/slides/slide13.xml><?xml version="1.0" encoding="utf-8"?>
+<file path=ppt/slides/slide14.xml><?xml version="1.0" encoding="utf-8"?>
 <p:sld xmlns:a="http://schemas.openxmlformats.org/drawingml/2006/main" xmlns:r="http://schemas.openxmlformats.org/officeDocument/2006/relationships" xmlns:p="http://schemas.openxmlformats.org/presentationml/2006/main">
   <p:cSld>
     <p:spTree>
@@ -16886,7 +18732,7 @@
 </p:sld>
 </file>
 
-<file path=ppt/slides/slide14.xml><?xml version="1.0" encoding="utf-8"?>
+<file path=ppt/slides/slide15.xml><?xml version="1.0" encoding="utf-8"?>
 <p:sld xmlns:a="http://schemas.openxmlformats.org/drawingml/2006/main" xmlns:r="http://schemas.openxmlformats.org/officeDocument/2006/relationships" xmlns:p="http://schemas.openxmlformats.org/presentationml/2006/main">
   <p:cSld>
     <p:spTree>
@@ -17004,7 +18850,564 @@
 </p:sld>
 </file>
 
-<file path=ppt/slides/slide15.xml><?xml version="1.0" encoding="utf-8"?>
+<file path=ppt/slides/slide16.xml><?xml version="1.0" encoding="utf-8"?>
+<p:sld xmlns:a="http://schemas.openxmlformats.org/drawingml/2006/main" xmlns:r="http://schemas.openxmlformats.org/officeDocument/2006/relationships" xmlns:p="http://schemas.openxmlformats.org/presentationml/2006/main">
+  <p:cSld>
+    <p:spTree>
+      <p:nvGrpSpPr>
+        <p:cNvPr id="1" name=""/>
+        <p:cNvGrpSpPr/>
+        <p:nvPr/>
+      </p:nvGrpSpPr>
+      <p:grpSpPr>
+        <a:xfrm>
+          <a:off x="0" y="0"/>
+          <a:ext cx="0" cy="0"/>
+          <a:chOff x="0" y="0"/>
+          <a:chExt cx="0" cy="0"/>
+        </a:xfrm>
+      </p:grpSpPr>
+      <p:sp>
+        <p:nvSpPr>
+          <p:cNvPr id="4" name="Title 3"/>
+          <p:cNvSpPr>
+            <a:spLocks noGrp="1"/>
+          </p:cNvSpPr>
+          <p:nvPr>
+            <p:ph type="title"/>
+          </p:nvPr>
+        </p:nvSpPr>
+        <p:spPr/>
+        <p:txBody>
+          <a:bodyPr anchor="ctr"/>
+          <a:lstStyle/>
+          <a:p>
+            <a:pPr algn="ctr"/>
+            <a:r>
+              <a:rPr lang="en-US" dirty="0" smtClean="0"/>
+              <a:t>Estimation Methods</a:t>
+            </a:r>
+            <a:endParaRPr lang="en-US" dirty="0"/>
+          </a:p>
+        </p:txBody>
+      </p:sp>
+      <p:sp>
+        <p:nvSpPr>
+          <p:cNvPr id="2" name="Content Placeholder 1"/>
+          <p:cNvSpPr>
+            <a:spLocks noGrp="1"/>
+          </p:cNvSpPr>
+          <p:nvPr>
+            <p:ph idx="1"/>
+          </p:nvPr>
+        </p:nvSpPr>
+        <p:spPr/>
+        <p:txBody>
+          <a:bodyPr>
+            <a:normAutofit/>
+          </a:bodyPr>
+          <a:lstStyle/>
+          <a:p>
+            <a:pPr marL="68580" indent="0" algn="ctr">
+              <a:buNone/>
+            </a:pPr>
+            <a:r>
+              <a:rPr lang="en-US" sz="3200" b="1" dirty="0" smtClean="0"/>
+              <a:t>Time (hours/days)</a:t>
+            </a:r>
+          </a:p>
+          <a:p>
+            <a:pPr marL="68580" indent="0" algn="ctr">
+              <a:buNone/>
+            </a:pPr>
+            <a:r>
+              <a:rPr lang="en-US" sz="3200" dirty="0" smtClean="0"/>
+              <a:t>Story Points</a:t>
+            </a:r>
+          </a:p>
+          <a:p>
+            <a:pPr marL="68580" indent="0" algn="ctr">
+              <a:buNone/>
+            </a:pPr>
+            <a:r>
+              <a:rPr lang="en-US" sz="3200" dirty="0" smtClean="0"/>
+              <a:t>Counting tickets</a:t>
+            </a:r>
+          </a:p>
+          <a:p>
+            <a:pPr marL="68580" indent="0" algn="ctr">
+              <a:buNone/>
+            </a:pPr>
+            <a:r>
+              <a:rPr lang="en-US" sz="3200" dirty="0" smtClean="0"/>
+              <a:t>No estimating</a:t>
+            </a:r>
+          </a:p>
+          <a:p>
+            <a:endParaRPr lang="en-US" sz="3200" dirty="0"/>
+          </a:p>
+        </p:txBody>
+      </p:sp>
+    </p:spTree>
+    <p:extLst>
+      <p:ext uri="{BB962C8B-B14F-4D97-AF65-F5344CB8AC3E}">
+        <p14:creationId xmlns:p14="http://schemas.microsoft.com/office/powerpoint/2010/main" val="1830759053"/>
+      </p:ext>
+    </p:extLst>
+  </p:cSld>
+  <p:clrMapOvr>
+    <a:masterClrMapping/>
+  </p:clrMapOvr>
+  <p:timing>
+    <p:tnLst>
+      <p:par>
+        <p:cTn id="1" dur="indefinite" restart="never" nodeType="tmRoot"/>
+      </p:par>
+    </p:tnLst>
+  </p:timing>
+</p:sld>
+</file>
+
+<file path=ppt/slides/slide17.xml><?xml version="1.0" encoding="utf-8"?>
+<p:sld xmlns:a="http://schemas.openxmlformats.org/drawingml/2006/main" xmlns:r="http://schemas.openxmlformats.org/officeDocument/2006/relationships" xmlns:p="http://schemas.openxmlformats.org/presentationml/2006/main">
+  <p:cSld>
+    <p:spTree>
+      <p:nvGrpSpPr>
+        <p:cNvPr id="1" name=""/>
+        <p:cNvGrpSpPr/>
+        <p:nvPr/>
+      </p:nvGrpSpPr>
+      <p:grpSpPr>
+        <a:xfrm>
+          <a:off x="0" y="0"/>
+          <a:ext cx="0" cy="0"/>
+          <a:chOff x="0" y="0"/>
+          <a:chExt cx="0" cy="0"/>
+        </a:xfrm>
+      </p:grpSpPr>
+      <p:sp>
+        <p:nvSpPr>
+          <p:cNvPr id="4" name="Title 3"/>
+          <p:cNvSpPr>
+            <a:spLocks noGrp="1"/>
+          </p:cNvSpPr>
+          <p:nvPr>
+            <p:ph type="title"/>
+          </p:nvPr>
+        </p:nvSpPr>
+        <p:spPr/>
+        <p:txBody>
+          <a:bodyPr anchor="ctr"/>
+          <a:lstStyle/>
+          <a:p>
+            <a:pPr algn="ctr"/>
+            <a:r>
+              <a:rPr lang="en-US" dirty="0" smtClean="0"/>
+              <a:t>Estimation Methods</a:t>
+            </a:r>
+            <a:endParaRPr lang="en-US" dirty="0"/>
+          </a:p>
+        </p:txBody>
+      </p:sp>
+      <p:sp>
+        <p:nvSpPr>
+          <p:cNvPr id="2" name="Content Placeholder 1"/>
+          <p:cNvSpPr>
+            <a:spLocks noGrp="1"/>
+          </p:cNvSpPr>
+          <p:nvPr>
+            <p:ph idx="1"/>
+          </p:nvPr>
+        </p:nvSpPr>
+        <p:spPr/>
+        <p:txBody>
+          <a:bodyPr>
+            <a:normAutofit/>
+          </a:bodyPr>
+          <a:lstStyle/>
+          <a:p>
+            <a:pPr marL="68580" indent="0" algn="ctr">
+              <a:buNone/>
+            </a:pPr>
+            <a:r>
+              <a:rPr lang="en-US" sz="3200" dirty="0" smtClean="0"/>
+              <a:t>Time (hours/days)</a:t>
+            </a:r>
+          </a:p>
+          <a:p>
+            <a:pPr marL="68580" indent="0" algn="ctr">
+              <a:buNone/>
+            </a:pPr>
+            <a:r>
+              <a:rPr lang="en-US" sz="3200" b="1" dirty="0" smtClean="0"/>
+              <a:t>Story Points</a:t>
+            </a:r>
+          </a:p>
+          <a:p>
+            <a:pPr marL="68580" indent="0" algn="ctr">
+              <a:buNone/>
+            </a:pPr>
+            <a:r>
+              <a:rPr lang="en-US" sz="3200" dirty="0" smtClean="0"/>
+              <a:t>Counting tickets</a:t>
+            </a:r>
+          </a:p>
+          <a:p>
+            <a:pPr marL="68580" indent="0" algn="ctr">
+              <a:buNone/>
+            </a:pPr>
+            <a:r>
+              <a:rPr lang="en-US" sz="3200" dirty="0" smtClean="0"/>
+              <a:t>No estimating</a:t>
+            </a:r>
+          </a:p>
+          <a:p>
+            <a:endParaRPr lang="en-US" sz="3200" dirty="0"/>
+          </a:p>
+        </p:txBody>
+      </p:sp>
+    </p:spTree>
+    <p:extLst>
+      <p:ext uri="{BB962C8B-B14F-4D97-AF65-F5344CB8AC3E}">
+        <p14:creationId xmlns:p14="http://schemas.microsoft.com/office/powerpoint/2010/main" val="773159291"/>
+      </p:ext>
+    </p:extLst>
+  </p:cSld>
+  <p:clrMapOvr>
+    <a:masterClrMapping/>
+  </p:clrMapOvr>
+  <p:timing>
+    <p:tnLst>
+      <p:par>
+        <p:cTn id="1" dur="indefinite" restart="never" nodeType="tmRoot"/>
+      </p:par>
+    </p:tnLst>
+  </p:timing>
+</p:sld>
+</file>
+
+<file path=ppt/slides/slide18.xml><?xml version="1.0" encoding="utf-8"?>
+<p:sld xmlns:a="http://schemas.openxmlformats.org/drawingml/2006/main" xmlns:r="http://schemas.openxmlformats.org/officeDocument/2006/relationships" xmlns:p="http://schemas.openxmlformats.org/presentationml/2006/main">
+  <p:cSld>
+    <p:spTree>
+      <p:nvGrpSpPr>
+        <p:cNvPr id="1" name=""/>
+        <p:cNvGrpSpPr/>
+        <p:nvPr/>
+      </p:nvGrpSpPr>
+      <p:grpSpPr>
+        <a:xfrm>
+          <a:off x="0" y="0"/>
+          <a:ext cx="0" cy="0"/>
+          <a:chOff x="0" y="0"/>
+          <a:chExt cx="0" cy="0"/>
+        </a:xfrm>
+      </p:grpSpPr>
+      <p:sp>
+        <p:nvSpPr>
+          <p:cNvPr id="4" name="Title 3"/>
+          <p:cNvSpPr>
+            <a:spLocks noGrp="1"/>
+          </p:cNvSpPr>
+          <p:nvPr>
+            <p:ph type="title"/>
+          </p:nvPr>
+        </p:nvSpPr>
+        <p:spPr/>
+        <p:txBody>
+          <a:bodyPr anchor="ctr"/>
+          <a:lstStyle/>
+          <a:p>
+            <a:pPr algn="ctr"/>
+            <a:r>
+              <a:rPr lang="en-US" dirty="0" smtClean="0"/>
+              <a:t>Estimation Methods</a:t>
+            </a:r>
+            <a:endParaRPr lang="en-US" dirty="0"/>
+          </a:p>
+        </p:txBody>
+      </p:sp>
+      <p:sp>
+        <p:nvSpPr>
+          <p:cNvPr id="2" name="Content Placeholder 1"/>
+          <p:cNvSpPr>
+            <a:spLocks noGrp="1"/>
+          </p:cNvSpPr>
+          <p:nvPr>
+            <p:ph idx="1"/>
+          </p:nvPr>
+        </p:nvSpPr>
+        <p:spPr/>
+        <p:txBody>
+          <a:bodyPr>
+            <a:normAutofit/>
+          </a:bodyPr>
+          <a:lstStyle/>
+          <a:p>
+            <a:pPr marL="68580" indent="0" algn="ctr">
+              <a:buNone/>
+            </a:pPr>
+            <a:r>
+              <a:rPr lang="en-US" sz="3200" dirty="0" smtClean="0"/>
+              <a:t>Time (hours/days)</a:t>
+            </a:r>
+          </a:p>
+          <a:p>
+            <a:pPr marL="68580" indent="0" algn="ctr">
+              <a:buNone/>
+            </a:pPr>
+            <a:r>
+              <a:rPr lang="en-US" sz="3200" dirty="0" smtClean="0"/>
+              <a:t>Story Points</a:t>
+            </a:r>
+          </a:p>
+          <a:p>
+            <a:pPr marL="68580" indent="0" algn="ctr">
+              <a:buNone/>
+            </a:pPr>
+            <a:r>
+              <a:rPr lang="en-US" sz="3200" b="1" dirty="0" smtClean="0"/>
+              <a:t>Counting tickets</a:t>
+            </a:r>
+          </a:p>
+          <a:p>
+            <a:pPr marL="68580" indent="0" algn="ctr">
+              <a:buNone/>
+            </a:pPr>
+            <a:r>
+              <a:rPr lang="en-US" sz="3200" dirty="0" smtClean="0"/>
+              <a:t>No estimating</a:t>
+            </a:r>
+          </a:p>
+          <a:p>
+            <a:endParaRPr lang="en-US" sz="3200" dirty="0"/>
+          </a:p>
+        </p:txBody>
+      </p:sp>
+    </p:spTree>
+    <p:extLst>
+      <p:ext uri="{BB962C8B-B14F-4D97-AF65-F5344CB8AC3E}">
+        <p14:creationId xmlns:p14="http://schemas.microsoft.com/office/powerpoint/2010/main" val="2195371663"/>
+      </p:ext>
+    </p:extLst>
+  </p:cSld>
+  <p:clrMapOvr>
+    <a:masterClrMapping/>
+  </p:clrMapOvr>
+  <p:timing>
+    <p:tnLst>
+      <p:par>
+        <p:cTn id="1" dur="indefinite" restart="never" nodeType="tmRoot"/>
+      </p:par>
+    </p:tnLst>
+  </p:timing>
+</p:sld>
+</file>
+
+<file path=ppt/slides/slide19.xml><?xml version="1.0" encoding="utf-8"?>
+<p:sld xmlns:a="http://schemas.openxmlformats.org/drawingml/2006/main" xmlns:r="http://schemas.openxmlformats.org/officeDocument/2006/relationships" xmlns:p="http://schemas.openxmlformats.org/presentationml/2006/main">
+  <p:cSld>
+    <p:spTree>
+      <p:nvGrpSpPr>
+        <p:cNvPr id="1" name=""/>
+        <p:cNvGrpSpPr/>
+        <p:nvPr/>
+      </p:nvGrpSpPr>
+      <p:grpSpPr>
+        <a:xfrm>
+          <a:off x="0" y="0"/>
+          <a:ext cx="0" cy="0"/>
+          <a:chOff x="0" y="0"/>
+          <a:chExt cx="0" cy="0"/>
+        </a:xfrm>
+      </p:grpSpPr>
+      <p:sp>
+        <p:nvSpPr>
+          <p:cNvPr id="4" name="Title 3"/>
+          <p:cNvSpPr>
+            <a:spLocks noGrp="1"/>
+          </p:cNvSpPr>
+          <p:nvPr>
+            <p:ph type="title"/>
+          </p:nvPr>
+        </p:nvSpPr>
+        <p:spPr/>
+        <p:txBody>
+          <a:bodyPr anchor="ctr"/>
+          <a:lstStyle/>
+          <a:p>
+            <a:pPr algn="ctr"/>
+            <a:r>
+              <a:rPr lang="en-US" dirty="0" smtClean="0"/>
+              <a:t>Estimation Methods</a:t>
+            </a:r>
+            <a:endParaRPr lang="en-US" dirty="0"/>
+          </a:p>
+        </p:txBody>
+      </p:sp>
+      <p:sp>
+        <p:nvSpPr>
+          <p:cNvPr id="2" name="Content Placeholder 1"/>
+          <p:cNvSpPr>
+            <a:spLocks noGrp="1"/>
+          </p:cNvSpPr>
+          <p:nvPr>
+            <p:ph idx="1"/>
+          </p:nvPr>
+        </p:nvSpPr>
+        <p:spPr/>
+        <p:txBody>
+          <a:bodyPr>
+            <a:normAutofit/>
+          </a:bodyPr>
+          <a:lstStyle/>
+          <a:p>
+            <a:pPr marL="68580" indent="0" algn="ctr">
+              <a:buNone/>
+            </a:pPr>
+            <a:r>
+              <a:rPr lang="en-US" sz="3200" dirty="0" smtClean="0"/>
+              <a:t>Time (hours/days)</a:t>
+            </a:r>
+          </a:p>
+          <a:p>
+            <a:pPr marL="68580" indent="0" algn="ctr">
+              <a:buNone/>
+            </a:pPr>
+            <a:r>
+              <a:rPr lang="en-US" sz="3200" dirty="0" smtClean="0"/>
+              <a:t>Story Points</a:t>
+            </a:r>
+          </a:p>
+          <a:p>
+            <a:pPr marL="68580" indent="0" algn="ctr">
+              <a:buNone/>
+            </a:pPr>
+            <a:r>
+              <a:rPr lang="en-US" sz="3200" dirty="0" smtClean="0"/>
+              <a:t>Counting tickets</a:t>
+            </a:r>
+          </a:p>
+          <a:p>
+            <a:pPr marL="68580" indent="0" algn="ctr">
+              <a:buNone/>
+            </a:pPr>
+            <a:r>
+              <a:rPr lang="en-US" sz="3200" b="1" dirty="0" smtClean="0"/>
+              <a:t>No estimating</a:t>
+            </a:r>
+          </a:p>
+          <a:p>
+            <a:endParaRPr lang="en-US" sz="3200" dirty="0"/>
+          </a:p>
+        </p:txBody>
+      </p:sp>
+    </p:spTree>
+    <p:extLst>
+      <p:ext uri="{BB962C8B-B14F-4D97-AF65-F5344CB8AC3E}">
+        <p14:creationId xmlns:p14="http://schemas.microsoft.com/office/powerpoint/2010/main" val="2161430612"/>
+      </p:ext>
+    </p:extLst>
+  </p:cSld>
+  <p:clrMapOvr>
+    <a:masterClrMapping/>
+  </p:clrMapOvr>
+  <p:timing>
+    <p:tnLst>
+      <p:par>
+        <p:cTn id="1" dur="indefinite" restart="never" nodeType="tmRoot"/>
+      </p:par>
+    </p:tnLst>
+  </p:timing>
+</p:sld>
+</file>
+
+<file path=ppt/slides/slide2.xml><?xml version="1.0" encoding="utf-8"?>
+<p:sld xmlns:a="http://schemas.openxmlformats.org/drawingml/2006/main" xmlns:r="http://schemas.openxmlformats.org/officeDocument/2006/relationships" xmlns:p="http://schemas.openxmlformats.org/presentationml/2006/main">
+  <p:cSld>
+    <p:spTree>
+      <p:nvGrpSpPr>
+        <p:cNvPr id="1" name=""/>
+        <p:cNvGrpSpPr/>
+        <p:nvPr/>
+      </p:nvGrpSpPr>
+      <p:grpSpPr>
+        <a:xfrm>
+          <a:off x="0" y="0"/>
+          <a:ext cx="0" cy="0"/>
+          <a:chOff x="0" y="0"/>
+          <a:chExt cx="0" cy="0"/>
+        </a:xfrm>
+      </p:grpSpPr>
+      <p:sp>
+        <p:nvSpPr>
+          <p:cNvPr id="4" name="Title 3"/>
+          <p:cNvSpPr>
+            <a:spLocks noGrp="1"/>
+          </p:cNvSpPr>
+          <p:nvPr>
+            <p:ph type="title"/>
+          </p:nvPr>
+        </p:nvSpPr>
+        <p:spPr>
+          <a:xfrm>
+            <a:off x="1253266" y="2747963"/>
+            <a:ext cx="6637468" cy="1362075"/>
+          </a:xfrm>
+        </p:spPr>
+        <p:txBody>
+          <a:bodyPr anchor="ctr"/>
+          <a:lstStyle/>
+          <a:p>
+            <a:pPr algn="ctr"/>
+            <a:r>
+              <a:rPr lang="en-US" dirty="0" smtClean="0"/>
+              <a:t>What is Iteration Management? </a:t>
+            </a:r>
+            <a:endParaRPr lang="en-US" dirty="0"/>
+          </a:p>
+        </p:txBody>
+      </p:sp>
+      <p:sp>
+        <p:nvSpPr>
+          <p:cNvPr id="5" name="Text Placeholder 4"/>
+          <p:cNvSpPr>
+            <a:spLocks noGrp="1"/>
+          </p:cNvSpPr>
+          <p:nvPr>
+            <p:ph type="body" idx="1"/>
+          </p:nvPr>
+        </p:nvSpPr>
+        <p:spPr/>
+        <p:txBody>
+          <a:bodyPr/>
+          <a:lstStyle/>
+          <a:p>
+            <a:endParaRPr lang="en-US" dirty="0"/>
+          </a:p>
+        </p:txBody>
+      </p:sp>
+    </p:spTree>
+    <p:extLst>
+      <p:ext uri="{BB962C8B-B14F-4D97-AF65-F5344CB8AC3E}">
+        <p14:creationId xmlns:p14="http://schemas.microsoft.com/office/powerpoint/2010/main" val="298675639"/>
+      </p:ext>
+    </p:extLst>
+  </p:cSld>
+  <p:clrMapOvr>
+    <a:masterClrMapping/>
+  </p:clrMapOvr>
+  <p:timing>
+    <p:tnLst>
+      <p:par>
+        <p:cTn id="1" dur="indefinite" restart="never" nodeType="tmRoot"/>
+      </p:par>
+    </p:tnLst>
+  </p:timing>
+</p:sld>
+</file>
+
+<file path=ppt/slides/slide20.xml><?xml version="1.0" encoding="utf-8"?>
 <p:sld xmlns:a="http://schemas.openxmlformats.org/drawingml/2006/main" xmlns:r="http://schemas.openxmlformats.org/officeDocument/2006/relationships" xmlns:p="http://schemas.openxmlformats.org/presentationml/2006/main">
   <p:cSld>
     <p:spTree>
@@ -17189,7 +19592,7 @@
 </p:sld>
 </file>
 
-<file path=ppt/slides/slide16.xml><?xml version="1.0" encoding="utf-8"?>
+<file path=ppt/slides/slide21.xml><?xml version="1.0" encoding="utf-8"?>
 <p:sld xmlns:a="http://schemas.openxmlformats.org/drawingml/2006/main" xmlns:r="http://schemas.openxmlformats.org/officeDocument/2006/relationships" xmlns:p="http://schemas.openxmlformats.org/presentationml/2006/main">
   <p:cSld>
     <p:spTree>
@@ -17458,7 +19861,7 @@
 </p:sld>
 </file>
 
-<file path=ppt/slides/slide17.xml><?xml version="1.0" encoding="utf-8"?>
+<file path=ppt/slides/slide22.xml><?xml version="1.0" encoding="utf-8"?>
 <p:sld xmlns:a="http://schemas.openxmlformats.org/drawingml/2006/main" xmlns:r="http://schemas.openxmlformats.org/officeDocument/2006/relationships" xmlns:p="http://schemas.openxmlformats.org/presentationml/2006/main">
   <p:cSld>
     <p:spTree>
@@ -17811,520 +20214,6 @@
 </p:sld>
 </file>
 
-<file path=ppt/slides/slide18.xml><?xml version="1.0" encoding="utf-8"?>
-<p:sld xmlns:a="http://schemas.openxmlformats.org/drawingml/2006/main" xmlns:r="http://schemas.openxmlformats.org/officeDocument/2006/relationships" xmlns:p="http://schemas.openxmlformats.org/presentationml/2006/main">
-  <p:cSld>
-    <p:spTree>
-      <p:nvGrpSpPr>
-        <p:cNvPr id="1" name=""/>
-        <p:cNvGrpSpPr/>
-        <p:nvPr/>
-      </p:nvGrpSpPr>
-      <p:grpSpPr>
-        <a:xfrm>
-          <a:off x="0" y="0"/>
-          <a:ext cx="0" cy="0"/>
-          <a:chOff x="0" y="0"/>
-          <a:chExt cx="0" cy="0"/>
-        </a:xfrm>
-      </p:grpSpPr>
-      <p:sp>
-        <p:nvSpPr>
-          <p:cNvPr id="4" name="Title 3"/>
-          <p:cNvSpPr>
-            <a:spLocks noGrp="1"/>
-          </p:cNvSpPr>
-          <p:nvPr>
-            <p:ph type="title"/>
-          </p:nvPr>
-        </p:nvSpPr>
-        <p:spPr>
-          <a:xfrm>
-            <a:off x="1258645" y="2747963"/>
-            <a:ext cx="6637468" cy="1362075"/>
-          </a:xfrm>
-        </p:spPr>
-        <p:txBody>
-          <a:bodyPr anchor="ctr"/>
-          <a:lstStyle/>
-          <a:p>
-            <a:pPr algn="ctr"/>
-            <a:r>
-              <a:rPr lang="en-US" dirty="0" smtClean="0"/>
-              <a:t>Data Analysis</a:t>
-            </a:r>
-            <a:endParaRPr lang="en-US" dirty="0"/>
-          </a:p>
-        </p:txBody>
-      </p:sp>
-      <p:sp>
-        <p:nvSpPr>
-          <p:cNvPr id="5" name="Text Placeholder 4"/>
-          <p:cNvSpPr>
-            <a:spLocks noGrp="1"/>
-          </p:cNvSpPr>
-          <p:nvPr>
-            <p:ph type="body" idx="1"/>
-          </p:nvPr>
-        </p:nvSpPr>
-        <p:spPr/>
-        <p:txBody>
-          <a:bodyPr/>
-          <a:lstStyle/>
-          <a:p>
-            <a:endParaRPr lang="en-US" dirty="0"/>
-          </a:p>
-        </p:txBody>
-      </p:sp>
-    </p:spTree>
-    <p:extLst>
-      <p:ext uri="{BB962C8B-B14F-4D97-AF65-F5344CB8AC3E}">
-        <p14:creationId xmlns:p14="http://schemas.microsoft.com/office/powerpoint/2010/main" val="3277940311"/>
-      </p:ext>
-    </p:extLst>
-  </p:cSld>
-  <p:clrMapOvr>
-    <a:masterClrMapping/>
-  </p:clrMapOvr>
-  <p:timing>
-    <p:tnLst>
-      <p:par>
-        <p:cTn id="1" dur="indefinite" restart="never" nodeType="tmRoot"/>
-      </p:par>
-    </p:tnLst>
-  </p:timing>
-</p:sld>
-</file>
-
-<file path=ppt/slides/slide19.xml><?xml version="1.0" encoding="utf-8"?>
-<p:sld xmlns:a="http://schemas.openxmlformats.org/drawingml/2006/main" xmlns:r="http://schemas.openxmlformats.org/officeDocument/2006/relationships" xmlns:p="http://schemas.openxmlformats.org/presentationml/2006/main">
-  <p:cSld>
-    <p:spTree>
-      <p:nvGrpSpPr>
-        <p:cNvPr id="1" name=""/>
-        <p:cNvGrpSpPr/>
-        <p:nvPr/>
-      </p:nvGrpSpPr>
-      <p:grpSpPr>
-        <a:xfrm>
-          <a:off x="0" y="0"/>
-          <a:ext cx="0" cy="0"/>
-          <a:chOff x="0" y="0"/>
-          <a:chExt cx="0" cy="0"/>
-        </a:xfrm>
-      </p:grpSpPr>
-      <p:sp>
-        <p:nvSpPr>
-          <p:cNvPr id="4" name="Title 3"/>
-          <p:cNvSpPr>
-            <a:spLocks noGrp="1"/>
-          </p:cNvSpPr>
-          <p:nvPr>
-            <p:ph type="title"/>
-          </p:nvPr>
-        </p:nvSpPr>
-        <p:spPr>
-          <a:xfrm>
-            <a:off x="1258645" y="2747963"/>
-            <a:ext cx="6637468" cy="1362075"/>
-          </a:xfrm>
-        </p:spPr>
-        <p:txBody>
-          <a:bodyPr anchor="ctr"/>
-          <a:lstStyle/>
-          <a:p>
-            <a:pPr algn="ctr"/>
-            <a:r>
-              <a:rPr lang="en-US" dirty="0" smtClean="0"/>
-              <a:t>Metrics</a:t>
-            </a:r>
-            <a:endParaRPr lang="en-US" dirty="0"/>
-          </a:p>
-        </p:txBody>
-      </p:sp>
-      <p:sp>
-        <p:nvSpPr>
-          <p:cNvPr id="5" name="Text Placeholder 4"/>
-          <p:cNvSpPr>
-            <a:spLocks noGrp="1"/>
-          </p:cNvSpPr>
-          <p:nvPr>
-            <p:ph type="body" idx="1"/>
-          </p:nvPr>
-        </p:nvSpPr>
-        <p:spPr/>
-        <p:txBody>
-          <a:bodyPr/>
-          <a:lstStyle/>
-          <a:p>
-            <a:endParaRPr lang="en-US" dirty="0"/>
-          </a:p>
-        </p:txBody>
-      </p:sp>
-    </p:spTree>
-    <p:extLst>
-      <p:ext uri="{BB962C8B-B14F-4D97-AF65-F5344CB8AC3E}">
-        <p14:creationId xmlns:p14="http://schemas.microsoft.com/office/powerpoint/2010/main" val="538743597"/>
-      </p:ext>
-    </p:extLst>
-  </p:cSld>
-  <p:clrMapOvr>
-    <a:masterClrMapping/>
-  </p:clrMapOvr>
-  <p:timing>
-    <p:tnLst>
-      <p:par>
-        <p:cTn id="1" dur="indefinite" restart="never" nodeType="tmRoot"/>
-      </p:par>
-    </p:tnLst>
-  </p:timing>
-</p:sld>
-</file>
-
-<file path=ppt/slides/slide2.xml><?xml version="1.0" encoding="utf-8"?>
-<p:sld xmlns:a="http://schemas.openxmlformats.org/drawingml/2006/main" xmlns:r="http://schemas.openxmlformats.org/officeDocument/2006/relationships" xmlns:p="http://schemas.openxmlformats.org/presentationml/2006/main">
-  <p:cSld>
-    <p:spTree>
-      <p:nvGrpSpPr>
-        <p:cNvPr id="1" name=""/>
-        <p:cNvGrpSpPr/>
-        <p:nvPr/>
-      </p:nvGrpSpPr>
-      <p:grpSpPr>
-        <a:xfrm>
-          <a:off x="0" y="0"/>
-          <a:ext cx="0" cy="0"/>
-          <a:chOff x="0" y="0"/>
-          <a:chExt cx="0" cy="0"/>
-        </a:xfrm>
-      </p:grpSpPr>
-      <p:sp>
-        <p:nvSpPr>
-          <p:cNvPr id="4" name="Title 3"/>
-          <p:cNvSpPr>
-            <a:spLocks noGrp="1"/>
-          </p:cNvSpPr>
-          <p:nvPr>
-            <p:ph type="title"/>
-          </p:nvPr>
-        </p:nvSpPr>
-        <p:spPr>
-          <a:xfrm>
-            <a:off x="1253266" y="2747963"/>
-            <a:ext cx="6637468" cy="1362075"/>
-          </a:xfrm>
-        </p:spPr>
-        <p:txBody>
-          <a:bodyPr anchor="ctr"/>
-          <a:lstStyle/>
-          <a:p>
-            <a:pPr algn="ctr"/>
-            <a:r>
-              <a:rPr lang="en-US" dirty="0" smtClean="0"/>
-              <a:t>What is Iteration Management? </a:t>
-            </a:r>
-            <a:endParaRPr lang="en-US" dirty="0"/>
-          </a:p>
-        </p:txBody>
-      </p:sp>
-      <p:sp>
-        <p:nvSpPr>
-          <p:cNvPr id="5" name="Text Placeholder 4"/>
-          <p:cNvSpPr>
-            <a:spLocks noGrp="1"/>
-          </p:cNvSpPr>
-          <p:nvPr>
-            <p:ph type="body" idx="1"/>
-          </p:nvPr>
-        </p:nvSpPr>
-        <p:spPr/>
-        <p:txBody>
-          <a:bodyPr/>
-          <a:lstStyle/>
-          <a:p>
-            <a:endParaRPr lang="en-US" dirty="0"/>
-          </a:p>
-        </p:txBody>
-      </p:sp>
-    </p:spTree>
-    <p:extLst>
-      <p:ext uri="{BB962C8B-B14F-4D97-AF65-F5344CB8AC3E}">
-        <p14:creationId xmlns:p14="http://schemas.microsoft.com/office/powerpoint/2010/main" val="298675639"/>
-      </p:ext>
-    </p:extLst>
-  </p:cSld>
-  <p:clrMapOvr>
-    <a:masterClrMapping/>
-  </p:clrMapOvr>
-  <p:timing>
-    <p:tnLst>
-      <p:par>
-        <p:cTn id="1" dur="indefinite" restart="never" nodeType="tmRoot"/>
-      </p:par>
-    </p:tnLst>
-  </p:timing>
-</p:sld>
-</file>
-
-<file path=ppt/slides/slide20.xml><?xml version="1.0" encoding="utf-8"?>
-<p:sld xmlns:a="http://schemas.openxmlformats.org/drawingml/2006/main" xmlns:r="http://schemas.openxmlformats.org/officeDocument/2006/relationships" xmlns:p="http://schemas.openxmlformats.org/presentationml/2006/main">
-  <p:cSld>
-    <p:spTree>
-      <p:nvGrpSpPr>
-        <p:cNvPr id="1" name=""/>
-        <p:cNvGrpSpPr/>
-        <p:nvPr/>
-      </p:nvGrpSpPr>
-      <p:grpSpPr>
-        <a:xfrm>
-          <a:off x="0" y="0"/>
-          <a:ext cx="0" cy="0"/>
-          <a:chOff x="0" y="0"/>
-          <a:chExt cx="0" cy="0"/>
-        </a:xfrm>
-      </p:grpSpPr>
-      <p:sp>
-        <p:nvSpPr>
-          <p:cNvPr id="4" name="Title 3"/>
-          <p:cNvSpPr>
-            <a:spLocks noGrp="1"/>
-          </p:cNvSpPr>
-          <p:nvPr>
-            <p:ph type="title"/>
-          </p:nvPr>
-        </p:nvSpPr>
-        <p:spPr>
-          <a:xfrm>
-            <a:off x="1258645" y="2747963"/>
-            <a:ext cx="6637468" cy="1362075"/>
-          </a:xfrm>
-        </p:spPr>
-        <p:txBody>
-          <a:bodyPr anchor="ctr"/>
-          <a:lstStyle/>
-          <a:p>
-            <a:pPr algn="ctr"/>
-            <a:r>
-              <a:rPr lang="en-US" dirty="0" err="1" smtClean="0"/>
-              <a:t>Burndown</a:t>
-            </a:r>
-            <a:r>
-              <a:rPr lang="en-US" dirty="0" smtClean="0"/>
-              <a:t> Charts</a:t>
-            </a:r>
-            <a:endParaRPr lang="en-US" dirty="0"/>
-          </a:p>
-        </p:txBody>
-      </p:sp>
-      <p:sp>
-        <p:nvSpPr>
-          <p:cNvPr id="5" name="Text Placeholder 4"/>
-          <p:cNvSpPr>
-            <a:spLocks noGrp="1"/>
-          </p:cNvSpPr>
-          <p:nvPr>
-            <p:ph type="body" idx="1"/>
-          </p:nvPr>
-        </p:nvSpPr>
-        <p:spPr/>
-        <p:txBody>
-          <a:bodyPr/>
-          <a:lstStyle/>
-          <a:p>
-            <a:endParaRPr lang="en-US" dirty="0"/>
-          </a:p>
-        </p:txBody>
-      </p:sp>
-    </p:spTree>
-    <p:extLst>
-      <p:ext uri="{BB962C8B-B14F-4D97-AF65-F5344CB8AC3E}">
-        <p14:creationId xmlns:p14="http://schemas.microsoft.com/office/powerpoint/2010/main" val="1410654561"/>
-      </p:ext>
-    </p:extLst>
-  </p:cSld>
-  <p:clrMapOvr>
-    <a:masterClrMapping/>
-  </p:clrMapOvr>
-  <p:timing>
-    <p:tnLst>
-      <p:par>
-        <p:cTn id="1" dur="indefinite" restart="never" nodeType="tmRoot"/>
-      </p:par>
-    </p:tnLst>
-  </p:timing>
-</p:sld>
-</file>
-
-<file path=ppt/slides/slide21.xml><?xml version="1.0" encoding="utf-8"?>
-<p:sld xmlns:a="http://schemas.openxmlformats.org/drawingml/2006/main" xmlns:r="http://schemas.openxmlformats.org/officeDocument/2006/relationships" xmlns:p="http://schemas.openxmlformats.org/presentationml/2006/main">
-  <p:cSld>
-    <p:spTree>
-      <p:nvGrpSpPr>
-        <p:cNvPr id="1" name=""/>
-        <p:cNvGrpSpPr/>
-        <p:nvPr/>
-      </p:nvGrpSpPr>
-      <p:grpSpPr>
-        <a:xfrm>
-          <a:off x="0" y="0"/>
-          <a:ext cx="0" cy="0"/>
-          <a:chOff x="0" y="0"/>
-          <a:chExt cx="0" cy="0"/>
-        </a:xfrm>
-      </p:grpSpPr>
-      <p:sp>
-        <p:nvSpPr>
-          <p:cNvPr id="4" name="Title 3"/>
-          <p:cNvSpPr>
-            <a:spLocks noGrp="1"/>
-          </p:cNvSpPr>
-          <p:nvPr>
-            <p:ph type="title"/>
-          </p:nvPr>
-        </p:nvSpPr>
-        <p:spPr>
-          <a:xfrm>
-            <a:off x="1258645" y="2747963"/>
-            <a:ext cx="6637468" cy="1362075"/>
-          </a:xfrm>
-        </p:spPr>
-        <p:txBody>
-          <a:bodyPr anchor="ctr"/>
-          <a:lstStyle/>
-          <a:p>
-            <a:pPr algn="ctr"/>
-            <a:r>
-              <a:rPr lang="en-US" dirty="0" smtClean="0"/>
-              <a:t>Capacity Planning</a:t>
-            </a:r>
-            <a:endParaRPr lang="en-US" dirty="0"/>
-          </a:p>
-        </p:txBody>
-      </p:sp>
-      <p:sp>
-        <p:nvSpPr>
-          <p:cNvPr id="5" name="Text Placeholder 4"/>
-          <p:cNvSpPr>
-            <a:spLocks noGrp="1"/>
-          </p:cNvSpPr>
-          <p:nvPr>
-            <p:ph type="body" idx="1"/>
-          </p:nvPr>
-        </p:nvSpPr>
-        <p:spPr/>
-        <p:txBody>
-          <a:bodyPr/>
-          <a:lstStyle/>
-          <a:p>
-            <a:endParaRPr lang="en-US" dirty="0"/>
-          </a:p>
-        </p:txBody>
-      </p:sp>
-    </p:spTree>
-    <p:extLst>
-      <p:ext uri="{BB962C8B-B14F-4D97-AF65-F5344CB8AC3E}">
-        <p14:creationId xmlns:p14="http://schemas.microsoft.com/office/powerpoint/2010/main" val="3351244940"/>
-      </p:ext>
-    </p:extLst>
-  </p:cSld>
-  <p:clrMapOvr>
-    <a:masterClrMapping/>
-  </p:clrMapOvr>
-  <p:timing>
-    <p:tnLst>
-      <p:par>
-        <p:cTn id="1" dur="indefinite" restart="never" nodeType="tmRoot"/>
-      </p:par>
-    </p:tnLst>
-  </p:timing>
-</p:sld>
-</file>
-
-<file path=ppt/slides/slide22.xml><?xml version="1.0" encoding="utf-8"?>
-<p:sld xmlns:a="http://schemas.openxmlformats.org/drawingml/2006/main" xmlns:r="http://schemas.openxmlformats.org/officeDocument/2006/relationships" xmlns:p="http://schemas.openxmlformats.org/presentationml/2006/main">
-  <p:cSld>
-    <p:spTree>
-      <p:nvGrpSpPr>
-        <p:cNvPr id="1" name=""/>
-        <p:cNvGrpSpPr/>
-        <p:nvPr/>
-      </p:nvGrpSpPr>
-      <p:grpSpPr>
-        <a:xfrm>
-          <a:off x="0" y="0"/>
-          <a:ext cx="0" cy="0"/>
-          <a:chOff x="0" y="0"/>
-          <a:chExt cx="0" cy="0"/>
-        </a:xfrm>
-      </p:grpSpPr>
-      <p:sp>
-        <p:nvSpPr>
-          <p:cNvPr id="4" name="Title 3"/>
-          <p:cNvSpPr>
-            <a:spLocks noGrp="1"/>
-          </p:cNvSpPr>
-          <p:nvPr>
-            <p:ph type="title"/>
-          </p:nvPr>
-        </p:nvSpPr>
-        <p:spPr>
-          <a:xfrm>
-            <a:off x="1258645" y="2747963"/>
-            <a:ext cx="6637468" cy="1362075"/>
-          </a:xfrm>
-        </p:spPr>
-        <p:txBody>
-          <a:bodyPr anchor="ctr"/>
-          <a:lstStyle/>
-          <a:p>
-            <a:pPr algn="ctr"/>
-            <a:r>
-              <a:rPr lang="en-US" dirty="0" smtClean="0"/>
-              <a:t>Involving Stakeholders</a:t>
-            </a:r>
-            <a:endParaRPr lang="en-US" dirty="0"/>
-          </a:p>
-        </p:txBody>
-      </p:sp>
-      <p:sp>
-        <p:nvSpPr>
-          <p:cNvPr id="5" name="Text Placeholder 4"/>
-          <p:cNvSpPr>
-            <a:spLocks noGrp="1"/>
-          </p:cNvSpPr>
-          <p:nvPr>
-            <p:ph type="body" idx="1"/>
-          </p:nvPr>
-        </p:nvSpPr>
-        <p:spPr/>
-        <p:txBody>
-          <a:bodyPr/>
-          <a:lstStyle/>
-          <a:p>
-            <a:endParaRPr lang="en-US" dirty="0"/>
-          </a:p>
-        </p:txBody>
-      </p:sp>
-    </p:spTree>
-    <p:extLst>
-      <p:ext uri="{BB962C8B-B14F-4D97-AF65-F5344CB8AC3E}">
-        <p14:creationId xmlns:p14="http://schemas.microsoft.com/office/powerpoint/2010/main" val="3466306024"/>
-      </p:ext>
-    </p:extLst>
-  </p:cSld>
-  <p:clrMapOvr>
-    <a:masterClrMapping/>
-  </p:clrMapOvr>
-  <p:timing>
-    <p:tnLst>
-      <p:par>
-        <p:cTn id="1" dur="indefinite" restart="never" nodeType="tmRoot"/>
-      </p:par>
-    </p:tnLst>
-  </p:timing>
-</p:sld>
-</file>
-
 <file path=ppt/slides/slide23.xml><?xml version="1.0" encoding="utf-8"?>
 <p:sld xmlns:a="http://schemas.openxmlformats.org/drawingml/2006/main" xmlns:r="http://schemas.openxmlformats.org/officeDocument/2006/relationships" xmlns:p="http://schemas.openxmlformats.org/presentationml/2006/main">
   <p:cSld>
@@ -18365,7 +20254,7 @@
             <a:pPr algn="ctr"/>
             <a:r>
               <a:rPr lang="en-US" dirty="0" smtClean="0"/>
-              <a:t>Managing the Backlog</a:t>
+              <a:t>Data Analysis</a:t>
             </a:r>
             <a:endParaRPr lang="en-US" dirty="0"/>
           </a:p>
@@ -18393,7 +20282,7 @@
     </p:spTree>
     <p:extLst>
       <p:ext uri="{BB962C8B-B14F-4D97-AF65-F5344CB8AC3E}">
-        <p14:creationId xmlns:p14="http://schemas.microsoft.com/office/powerpoint/2010/main" val="2147404377"/>
+        <p14:creationId xmlns:p14="http://schemas.microsoft.com/office/powerpoint/2010/main" val="3277940311"/>
       </p:ext>
     </p:extLst>
   </p:cSld>
@@ -18444,15 +20333,35 @@
           </a:xfrm>
         </p:spPr>
         <p:txBody>
-          <a:bodyPr anchor="ctr"/>
+          <a:bodyPr anchor="ctr">
+            <a:normAutofit fontScale="90000"/>
+          </a:bodyPr>
           <a:lstStyle/>
           <a:p>
             <a:pPr algn="ctr"/>
             <a:r>
               <a:rPr lang="en-US" dirty="0" smtClean="0"/>
-              <a:t>Working with Management</a:t>
-            </a:r>
-            <a:endParaRPr lang="en-US" dirty="0"/>
+              <a:t>Data </a:t>
+            </a:r>
+            <a:r>
+              <a:rPr lang="en-US" dirty="0" smtClean="0"/>
+              <a:t>Analysis</a:t>
+            </a:r>
+            <a:br>
+              <a:rPr lang="en-US" dirty="0" smtClean="0"/>
+            </a:br>
+            <a:r>
+              <a:rPr lang="en-US" dirty="0" smtClean="0"/>
+              <a:t/>
+            </a:r>
+            <a:br>
+              <a:rPr lang="en-US" dirty="0" smtClean="0"/>
+            </a:br>
+            <a:r>
+              <a:rPr lang="en-US" i="1" dirty="0" smtClean="0"/>
+              <a:t>…at the personal level</a:t>
+            </a:r>
+            <a:endParaRPr lang="en-US" i="1" dirty="0"/>
           </a:p>
         </p:txBody>
       </p:sp>
@@ -18478,7 +20387,7 @@
     </p:spTree>
     <p:extLst>
       <p:ext uri="{BB962C8B-B14F-4D97-AF65-F5344CB8AC3E}">
-        <p14:creationId xmlns:p14="http://schemas.microsoft.com/office/powerpoint/2010/main" val="3476679645"/>
+        <p14:creationId xmlns:p14="http://schemas.microsoft.com/office/powerpoint/2010/main" val="1991815190"/>
       </p:ext>
     </p:extLst>
   </p:cSld>
@@ -18535,7 +20444,7 @@
             <a:pPr algn="ctr"/>
             <a:r>
               <a:rPr lang="en-US" dirty="0" smtClean="0"/>
-              <a:t>Keeping Up</a:t>
+              <a:t>Metrics</a:t>
             </a:r>
             <a:endParaRPr lang="en-US" dirty="0"/>
           </a:p>
@@ -18563,7 +20472,7 @@
     </p:spTree>
     <p:extLst>
       <p:ext uri="{BB962C8B-B14F-4D97-AF65-F5344CB8AC3E}">
-        <p14:creationId xmlns:p14="http://schemas.microsoft.com/office/powerpoint/2010/main" val="2385406506"/>
+        <p14:creationId xmlns:p14="http://schemas.microsoft.com/office/powerpoint/2010/main" val="538743597"/>
       </p:ext>
     </p:extLst>
   </p:cSld>
@@ -18607,12 +20516,7 @@
             <p:ph type="title"/>
           </p:nvPr>
         </p:nvSpPr>
-        <p:spPr>
-          <a:xfrm>
-            <a:off x="1059628" y="1027664"/>
-            <a:ext cx="7024744" cy="1143000"/>
-          </a:xfrm>
-        </p:spPr>
+        <p:spPr/>
         <p:txBody>
           <a:bodyPr anchor="ctr"/>
           <a:lstStyle/>
@@ -18620,7 +20524,7 @@
             <a:pPr algn="ctr"/>
             <a:r>
               <a:rPr lang="en-US" dirty="0" smtClean="0"/>
-              <a:t>The only rule</a:t>
+              <a:t>Metrics</a:t>
             </a:r>
             <a:endParaRPr lang="en-US" dirty="0"/>
           </a:p>
@@ -18636,12 +20540,7 @@
             <p:ph idx="1"/>
           </p:nvPr>
         </p:nvSpPr>
-        <p:spPr>
-          <a:xfrm>
-            <a:off x="1183342" y="2323652"/>
-            <a:ext cx="6777317" cy="3508977"/>
-          </a:xfrm>
-        </p:spPr>
+        <p:spPr/>
         <p:txBody>
           <a:bodyPr>
             <a:normAutofit/>
@@ -18651,24 +20550,34 @@
             <a:pPr marL="68580" indent="0" algn="ctr">
               <a:buNone/>
             </a:pPr>
-            <a:endParaRPr lang="en-US" sz="3600" b="1" i="1" dirty="0" smtClean="0"/>
-          </a:p>
-          <a:p>
-            <a:pPr marL="68580" indent="0" algn="ctr">
-              <a:buNone/>
-            </a:pPr>
+            <a:r>
+              <a:rPr lang="en-US" sz="3600" dirty="0" smtClean="0"/>
+              <a:t>Data has </a:t>
+            </a:r>
+            <a:r>
+              <a:rPr lang="en-US" sz="3600" dirty="0"/>
+              <a:t>no value on its own, the value is in </a:t>
+            </a:r>
+            <a:r>
+              <a:rPr lang="en-US" sz="3600" dirty="0" smtClean="0"/>
+              <a:t>the </a:t>
+            </a:r>
             <a:r>
               <a:rPr lang="en-US" sz="3600" b="1" i="1" dirty="0" smtClean="0"/>
-              <a:t>Do more of what works and less of what doesn’t.</a:t>
-            </a:r>
-            <a:endParaRPr lang="en-US" sz="3600" b="1" i="1" dirty="0"/>
+              <a:t>interpretation</a:t>
+            </a:r>
+            <a:r>
+              <a:rPr lang="en-US" sz="3600" dirty="0"/>
+              <a:t> of the data.</a:t>
+            </a:r>
+            <a:endParaRPr lang="en-US" sz="3600" dirty="0"/>
           </a:p>
         </p:txBody>
       </p:sp>
     </p:spTree>
     <p:extLst>
       <p:ext uri="{BB962C8B-B14F-4D97-AF65-F5344CB8AC3E}">
-        <p14:creationId xmlns:p14="http://schemas.microsoft.com/office/powerpoint/2010/main" val="117382749"/>
+        <p14:creationId xmlns:p14="http://schemas.microsoft.com/office/powerpoint/2010/main" val="3885045597"/>
       </p:ext>
     </p:extLst>
   </p:cSld>
@@ -18681,6 +20590,863 @@
         <p:cTn id="1" dur="indefinite" restart="never" nodeType="tmRoot"/>
       </p:par>
     </p:tnLst>
+  </p:timing>
+</p:sld>
+</file>
+
+<file path=ppt/slides/slide27.xml><?xml version="1.0" encoding="utf-8"?>
+<p:sld xmlns:a="http://schemas.openxmlformats.org/drawingml/2006/main" xmlns:r="http://schemas.openxmlformats.org/officeDocument/2006/relationships" xmlns:p="http://schemas.openxmlformats.org/presentationml/2006/main">
+  <p:cSld>
+    <p:spTree>
+      <p:nvGrpSpPr>
+        <p:cNvPr id="1" name=""/>
+        <p:cNvGrpSpPr/>
+        <p:nvPr/>
+      </p:nvGrpSpPr>
+      <p:grpSpPr>
+        <a:xfrm>
+          <a:off x="0" y="0"/>
+          <a:ext cx="0" cy="0"/>
+          <a:chOff x="0" y="0"/>
+          <a:chExt cx="0" cy="0"/>
+        </a:xfrm>
+      </p:grpSpPr>
+      <p:sp>
+        <p:nvSpPr>
+          <p:cNvPr id="4" name="Title 3"/>
+          <p:cNvSpPr>
+            <a:spLocks noGrp="1"/>
+          </p:cNvSpPr>
+          <p:nvPr>
+            <p:ph type="title"/>
+          </p:nvPr>
+        </p:nvSpPr>
+        <p:spPr>
+          <a:xfrm>
+            <a:off x="1043490" y="609600"/>
+            <a:ext cx="7024744" cy="1143000"/>
+          </a:xfrm>
+        </p:spPr>
+        <p:txBody>
+          <a:bodyPr anchor="ctr"/>
+          <a:lstStyle/>
+          <a:p>
+            <a:pPr algn="ctr"/>
+            <a:r>
+              <a:rPr lang="en-US" dirty="0" smtClean="0"/>
+              <a:t>Data and Interpretation</a:t>
+            </a:r>
+            <a:endParaRPr lang="en-US" dirty="0"/>
+          </a:p>
+        </p:txBody>
+      </p:sp>
+      <p:sp>
+        <p:nvSpPr>
+          <p:cNvPr id="3" name="Content Placeholder 2"/>
+          <p:cNvSpPr>
+            <a:spLocks noGrp="1"/>
+          </p:cNvSpPr>
+          <p:nvPr>
+            <p:ph idx="1"/>
+          </p:nvPr>
+        </p:nvSpPr>
+        <p:spPr/>
+        <p:txBody>
+          <a:bodyPr/>
+          <a:lstStyle/>
+          <a:p>
+            <a:endParaRPr lang="en-US"/>
+          </a:p>
+        </p:txBody>
+      </p:sp>
+      <p:pic>
+        <p:nvPicPr>
+          <p:cNvPr id="1026" name="Picture 2" descr="http://jonkruger.com/wp-content/uploads/2015/01/burndown1.jpg"/>
+          <p:cNvPicPr>
+            <a:picLocks noChangeAspect="1" noChangeArrowheads="1"/>
+          </p:cNvPicPr>
+          <p:nvPr/>
+        </p:nvPicPr>
+        <p:blipFill>
+          <a:blip r:embed="rId3">
+            <a:extLst>
+              <a:ext uri="{28A0092B-C50C-407E-A947-70E740481C1C}">
+                <a14:useLocalDpi xmlns:a14="http://schemas.microsoft.com/office/drawing/2010/main" val="0"/>
+              </a:ext>
+            </a:extLst>
+          </a:blip>
+          <a:srcRect/>
+          <a:stretch>
+            <a:fillRect/>
+          </a:stretch>
+        </p:blipFill>
+        <p:spPr bwMode="auto">
+          <a:xfrm>
+            <a:off x="515815" y="1809750"/>
+            <a:ext cx="8144012" cy="4514850"/>
+          </a:xfrm>
+          <a:prstGeom prst="rect">
+            <a:avLst/>
+          </a:prstGeom>
+          <a:noFill/>
+          <a:extLst>
+            <a:ext uri="{909E8E84-426E-40DD-AFC4-6F175D3DCCD1}">
+              <a14:hiddenFill xmlns:a14="http://schemas.microsoft.com/office/drawing/2010/main">
+                <a:solidFill>
+                  <a:srgbClr val="FFFFFF"/>
+                </a:solidFill>
+              </a14:hiddenFill>
+            </a:ext>
+          </a:extLst>
+        </p:spPr>
+      </p:pic>
+    </p:spTree>
+    <p:extLst>
+      <p:ext uri="{BB962C8B-B14F-4D97-AF65-F5344CB8AC3E}">
+        <p14:creationId xmlns:p14="http://schemas.microsoft.com/office/powerpoint/2010/main" val="3173941382"/>
+      </p:ext>
+    </p:extLst>
+  </p:cSld>
+  <p:clrMapOvr>
+    <a:masterClrMapping/>
+  </p:clrMapOvr>
+  <p:timing>
+    <p:tnLst>
+      <p:par>
+        <p:cTn id="1" dur="indefinite" restart="never" nodeType="tmRoot"/>
+      </p:par>
+    </p:tnLst>
+  </p:timing>
+</p:sld>
+</file>
+
+<file path=ppt/slides/slide28.xml><?xml version="1.0" encoding="utf-8"?>
+<p:sld xmlns:a="http://schemas.openxmlformats.org/drawingml/2006/main" xmlns:r="http://schemas.openxmlformats.org/officeDocument/2006/relationships" xmlns:p="http://schemas.openxmlformats.org/presentationml/2006/main">
+  <p:cSld>
+    <p:spTree>
+      <p:nvGrpSpPr>
+        <p:cNvPr id="1" name=""/>
+        <p:cNvGrpSpPr/>
+        <p:nvPr/>
+      </p:nvGrpSpPr>
+      <p:grpSpPr>
+        <a:xfrm>
+          <a:off x="0" y="0"/>
+          <a:ext cx="0" cy="0"/>
+          <a:chOff x="0" y="0"/>
+          <a:chExt cx="0" cy="0"/>
+        </a:xfrm>
+      </p:grpSpPr>
+      <p:sp>
+        <p:nvSpPr>
+          <p:cNvPr id="4" name="Title 3"/>
+          <p:cNvSpPr>
+            <a:spLocks noGrp="1"/>
+          </p:cNvSpPr>
+          <p:nvPr>
+            <p:ph type="title"/>
+          </p:nvPr>
+        </p:nvSpPr>
+        <p:spPr/>
+        <p:txBody>
+          <a:bodyPr anchor="ctr"/>
+          <a:lstStyle/>
+          <a:p>
+            <a:pPr algn="ctr"/>
+            <a:r>
+              <a:rPr lang="en-US" dirty="0" smtClean="0"/>
+              <a:t>Internal </a:t>
+            </a:r>
+            <a:r>
+              <a:rPr lang="en-US" dirty="0" smtClean="0"/>
+              <a:t>Metrics</a:t>
+            </a:r>
+            <a:endParaRPr lang="en-US" dirty="0"/>
+          </a:p>
+        </p:txBody>
+      </p:sp>
+      <p:sp>
+        <p:nvSpPr>
+          <p:cNvPr id="2" name="Content Placeholder 1"/>
+          <p:cNvSpPr>
+            <a:spLocks noGrp="1"/>
+          </p:cNvSpPr>
+          <p:nvPr>
+            <p:ph idx="1"/>
+          </p:nvPr>
+        </p:nvSpPr>
+        <p:spPr/>
+        <p:txBody>
+          <a:bodyPr>
+            <a:normAutofit/>
+          </a:bodyPr>
+          <a:lstStyle/>
+          <a:p>
+            <a:r>
+              <a:rPr lang="en-US" dirty="0"/>
+              <a:t>Estimates vs. </a:t>
+            </a:r>
+            <a:r>
+              <a:rPr lang="en-US" dirty="0" smtClean="0"/>
+              <a:t>actuals</a:t>
+            </a:r>
+            <a:endParaRPr lang="en-US" dirty="0"/>
+          </a:p>
+          <a:p>
+            <a:r>
+              <a:rPr lang="en-US" dirty="0"/>
+              <a:t>Points/hours planned for vs. points/hours completed in an iteration</a:t>
+            </a:r>
+          </a:p>
+          <a:p>
+            <a:r>
+              <a:rPr lang="en-US" dirty="0"/>
+              <a:t>Points/hours completed in an iteration (velocity)</a:t>
+            </a:r>
+          </a:p>
+          <a:p>
+            <a:r>
+              <a:rPr lang="en-US" dirty="0" smtClean="0"/>
+              <a:t>Cycle time</a:t>
+            </a:r>
+            <a:endParaRPr lang="en-US" dirty="0"/>
+          </a:p>
+          <a:p>
+            <a:endParaRPr lang="en-US" dirty="0"/>
+          </a:p>
+        </p:txBody>
+      </p:sp>
+    </p:spTree>
+    <p:extLst>
+      <p:ext uri="{BB962C8B-B14F-4D97-AF65-F5344CB8AC3E}">
+        <p14:creationId xmlns:p14="http://schemas.microsoft.com/office/powerpoint/2010/main" val="1501843165"/>
+      </p:ext>
+    </p:extLst>
+  </p:cSld>
+  <p:clrMapOvr>
+    <a:masterClrMapping/>
+  </p:clrMapOvr>
+  <p:timing>
+    <p:tnLst>
+      <p:par>
+        <p:cTn id="1" dur="indefinite" restart="never" nodeType="tmRoot">
+          <p:childTnLst>
+            <p:seq concurrent="1" nextAc="seek">
+              <p:cTn id="2" dur="indefinite" nodeType="mainSeq">
+                <p:childTnLst>
+                  <p:par>
+                    <p:cTn id="3" fill="hold">
+                      <p:stCondLst>
+                        <p:cond delay="indefinite"/>
+                      </p:stCondLst>
+                      <p:childTnLst>
+                        <p:par>
+                          <p:cTn id="4" fill="hold">
+                            <p:stCondLst>
+                              <p:cond delay="0"/>
+                            </p:stCondLst>
+                            <p:childTnLst>
+                              <p:par>
+                                <p:cTn id="5" presetID="1" presetClass="entr" presetSubtype="0" fill="hold" grpId="0" nodeType="clickEffect">
+                                  <p:stCondLst>
+                                    <p:cond delay="0"/>
+                                  </p:stCondLst>
+                                  <p:childTnLst>
+                                    <p:set>
+                                      <p:cBhvr>
+                                        <p:cTn id="6" dur="1" fill="hold">
+                                          <p:stCondLst>
+                                            <p:cond delay="0"/>
+                                          </p:stCondLst>
+                                        </p:cTn>
+                                        <p:tgtEl>
+                                          <p:spTgt spid="2">
+                                            <p:txEl>
+                                              <p:pRg st="0" end="0"/>
+                                            </p:txEl>
+                                          </p:spTgt>
+                                        </p:tgtEl>
+                                        <p:attrNameLst>
+                                          <p:attrName>style.visibility</p:attrName>
+                                        </p:attrNameLst>
+                                      </p:cBhvr>
+                                      <p:to>
+                                        <p:strVal val="visible"/>
+                                      </p:to>
+                                    </p:set>
+                                  </p:childTnLst>
+                                </p:cTn>
+                              </p:par>
+                            </p:childTnLst>
+                          </p:cTn>
+                        </p:par>
+                      </p:childTnLst>
+                    </p:cTn>
+                  </p:par>
+                  <p:par>
+                    <p:cTn id="7" fill="hold">
+                      <p:stCondLst>
+                        <p:cond delay="indefinite"/>
+                      </p:stCondLst>
+                      <p:childTnLst>
+                        <p:par>
+                          <p:cTn id="8" fill="hold">
+                            <p:stCondLst>
+                              <p:cond delay="0"/>
+                            </p:stCondLst>
+                            <p:childTnLst>
+                              <p:par>
+                                <p:cTn id="9" presetID="1" presetClass="entr" presetSubtype="0" fill="hold" grpId="0" nodeType="clickEffect">
+                                  <p:stCondLst>
+                                    <p:cond delay="0"/>
+                                  </p:stCondLst>
+                                  <p:childTnLst>
+                                    <p:set>
+                                      <p:cBhvr>
+                                        <p:cTn id="10" dur="1" fill="hold">
+                                          <p:stCondLst>
+                                            <p:cond delay="0"/>
+                                          </p:stCondLst>
+                                        </p:cTn>
+                                        <p:tgtEl>
+                                          <p:spTgt spid="2">
+                                            <p:txEl>
+                                              <p:pRg st="1" end="1"/>
+                                            </p:txEl>
+                                          </p:spTgt>
+                                        </p:tgtEl>
+                                        <p:attrNameLst>
+                                          <p:attrName>style.visibility</p:attrName>
+                                        </p:attrNameLst>
+                                      </p:cBhvr>
+                                      <p:to>
+                                        <p:strVal val="visible"/>
+                                      </p:to>
+                                    </p:set>
+                                  </p:childTnLst>
+                                </p:cTn>
+                              </p:par>
+                            </p:childTnLst>
+                          </p:cTn>
+                        </p:par>
+                      </p:childTnLst>
+                    </p:cTn>
+                  </p:par>
+                  <p:par>
+                    <p:cTn id="11" fill="hold">
+                      <p:stCondLst>
+                        <p:cond delay="indefinite"/>
+                      </p:stCondLst>
+                      <p:childTnLst>
+                        <p:par>
+                          <p:cTn id="12" fill="hold">
+                            <p:stCondLst>
+                              <p:cond delay="0"/>
+                            </p:stCondLst>
+                            <p:childTnLst>
+                              <p:par>
+                                <p:cTn id="13" presetID="1" presetClass="entr" presetSubtype="0" fill="hold" grpId="0" nodeType="clickEffect">
+                                  <p:stCondLst>
+                                    <p:cond delay="0"/>
+                                  </p:stCondLst>
+                                  <p:childTnLst>
+                                    <p:set>
+                                      <p:cBhvr>
+                                        <p:cTn id="14" dur="1" fill="hold">
+                                          <p:stCondLst>
+                                            <p:cond delay="0"/>
+                                          </p:stCondLst>
+                                        </p:cTn>
+                                        <p:tgtEl>
+                                          <p:spTgt spid="2">
+                                            <p:txEl>
+                                              <p:pRg st="2" end="2"/>
+                                            </p:txEl>
+                                          </p:spTgt>
+                                        </p:tgtEl>
+                                        <p:attrNameLst>
+                                          <p:attrName>style.visibility</p:attrName>
+                                        </p:attrNameLst>
+                                      </p:cBhvr>
+                                      <p:to>
+                                        <p:strVal val="visible"/>
+                                      </p:to>
+                                    </p:set>
+                                  </p:childTnLst>
+                                </p:cTn>
+                              </p:par>
+                            </p:childTnLst>
+                          </p:cTn>
+                        </p:par>
+                      </p:childTnLst>
+                    </p:cTn>
+                  </p:par>
+                  <p:par>
+                    <p:cTn id="15" fill="hold">
+                      <p:stCondLst>
+                        <p:cond delay="indefinite"/>
+                      </p:stCondLst>
+                      <p:childTnLst>
+                        <p:par>
+                          <p:cTn id="16" fill="hold">
+                            <p:stCondLst>
+                              <p:cond delay="0"/>
+                            </p:stCondLst>
+                            <p:childTnLst>
+                              <p:par>
+                                <p:cTn id="17" presetID="1" presetClass="entr" presetSubtype="0" fill="hold" grpId="0" nodeType="clickEffect">
+                                  <p:stCondLst>
+                                    <p:cond delay="0"/>
+                                  </p:stCondLst>
+                                  <p:childTnLst>
+                                    <p:set>
+                                      <p:cBhvr>
+                                        <p:cTn id="18" dur="1" fill="hold">
+                                          <p:stCondLst>
+                                            <p:cond delay="0"/>
+                                          </p:stCondLst>
+                                        </p:cTn>
+                                        <p:tgtEl>
+                                          <p:spTgt spid="2">
+                                            <p:txEl>
+                                              <p:pRg st="3" end="3"/>
+                                            </p:txEl>
+                                          </p:spTgt>
+                                        </p:tgtEl>
+                                        <p:attrNameLst>
+                                          <p:attrName>style.visibility</p:attrName>
+                                        </p:attrNameLst>
+                                      </p:cBhvr>
+                                      <p:to>
+                                        <p:strVal val="visible"/>
+                                      </p:to>
+                                    </p:set>
+                                  </p:childTnLst>
+                                </p:cTn>
+                              </p:par>
+                            </p:childTnLst>
+                          </p:cTn>
+                        </p:par>
+                      </p:childTnLst>
+                    </p:cTn>
+                  </p:par>
+                </p:childTnLst>
+              </p:cTn>
+              <p:prevCondLst>
+                <p:cond evt="onPrev" delay="0">
+                  <p:tgtEl>
+                    <p:sldTgt/>
+                  </p:tgtEl>
+                </p:cond>
+              </p:prevCondLst>
+              <p:nextCondLst>
+                <p:cond evt="onNext" delay="0">
+                  <p:tgtEl>
+                    <p:sldTgt/>
+                  </p:tgtEl>
+                </p:cond>
+              </p:nextCondLst>
+            </p:seq>
+          </p:childTnLst>
+        </p:cTn>
+      </p:par>
+    </p:tnLst>
+    <p:bldLst>
+      <p:bldP spid="2" grpId="0" build="p"/>
+    </p:bldLst>
+  </p:timing>
+</p:sld>
+</file>
+
+<file path=ppt/slides/slide29.xml><?xml version="1.0" encoding="utf-8"?>
+<p:sld xmlns:a="http://schemas.openxmlformats.org/drawingml/2006/main" xmlns:r="http://schemas.openxmlformats.org/officeDocument/2006/relationships" xmlns:p="http://schemas.openxmlformats.org/presentationml/2006/main">
+  <p:cSld>
+    <p:spTree>
+      <p:nvGrpSpPr>
+        <p:cNvPr id="1" name=""/>
+        <p:cNvGrpSpPr/>
+        <p:nvPr/>
+      </p:nvGrpSpPr>
+      <p:grpSpPr>
+        <a:xfrm>
+          <a:off x="0" y="0"/>
+          <a:ext cx="0" cy="0"/>
+          <a:chOff x="0" y="0"/>
+          <a:chExt cx="0" cy="0"/>
+        </a:xfrm>
+      </p:grpSpPr>
+      <p:sp>
+        <p:nvSpPr>
+          <p:cNvPr id="4" name="Title 3"/>
+          <p:cNvSpPr>
+            <a:spLocks noGrp="1"/>
+          </p:cNvSpPr>
+          <p:nvPr>
+            <p:ph type="title"/>
+          </p:nvPr>
+        </p:nvSpPr>
+        <p:spPr/>
+        <p:txBody>
+          <a:bodyPr anchor="ctr"/>
+          <a:lstStyle/>
+          <a:p>
+            <a:pPr algn="ctr"/>
+            <a:r>
+              <a:rPr lang="en-US" dirty="0" smtClean="0"/>
+              <a:t>Internal </a:t>
+            </a:r>
+            <a:r>
+              <a:rPr lang="en-US" dirty="0" smtClean="0"/>
+              <a:t>Metrics</a:t>
+            </a:r>
+            <a:endParaRPr lang="en-US" dirty="0"/>
+          </a:p>
+        </p:txBody>
+      </p:sp>
+      <p:sp>
+        <p:nvSpPr>
+          <p:cNvPr id="2" name="Content Placeholder 1"/>
+          <p:cNvSpPr>
+            <a:spLocks noGrp="1"/>
+          </p:cNvSpPr>
+          <p:nvPr>
+            <p:ph idx="1"/>
+          </p:nvPr>
+        </p:nvSpPr>
+        <p:spPr/>
+        <p:txBody>
+          <a:bodyPr>
+            <a:normAutofit/>
+          </a:bodyPr>
+          <a:lstStyle/>
+          <a:p>
+            <a:r>
+              <a:rPr lang="en-US" dirty="0" smtClean="0"/>
+              <a:t>Work </a:t>
+            </a:r>
+            <a:r>
+              <a:rPr lang="en-US" dirty="0"/>
+              <a:t>that comes into the iteration after the iteration starts</a:t>
+            </a:r>
+          </a:p>
+          <a:p>
+            <a:r>
+              <a:rPr lang="en-US" dirty="0"/>
+              <a:t>How much work gets pushed out of the iteration</a:t>
+            </a:r>
+          </a:p>
+          <a:p>
+            <a:r>
+              <a:rPr lang="en-US" dirty="0"/>
+              <a:t>Number of hours worked over 40 hours</a:t>
+            </a:r>
+          </a:p>
+          <a:p>
+            <a:r>
+              <a:rPr lang="en-US" dirty="0"/>
+              <a:t>Percentage of time spent on analysis, development, testing, and everything else</a:t>
+            </a:r>
+          </a:p>
+          <a:p>
+            <a:r>
+              <a:rPr lang="en-US" dirty="0"/>
+              <a:t>User </a:t>
+            </a:r>
+            <a:r>
+              <a:rPr lang="en-US" dirty="0" smtClean="0"/>
+              <a:t>happiness</a:t>
+            </a:r>
+            <a:endParaRPr lang="en-US" dirty="0"/>
+          </a:p>
+        </p:txBody>
+      </p:sp>
+    </p:spTree>
+    <p:extLst>
+      <p:ext uri="{BB962C8B-B14F-4D97-AF65-F5344CB8AC3E}">
+        <p14:creationId xmlns:p14="http://schemas.microsoft.com/office/powerpoint/2010/main" val="668978877"/>
+      </p:ext>
+    </p:extLst>
+  </p:cSld>
+  <p:clrMapOvr>
+    <a:masterClrMapping/>
+  </p:clrMapOvr>
+  <p:timing>
+    <p:tnLst>
+      <p:par>
+        <p:cTn id="1" dur="indefinite" restart="never" nodeType="tmRoot">
+          <p:childTnLst>
+            <p:seq concurrent="1" nextAc="seek">
+              <p:cTn id="2" dur="indefinite" nodeType="mainSeq">
+                <p:childTnLst>
+                  <p:par>
+                    <p:cTn id="3" fill="hold">
+                      <p:stCondLst>
+                        <p:cond delay="indefinite"/>
+                      </p:stCondLst>
+                      <p:childTnLst>
+                        <p:par>
+                          <p:cTn id="4" fill="hold">
+                            <p:stCondLst>
+                              <p:cond delay="0"/>
+                            </p:stCondLst>
+                            <p:childTnLst>
+                              <p:par>
+                                <p:cTn id="5" presetID="1" presetClass="entr" presetSubtype="0" fill="hold" grpId="0" nodeType="clickEffect">
+                                  <p:stCondLst>
+                                    <p:cond delay="0"/>
+                                  </p:stCondLst>
+                                  <p:childTnLst>
+                                    <p:set>
+                                      <p:cBhvr>
+                                        <p:cTn id="6" dur="1" fill="hold">
+                                          <p:stCondLst>
+                                            <p:cond delay="0"/>
+                                          </p:stCondLst>
+                                        </p:cTn>
+                                        <p:tgtEl>
+                                          <p:spTgt spid="2">
+                                            <p:txEl>
+                                              <p:pRg st="0" end="0"/>
+                                            </p:txEl>
+                                          </p:spTgt>
+                                        </p:tgtEl>
+                                        <p:attrNameLst>
+                                          <p:attrName>style.visibility</p:attrName>
+                                        </p:attrNameLst>
+                                      </p:cBhvr>
+                                      <p:to>
+                                        <p:strVal val="visible"/>
+                                      </p:to>
+                                    </p:set>
+                                  </p:childTnLst>
+                                </p:cTn>
+                              </p:par>
+                            </p:childTnLst>
+                          </p:cTn>
+                        </p:par>
+                      </p:childTnLst>
+                    </p:cTn>
+                  </p:par>
+                  <p:par>
+                    <p:cTn id="7" fill="hold">
+                      <p:stCondLst>
+                        <p:cond delay="indefinite"/>
+                      </p:stCondLst>
+                      <p:childTnLst>
+                        <p:par>
+                          <p:cTn id="8" fill="hold">
+                            <p:stCondLst>
+                              <p:cond delay="0"/>
+                            </p:stCondLst>
+                            <p:childTnLst>
+                              <p:par>
+                                <p:cTn id="9" presetID="1" presetClass="entr" presetSubtype="0" fill="hold" grpId="0" nodeType="clickEffect">
+                                  <p:stCondLst>
+                                    <p:cond delay="0"/>
+                                  </p:stCondLst>
+                                  <p:childTnLst>
+                                    <p:set>
+                                      <p:cBhvr>
+                                        <p:cTn id="10" dur="1" fill="hold">
+                                          <p:stCondLst>
+                                            <p:cond delay="0"/>
+                                          </p:stCondLst>
+                                        </p:cTn>
+                                        <p:tgtEl>
+                                          <p:spTgt spid="2">
+                                            <p:txEl>
+                                              <p:pRg st="1" end="1"/>
+                                            </p:txEl>
+                                          </p:spTgt>
+                                        </p:tgtEl>
+                                        <p:attrNameLst>
+                                          <p:attrName>style.visibility</p:attrName>
+                                        </p:attrNameLst>
+                                      </p:cBhvr>
+                                      <p:to>
+                                        <p:strVal val="visible"/>
+                                      </p:to>
+                                    </p:set>
+                                  </p:childTnLst>
+                                </p:cTn>
+                              </p:par>
+                            </p:childTnLst>
+                          </p:cTn>
+                        </p:par>
+                      </p:childTnLst>
+                    </p:cTn>
+                  </p:par>
+                  <p:par>
+                    <p:cTn id="11" fill="hold">
+                      <p:stCondLst>
+                        <p:cond delay="indefinite"/>
+                      </p:stCondLst>
+                      <p:childTnLst>
+                        <p:par>
+                          <p:cTn id="12" fill="hold">
+                            <p:stCondLst>
+                              <p:cond delay="0"/>
+                            </p:stCondLst>
+                            <p:childTnLst>
+                              <p:par>
+                                <p:cTn id="13" presetID="1" presetClass="entr" presetSubtype="0" fill="hold" grpId="0" nodeType="clickEffect">
+                                  <p:stCondLst>
+                                    <p:cond delay="0"/>
+                                  </p:stCondLst>
+                                  <p:childTnLst>
+                                    <p:set>
+                                      <p:cBhvr>
+                                        <p:cTn id="14" dur="1" fill="hold">
+                                          <p:stCondLst>
+                                            <p:cond delay="0"/>
+                                          </p:stCondLst>
+                                        </p:cTn>
+                                        <p:tgtEl>
+                                          <p:spTgt spid="2">
+                                            <p:txEl>
+                                              <p:pRg st="2" end="2"/>
+                                            </p:txEl>
+                                          </p:spTgt>
+                                        </p:tgtEl>
+                                        <p:attrNameLst>
+                                          <p:attrName>style.visibility</p:attrName>
+                                        </p:attrNameLst>
+                                      </p:cBhvr>
+                                      <p:to>
+                                        <p:strVal val="visible"/>
+                                      </p:to>
+                                    </p:set>
+                                  </p:childTnLst>
+                                </p:cTn>
+                              </p:par>
+                            </p:childTnLst>
+                          </p:cTn>
+                        </p:par>
+                      </p:childTnLst>
+                    </p:cTn>
+                  </p:par>
+                  <p:par>
+                    <p:cTn id="15" fill="hold">
+                      <p:stCondLst>
+                        <p:cond delay="indefinite"/>
+                      </p:stCondLst>
+                      <p:childTnLst>
+                        <p:par>
+                          <p:cTn id="16" fill="hold">
+                            <p:stCondLst>
+                              <p:cond delay="0"/>
+                            </p:stCondLst>
+                            <p:childTnLst>
+                              <p:par>
+                                <p:cTn id="17" presetID="1" presetClass="entr" presetSubtype="0" fill="hold" grpId="0" nodeType="clickEffect">
+                                  <p:stCondLst>
+                                    <p:cond delay="0"/>
+                                  </p:stCondLst>
+                                  <p:childTnLst>
+                                    <p:set>
+                                      <p:cBhvr>
+                                        <p:cTn id="18" dur="1" fill="hold">
+                                          <p:stCondLst>
+                                            <p:cond delay="0"/>
+                                          </p:stCondLst>
+                                        </p:cTn>
+                                        <p:tgtEl>
+                                          <p:spTgt spid="2">
+                                            <p:txEl>
+                                              <p:pRg st="3" end="3"/>
+                                            </p:txEl>
+                                          </p:spTgt>
+                                        </p:tgtEl>
+                                        <p:attrNameLst>
+                                          <p:attrName>style.visibility</p:attrName>
+                                        </p:attrNameLst>
+                                      </p:cBhvr>
+                                      <p:to>
+                                        <p:strVal val="visible"/>
+                                      </p:to>
+                                    </p:set>
+                                  </p:childTnLst>
+                                </p:cTn>
+                              </p:par>
+                            </p:childTnLst>
+                          </p:cTn>
+                        </p:par>
+                      </p:childTnLst>
+                    </p:cTn>
+                  </p:par>
+                  <p:par>
+                    <p:cTn id="19" fill="hold">
+                      <p:stCondLst>
+                        <p:cond delay="indefinite"/>
+                      </p:stCondLst>
+                      <p:childTnLst>
+                        <p:par>
+                          <p:cTn id="20" fill="hold">
+                            <p:stCondLst>
+                              <p:cond delay="0"/>
+                            </p:stCondLst>
+                            <p:childTnLst>
+                              <p:par>
+                                <p:cTn id="21" presetID="1" presetClass="entr" presetSubtype="0" fill="hold" grpId="0" nodeType="clickEffect">
+                                  <p:stCondLst>
+                                    <p:cond delay="0"/>
+                                  </p:stCondLst>
+                                  <p:childTnLst>
+                                    <p:set>
+                                      <p:cBhvr>
+                                        <p:cTn id="22" dur="1" fill="hold">
+                                          <p:stCondLst>
+                                            <p:cond delay="0"/>
+                                          </p:stCondLst>
+                                        </p:cTn>
+                                        <p:tgtEl>
+                                          <p:spTgt spid="2">
+                                            <p:txEl>
+                                              <p:pRg st="4" end="4"/>
+                                            </p:txEl>
+                                          </p:spTgt>
+                                        </p:tgtEl>
+                                        <p:attrNameLst>
+                                          <p:attrName>style.visibility</p:attrName>
+                                        </p:attrNameLst>
+                                      </p:cBhvr>
+                                      <p:to>
+                                        <p:strVal val="visible"/>
+                                      </p:to>
+                                    </p:set>
+                                  </p:childTnLst>
+                                </p:cTn>
+                              </p:par>
+                            </p:childTnLst>
+                          </p:cTn>
+                        </p:par>
+                      </p:childTnLst>
+                    </p:cTn>
+                  </p:par>
+                </p:childTnLst>
+              </p:cTn>
+              <p:prevCondLst>
+                <p:cond evt="onPrev" delay="0">
+                  <p:tgtEl>
+                    <p:sldTgt/>
+                  </p:tgtEl>
+                </p:cond>
+              </p:prevCondLst>
+              <p:nextCondLst>
+                <p:cond evt="onNext" delay="0">
+                  <p:tgtEl>
+                    <p:sldTgt/>
+                  </p:tgtEl>
+                </p:cond>
+              </p:nextCondLst>
+            </p:seq>
+          </p:childTnLst>
+        </p:cTn>
+      </p:par>
+    </p:tnLst>
+    <p:bldLst>
+      <p:bldP spid="2" grpId="0" build="p"/>
+    </p:bldLst>
   </p:timing>
 </p:sld>
 </file>
@@ -18725,7 +21491,247 @@
             <a:pPr algn="ctr"/>
             <a:r>
               <a:rPr lang="en-US" dirty="0" smtClean="0"/>
-              <a:t>What if I’m not an Agile project?</a:t>
+              <a:t>Management wants things done quickly</a:t>
+            </a:r>
+            <a:endParaRPr lang="en-US" dirty="0"/>
+          </a:p>
+        </p:txBody>
+      </p:sp>
+      <p:sp>
+        <p:nvSpPr>
+          <p:cNvPr id="6" name="Title 3"/>
+          <p:cNvSpPr txBox="1">
+            <a:spLocks/>
+          </p:cNvSpPr>
+          <p:nvPr/>
+        </p:nvSpPr>
+        <p:spPr>
+          <a:xfrm>
+            <a:off x="1287332" y="3962400"/>
+            <a:ext cx="6637468" cy="1362075"/>
+          </a:xfrm>
+          <a:prstGeom prst="rect">
+            <a:avLst/>
+          </a:prstGeom>
+        </p:spPr>
+        <p:txBody>
+          <a:bodyPr vert="horz" lIns="91440" tIns="45720" rIns="91440" bIns="45720" rtlCol="0" anchor="ctr">
+            <a:normAutofit/>
+          </a:bodyPr>
+          <a:lstStyle>
+            <a:lvl1pPr algn="l" defTabSz="914400" rtl="0" eaLnBrk="1" latinLnBrk="0" hangingPunct="1">
+              <a:spcBef>
+                <a:spcPct val="0"/>
+              </a:spcBef>
+              <a:buNone/>
+              <a:defRPr sz="4000" b="0" kern="1200" cap="none" baseline="0">
+                <a:solidFill>
+                  <a:schemeClr val="accent1"/>
+                </a:solidFill>
+                <a:latin typeface="+mj-lt"/>
+                <a:ea typeface="+mj-ea"/>
+                <a:cs typeface="+mj-cs"/>
+              </a:defRPr>
+            </a:lvl1pPr>
+            <a:lvl2pPr eaLnBrk="1" hangingPunct="1">
+              <a:defRPr>
+                <a:solidFill>
+                  <a:schemeClr val="tx2"/>
+                </a:solidFill>
+              </a:defRPr>
+            </a:lvl2pPr>
+            <a:lvl3pPr eaLnBrk="1" hangingPunct="1">
+              <a:defRPr>
+                <a:solidFill>
+                  <a:schemeClr val="tx2"/>
+                </a:solidFill>
+              </a:defRPr>
+            </a:lvl3pPr>
+            <a:lvl4pPr eaLnBrk="1" hangingPunct="1">
+              <a:defRPr>
+                <a:solidFill>
+                  <a:schemeClr val="tx2"/>
+                </a:solidFill>
+              </a:defRPr>
+            </a:lvl4pPr>
+            <a:lvl5pPr eaLnBrk="1" hangingPunct="1">
+              <a:defRPr>
+                <a:solidFill>
+                  <a:schemeClr val="tx2"/>
+                </a:solidFill>
+              </a:defRPr>
+            </a:lvl5pPr>
+            <a:lvl6pPr eaLnBrk="1" hangingPunct="1">
+              <a:defRPr>
+                <a:solidFill>
+                  <a:schemeClr val="tx2"/>
+                </a:solidFill>
+              </a:defRPr>
+            </a:lvl6pPr>
+            <a:lvl7pPr eaLnBrk="1" hangingPunct="1">
+              <a:defRPr>
+                <a:solidFill>
+                  <a:schemeClr val="tx2"/>
+                </a:solidFill>
+              </a:defRPr>
+            </a:lvl7pPr>
+            <a:lvl8pPr eaLnBrk="1" hangingPunct="1">
+              <a:defRPr>
+                <a:solidFill>
+                  <a:schemeClr val="tx2"/>
+                </a:solidFill>
+              </a:defRPr>
+            </a:lvl8pPr>
+            <a:lvl9pPr eaLnBrk="1" hangingPunct="1">
+              <a:defRPr>
+                <a:solidFill>
+                  <a:schemeClr val="tx2"/>
+                </a:solidFill>
+              </a:defRPr>
+            </a:lvl9pPr>
+          </a:lstStyle>
+          <a:p>
+            <a:pPr algn="ctr"/>
+            <a:r>
+              <a:rPr lang="en-US" i="1" dirty="0" smtClean="0"/>
+              <a:t>… and predictably</a:t>
+            </a:r>
+            <a:endParaRPr lang="en-US" i="1" dirty="0"/>
+          </a:p>
+        </p:txBody>
+      </p:sp>
+    </p:spTree>
+    <p:extLst>
+      <p:ext uri="{BB962C8B-B14F-4D97-AF65-F5344CB8AC3E}">
+        <p14:creationId xmlns:p14="http://schemas.microsoft.com/office/powerpoint/2010/main" val="2006772610"/>
+      </p:ext>
+    </p:extLst>
+  </p:cSld>
+  <p:clrMapOvr>
+    <a:masterClrMapping/>
+  </p:clrMapOvr>
+  <p:timing>
+    <p:tnLst>
+      <p:par>
+        <p:cTn id="1" dur="indefinite" restart="never" nodeType="tmRoot">
+          <p:childTnLst>
+            <p:seq concurrent="1" nextAc="seek">
+              <p:cTn id="2" dur="indefinite" nodeType="mainSeq">
+                <p:childTnLst>
+                  <p:par>
+                    <p:cTn id="3" fill="hold">
+                      <p:stCondLst>
+                        <p:cond delay="indefinite"/>
+                      </p:stCondLst>
+                      <p:childTnLst>
+                        <p:par>
+                          <p:cTn id="4" fill="hold">
+                            <p:stCondLst>
+                              <p:cond delay="0"/>
+                            </p:stCondLst>
+                            <p:childTnLst>
+                              <p:par>
+                                <p:cTn id="5" presetID="1" presetClass="entr" presetSubtype="0" fill="hold" grpId="0" nodeType="clickEffect">
+                                  <p:stCondLst>
+                                    <p:cond delay="0"/>
+                                  </p:stCondLst>
+                                  <p:childTnLst>
+                                    <p:set>
+                                      <p:cBhvr>
+                                        <p:cTn id="6" dur="1" fill="hold">
+                                          <p:stCondLst>
+                                            <p:cond delay="0"/>
+                                          </p:stCondLst>
+                                        </p:cTn>
+                                        <p:tgtEl>
+                                          <p:spTgt spid="6"/>
+                                        </p:tgtEl>
+                                        <p:attrNameLst>
+                                          <p:attrName>style.visibility</p:attrName>
+                                        </p:attrNameLst>
+                                      </p:cBhvr>
+                                      <p:to>
+                                        <p:strVal val="visible"/>
+                                      </p:to>
+                                    </p:set>
+                                  </p:childTnLst>
+                                </p:cTn>
+                              </p:par>
+                            </p:childTnLst>
+                          </p:cTn>
+                        </p:par>
+                      </p:childTnLst>
+                    </p:cTn>
+                  </p:par>
+                </p:childTnLst>
+              </p:cTn>
+              <p:prevCondLst>
+                <p:cond evt="onPrev" delay="0">
+                  <p:tgtEl>
+                    <p:sldTgt/>
+                  </p:tgtEl>
+                </p:cond>
+              </p:prevCondLst>
+              <p:nextCondLst>
+                <p:cond evt="onNext" delay="0">
+                  <p:tgtEl>
+                    <p:sldTgt/>
+                  </p:tgtEl>
+                </p:cond>
+              </p:nextCondLst>
+            </p:seq>
+          </p:childTnLst>
+        </p:cTn>
+      </p:par>
+    </p:tnLst>
+    <p:bldLst>
+      <p:bldP spid="6" grpId="0"/>
+    </p:bldLst>
+  </p:timing>
+</p:sld>
+</file>
+
+<file path=ppt/slides/slide30.xml><?xml version="1.0" encoding="utf-8"?>
+<p:sld xmlns:a="http://schemas.openxmlformats.org/drawingml/2006/main" xmlns:r="http://schemas.openxmlformats.org/officeDocument/2006/relationships" xmlns:p="http://schemas.openxmlformats.org/presentationml/2006/main">
+  <p:cSld>
+    <p:spTree>
+      <p:nvGrpSpPr>
+        <p:cNvPr id="1" name=""/>
+        <p:cNvGrpSpPr/>
+        <p:nvPr/>
+      </p:nvGrpSpPr>
+      <p:grpSpPr>
+        <a:xfrm>
+          <a:off x="0" y="0"/>
+          <a:ext cx="0" cy="0"/>
+          <a:chOff x="0" y="0"/>
+          <a:chExt cx="0" cy="0"/>
+        </a:xfrm>
+      </p:grpSpPr>
+      <p:sp>
+        <p:nvSpPr>
+          <p:cNvPr id="4" name="Title 3"/>
+          <p:cNvSpPr>
+            <a:spLocks noGrp="1"/>
+          </p:cNvSpPr>
+          <p:nvPr>
+            <p:ph type="title"/>
+          </p:nvPr>
+        </p:nvSpPr>
+        <p:spPr>
+          <a:xfrm>
+            <a:off x="1258645" y="2747963"/>
+            <a:ext cx="6637468" cy="1362075"/>
+          </a:xfrm>
+        </p:spPr>
+        <p:txBody>
+          <a:bodyPr anchor="ctr"/>
+          <a:lstStyle/>
+          <a:p>
+            <a:pPr algn="ctr"/>
+            <a:r>
+              <a:rPr lang="en-US" dirty="0" smtClean="0"/>
+              <a:t>Velocity</a:t>
             </a:r>
             <a:endParaRPr lang="en-US" dirty="0"/>
           </a:p>
@@ -18753,7 +21759,829 @@
     </p:spTree>
     <p:extLst>
       <p:ext uri="{BB962C8B-B14F-4D97-AF65-F5344CB8AC3E}">
-        <p14:creationId xmlns:p14="http://schemas.microsoft.com/office/powerpoint/2010/main" val="3720548761"/>
+        <p14:creationId xmlns:p14="http://schemas.microsoft.com/office/powerpoint/2010/main" val="476411358"/>
+      </p:ext>
+    </p:extLst>
+  </p:cSld>
+  <p:clrMapOvr>
+    <a:masterClrMapping/>
+  </p:clrMapOvr>
+  <p:timing>
+    <p:tnLst>
+      <p:par>
+        <p:cTn id="1" dur="indefinite" restart="never" nodeType="tmRoot"/>
+      </p:par>
+    </p:tnLst>
+  </p:timing>
+</p:sld>
+</file>
+
+<file path=ppt/slides/slide31.xml><?xml version="1.0" encoding="utf-8"?>
+<p:sld xmlns:a="http://schemas.openxmlformats.org/drawingml/2006/main" xmlns:r="http://schemas.openxmlformats.org/officeDocument/2006/relationships" xmlns:p="http://schemas.openxmlformats.org/presentationml/2006/main">
+  <p:cSld>
+    <p:spTree>
+      <p:nvGrpSpPr>
+        <p:cNvPr id="1" name=""/>
+        <p:cNvGrpSpPr/>
+        <p:nvPr/>
+      </p:nvGrpSpPr>
+      <p:grpSpPr>
+        <a:xfrm>
+          <a:off x="0" y="0"/>
+          <a:ext cx="0" cy="0"/>
+          <a:chOff x="0" y="0"/>
+          <a:chExt cx="0" cy="0"/>
+        </a:xfrm>
+      </p:grpSpPr>
+      <p:sp>
+        <p:nvSpPr>
+          <p:cNvPr id="4" name="Title 3"/>
+          <p:cNvSpPr>
+            <a:spLocks noGrp="1"/>
+          </p:cNvSpPr>
+          <p:nvPr>
+            <p:ph type="title"/>
+          </p:nvPr>
+        </p:nvSpPr>
+        <p:spPr>
+          <a:xfrm>
+            <a:off x="1258645" y="2747963"/>
+            <a:ext cx="6637468" cy="1362075"/>
+          </a:xfrm>
+        </p:spPr>
+        <p:txBody>
+          <a:bodyPr anchor="ctr"/>
+          <a:lstStyle/>
+          <a:p>
+            <a:pPr algn="ctr"/>
+            <a:r>
+              <a:rPr lang="en-US" dirty="0" smtClean="0"/>
+              <a:t>External </a:t>
+            </a:r>
+            <a:r>
+              <a:rPr lang="en-US" dirty="0" smtClean="0"/>
+              <a:t>Metrics</a:t>
+            </a:r>
+            <a:endParaRPr lang="en-US" dirty="0"/>
+          </a:p>
+        </p:txBody>
+      </p:sp>
+      <p:sp>
+        <p:nvSpPr>
+          <p:cNvPr id="5" name="Text Placeholder 4"/>
+          <p:cNvSpPr>
+            <a:spLocks noGrp="1"/>
+          </p:cNvSpPr>
+          <p:nvPr>
+            <p:ph type="body" idx="1"/>
+          </p:nvPr>
+        </p:nvSpPr>
+        <p:spPr/>
+        <p:txBody>
+          <a:bodyPr/>
+          <a:lstStyle/>
+          <a:p>
+            <a:endParaRPr lang="en-US" dirty="0"/>
+          </a:p>
+        </p:txBody>
+      </p:sp>
+    </p:spTree>
+    <p:extLst>
+      <p:ext uri="{BB962C8B-B14F-4D97-AF65-F5344CB8AC3E}">
+        <p14:creationId xmlns:p14="http://schemas.microsoft.com/office/powerpoint/2010/main" val="3325744673"/>
+      </p:ext>
+    </p:extLst>
+  </p:cSld>
+  <p:clrMapOvr>
+    <a:masterClrMapping/>
+  </p:clrMapOvr>
+  <p:timing>
+    <p:tnLst>
+      <p:par>
+        <p:cTn id="1" dur="indefinite" restart="never" nodeType="tmRoot"/>
+      </p:par>
+    </p:tnLst>
+  </p:timing>
+</p:sld>
+</file>
+
+<file path=ppt/slides/slide32.xml><?xml version="1.0" encoding="utf-8"?>
+<p:sld xmlns:a="http://schemas.openxmlformats.org/drawingml/2006/main" xmlns:r="http://schemas.openxmlformats.org/officeDocument/2006/relationships" xmlns:p="http://schemas.openxmlformats.org/presentationml/2006/main">
+  <p:cSld>
+    <p:spTree>
+      <p:nvGrpSpPr>
+        <p:cNvPr id="1" name=""/>
+        <p:cNvGrpSpPr/>
+        <p:nvPr/>
+      </p:nvGrpSpPr>
+      <p:grpSpPr>
+        <a:xfrm>
+          <a:off x="0" y="0"/>
+          <a:ext cx="0" cy="0"/>
+          <a:chOff x="0" y="0"/>
+          <a:chExt cx="0" cy="0"/>
+        </a:xfrm>
+      </p:grpSpPr>
+      <p:sp>
+        <p:nvSpPr>
+          <p:cNvPr id="4" name="Title 3"/>
+          <p:cNvSpPr>
+            <a:spLocks noGrp="1"/>
+          </p:cNvSpPr>
+          <p:nvPr>
+            <p:ph type="title"/>
+          </p:nvPr>
+        </p:nvSpPr>
+        <p:spPr>
+          <a:xfrm>
+            <a:off x="1258645" y="2747963"/>
+            <a:ext cx="6637468" cy="1362075"/>
+          </a:xfrm>
+        </p:spPr>
+        <p:txBody>
+          <a:bodyPr anchor="ctr"/>
+          <a:lstStyle/>
+          <a:p>
+            <a:pPr algn="ctr"/>
+            <a:r>
+              <a:rPr lang="en-US" dirty="0" smtClean="0"/>
+              <a:t>Bad </a:t>
+            </a:r>
+            <a:r>
+              <a:rPr lang="en-US" dirty="0" smtClean="0"/>
+              <a:t>Metrics</a:t>
+            </a:r>
+            <a:endParaRPr lang="en-US" dirty="0"/>
+          </a:p>
+        </p:txBody>
+      </p:sp>
+      <p:sp>
+        <p:nvSpPr>
+          <p:cNvPr id="5" name="Text Placeholder 4"/>
+          <p:cNvSpPr>
+            <a:spLocks noGrp="1"/>
+          </p:cNvSpPr>
+          <p:nvPr>
+            <p:ph type="body" idx="1"/>
+          </p:nvPr>
+        </p:nvSpPr>
+        <p:spPr/>
+        <p:txBody>
+          <a:bodyPr/>
+          <a:lstStyle/>
+          <a:p>
+            <a:endParaRPr lang="en-US" dirty="0"/>
+          </a:p>
+        </p:txBody>
+      </p:sp>
+    </p:spTree>
+    <p:extLst>
+      <p:ext uri="{BB962C8B-B14F-4D97-AF65-F5344CB8AC3E}">
+        <p14:creationId xmlns:p14="http://schemas.microsoft.com/office/powerpoint/2010/main" val="1648842908"/>
+      </p:ext>
+    </p:extLst>
+  </p:cSld>
+  <p:clrMapOvr>
+    <a:masterClrMapping/>
+  </p:clrMapOvr>
+  <p:timing>
+    <p:tnLst>
+      <p:par>
+        <p:cTn id="1" dur="indefinite" restart="never" nodeType="tmRoot"/>
+      </p:par>
+    </p:tnLst>
+  </p:timing>
+</p:sld>
+</file>
+
+<file path=ppt/slides/slide33.xml><?xml version="1.0" encoding="utf-8"?>
+<p:sld xmlns:a="http://schemas.openxmlformats.org/drawingml/2006/main" xmlns:r="http://schemas.openxmlformats.org/officeDocument/2006/relationships" xmlns:p="http://schemas.openxmlformats.org/presentationml/2006/main">
+  <p:cSld>
+    <p:spTree>
+      <p:nvGrpSpPr>
+        <p:cNvPr id="1" name=""/>
+        <p:cNvGrpSpPr/>
+        <p:nvPr/>
+      </p:nvGrpSpPr>
+      <p:grpSpPr>
+        <a:xfrm>
+          <a:off x="0" y="0"/>
+          <a:ext cx="0" cy="0"/>
+          <a:chOff x="0" y="0"/>
+          <a:chExt cx="0" cy="0"/>
+        </a:xfrm>
+      </p:grpSpPr>
+      <p:sp>
+        <p:nvSpPr>
+          <p:cNvPr id="4" name="Title 3"/>
+          <p:cNvSpPr>
+            <a:spLocks noGrp="1"/>
+          </p:cNvSpPr>
+          <p:nvPr>
+            <p:ph type="title"/>
+          </p:nvPr>
+        </p:nvSpPr>
+        <p:spPr>
+          <a:xfrm>
+            <a:off x="1043490" y="457200"/>
+            <a:ext cx="7024744" cy="1143000"/>
+          </a:xfrm>
+        </p:spPr>
+        <p:txBody>
+          <a:bodyPr anchor="ctr"/>
+          <a:lstStyle/>
+          <a:p>
+            <a:pPr algn="ctr"/>
+            <a:r>
+              <a:rPr lang="en-US" dirty="0" smtClean="0"/>
+              <a:t>Implied </a:t>
+            </a:r>
+            <a:r>
+              <a:rPr lang="en-US" dirty="0" smtClean="0"/>
+              <a:t>Metrics</a:t>
+            </a:r>
+            <a:endParaRPr lang="en-US" dirty="0"/>
+          </a:p>
+        </p:txBody>
+      </p:sp>
+      <p:sp>
+        <p:nvSpPr>
+          <p:cNvPr id="2" name="Content Placeholder 1"/>
+          <p:cNvSpPr>
+            <a:spLocks noGrp="1"/>
+          </p:cNvSpPr>
+          <p:nvPr>
+            <p:ph idx="1"/>
+          </p:nvPr>
+        </p:nvSpPr>
+        <p:spPr/>
+        <p:txBody>
+          <a:bodyPr/>
+          <a:lstStyle/>
+          <a:p>
+            <a:endParaRPr lang="en-US"/>
+          </a:p>
+        </p:txBody>
+      </p:sp>
+      <p:pic>
+        <p:nvPicPr>
+          <p:cNvPr id="2050" name="Picture 2" descr="Load Sheets"/>
+          <p:cNvPicPr>
+            <a:picLocks noChangeAspect="1" noChangeArrowheads="1"/>
+          </p:cNvPicPr>
+          <p:nvPr/>
+        </p:nvPicPr>
+        <p:blipFill>
+          <a:blip r:embed="rId3">
+            <a:extLst>
+              <a:ext uri="{28A0092B-C50C-407E-A947-70E740481C1C}">
+                <a14:useLocalDpi xmlns:a14="http://schemas.microsoft.com/office/drawing/2010/main" val="0"/>
+              </a:ext>
+            </a:extLst>
+          </a:blip>
+          <a:srcRect/>
+          <a:stretch>
+            <a:fillRect/>
+          </a:stretch>
+        </p:blipFill>
+        <p:spPr bwMode="auto">
+          <a:xfrm>
+            <a:off x="1158297" y="1447800"/>
+            <a:ext cx="6827406" cy="5039826"/>
+          </a:xfrm>
+          <a:prstGeom prst="rect">
+            <a:avLst/>
+          </a:prstGeom>
+          <a:noFill/>
+          <a:extLst>
+            <a:ext uri="{909E8E84-426E-40DD-AFC4-6F175D3DCCD1}">
+              <a14:hiddenFill xmlns:a14="http://schemas.microsoft.com/office/drawing/2010/main">
+                <a:solidFill>
+                  <a:srgbClr val="FFFFFF"/>
+                </a:solidFill>
+              </a14:hiddenFill>
+            </a:ext>
+          </a:extLst>
+        </p:spPr>
+      </p:pic>
+    </p:spTree>
+    <p:extLst>
+      <p:ext uri="{BB962C8B-B14F-4D97-AF65-F5344CB8AC3E}">
+        <p14:creationId xmlns:p14="http://schemas.microsoft.com/office/powerpoint/2010/main" val="2624063172"/>
+      </p:ext>
+    </p:extLst>
+  </p:cSld>
+  <p:clrMapOvr>
+    <a:masterClrMapping/>
+  </p:clrMapOvr>
+  <p:timing>
+    <p:tnLst>
+      <p:par>
+        <p:cTn id="1" dur="indefinite" restart="never" nodeType="tmRoot"/>
+      </p:par>
+    </p:tnLst>
+  </p:timing>
+</p:sld>
+</file>
+
+<file path=ppt/slides/slide34.xml><?xml version="1.0" encoding="utf-8"?>
+<p:sld xmlns:a="http://schemas.openxmlformats.org/drawingml/2006/main" xmlns:r="http://schemas.openxmlformats.org/officeDocument/2006/relationships" xmlns:p="http://schemas.openxmlformats.org/presentationml/2006/main">
+  <p:cSld>
+    <p:spTree>
+      <p:nvGrpSpPr>
+        <p:cNvPr id="1" name=""/>
+        <p:cNvGrpSpPr/>
+        <p:nvPr/>
+      </p:nvGrpSpPr>
+      <p:grpSpPr>
+        <a:xfrm>
+          <a:off x="0" y="0"/>
+          <a:ext cx="0" cy="0"/>
+          <a:chOff x="0" y="0"/>
+          <a:chExt cx="0" cy="0"/>
+        </a:xfrm>
+      </p:grpSpPr>
+      <p:sp>
+        <p:nvSpPr>
+          <p:cNvPr id="4" name="Title 3"/>
+          <p:cNvSpPr>
+            <a:spLocks noGrp="1"/>
+          </p:cNvSpPr>
+          <p:nvPr>
+            <p:ph type="title"/>
+          </p:nvPr>
+        </p:nvSpPr>
+        <p:spPr>
+          <a:xfrm>
+            <a:off x="1258645" y="2747963"/>
+            <a:ext cx="6637468" cy="1362075"/>
+          </a:xfrm>
+        </p:spPr>
+        <p:txBody>
+          <a:bodyPr anchor="ctr"/>
+          <a:lstStyle/>
+          <a:p>
+            <a:pPr algn="ctr"/>
+            <a:r>
+              <a:rPr lang="en-US" dirty="0" err="1" smtClean="0"/>
+              <a:t>Burndown</a:t>
+            </a:r>
+            <a:r>
+              <a:rPr lang="en-US" dirty="0" smtClean="0"/>
+              <a:t> Charts</a:t>
+            </a:r>
+            <a:endParaRPr lang="en-US" dirty="0"/>
+          </a:p>
+        </p:txBody>
+      </p:sp>
+      <p:sp>
+        <p:nvSpPr>
+          <p:cNvPr id="5" name="Text Placeholder 4"/>
+          <p:cNvSpPr>
+            <a:spLocks noGrp="1"/>
+          </p:cNvSpPr>
+          <p:nvPr>
+            <p:ph type="body" idx="1"/>
+          </p:nvPr>
+        </p:nvSpPr>
+        <p:spPr/>
+        <p:txBody>
+          <a:bodyPr/>
+          <a:lstStyle/>
+          <a:p>
+            <a:endParaRPr lang="en-US" dirty="0"/>
+          </a:p>
+        </p:txBody>
+      </p:sp>
+    </p:spTree>
+    <p:extLst>
+      <p:ext uri="{BB962C8B-B14F-4D97-AF65-F5344CB8AC3E}">
+        <p14:creationId xmlns:p14="http://schemas.microsoft.com/office/powerpoint/2010/main" val="1410654561"/>
+      </p:ext>
+    </p:extLst>
+  </p:cSld>
+  <p:clrMapOvr>
+    <a:masterClrMapping/>
+  </p:clrMapOvr>
+  <p:timing>
+    <p:tnLst>
+      <p:par>
+        <p:cTn id="1" dur="indefinite" restart="never" nodeType="tmRoot"/>
+      </p:par>
+    </p:tnLst>
+  </p:timing>
+</p:sld>
+</file>
+
+<file path=ppt/slides/slide35.xml><?xml version="1.0" encoding="utf-8"?>
+<p:sld xmlns:a="http://schemas.openxmlformats.org/drawingml/2006/main" xmlns:r="http://schemas.openxmlformats.org/officeDocument/2006/relationships" xmlns:p="http://schemas.openxmlformats.org/presentationml/2006/main">
+  <p:cSld>
+    <p:spTree>
+      <p:nvGrpSpPr>
+        <p:cNvPr id="1" name=""/>
+        <p:cNvGrpSpPr/>
+        <p:nvPr/>
+      </p:nvGrpSpPr>
+      <p:grpSpPr>
+        <a:xfrm>
+          <a:off x="0" y="0"/>
+          <a:ext cx="0" cy="0"/>
+          <a:chOff x="0" y="0"/>
+          <a:chExt cx="0" cy="0"/>
+        </a:xfrm>
+      </p:grpSpPr>
+      <p:sp>
+        <p:nvSpPr>
+          <p:cNvPr id="4" name="Title 3"/>
+          <p:cNvSpPr>
+            <a:spLocks noGrp="1"/>
+          </p:cNvSpPr>
+          <p:nvPr>
+            <p:ph type="title"/>
+          </p:nvPr>
+        </p:nvSpPr>
+        <p:spPr>
+          <a:xfrm>
+            <a:off x="1258645" y="2747963"/>
+            <a:ext cx="6637468" cy="1362075"/>
+          </a:xfrm>
+        </p:spPr>
+        <p:txBody>
+          <a:bodyPr anchor="ctr"/>
+          <a:lstStyle/>
+          <a:p>
+            <a:pPr algn="ctr"/>
+            <a:r>
+              <a:rPr lang="en-US" dirty="0" smtClean="0"/>
+              <a:t>Capacity Planning</a:t>
+            </a:r>
+            <a:endParaRPr lang="en-US" dirty="0"/>
+          </a:p>
+        </p:txBody>
+      </p:sp>
+      <p:sp>
+        <p:nvSpPr>
+          <p:cNvPr id="5" name="Text Placeholder 4"/>
+          <p:cNvSpPr>
+            <a:spLocks noGrp="1"/>
+          </p:cNvSpPr>
+          <p:nvPr>
+            <p:ph type="body" idx="1"/>
+          </p:nvPr>
+        </p:nvSpPr>
+        <p:spPr/>
+        <p:txBody>
+          <a:bodyPr/>
+          <a:lstStyle/>
+          <a:p>
+            <a:endParaRPr lang="en-US" dirty="0"/>
+          </a:p>
+        </p:txBody>
+      </p:sp>
+    </p:spTree>
+    <p:extLst>
+      <p:ext uri="{BB962C8B-B14F-4D97-AF65-F5344CB8AC3E}">
+        <p14:creationId xmlns:p14="http://schemas.microsoft.com/office/powerpoint/2010/main" val="3351244940"/>
+      </p:ext>
+    </p:extLst>
+  </p:cSld>
+  <p:clrMapOvr>
+    <a:masterClrMapping/>
+  </p:clrMapOvr>
+  <p:timing>
+    <p:tnLst>
+      <p:par>
+        <p:cTn id="1" dur="indefinite" restart="never" nodeType="tmRoot"/>
+      </p:par>
+    </p:tnLst>
+  </p:timing>
+</p:sld>
+</file>
+
+<file path=ppt/slides/slide36.xml><?xml version="1.0" encoding="utf-8"?>
+<p:sld xmlns:a="http://schemas.openxmlformats.org/drawingml/2006/main" xmlns:r="http://schemas.openxmlformats.org/officeDocument/2006/relationships" xmlns:p="http://schemas.openxmlformats.org/presentationml/2006/main">
+  <p:cSld>
+    <p:spTree>
+      <p:nvGrpSpPr>
+        <p:cNvPr id="1" name=""/>
+        <p:cNvGrpSpPr/>
+        <p:nvPr/>
+      </p:nvGrpSpPr>
+      <p:grpSpPr>
+        <a:xfrm>
+          <a:off x="0" y="0"/>
+          <a:ext cx="0" cy="0"/>
+          <a:chOff x="0" y="0"/>
+          <a:chExt cx="0" cy="0"/>
+        </a:xfrm>
+      </p:grpSpPr>
+      <p:sp>
+        <p:nvSpPr>
+          <p:cNvPr id="4" name="Title 3"/>
+          <p:cNvSpPr>
+            <a:spLocks noGrp="1"/>
+          </p:cNvSpPr>
+          <p:nvPr>
+            <p:ph type="title"/>
+          </p:nvPr>
+        </p:nvSpPr>
+        <p:spPr>
+          <a:xfrm>
+            <a:off x="1258645" y="2747963"/>
+            <a:ext cx="6637468" cy="1362075"/>
+          </a:xfrm>
+        </p:spPr>
+        <p:txBody>
+          <a:bodyPr anchor="ctr"/>
+          <a:lstStyle/>
+          <a:p>
+            <a:pPr algn="ctr"/>
+            <a:r>
+              <a:rPr lang="en-US" dirty="0" smtClean="0"/>
+              <a:t>Involving Stakeholders</a:t>
+            </a:r>
+            <a:endParaRPr lang="en-US" dirty="0"/>
+          </a:p>
+        </p:txBody>
+      </p:sp>
+      <p:sp>
+        <p:nvSpPr>
+          <p:cNvPr id="5" name="Text Placeholder 4"/>
+          <p:cNvSpPr>
+            <a:spLocks noGrp="1"/>
+          </p:cNvSpPr>
+          <p:nvPr>
+            <p:ph type="body" idx="1"/>
+          </p:nvPr>
+        </p:nvSpPr>
+        <p:spPr/>
+        <p:txBody>
+          <a:bodyPr/>
+          <a:lstStyle/>
+          <a:p>
+            <a:endParaRPr lang="en-US" dirty="0"/>
+          </a:p>
+        </p:txBody>
+      </p:sp>
+    </p:spTree>
+    <p:extLst>
+      <p:ext uri="{BB962C8B-B14F-4D97-AF65-F5344CB8AC3E}">
+        <p14:creationId xmlns:p14="http://schemas.microsoft.com/office/powerpoint/2010/main" val="3466306024"/>
+      </p:ext>
+    </p:extLst>
+  </p:cSld>
+  <p:clrMapOvr>
+    <a:masterClrMapping/>
+  </p:clrMapOvr>
+  <p:timing>
+    <p:tnLst>
+      <p:par>
+        <p:cTn id="1" dur="indefinite" restart="never" nodeType="tmRoot"/>
+      </p:par>
+    </p:tnLst>
+  </p:timing>
+</p:sld>
+</file>
+
+<file path=ppt/slides/slide37.xml><?xml version="1.0" encoding="utf-8"?>
+<p:sld xmlns:a="http://schemas.openxmlformats.org/drawingml/2006/main" xmlns:r="http://schemas.openxmlformats.org/officeDocument/2006/relationships" xmlns:p="http://schemas.openxmlformats.org/presentationml/2006/main">
+  <p:cSld>
+    <p:spTree>
+      <p:nvGrpSpPr>
+        <p:cNvPr id="1" name=""/>
+        <p:cNvGrpSpPr/>
+        <p:nvPr/>
+      </p:nvGrpSpPr>
+      <p:grpSpPr>
+        <a:xfrm>
+          <a:off x="0" y="0"/>
+          <a:ext cx="0" cy="0"/>
+          <a:chOff x="0" y="0"/>
+          <a:chExt cx="0" cy="0"/>
+        </a:xfrm>
+      </p:grpSpPr>
+      <p:sp>
+        <p:nvSpPr>
+          <p:cNvPr id="4" name="Title 3"/>
+          <p:cNvSpPr>
+            <a:spLocks noGrp="1"/>
+          </p:cNvSpPr>
+          <p:nvPr>
+            <p:ph type="title"/>
+          </p:nvPr>
+        </p:nvSpPr>
+        <p:spPr>
+          <a:xfrm>
+            <a:off x="1258645" y="2747963"/>
+            <a:ext cx="6637468" cy="1362075"/>
+          </a:xfrm>
+        </p:spPr>
+        <p:txBody>
+          <a:bodyPr anchor="ctr"/>
+          <a:lstStyle/>
+          <a:p>
+            <a:pPr algn="ctr"/>
+            <a:r>
+              <a:rPr lang="en-US" dirty="0" smtClean="0"/>
+              <a:t>Managing the Backlog</a:t>
+            </a:r>
+            <a:endParaRPr lang="en-US" dirty="0"/>
+          </a:p>
+        </p:txBody>
+      </p:sp>
+      <p:sp>
+        <p:nvSpPr>
+          <p:cNvPr id="5" name="Text Placeholder 4"/>
+          <p:cNvSpPr>
+            <a:spLocks noGrp="1"/>
+          </p:cNvSpPr>
+          <p:nvPr>
+            <p:ph type="body" idx="1"/>
+          </p:nvPr>
+        </p:nvSpPr>
+        <p:spPr/>
+        <p:txBody>
+          <a:bodyPr/>
+          <a:lstStyle/>
+          <a:p>
+            <a:endParaRPr lang="en-US" dirty="0"/>
+          </a:p>
+        </p:txBody>
+      </p:sp>
+    </p:spTree>
+    <p:extLst>
+      <p:ext uri="{BB962C8B-B14F-4D97-AF65-F5344CB8AC3E}">
+        <p14:creationId xmlns:p14="http://schemas.microsoft.com/office/powerpoint/2010/main" val="2147404377"/>
+      </p:ext>
+    </p:extLst>
+  </p:cSld>
+  <p:clrMapOvr>
+    <a:masterClrMapping/>
+  </p:clrMapOvr>
+  <p:timing>
+    <p:tnLst>
+      <p:par>
+        <p:cTn id="1" dur="indefinite" restart="never" nodeType="tmRoot"/>
+      </p:par>
+    </p:tnLst>
+  </p:timing>
+</p:sld>
+</file>
+
+<file path=ppt/slides/slide38.xml><?xml version="1.0" encoding="utf-8"?>
+<p:sld xmlns:a="http://schemas.openxmlformats.org/drawingml/2006/main" xmlns:r="http://schemas.openxmlformats.org/officeDocument/2006/relationships" xmlns:p="http://schemas.openxmlformats.org/presentationml/2006/main">
+  <p:cSld>
+    <p:spTree>
+      <p:nvGrpSpPr>
+        <p:cNvPr id="1" name=""/>
+        <p:cNvGrpSpPr/>
+        <p:nvPr/>
+      </p:nvGrpSpPr>
+      <p:grpSpPr>
+        <a:xfrm>
+          <a:off x="0" y="0"/>
+          <a:ext cx="0" cy="0"/>
+          <a:chOff x="0" y="0"/>
+          <a:chExt cx="0" cy="0"/>
+        </a:xfrm>
+      </p:grpSpPr>
+      <p:sp>
+        <p:nvSpPr>
+          <p:cNvPr id="4" name="Title 3"/>
+          <p:cNvSpPr>
+            <a:spLocks noGrp="1"/>
+          </p:cNvSpPr>
+          <p:nvPr>
+            <p:ph type="title"/>
+          </p:nvPr>
+        </p:nvSpPr>
+        <p:spPr>
+          <a:xfrm>
+            <a:off x="1258645" y="2747963"/>
+            <a:ext cx="6637468" cy="1362075"/>
+          </a:xfrm>
+        </p:spPr>
+        <p:txBody>
+          <a:bodyPr anchor="ctr"/>
+          <a:lstStyle/>
+          <a:p>
+            <a:pPr algn="ctr"/>
+            <a:r>
+              <a:rPr lang="en-US" dirty="0" smtClean="0"/>
+              <a:t>Working with Management</a:t>
+            </a:r>
+            <a:endParaRPr lang="en-US" dirty="0"/>
+          </a:p>
+        </p:txBody>
+      </p:sp>
+      <p:sp>
+        <p:nvSpPr>
+          <p:cNvPr id="5" name="Text Placeholder 4"/>
+          <p:cNvSpPr>
+            <a:spLocks noGrp="1"/>
+          </p:cNvSpPr>
+          <p:nvPr>
+            <p:ph type="body" idx="1"/>
+          </p:nvPr>
+        </p:nvSpPr>
+        <p:spPr/>
+        <p:txBody>
+          <a:bodyPr/>
+          <a:lstStyle/>
+          <a:p>
+            <a:endParaRPr lang="en-US" dirty="0"/>
+          </a:p>
+        </p:txBody>
+      </p:sp>
+    </p:spTree>
+    <p:extLst>
+      <p:ext uri="{BB962C8B-B14F-4D97-AF65-F5344CB8AC3E}">
+        <p14:creationId xmlns:p14="http://schemas.microsoft.com/office/powerpoint/2010/main" val="3476679645"/>
+      </p:ext>
+    </p:extLst>
+  </p:cSld>
+  <p:clrMapOvr>
+    <a:masterClrMapping/>
+  </p:clrMapOvr>
+  <p:timing>
+    <p:tnLst>
+      <p:par>
+        <p:cTn id="1" dur="indefinite" restart="never" nodeType="tmRoot"/>
+      </p:par>
+    </p:tnLst>
+  </p:timing>
+</p:sld>
+</file>
+
+<file path=ppt/slides/slide39.xml><?xml version="1.0" encoding="utf-8"?>
+<p:sld xmlns:a="http://schemas.openxmlformats.org/drawingml/2006/main" xmlns:r="http://schemas.openxmlformats.org/officeDocument/2006/relationships" xmlns:p="http://schemas.openxmlformats.org/presentationml/2006/main">
+  <p:cSld>
+    <p:spTree>
+      <p:nvGrpSpPr>
+        <p:cNvPr id="1" name=""/>
+        <p:cNvGrpSpPr/>
+        <p:nvPr/>
+      </p:nvGrpSpPr>
+      <p:grpSpPr>
+        <a:xfrm>
+          <a:off x="0" y="0"/>
+          <a:ext cx="0" cy="0"/>
+          <a:chOff x="0" y="0"/>
+          <a:chExt cx="0" cy="0"/>
+        </a:xfrm>
+      </p:grpSpPr>
+      <p:sp>
+        <p:nvSpPr>
+          <p:cNvPr id="4" name="Title 3"/>
+          <p:cNvSpPr>
+            <a:spLocks noGrp="1"/>
+          </p:cNvSpPr>
+          <p:nvPr>
+            <p:ph type="title"/>
+          </p:nvPr>
+        </p:nvSpPr>
+        <p:spPr>
+          <a:xfrm>
+            <a:off x="1258645" y="2747963"/>
+            <a:ext cx="6637468" cy="1362075"/>
+          </a:xfrm>
+        </p:spPr>
+        <p:txBody>
+          <a:bodyPr anchor="ctr"/>
+          <a:lstStyle/>
+          <a:p>
+            <a:pPr algn="ctr"/>
+            <a:r>
+              <a:rPr lang="en-US" dirty="0" smtClean="0"/>
+              <a:t>Keeping Up</a:t>
+            </a:r>
+            <a:endParaRPr lang="en-US" dirty="0"/>
+          </a:p>
+        </p:txBody>
+      </p:sp>
+      <p:sp>
+        <p:nvSpPr>
+          <p:cNvPr id="5" name="Text Placeholder 4"/>
+          <p:cNvSpPr>
+            <a:spLocks noGrp="1"/>
+          </p:cNvSpPr>
+          <p:nvPr>
+            <p:ph type="body" idx="1"/>
+          </p:nvPr>
+        </p:nvSpPr>
+        <p:spPr/>
+        <p:txBody>
+          <a:bodyPr/>
+          <a:lstStyle/>
+          <a:p>
+            <a:endParaRPr lang="en-US" dirty="0"/>
+          </a:p>
+        </p:txBody>
+      </p:sp>
+    </p:spTree>
+    <p:extLst>
+      <p:ext uri="{BB962C8B-B14F-4D97-AF65-F5344CB8AC3E}">
+        <p14:creationId xmlns:p14="http://schemas.microsoft.com/office/powerpoint/2010/main" val="2385406506"/>
       </p:ext>
     </p:extLst>
   </p:cSld>
@@ -18810,7 +22638,7 @@
             <a:pPr algn="ctr"/>
             <a:r>
               <a:rPr lang="en-US" dirty="0" smtClean="0"/>
-              <a:t>What if I’m not a team lead?</a:t>
+              <a:t>What if I’m not an Agile project?</a:t>
             </a:r>
             <a:endParaRPr lang="en-US" dirty="0"/>
           </a:p>
@@ -18838,7 +22666,112 @@
     </p:spTree>
     <p:extLst>
       <p:ext uri="{BB962C8B-B14F-4D97-AF65-F5344CB8AC3E}">
-        <p14:creationId xmlns:p14="http://schemas.microsoft.com/office/powerpoint/2010/main" val="3333028837"/>
+        <p14:creationId xmlns:p14="http://schemas.microsoft.com/office/powerpoint/2010/main" val="3720548761"/>
+      </p:ext>
+    </p:extLst>
+  </p:cSld>
+  <p:clrMapOvr>
+    <a:masterClrMapping/>
+  </p:clrMapOvr>
+  <p:timing>
+    <p:tnLst>
+      <p:par>
+        <p:cTn id="1" dur="indefinite" restart="never" nodeType="tmRoot"/>
+      </p:par>
+    </p:tnLst>
+  </p:timing>
+</p:sld>
+</file>
+
+<file path=ppt/slides/slide40.xml><?xml version="1.0" encoding="utf-8"?>
+<p:sld xmlns:a="http://schemas.openxmlformats.org/drawingml/2006/main" xmlns:r="http://schemas.openxmlformats.org/officeDocument/2006/relationships" xmlns:p="http://schemas.openxmlformats.org/presentationml/2006/main">
+  <p:cSld>
+    <p:spTree>
+      <p:nvGrpSpPr>
+        <p:cNvPr id="1" name=""/>
+        <p:cNvGrpSpPr/>
+        <p:nvPr/>
+      </p:nvGrpSpPr>
+      <p:grpSpPr>
+        <a:xfrm>
+          <a:off x="0" y="0"/>
+          <a:ext cx="0" cy="0"/>
+          <a:chOff x="0" y="0"/>
+          <a:chExt cx="0" cy="0"/>
+        </a:xfrm>
+      </p:grpSpPr>
+      <p:sp>
+        <p:nvSpPr>
+          <p:cNvPr id="4" name="Title 3"/>
+          <p:cNvSpPr>
+            <a:spLocks noGrp="1"/>
+          </p:cNvSpPr>
+          <p:nvPr>
+            <p:ph type="title"/>
+          </p:nvPr>
+        </p:nvSpPr>
+        <p:spPr>
+          <a:xfrm>
+            <a:off x="1059628" y="1027664"/>
+            <a:ext cx="7024744" cy="1143000"/>
+          </a:xfrm>
+        </p:spPr>
+        <p:txBody>
+          <a:bodyPr anchor="ctr"/>
+          <a:lstStyle/>
+          <a:p>
+            <a:pPr algn="ctr"/>
+            <a:r>
+              <a:rPr lang="en-US" dirty="0" smtClean="0"/>
+              <a:t>The only rule</a:t>
+            </a:r>
+            <a:endParaRPr lang="en-US" dirty="0"/>
+          </a:p>
+        </p:txBody>
+      </p:sp>
+      <p:sp>
+        <p:nvSpPr>
+          <p:cNvPr id="2" name="Content Placeholder 1"/>
+          <p:cNvSpPr>
+            <a:spLocks noGrp="1"/>
+          </p:cNvSpPr>
+          <p:nvPr>
+            <p:ph idx="1"/>
+          </p:nvPr>
+        </p:nvSpPr>
+        <p:spPr>
+          <a:xfrm>
+            <a:off x="1183342" y="2323652"/>
+            <a:ext cx="6777317" cy="3508977"/>
+          </a:xfrm>
+        </p:spPr>
+        <p:txBody>
+          <a:bodyPr>
+            <a:normAutofit/>
+          </a:bodyPr>
+          <a:lstStyle/>
+          <a:p>
+            <a:pPr marL="68580" indent="0" algn="ctr">
+              <a:buNone/>
+            </a:pPr>
+            <a:endParaRPr lang="en-US" sz="3600" b="1" i="1" dirty="0" smtClean="0"/>
+          </a:p>
+          <a:p>
+            <a:pPr marL="68580" indent="0" algn="ctr">
+              <a:buNone/>
+            </a:pPr>
+            <a:r>
+              <a:rPr lang="en-US" sz="3600" b="1" i="1" dirty="0" smtClean="0"/>
+              <a:t>Do more of what works and less of what doesn’t.</a:t>
+            </a:r>
+            <a:endParaRPr lang="en-US" sz="3600" b="1" i="1" dirty="0"/>
+          </a:p>
+        </p:txBody>
+      </p:sp>
+    </p:spTree>
+    <p:extLst>
+      <p:ext uri="{BB962C8B-B14F-4D97-AF65-F5344CB8AC3E}">
+        <p14:creationId xmlns:p14="http://schemas.microsoft.com/office/powerpoint/2010/main" val="117382749"/>
       </p:ext>
     </p:extLst>
   </p:cSld>
@@ -18895,6 +22828,91 @@
             <a:pPr algn="ctr"/>
             <a:r>
               <a:rPr lang="en-US" dirty="0" smtClean="0"/>
+              <a:t>What if I’m not a team lead?</a:t>
+            </a:r>
+            <a:endParaRPr lang="en-US" dirty="0"/>
+          </a:p>
+        </p:txBody>
+      </p:sp>
+      <p:sp>
+        <p:nvSpPr>
+          <p:cNvPr id="5" name="Text Placeholder 4"/>
+          <p:cNvSpPr>
+            <a:spLocks noGrp="1"/>
+          </p:cNvSpPr>
+          <p:nvPr>
+            <p:ph type="body" idx="1"/>
+          </p:nvPr>
+        </p:nvSpPr>
+        <p:spPr/>
+        <p:txBody>
+          <a:bodyPr/>
+          <a:lstStyle/>
+          <a:p>
+            <a:endParaRPr lang="en-US" dirty="0"/>
+          </a:p>
+        </p:txBody>
+      </p:sp>
+    </p:spTree>
+    <p:extLst>
+      <p:ext uri="{BB962C8B-B14F-4D97-AF65-F5344CB8AC3E}">
+        <p14:creationId xmlns:p14="http://schemas.microsoft.com/office/powerpoint/2010/main" val="3333028837"/>
+      </p:ext>
+    </p:extLst>
+  </p:cSld>
+  <p:clrMapOvr>
+    <a:masterClrMapping/>
+  </p:clrMapOvr>
+  <p:timing>
+    <p:tnLst>
+      <p:par>
+        <p:cTn id="1" dur="indefinite" restart="never" nodeType="tmRoot"/>
+      </p:par>
+    </p:tnLst>
+  </p:timing>
+</p:sld>
+</file>
+
+<file path=ppt/slides/slide6.xml><?xml version="1.0" encoding="utf-8"?>
+<p:sld xmlns:a="http://schemas.openxmlformats.org/drawingml/2006/main" xmlns:r="http://schemas.openxmlformats.org/officeDocument/2006/relationships" xmlns:p="http://schemas.openxmlformats.org/presentationml/2006/main">
+  <p:cSld>
+    <p:spTree>
+      <p:nvGrpSpPr>
+        <p:cNvPr id="1" name=""/>
+        <p:cNvGrpSpPr/>
+        <p:nvPr/>
+      </p:nvGrpSpPr>
+      <p:grpSpPr>
+        <a:xfrm>
+          <a:off x="0" y="0"/>
+          <a:ext cx="0" cy="0"/>
+          <a:chOff x="0" y="0"/>
+          <a:chExt cx="0" cy="0"/>
+        </a:xfrm>
+      </p:grpSpPr>
+      <p:sp>
+        <p:nvSpPr>
+          <p:cNvPr id="4" name="Title 3"/>
+          <p:cNvSpPr>
+            <a:spLocks noGrp="1"/>
+          </p:cNvSpPr>
+          <p:nvPr>
+            <p:ph type="title"/>
+          </p:nvPr>
+        </p:nvSpPr>
+        <p:spPr>
+          <a:xfrm>
+            <a:off x="1253266" y="2747963"/>
+            <a:ext cx="6637468" cy="1362075"/>
+          </a:xfrm>
+        </p:spPr>
+        <p:txBody>
+          <a:bodyPr anchor="ctr"/>
+          <a:lstStyle/>
+          <a:p>
+            <a:pPr algn="ctr"/>
+            <a:r>
+              <a:rPr lang="en-US" dirty="0" smtClean="0"/>
               <a:t>What’s an iteration?</a:t>
             </a:r>
             <a:endParaRPr lang="en-US" dirty="0"/>
@@ -18940,7 +22958,7 @@
 </p:sld>
 </file>
 
-<file path=ppt/slides/slide6.xml><?xml version="1.0" encoding="utf-8"?>
+<file path=ppt/slides/slide7.xml><?xml version="1.0" encoding="utf-8"?>
 <p:sld xmlns:a="http://schemas.openxmlformats.org/drawingml/2006/main" xmlns:r="http://schemas.openxmlformats.org/officeDocument/2006/relationships" xmlns:p="http://schemas.openxmlformats.org/presentationml/2006/main">
   <p:cSld>
     <p:spTree>
@@ -19037,7 +23055,7 @@
 </p:sld>
 </file>
 
-<file path=ppt/slides/slide7.xml><?xml version="1.0" encoding="utf-8"?>
+<file path=ppt/slides/slide8.xml><?xml version="1.0" encoding="utf-8"?>
 <p:sld xmlns:a="http://schemas.openxmlformats.org/drawingml/2006/main" xmlns:r="http://schemas.openxmlformats.org/officeDocument/2006/relationships" xmlns:p="http://schemas.openxmlformats.org/presentationml/2006/main">
   <p:cSld>
     <p:spTree>
@@ -19143,7 +23161,7 @@
 </p:sld>
 </file>
 
-<file path=ppt/slides/slide8.xml><?xml version="1.0" encoding="utf-8"?>
+<file path=ppt/slides/slide9.xml><?xml version="1.0" encoding="utf-8"?>
 <p:sld xmlns:a="http://schemas.openxmlformats.org/drawingml/2006/main" xmlns:r="http://schemas.openxmlformats.org/officeDocument/2006/relationships" xmlns:p="http://schemas.openxmlformats.org/presentationml/2006/main">
   <p:cSld>
     <p:spTree>
@@ -19233,112 +23251,6 @@
     <p:extLst>
       <p:ext uri="{BB962C8B-B14F-4D97-AF65-F5344CB8AC3E}">
         <p14:creationId xmlns:p14="http://schemas.microsoft.com/office/powerpoint/2010/main" val="52583252"/>
-      </p:ext>
-    </p:extLst>
-  </p:cSld>
-  <p:clrMapOvr>
-    <a:masterClrMapping/>
-  </p:clrMapOvr>
-  <p:timing>
-    <p:tnLst>
-      <p:par>
-        <p:cTn id="1" dur="indefinite" restart="never" nodeType="tmRoot"/>
-      </p:par>
-    </p:tnLst>
-  </p:timing>
-</p:sld>
-</file>
-
-<file path=ppt/slides/slide9.xml><?xml version="1.0" encoding="utf-8"?>
-<p:sld xmlns:a="http://schemas.openxmlformats.org/drawingml/2006/main" xmlns:r="http://schemas.openxmlformats.org/officeDocument/2006/relationships" xmlns:p="http://schemas.openxmlformats.org/presentationml/2006/main">
-  <p:cSld>
-    <p:spTree>
-      <p:nvGrpSpPr>
-        <p:cNvPr id="1" name=""/>
-        <p:cNvGrpSpPr/>
-        <p:nvPr/>
-      </p:nvGrpSpPr>
-      <p:grpSpPr>
-        <a:xfrm>
-          <a:off x="0" y="0"/>
-          <a:ext cx="0" cy="0"/>
-          <a:chOff x="0" y="0"/>
-          <a:chExt cx="0" cy="0"/>
-        </a:xfrm>
-      </p:grpSpPr>
-      <p:sp>
-        <p:nvSpPr>
-          <p:cNvPr id="4" name="Title 3"/>
-          <p:cNvSpPr>
-            <a:spLocks noGrp="1"/>
-          </p:cNvSpPr>
-          <p:nvPr>
-            <p:ph type="title"/>
-          </p:nvPr>
-        </p:nvSpPr>
-        <p:spPr/>
-        <p:txBody>
-          <a:bodyPr anchor="ctr">
-            <a:normAutofit fontScale="90000"/>
-          </a:bodyPr>
-          <a:lstStyle/>
-          <a:p>
-            <a:pPr algn="ctr"/>
-            <a:r>
-              <a:rPr lang="en-US" dirty="0" smtClean="0"/>
-              <a:t>What is this board telling you?</a:t>
-            </a:r>
-            <a:endParaRPr lang="en-US" dirty="0"/>
-          </a:p>
-        </p:txBody>
-      </p:sp>
-      <p:pic>
-        <p:nvPicPr>
-          <p:cNvPr id="3074" name="Picture 2" descr="no-backlog"/>
-          <p:cNvPicPr>
-            <a:picLocks noGrp="1" noChangeAspect="1" noChangeArrowheads="1"/>
-          </p:cNvPicPr>
-          <p:nvPr>
-            <p:ph idx="1"/>
-          </p:nvPr>
-        </p:nvPicPr>
-        <p:blipFill>
-          <a:blip r:embed="rId3">
-            <a:extLst>
-              <a:ext uri="{28A0092B-C50C-407E-A947-70E740481C1C}">
-                <a14:useLocalDpi xmlns:a14="http://schemas.microsoft.com/office/drawing/2010/main" val="0"/>
-              </a:ext>
-            </a:extLst>
-          </a:blip>
-          <a:srcRect/>
-          <a:stretch>
-            <a:fillRect/>
-          </a:stretch>
-        </p:blipFill>
-        <p:spPr bwMode="auto">
-          <a:xfrm>
-            <a:off x="1562100" y="2133600"/>
-            <a:ext cx="5621893" cy="3747929"/>
-          </a:xfrm>
-          <a:prstGeom prst="rect">
-            <a:avLst/>
-          </a:prstGeom>
-          <a:noFill/>
-          <a:extLst>
-            <a:ext uri="{909E8E84-426E-40DD-AFC4-6F175D3DCCD1}">
-              <a14:hiddenFill xmlns:a14="http://schemas.microsoft.com/office/drawing/2010/main">
-                <a:solidFill>
-                  <a:srgbClr val="FFFFFF"/>
-                </a:solidFill>
-              </a14:hiddenFill>
-            </a:ext>
-          </a:extLst>
-        </p:spPr>
-      </p:pic>
-    </p:spTree>
-    <p:extLst>
-      <p:ext uri="{BB962C8B-B14F-4D97-AF65-F5344CB8AC3E}">
-        <p14:creationId xmlns:p14="http://schemas.microsoft.com/office/powerpoint/2010/main" val="3431851493"/>
       </p:ext>
     </p:extLst>
   </p:cSld>

--- a/Iteration Management - Your Key to Predictable Delivery.pptx
+++ b/Iteration Management - Your Key to Predictable Delivery.pptx
@@ -5,7 +5,7 @@
     <p:sldMasterId id="2147483912" r:id="rId1"/>
   </p:sldMasterIdLst>
   <p:notesMasterIdLst>
-    <p:notesMasterId r:id="rId42"/>
+    <p:notesMasterId r:id="rId48"/>
   </p:notesMasterIdLst>
   <p:sldIdLst>
     <p:sldId id="256" r:id="rId2"/>
@@ -37,17 +37,23 @@
     <p:sldId id="296" r:id="rId28"/>
     <p:sldId id="292" r:id="rId29"/>
     <p:sldId id="297" r:id="rId30"/>
-    <p:sldId id="293" r:id="rId31"/>
+    <p:sldId id="299" r:id="rId31"/>
     <p:sldId id="298" r:id="rId32"/>
     <p:sldId id="294" r:id="rId33"/>
     <p:sldId id="295" r:id="rId34"/>
     <p:sldId id="282" r:id="rId35"/>
-    <p:sldId id="279" r:id="rId36"/>
-    <p:sldId id="266" r:id="rId37"/>
-    <p:sldId id="264" r:id="rId38"/>
-    <p:sldId id="263" r:id="rId39"/>
-    <p:sldId id="265" r:id="rId40"/>
-    <p:sldId id="277" r:id="rId41"/>
+    <p:sldId id="300" r:id="rId36"/>
+    <p:sldId id="301" r:id="rId37"/>
+    <p:sldId id="302" r:id="rId38"/>
+    <p:sldId id="303" r:id="rId39"/>
+    <p:sldId id="279" r:id="rId40"/>
+    <p:sldId id="305" r:id="rId41"/>
+    <p:sldId id="266" r:id="rId42"/>
+    <p:sldId id="264" r:id="rId43"/>
+    <p:sldId id="263" r:id="rId44"/>
+    <p:sldId id="265" r:id="rId45"/>
+    <p:sldId id="277" r:id="rId46"/>
+    <p:sldId id="306" r:id="rId47"/>
   </p:sldIdLst>
   <p:sldSz cx="9144000" cy="6858000" type="screen4x3"/>
   <p:notesSz cx="6858000" cy="9144000"/>
@@ -231,7 +237,7 @@
           <a:p>
             <a:fld id="{6C6C5C74-C5D5-44B4-837D-76A1EE64E52E}" type="datetimeFigureOut">
               <a:rPr lang="en-US" smtClean="0"/>
-              <a:t>2/11/2015</a:t>
+              <a:t>2/12/2015</a:t>
             </a:fld>
             <a:endParaRPr lang="en-US"/>
           </a:p>
@@ -1004,11 +1010,7 @@
           <a:p>
             <a:r>
               <a:rPr lang="en-US" dirty="0" smtClean="0"/>
-              <a:t>“</a:t>
-            </a:r>
-            <a:r>
-              <a:rPr lang="en-US" dirty="0" smtClean="0"/>
-              <a:t>Estimates are always wrong” – business needs better</a:t>
+              <a:t>“Estimates are always wrong” – business needs better</a:t>
             </a:r>
             <a:r>
               <a:rPr lang="en-US" baseline="0" dirty="0" smtClean="0"/>
@@ -1127,17 +1129,8 @@
             </a:pPr>
             <a:r>
               <a:rPr lang="en-US" baseline="0" dirty="0" smtClean="0"/>
-              <a:t>Re-estimating </a:t>
-            </a:r>
-            <a:r>
-              <a:rPr lang="en-US" baseline="0" dirty="0" smtClean="0"/>
-              <a:t>work that was estimated long </a:t>
-            </a:r>
-            <a:r>
-              <a:rPr lang="en-US" baseline="0" dirty="0" smtClean="0"/>
-              <a:t>ago</a:t>
-            </a:r>
-            <a:endParaRPr lang="en-US" baseline="0" dirty="0" smtClean="0"/>
+              <a:t>Re-estimating work that was estimated long ago</a:t>
+            </a:r>
           </a:p>
         </p:txBody>
       </p:sp>
@@ -1550,7 +1543,6 @@
               <a:rPr lang="en-US" baseline="0" dirty="0" smtClean="0"/>
               <a:t>People tend to convert to hours in their head</a:t>
             </a:r>
-            <a:endParaRPr lang="en-US" baseline="0" dirty="0" smtClean="0"/>
           </a:p>
         </p:txBody>
       </p:sp>
@@ -1672,7 +1664,6 @@
               <a:rPr lang="en-US" baseline="0" dirty="0" smtClean="0"/>
               <a:t>Alternative – T-Shirt sizes (combination of counting tickets and story points)</a:t>
             </a:r>
-            <a:endParaRPr lang="en-US" baseline="0" dirty="0" smtClean="0"/>
           </a:p>
         </p:txBody>
       </p:sp>
@@ -1784,7 +1775,6 @@
               <a:rPr lang="en-US" baseline="0" dirty="0" smtClean="0"/>
               <a:t>e.g. production support</a:t>
             </a:r>
-            <a:endParaRPr lang="en-US" baseline="0" dirty="0" smtClean="0"/>
           </a:p>
         </p:txBody>
       </p:sp>
@@ -1962,7 +1952,6 @@
               <a:rPr lang="en-US" baseline="0" dirty="0" smtClean="0"/>
               <a:t>Need to be able to deliver consistently</a:t>
             </a:r>
-            <a:endParaRPr lang="en-US" baseline="0" dirty="0" smtClean="0"/>
           </a:p>
         </p:txBody>
       </p:sp>
@@ -2319,11 +2308,7 @@
             </a:pPr>
             <a:r>
               <a:rPr lang="en-US" baseline="0" dirty="0" smtClean="0"/>
-              <a:t>Tracking estimates vs. </a:t>
-            </a:r>
-            <a:r>
-              <a:rPr lang="en-US" baseline="0" dirty="0" smtClean="0"/>
-              <a:t>actuals</a:t>
+              <a:t>Tracking estimates vs. actuals</a:t>
             </a:r>
             <a:endParaRPr lang="en-US" dirty="0" smtClean="0"/>
           </a:p>
@@ -2645,12 +2630,48 @@
           <a:p>
             <a:r>
               <a:rPr lang="en-US" dirty="0" smtClean="0"/>
-              <a:t>How would you</a:t>
+              <a:t>What</a:t>
             </a:r>
             <a:r>
               <a:rPr lang="en-US" baseline="0" dirty="0" smtClean="0"/>
-              <a:t> interpret this?</a:t>
-            </a:r>
+              <a:t> can you conclude from this chart?</a:t>
+            </a:r>
+          </a:p>
+          <a:p>
+            <a:pPr marL="171450" indent="-171450">
+              <a:buFontTx/>
+              <a:buChar char="-"/>
+            </a:pPr>
+            <a:r>
+              <a:rPr lang="en-US" baseline="0" dirty="0" smtClean="0"/>
+              <a:t>Average velocity is 58</a:t>
+            </a:r>
+          </a:p>
+          <a:p>
+            <a:pPr marL="171450" indent="-171450">
+              <a:buFontTx/>
+              <a:buChar char="-"/>
+            </a:pPr>
+            <a:r>
+              <a:rPr lang="en-US" baseline="0" dirty="0" smtClean="0"/>
+              <a:t>The last two iterations have been good so we can do better than 58</a:t>
+            </a:r>
+          </a:p>
+          <a:p>
+            <a:pPr marL="171450" indent="-171450">
+              <a:buFontTx/>
+              <a:buChar char="-"/>
+            </a:pPr>
+            <a:r>
+              <a:rPr lang="en-US" baseline="0" dirty="0" smtClean="0"/>
+              <a:t>Absolutely nothing!</a:t>
+            </a:r>
+          </a:p>
+          <a:p>
+            <a:pPr marL="171450" indent="-171450">
+              <a:buFontTx/>
+              <a:buChar char="-"/>
+            </a:pPr>
             <a:endParaRPr lang="en-US" dirty="0"/>
           </a:p>
         </p:txBody>
@@ -3043,6 +3064,13 @@
               <a:rPr lang="en-US" baseline="0" dirty="0" smtClean="0"/>
               <a:t>Velocity is an internal metric, my capacity estimate is the interpretation of velocity (and other data)</a:t>
             </a:r>
+            <a:endParaRPr lang="en-US" dirty="0" smtClean="0"/>
+          </a:p>
+          <a:p>
+            <a:pPr marL="171450" indent="-171450">
+              <a:buFontTx/>
+              <a:buChar char="-"/>
+            </a:pPr>
             <a:endParaRPr lang="en-US" dirty="0"/>
           </a:p>
         </p:txBody>
@@ -3073,7 +3101,7 @@
     </p:spTree>
     <p:extLst>
       <p:ext uri="{BB962C8B-B14F-4D97-AF65-F5344CB8AC3E}">
-        <p14:creationId xmlns:p14="http://schemas.microsoft.com/office/powerpoint/2010/main" val="1941393864"/>
+        <p14:creationId xmlns:p14="http://schemas.microsoft.com/office/powerpoint/2010/main" val="1231796444"/>
       </p:ext>
     </p:extLst>
   </p:cSld>
@@ -3519,155 +3547,26 @@
           <a:bodyPr/>
           <a:lstStyle/>
           <a:p>
-            <a:pPr marL="0" marR="0" indent="0" algn="l" defTabSz="914400" rtl="0" eaLnBrk="1" fontAlgn="auto" latinLnBrk="0" hangingPunct="1">
-              <a:lnSpc>
-                <a:spcPct val="100000"/>
-              </a:lnSpc>
-              <a:spcBef>
-                <a:spcPts val="0"/>
-              </a:spcBef>
-              <a:spcAft>
-                <a:spcPts val="0"/>
-              </a:spcAft>
-              <a:buClrTx/>
-              <a:buSzTx/>
-              <a:buFontTx/>
-              <a:buNone/>
-              <a:tabLst/>
-              <a:defRPr/>
-            </a:pPr>
             <a:r>
               <a:rPr lang="en-US" dirty="0" smtClean="0"/>
-              <a:t>How much can we commit to, and what</a:t>
+              <a:t>Basic </a:t>
+            </a:r>
+            <a:r>
+              <a:rPr lang="en-US" dirty="0" err="1" smtClean="0"/>
+              <a:t>burndowns</a:t>
+            </a:r>
+            <a:endParaRPr lang="en-US" dirty="0" smtClean="0"/>
+          </a:p>
+          <a:p>
+            <a:r>
+              <a:rPr lang="en-US" dirty="0" smtClean="0"/>
+              <a:t>Project</a:t>
             </a:r>
             <a:r>
               <a:rPr lang="en-US" baseline="0" dirty="0" smtClean="0"/>
-              <a:t> should we work on</a:t>
-            </a:r>
-            <a:r>
-              <a:rPr lang="en-US" dirty="0" smtClean="0"/>
-              <a:t>?</a:t>
-            </a:r>
-          </a:p>
-          <a:p>
-            <a:r>
-              <a:rPr lang="en-US" dirty="0" smtClean="0"/>
-              <a:t>Tickets should already be estimated (incl.</a:t>
-            </a:r>
-            <a:r>
-              <a:rPr lang="en-US" baseline="0" dirty="0" smtClean="0"/>
-              <a:t> analysis, testing)</a:t>
-            </a:r>
-          </a:p>
-          <a:p>
-            <a:endParaRPr lang="en-US" baseline="0" dirty="0" smtClean="0"/>
-          </a:p>
-          <a:p>
-            <a:r>
-              <a:rPr lang="en-US" baseline="0" dirty="0" smtClean="0"/>
-              <a:t>% person’s time in each discipline for moving tickets?  (separate by project)</a:t>
-            </a:r>
-          </a:p>
-          <a:p>
-            <a:r>
-              <a:rPr lang="en-US" dirty="0" smtClean="0"/>
-              <a:t>Account</a:t>
-            </a:r>
-            <a:r>
-              <a:rPr lang="en-US" baseline="0" dirty="0" smtClean="0"/>
-              <a:t> for time off, special meetings, etc.</a:t>
-            </a:r>
-          </a:p>
-          <a:p>
-            <a:pPr marL="0" marR="0" indent="0" algn="l" defTabSz="914400" rtl="0" eaLnBrk="1" fontAlgn="auto" latinLnBrk="0" hangingPunct="1">
-              <a:lnSpc>
-                <a:spcPct val="100000"/>
-              </a:lnSpc>
-              <a:spcBef>
-                <a:spcPts val="0"/>
-              </a:spcBef>
-              <a:spcAft>
-                <a:spcPts val="0"/>
-              </a:spcAft>
-              <a:buClrTx/>
-              <a:buSzTx/>
-              <a:buFontTx/>
-              <a:buNone/>
-              <a:tabLst/>
-              <a:defRPr/>
-            </a:pPr>
-            <a:r>
-              <a:rPr lang="en-US" baseline="0" dirty="0" smtClean="0"/>
-              <a:t>Expected time needed for new scope, prod support, etc.</a:t>
-            </a:r>
-          </a:p>
-          <a:p>
-            <a:pPr marL="0" marR="0" indent="0" algn="l" defTabSz="914400" rtl="0" eaLnBrk="1" fontAlgn="auto" latinLnBrk="0" hangingPunct="1">
-              <a:lnSpc>
-                <a:spcPct val="100000"/>
-              </a:lnSpc>
-              <a:spcBef>
-                <a:spcPts val="0"/>
-              </a:spcBef>
-              <a:spcAft>
-                <a:spcPts val="0"/>
-              </a:spcAft>
-              <a:buClrTx/>
-              <a:buSzTx/>
-              <a:buFontTx/>
-              <a:buNone/>
-              <a:tabLst/>
-              <a:defRPr/>
-            </a:pPr>
-            <a:r>
-              <a:rPr lang="en-US" baseline="0" dirty="0" smtClean="0"/>
-              <a:t>Normal working hours</a:t>
-            </a:r>
-          </a:p>
-          <a:p>
-            <a:r>
-              <a:rPr lang="en-US" dirty="0" smtClean="0"/>
-              <a:t>Break</a:t>
-            </a:r>
-            <a:r>
-              <a:rPr lang="en-US" baseline="0" dirty="0" smtClean="0"/>
-              <a:t> the team into smaller teams (or sub-teams) </a:t>
-            </a:r>
-          </a:p>
-          <a:p>
-            <a:r>
-              <a:rPr lang="en-US" baseline="0" dirty="0" smtClean="0"/>
-              <a:t>Each sub-team can do their own capacity planning</a:t>
-            </a:r>
-          </a:p>
-          <a:p>
-            <a:endParaRPr lang="en-US" baseline="0" dirty="0" smtClean="0"/>
-          </a:p>
-          <a:p>
-            <a:pPr marL="0" marR="0" indent="0" algn="l" defTabSz="914400" rtl="0" eaLnBrk="1" fontAlgn="auto" latinLnBrk="0" hangingPunct="1">
-              <a:lnSpc>
-                <a:spcPct val="100000"/>
-              </a:lnSpc>
-              <a:spcBef>
-                <a:spcPts val="0"/>
-              </a:spcBef>
-              <a:spcAft>
-                <a:spcPts val="0"/>
-              </a:spcAft>
-              <a:buClrTx/>
-              <a:buSzTx/>
-              <a:buFontTx/>
-              <a:buNone/>
-              <a:tabLst/>
-              <a:defRPr/>
-            </a:pPr>
-            <a:r>
-              <a:rPr lang="en-US" baseline="0" dirty="0" smtClean="0"/>
-              <a:t>Start with a gut feel, and then adjust your gut feel estimate based on data and experiences (PUT THIS POINT SOMEWHERE ELSE?)</a:t>
-            </a:r>
-          </a:p>
-          <a:p>
-            <a:endParaRPr lang="en-US" dirty="0" smtClean="0"/>
+              <a:t> level vs. iteration level</a:t>
+            </a:r>
+            <a:endParaRPr lang="en-US" dirty="0"/>
           </a:p>
         </p:txBody>
       </p:sp>
@@ -3688,7 +3587,7 @@
           <a:p>
             <a:fld id="{CF4E5B25-4A79-484F-8CBE-17420048C75D}" type="slidenum">
               <a:rPr lang="en-US" smtClean="0"/>
-              <a:t>35</a:t>
+              <a:t>34</a:t>
             </a:fld>
             <a:endParaRPr lang="en-US"/>
           </a:p>
@@ -3697,7 +3596,7 @@
     </p:spTree>
     <p:extLst>
       <p:ext uri="{BB962C8B-B14F-4D97-AF65-F5344CB8AC3E}">
-        <p14:creationId xmlns:p14="http://schemas.microsoft.com/office/powerpoint/2010/main" val="1936386122"/>
+        <p14:creationId xmlns:p14="http://schemas.microsoft.com/office/powerpoint/2010/main" val="3818611304"/>
       </p:ext>
     </p:extLst>
   </p:cSld>
@@ -3751,6 +3650,494 @@
           <a:bodyPr/>
           <a:lstStyle/>
           <a:p>
+            <a:r>
+              <a:rPr lang="en-US" dirty="0" smtClean="0"/>
+              <a:t>Total scope line</a:t>
+            </a:r>
+          </a:p>
+          <a:p>
+            <a:r>
+              <a:rPr lang="en-US" dirty="0" smtClean="0"/>
+              <a:t>Actual completed</a:t>
+            </a:r>
+            <a:r>
+              <a:rPr lang="en-US" baseline="0" dirty="0" smtClean="0"/>
+              <a:t> line (“burn-up”)</a:t>
+            </a:r>
+          </a:p>
+          <a:p>
+            <a:r>
+              <a:rPr lang="en-US" baseline="0" dirty="0" smtClean="0"/>
+              <a:t>Callouts</a:t>
+            </a:r>
+          </a:p>
+          <a:p>
+            <a:r>
+              <a:rPr lang="en-US" baseline="0" dirty="0" smtClean="0"/>
+              <a:t>“Ideal Remaining” line reflects the project schedule</a:t>
+            </a:r>
+            <a:endParaRPr lang="en-US" dirty="0"/>
+          </a:p>
+        </p:txBody>
+      </p:sp>
+      <p:sp>
+        <p:nvSpPr>
+          <p:cNvPr id="4" name="Slide Number Placeholder 3"/>
+          <p:cNvSpPr>
+            <a:spLocks noGrp="1"/>
+          </p:cNvSpPr>
+          <p:nvPr>
+            <p:ph type="sldNum" sz="quarter" idx="10"/>
+          </p:nvPr>
+        </p:nvSpPr>
+        <p:spPr/>
+        <p:txBody>
+          <a:bodyPr/>
+          <a:lstStyle/>
+          <a:p>
+            <a:fld id="{CF4E5B25-4A79-484F-8CBE-17420048C75D}" type="slidenum">
+              <a:rPr lang="en-US" smtClean="0"/>
+              <a:t>35</a:t>
+            </a:fld>
+            <a:endParaRPr lang="en-US"/>
+          </a:p>
+        </p:txBody>
+      </p:sp>
+    </p:spTree>
+    <p:extLst>
+      <p:ext uri="{BB962C8B-B14F-4D97-AF65-F5344CB8AC3E}">
+        <p14:creationId xmlns:p14="http://schemas.microsoft.com/office/powerpoint/2010/main" val="3818611304"/>
+      </p:ext>
+    </p:extLst>
+  </p:cSld>
+  <p:clrMapOvr>
+    <a:masterClrMapping/>
+  </p:clrMapOvr>
+</p:notes>
+</file>
+
+<file path=ppt/notesSlides/notesSlide34.xml><?xml version="1.0" encoding="utf-8"?>
+<p:notes xmlns:a="http://schemas.openxmlformats.org/drawingml/2006/main" xmlns:r="http://schemas.openxmlformats.org/officeDocument/2006/relationships" xmlns:p="http://schemas.openxmlformats.org/presentationml/2006/main">
+  <p:cSld>
+    <p:spTree>
+      <p:nvGrpSpPr>
+        <p:cNvPr id="1" name=""/>
+        <p:cNvGrpSpPr/>
+        <p:nvPr/>
+      </p:nvGrpSpPr>
+      <p:grpSpPr>
+        <a:xfrm>
+          <a:off x="0" y="0"/>
+          <a:ext cx="0" cy="0"/>
+          <a:chOff x="0" y="0"/>
+          <a:chExt cx="0" cy="0"/>
+        </a:xfrm>
+      </p:grpSpPr>
+      <p:sp>
+        <p:nvSpPr>
+          <p:cNvPr id="2" name="Slide Image Placeholder 1"/>
+          <p:cNvSpPr>
+            <a:spLocks noGrp="1" noRot="1" noChangeAspect="1"/>
+          </p:cNvSpPr>
+          <p:nvPr>
+            <p:ph type="sldImg"/>
+          </p:nvPr>
+        </p:nvSpPr>
+        <p:spPr/>
+      </p:sp>
+      <p:sp>
+        <p:nvSpPr>
+          <p:cNvPr id="3" name="Notes Placeholder 2"/>
+          <p:cNvSpPr>
+            <a:spLocks noGrp="1"/>
+          </p:cNvSpPr>
+          <p:nvPr>
+            <p:ph type="body" idx="1"/>
+          </p:nvPr>
+        </p:nvSpPr>
+        <p:spPr/>
+        <p:txBody>
+          <a:bodyPr/>
+          <a:lstStyle/>
+          <a:p>
+            <a:r>
+              <a:rPr lang="en-US" dirty="0" smtClean="0"/>
+              <a:t>How would you interpret</a:t>
+            </a:r>
+            <a:r>
+              <a:rPr lang="en-US" baseline="0" dirty="0" smtClean="0"/>
+              <a:t> this?</a:t>
+            </a:r>
+            <a:endParaRPr lang="en-US" dirty="0"/>
+          </a:p>
+        </p:txBody>
+      </p:sp>
+      <p:sp>
+        <p:nvSpPr>
+          <p:cNvPr id="4" name="Slide Number Placeholder 3"/>
+          <p:cNvSpPr>
+            <a:spLocks noGrp="1"/>
+          </p:cNvSpPr>
+          <p:nvPr>
+            <p:ph type="sldNum" sz="quarter" idx="10"/>
+          </p:nvPr>
+        </p:nvSpPr>
+        <p:spPr/>
+        <p:txBody>
+          <a:bodyPr/>
+          <a:lstStyle/>
+          <a:p>
+            <a:fld id="{CF4E5B25-4A79-484F-8CBE-17420048C75D}" type="slidenum">
+              <a:rPr lang="en-US" smtClean="0"/>
+              <a:t>36</a:t>
+            </a:fld>
+            <a:endParaRPr lang="en-US"/>
+          </a:p>
+        </p:txBody>
+      </p:sp>
+    </p:spTree>
+    <p:extLst>
+      <p:ext uri="{BB962C8B-B14F-4D97-AF65-F5344CB8AC3E}">
+        <p14:creationId xmlns:p14="http://schemas.microsoft.com/office/powerpoint/2010/main" val="3818611304"/>
+      </p:ext>
+    </p:extLst>
+  </p:cSld>
+  <p:clrMapOvr>
+    <a:masterClrMapping/>
+  </p:clrMapOvr>
+</p:notes>
+</file>
+
+<file path=ppt/notesSlides/notesSlide35.xml><?xml version="1.0" encoding="utf-8"?>
+<p:notes xmlns:a="http://schemas.openxmlformats.org/drawingml/2006/main" xmlns:r="http://schemas.openxmlformats.org/officeDocument/2006/relationships" xmlns:p="http://schemas.openxmlformats.org/presentationml/2006/main">
+  <p:cSld>
+    <p:spTree>
+      <p:nvGrpSpPr>
+        <p:cNvPr id="1" name=""/>
+        <p:cNvGrpSpPr/>
+        <p:nvPr/>
+      </p:nvGrpSpPr>
+      <p:grpSpPr>
+        <a:xfrm>
+          <a:off x="0" y="0"/>
+          <a:ext cx="0" cy="0"/>
+          <a:chOff x="0" y="0"/>
+          <a:chExt cx="0" cy="0"/>
+        </a:xfrm>
+      </p:grpSpPr>
+      <p:sp>
+        <p:nvSpPr>
+          <p:cNvPr id="2" name="Slide Image Placeholder 1"/>
+          <p:cNvSpPr>
+            <a:spLocks noGrp="1" noRot="1" noChangeAspect="1"/>
+          </p:cNvSpPr>
+          <p:nvPr>
+            <p:ph type="sldImg"/>
+          </p:nvPr>
+        </p:nvSpPr>
+        <p:spPr/>
+      </p:sp>
+      <p:sp>
+        <p:nvSpPr>
+          <p:cNvPr id="3" name="Notes Placeholder 2"/>
+          <p:cNvSpPr>
+            <a:spLocks noGrp="1"/>
+          </p:cNvSpPr>
+          <p:nvPr>
+            <p:ph type="body" idx="1"/>
+          </p:nvPr>
+        </p:nvSpPr>
+        <p:spPr/>
+        <p:txBody>
+          <a:bodyPr/>
+          <a:lstStyle/>
+          <a:p>
+            <a:r>
+              <a:rPr lang="en-US" dirty="0" smtClean="0"/>
+              <a:t>Showing optimistic/pessimistic</a:t>
+            </a:r>
+            <a:r>
+              <a:rPr lang="en-US" baseline="0" dirty="0" smtClean="0"/>
+              <a:t> trend</a:t>
+            </a:r>
+            <a:endParaRPr lang="en-US" dirty="0"/>
+          </a:p>
+        </p:txBody>
+      </p:sp>
+      <p:sp>
+        <p:nvSpPr>
+          <p:cNvPr id="4" name="Slide Number Placeholder 3"/>
+          <p:cNvSpPr>
+            <a:spLocks noGrp="1"/>
+          </p:cNvSpPr>
+          <p:nvPr>
+            <p:ph type="sldNum" sz="quarter" idx="10"/>
+          </p:nvPr>
+        </p:nvSpPr>
+        <p:spPr/>
+        <p:txBody>
+          <a:bodyPr/>
+          <a:lstStyle/>
+          <a:p>
+            <a:fld id="{CF4E5B25-4A79-484F-8CBE-17420048C75D}" type="slidenum">
+              <a:rPr lang="en-US" smtClean="0"/>
+              <a:t>37</a:t>
+            </a:fld>
+            <a:endParaRPr lang="en-US"/>
+          </a:p>
+        </p:txBody>
+      </p:sp>
+    </p:spTree>
+    <p:extLst>
+      <p:ext uri="{BB962C8B-B14F-4D97-AF65-F5344CB8AC3E}">
+        <p14:creationId xmlns:p14="http://schemas.microsoft.com/office/powerpoint/2010/main" val="3818611304"/>
+      </p:ext>
+    </p:extLst>
+  </p:cSld>
+  <p:clrMapOvr>
+    <a:masterClrMapping/>
+  </p:clrMapOvr>
+</p:notes>
+</file>
+
+<file path=ppt/notesSlides/notesSlide36.xml><?xml version="1.0" encoding="utf-8"?>
+<p:notes xmlns:a="http://schemas.openxmlformats.org/drawingml/2006/main" xmlns:r="http://schemas.openxmlformats.org/officeDocument/2006/relationships" xmlns:p="http://schemas.openxmlformats.org/presentationml/2006/main">
+  <p:cSld>
+    <p:spTree>
+      <p:nvGrpSpPr>
+        <p:cNvPr id="1" name=""/>
+        <p:cNvGrpSpPr/>
+        <p:nvPr/>
+      </p:nvGrpSpPr>
+      <p:grpSpPr>
+        <a:xfrm>
+          <a:off x="0" y="0"/>
+          <a:ext cx="0" cy="0"/>
+          <a:chOff x="0" y="0"/>
+          <a:chExt cx="0" cy="0"/>
+        </a:xfrm>
+      </p:grpSpPr>
+      <p:sp>
+        <p:nvSpPr>
+          <p:cNvPr id="2" name="Slide Image Placeholder 1"/>
+          <p:cNvSpPr>
+            <a:spLocks noGrp="1" noRot="1" noChangeAspect="1"/>
+          </p:cNvSpPr>
+          <p:nvPr>
+            <p:ph type="sldImg"/>
+          </p:nvPr>
+        </p:nvSpPr>
+        <p:spPr/>
+      </p:sp>
+      <p:sp>
+        <p:nvSpPr>
+          <p:cNvPr id="3" name="Notes Placeholder 2"/>
+          <p:cNvSpPr>
+            <a:spLocks noGrp="1"/>
+          </p:cNvSpPr>
+          <p:nvPr>
+            <p:ph type="body" idx="1"/>
+          </p:nvPr>
+        </p:nvSpPr>
+        <p:spPr/>
+        <p:txBody>
+          <a:bodyPr/>
+          <a:lstStyle/>
+          <a:p>
+            <a:r>
+              <a:rPr lang="en-US" dirty="0" smtClean="0"/>
+              <a:t>What it looks like after the bump</a:t>
+            </a:r>
+            <a:r>
+              <a:rPr lang="en-US" baseline="0" dirty="0" smtClean="0"/>
+              <a:t> in the road</a:t>
+            </a:r>
+            <a:endParaRPr lang="en-US" dirty="0"/>
+          </a:p>
+        </p:txBody>
+      </p:sp>
+      <p:sp>
+        <p:nvSpPr>
+          <p:cNvPr id="4" name="Slide Number Placeholder 3"/>
+          <p:cNvSpPr>
+            <a:spLocks noGrp="1"/>
+          </p:cNvSpPr>
+          <p:nvPr>
+            <p:ph type="sldNum" sz="quarter" idx="10"/>
+          </p:nvPr>
+        </p:nvSpPr>
+        <p:spPr/>
+        <p:txBody>
+          <a:bodyPr/>
+          <a:lstStyle/>
+          <a:p>
+            <a:fld id="{CF4E5B25-4A79-484F-8CBE-17420048C75D}" type="slidenum">
+              <a:rPr lang="en-US" smtClean="0"/>
+              <a:t>38</a:t>
+            </a:fld>
+            <a:endParaRPr lang="en-US"/>
+          </a:p>
+        </p:txBody>
+      </p:sp>
+    </p:spTree>
+    <p:extLst>
+      <p:ext uri="{BB962C8B-B14F-4D97-AF65-F5344CB8AC3E}">
+        <p14:creationId xmlns:p14="http://schemas.microsoft.com/office/powerpoint/2010/main" val="3818611304"/>
+      </p:ext>
+    </p:extLst>
+  </p:cSld>
+  <p:clrMapOvr>
+    <a:masterClrMapping/>
+  </p:clrMapOvr>
+</p:notes>
+</file>
+
+<file path=ppt/notesSlides/notesSlide37.xml><?xml version="1.0" encoding="utf-8"?>
+<p:notes xmlns:a="http://schemas.openxmlformats.org/drawingml/2006/main" xmlns:r="http://schemas.openxmlformats.org/officeDocument/2006/relationships" xmlns:p="http://schemas.openxmlformats.org/presentationml/2006/main">
+  <p:cSld>
+    <p:spTree>
+      <p:nvGrpSpPr>
+        <p:cNvPr id="1" name=""/>
+        <p:cNvGrpSpPr/>
+        <p:nvPr/>
+      </p:nvGrpSpPr>
+      <p:grpSpPr>
+        <a:xfrm>
+          <a:off x="0" y="0"/>
+          <a:ext cx="0" cy="0"/>
+          <a:chOff x="0" y="0"/>
+          <a:chExt cx="0" cy="0"/>
+        </a:xfrm>
+      </p:grpSpPr>
+      <p:sp>
+        <p:nvSpPr>
+          <p:cNvPr id="2" name="Slide Image Placeholder 1"/>
+          <p:cNvSpPr>
+            <a:spLocks noGrp="1" noRot="1" noChangeAspect="1"/>
+          </p:cNvSpPr>
+          <p:nvPr>
+            <p:ph type="sldImg"/>
+          </p:nvPr>
+        </p:nvSpPr>
+        <p:spPr/>
+      </p:sp>
+      <p:sp>
+        <p:nvSpPr>
+          <p:cNvPr id="3" name="Notes Placeholder 2"/>
+          <p:cNvSpPr>
+            <a:spLocks noGrp="1"/>
+          </p:cNvSpPr>
+          <p:nvPr>
+            <p:ph type="body" idx="1"/>
+          </p:nvPr>
+        </p:nvSpPr>
+        <p:spPr/>
+        <p:txBody>
+          <a:bodyPr/>
+          <a:lstStyle/>
+          <a:p>
+            <a:r>
+              <a:rPr lang="en-US" dirty="0" smtClean="0"/>
+              <a:t>Find out what</a:t>
+            </a:r>
+            <a:r>
+              <a:rPr lang="en-US" baseline="0" dirty="0" smtClean="0"/>
+              <a:t> questions they really want answered, then just tell them the answer</a:t>
+            </a:r>
+          </a:p>
+          <a:p>
+            <a:r>
+              <a:rPr lang="en-US" baseline="0" dirty="0" err="1" smtClean="0"/>
+              <a:t>Burndowns</a:t>
+            </a:r>
+            <a:r>
+              <a:rPr lang="en-US" baseline="0" dirty="0" smtClean="0"/>
+              <a:t> still leave lots of room for interpretation</a:t>
+            </a:r>
+            <a:endParaRPr lang="en-US" dirty="0" smtClean="0"/>
+          </a:p>
+        </p:txBody>
+      </p:sp>
+      <p:sp>
+        <p:nvSpPr>
+          <p:cNvPr id="4" name="Slide Number Placeholder 3"/>
+          <p:cNvSpPr>
+            <a:spLocks noGrp="1"/>
+          </p:cNvSpPr>
+          <p:nvPr>
+            <p:ph type="sldNum" sz="quarter" idx="10"/>
+          </p:nvPr>
+        </p:nvSpPr>
+        <p:spPr/>
+        <p:txBody>
+          <a:bodyPr/>
+          <a:lstStyle/>
+          <a:p>
+            <a:fld id="{CF4E5B25-4A79-484F-8CBE-17420048C75D}" type="slidenum">
+              <a:rPr lang="en-US" smtClean="0"/>
+              <a:t>39</a:t>
+            </a:fld>
+            <a:endParaRPr lang="en-US"/>
+          </a:p>
+        </p:txBody>
+      </p:sp>
+    </p:spTree>
+    <p:extLst>
+      <p:ext uri="{BB962C8B-B14F-4D97-AF65-F5344CB8AC3E}">
+        <p14:creationId xmlns:p14="http://schemas.microsoft.com/office/powerpoint/2010/main" val="1936386122"/>
+      </p:ext>
+    </p:extLst>
+  </p:cSld>
+  <p:clrMapOvr>
+    <a:masterClrMapping/>
+  </p:clrMapOvr>
+</p:notes>
+</file>
+
+<file path=ppt/notesSlides/notesSlide38.xml><?xml version="1.0" encoding="utf-8"?>
+<p:notes xmlns:a="http://schemas.openxmlformats.org/drawingml/2006/main" xmlns:r="http://schemas.openxmlformats.org/officeDocument/2006/relationships" xmlns:p="http://schemas.openxmlformats.org/presentationml/2006/main">
+  <p:cSld>
+    <p:spTree>
+      <p:nvGrpSpPr>
+        <p:cNvPr id="1" name=""/>
+        <p:cNvGrpSpPr/>
+        <p:nvPr/>
+      </p:nvGrpSpPr>
+      <p:grpSpPr>
+        <a:xfrm>
+          <a:off x="0" y="0"/>
+          <a:ext cx="0" cy="0"/>
+          <a:chOff x="0" y="0"/>
+          <a:chExt cx="0" cy="0"/>
+        </a:xfrm>
+      </p:grpSpPr>
+      <p:sp>
+        <p:nvSpPr>
+          <p:cNvPr id="2" name="Slide Image Placeholder 1"/>
+          <p:cNvSpPr>
+            <a:spLocks noGrp="1" noRot="1" noChangeAspect="1"/>
+          </p:cNvSpPr>
+          <p:nvPr>
+            <p:ph type="sldImg"/>
+          </p:nvPr>
+        </p:nvSpPr>
+        <p:spPr/>
+      </p:sp>
+      <p:sp>
+        <p:nvSpPr>
+          <p:cNvPr id="3" name="Notes Placeholder 2"/>
+          <p:cNvSpPr>
+            <a:spLocks noGrp="1"/>
+          </p:cNvSpPr>
+          <p:nvPr>
+            <p:ph type="body" idx="1"/>
+          </p:nvPr>
+        </p:nvSpPr>
+        <p:spPr/>
+        <p:txBody>
+          <a:bodyPr/>
+          <a:lstStyle/>
+          <a:p>
             <a:pPr marL="0" marR="0" indent="0" algn="l" defTabSz="914400" rtl="0" eaLnBrk="1" fontAlgn="auto" latinLnBrk="0" hangingPunct="1">
               <a:lnSpc>
                 <a:spcPct val="100000"/>
@@ -3769,8 +4156,45 @@
               <a:defRPr/>
             </a:pPr>
             <a:r>
-              <a:rPr lang="en-US" baseline="0" smtClean="0"/>
-              <a:t>Product owners</a:t>
+              <a:rPr lang="en-US" dirty="0" smtClean="0"/>
+              <a:t>How much can we commit to, and what</a:t>
+            </a:r>
+            <a:r>
+              <a:rPr lang="en-US" baseline="0" dirty="0" smtClean="0"/>
+              <a:t> should we work on</a:t>
+            </a:r>
+            <a:r>
+              <a:rPr lang="en-US" dirty="0" smtClean="0"/>
+              <a:t>?</a:t>
+            </a:r>
+          </a:p>
+          <a:p>
+            <a:r>
+              <a:rPr lang="en-US" dirty="0" smtClean="0"/>
+              <a:t>Tickets should already be estimated (incl.</a:t>
+            </a:r>
+            <a:r>
+              <a:rPr lang="en-US" baseline="0" dirty="0" smtClean="0"/>
+              <a:t> analysis, testing)</a:t>
+            </a:r>
+          </a:p>
+          <a:p>
+            <a:endParaRPr lang="en-US" baseline="0" dirty="0" smtClean="0"/>
+          </a:p>
+          <a:p>
+            <a:r>
+              <a:rPr lang="en-US" baseline="0" dirty="0" smtClean="0"/>
+              <a:t>% person’s time in each discipline for moving tickets?  (separate by project)</a:t>
+            </a:r>
+          </a:p>
+          <a:p>
+            <a:r>
+              <a:rPr lang="en-US" dirty="0" smtClean="0"/>
+              <a:t>Account</a:t>
+            </a:r>
+            <a:r>
+              <a:rPr lang="en-US" baseline="0" dirty="0" smtClean="0"/>
+              <a:t> for time off, special meetings, etc.</a:t>
             </a:r>
           </a:p>
           <a:p>
@@ -3793,7 +4217,7 @@
             </a:pPr>
             <a:r>
               <a:rPr lang="en-US" baseline="0" dirty="0" smtClean="0"/>
-              <a:t>Let the business pick what you work on</a:t>
+              <a:t>Expected time needed for new scope, prod support, etc.</a:t>
             </a:r>
           </a:p>
           <a:p>
@@ -3816,8 +4240,27 @@
             </a:pPr>
             <a:r>
               <a:rPr lang="en-US" baseline="0" dirty="0" smtClean="0"/>
-              <a:t>Include the business in the meeting, or meet with the before, whatever works</a:t>
-            </a:r>
+              <a:t>Normal working hours</a:t>
+            </a:r>
+          </a:p>
+          <a:p>
+            <a:r>
+              <a:rPr lang="en-US" dirty="0" smtClean="0"/>
+              <a:t>Break</a:t>
+            </a:r>
+            <a:r>
+              <a:rPr lang="en-US" baseline="0" dirty="0" smtClean="0"/>
+              <a:t> the team into smaller teams (or sub-teams) </a:t>
+            </a:r>
+          </a:p>
+          <a:p>
+            <a:r>
+              <a:rPr lang="en-US" baseline="0" dirty="0" smtClean="0"/>
+              <a:t>Each sub-team can do their own capacity planning</a:t>
+            </a:r>
+          </a:p>
+          <a:p>
+            <a:endParaRPr lang="en-US" baseline="0" dirty="0" smtClean="0"/>
           </a:p>
           <a:p>
             <a:pPr marL="0" marR="0" indent="0" algn="l" defTabSz="914400" rtl="0" eaLnBrk="1" fontAlgn="auto" latinLnBrk="0" hangingPunct="1">
@@ -3838,10 +4281,94 @@
               <a:defRPr/>
             </a:pPr>
             <a:r>
-              <a:rPr lang="en-US" dirty="0" smtClean="0"/>
-              <a:t>Set goals for the iteration</a:t>
-            </a:r>
-          </a:p>
+              <a:rPr lang="en-US" baseline="0" dirty="0" smtClean="0"/>
+              <a:t>Start with a gut feel, and then adjust your gut feel estimate based on data and experiences </a:t>
+            </a:r>
+          </a:p>
+          <a:p>
+            <a:endParaRPr lang="en-US" dirty="0" smtClean="0"/>
+          </a:p>
+        </p:txBody>
+      </p:sp>
+      <p:sp>
+        <p:nvSpPr>
+          <p:cNvPr id="4" name="Slide Number Placeholder 3"/>
+          <p:cNvSpPr>
+            <a:spLocks noGrp="1"/>
+          </p:cNvSpPr>
+          <p:nvPr>
+            <p:ph type="sldNum" sz="quarter" idx="10"/>
+          </p:nvPr>
+        </p:nvSpPr>
+        <p:spPr/>
+        <p:txBody>
+          <a:bodyPr/>
+          <a:lstStyle/>
+          <a:p>
+            <a:fld id="{CF4E5B25-4A79-484F-8CBE-17420048C75D}" type="slidenum">
+              <a:rPr lang="en-US" smtClean="0"/>
+              <a:t>40</a:t>
+            </a:fld>
+            <a:endParaRPr lang="en-US"/>
+          </a:p>
+        </p:txBody>
+      </p:sp>
+    </p:spTree>
+    <p:extLst>
+      <p:ext uri="{BB962C8B-B14F-4D97-AF65-F5344CB8AC3E}">
+        <p14:creationId xmlns:p14="http://schemas.microsoft.com/office/powerpoint/2010/main" val="1936386122"/>
+      </p:ext>
+    </p:extLst>
+  </p:cSld>
+  <p:clrMapOvr>
+    <a:masterClrMapping/>
+  </p:clrMapOvr>
+</p:notes>
+</file>
+
+<file path=ppt/notesSlides/notesSlide39.xml><?xml version="1.0" encoding="utf-8"?>
+<p:notes xmlns:a="http://schemas.openxmlformats.org/drawingml/2006/main" xmlns:r="http://schemas.openxmlformats.org/officeDocument/2006/relationships" xmlns:p="http://schemas.openxmlformats.org/presentationml/2006/main">
+  <p:cSld>
+    <p:spTree>
+      <p:nvGrpSpPr>
+        <p:cNvPr id="1" name=""/>
+        <p:cNvGrpSpPr/>
+        <p:nvPr/>
+      </p:nvGrpSpPr>
+      <p:grpSpPr>
+        <a:xfrm>
+          <a:off x="0" y="0"/>
+          <a:ext cx="0" cy="0"/>
+          <a:chOff x="0" y="0"/>
+          <a:chExt cx="0" cy="0"/>
+        </a:xfrm>
+      </p:grpSpPr>
+      <p:sp>
+        <p:nvSpPr>
+          <p:cNvPr id="2" name="Slide Image Placeholder 1"/>
+          <p:cNvSpPr>
+            <a:spLocks noGrp="1" noRot="1" noChangeAspect="1"/>
+          </p:cNvSpPr>
+          <p:nvPr>
+            <p:ph type="sldImg"/>
+          </p:nvPr>
+        </p:nvSpPr>
+        <p:spPr/>
+      </p:sp>
+      <p:sp>
+        <p:nvSpPr>
+          <p:cNvPr id="3" name="Notes Placeholder 2"/>
+          <p:cNvSpPr>
+            <a:spLocks noGrp="1"/>
+          </p:cNvSpPr>
+          <p:nvPr>
+            <p:ph type="body" idx="1"/>
+          </p:nvPr>
+        </p:nvSpPr>
+        <p:spPr/>
+        <p:txBody>
+          <a:bodyPr/>
+          <a:lstStyle/>
           <a:p>
             <a:pPr marL="0" marR="0" indent="0" algn="l" defTabSz="914400" rtl="0" eaLnBrk="1" fontAlgn="auto" latinLnBrk="0" hangingPunct="1">
               <a:lnSpc>
@@ -3861,12 +4388,8 @@
               <a:defRPr/>
             </a:pPr>
             <a:r>
-              <a:rPr lang="en-US" dirty="0" smtClean="0"/>
-              <a:t>Swapping</a:t>
-            </a:r>
-            <a:r>
-              <a:rPr lang="en-US" baseline="0" dirty="0" smtClean="0"/>
-              <a:t> things out during the iteration</a:t>
+              <a:rPr lang="en-US" baseline="0" smtClean="0"/>
+              <a:t>Product owners</a:t>
             </a:r>
           </a:p>
           <a:p>
@@ -3889,6 +4412,102 @@
             </a:pPr>
             <a:r>
               <a:rPr lang="en-US" baseline="0" dirty="0" smtClean="0"/>
+              <a:t>Let the business pick what you work on</a:t>
+            </a:r>
+          </a:p>
+          <a:p>
+            <a:pPr marL="0" marR="0" indent="0" algn="l" defTabSz="914400" rtl="0" eaLnBrk="1" fontAlgn="auto" latinLnBrk="0" hangingPunct="1">
+              <a:lnSpc>
+                <a:spcPct val="100000"/>
+              </a:lnSpc>
+              <a:spcBef>
+                <a:spcPts val="0"/>
+              </a:spcBef>
+              <a:spcAft>
+                <a:spcPts val="0"/>
+              </a:spcAft>
+              <a:buClrTx/>
+              <a:buSzTx/>
+              <a:buFontTx/>
+              <a:buNone/>
+              <a:tabLst/>
+              <a:defRPr/>
+            </a:pPr>
+            <a:r>
+              <a:rPr lang="en-US" baseline="0" dirty="0" smtClean="0"/>
+              <a:t>Include the business in the meeting, or meet with the before, whatever works</a:t>
+            </a:r>
+          </a:p>
+          <a:p>
+            <a:pPr marL="0" marR="0" indent="0" algn="l" defTabSz="914400" rtl="0" eaLnBrk="1" fontAlgn="auto" latinLnBrk="0" hangingPunct="1">
+              <a:lnSpc>
+                <a:spcPct val="100000"/>
+              </a:lnSpc>
+              <a:spcBef>
+                <a:spcPts val="0"/>
+              </a:spcBef>
+              <a:spcAft>
+                <a:spcPts val="0"/>
+              </a:spcAft>
+              <a:buClrTx/>
+              <a:buSzTx/>
+              <a:buFontTx/>
+              <a:buNone/>
+              <a:tabLst/>
+              <a:defRPr/>
+            </a:pPr>
+            <a:r>
+              <a:rPr lang="en-US" dirty="0" smtClean="0"/>
+              <a:t>Set goals for the iteration</a:t>
+            </a:r>
+          </a:p>
+          <a:p>
+            <a:pPr marL="0" marR="0" indent="0" algn="l" defTabSz="914400" rtl="0" eaLnBrk="1" fontAlgn="auto" latinLnBrk="0" hangingPunct="1">
+              <a:lnSpc>
+                <a:spcPct val="100000"/>
+              </a:lnSpc>
+              <a:spcBef>
+                <a:spcPts val="0"/>
+              </a:spcBef>
+              <a:spcAft>
+                <a:spcPts val="0"/>
+              </a:spcAft>
+              <a:buClrTx/>
+              <a:buSzTx/>
+              <a:buFontTx/>
+              <a:buNone/>
+              <a:tabLst/>
+              <a:defRPr/>
+            </a:pPr>
+            <a:r>
+              <a:rPr lang="en-US" dirty="0" smtClean="0"/>
+              <a:t>Swapping</a:t>
+            </a:r>
+            <a:r>
+              <a:rPr lang="en-US" baseline="0" dirty="0" smtClean="0"/>
+              <a:t> things out during the iteration</a:t>
+            </a:r>
+          </a:p>
+          <a:p>
+            <a:pPr marL="0" marR="0" indent="0" algn="l" defTabSz="914400" rtl="0" eaLnBrk="1" fontAlgn="auto" latinLnBrk="0" hangingPunct="1">
+              <a:lnSpc>
+                <a:spcPct val="100000"/>
+              </a:lnSpc>
+              <a:spcBef>
+                <a:spcPts val="0"/>
+              </a:spcBef>
+              <a:spcAft>
+                <a:spcPts val="0"/>
+              </a:spcAft>
+              <a:buClrTx/>
+              <a:buSzTx/>
+              <a:buFontTx/>
+              <a:buNone/>
+              <a:tabLst/>
+              <a:defRPr/>
+            </a:pPr>
+            <a:r>
+              <a:rPr lang="en-US" baseline="0" dirty="0" smtClean="0"/>
               <a:t>Demos/UAT</a:t>
             </a:r>
             <a:endParaRPr lang="en-US" dirty="0" smtClean="0"/>
@@ -3912,7 +4531,7 @@
           <a:p>
             <a:fld id="{CF4E5B25-4A79-484F-8CBE-17420048C75D}" type="slidenum">
               <a:rPr lang="en-US" smtClean="0"/>
-              <a:t>36</a:t>
+              <a:t>41</a:t>
             </a:fld>
             <a:endParaRPr lang="en-US"/>
           </a:p>
@@ -4023,6 +4642,441 @@
 </p:notes>
 </file>
 
+<file path=ppt/notesSlides/notesSlide40.xml><?xml version="1.0" encoding="utf-8"?>
+<p:notes xmlns:a="http://schemas.openxmlformats.org/drawingml/2006/main" xmlns:r="http://schemas.openxmlformats.org/officeDocument/2006/relationships" xmlns:p="http://schemas.openxmlformats.org/presentationml/2006/main">
+  <p:cSld>
+    <p:spTree>
+      <p:nvGrpSpPr>
+        <p:cNvPr id="1" name=""/>
+        <p:cNvGrpSpPr/>
+        <p:nvPr/>
+      </p:nvGrpSpPr>
+      <p:grpSpPr>
+        <a:xfrm>
+          <a:off x="0" y="0"/>
+          <a:ext cx="0" cy="0"/>
+          <a:chOff x="0" y="0"/>
+          <a:chExt cx="0" cy="0"/>
+        </a:xfrm>
+      </p:grpSpPr>
+      <p:sp>
+        <p:nvSpPr>
+          <p:cNvPr id="2" name="Slide Image Placeholder 1"/>
+          <p:cNvSpPr>
+            <a:spLocks noGrp="1" noRot="1" noChangeAspect="1"/>
+          </p:cNvSpPr>
+          <p:nvPr>
+            <p:ph type="sldImg"/>
+          </p:nvPr>
+        </p:nvSpPr>
+        <p:spPr/>
+      </p:sp>
+      <p:sp>
+        <p:nvSpPr>
+          <p:cNvPr id="3" name="Notes Placeholder 2"/>
+          <p:cNvSpPr>
+            <a:spLocks noGrp="1"/>
+          </p:cNvSpPr>
+          <p:nvPr>
+            <p:ph type="body" idx="1"/>
+          </p:nvPr>
+        </p:nvSpPr>
+        <p:spPr/>
+        <p:txBody>
+          <a:bodyPr/>
+          <a:lstStyle/>
+          <a:p>
+            <a:r>
+              <a:rPr lang="en-US" dirty="0" smtClean="0"/>
+              <a:t>Managing backlog</a:t>
+            </a:r>
+          </a:p>
+          <a:p>
+            <a:pPr marL="171450" indent="-171450">
+              <a:buFontTx/>
+              <a:buChar char="-"/>
+            </a:pPr>
+            <a:r>
+              <a:rPr lang="en-US" dirty="0" smtClean="0"/>
+              <a:t>how far out should you accurately plan? (depends on how far out</a:t>
+            </a:r>
+            <a:r>
+              <a:rPr lang="en-US" baseline="0" dirty="0" smtClean="0"/>
+              <a:t> you have to commit)</a:t>
+            </a:r>
+            <a:endParaRPr lang="en-US" dirty="0" smtClean="0"/>
+          </a:p>
+          <a:p>
+            <a:r>
+              <a:rPr lang="en-US" dirty="0" smtClean="0"/>
+              <a:t>- will this ticket ever be worth our time?</a:t>
+            </a:r>
+          </a:p>
+          <a:p>
+            <a:r>
+              <a:rPr lang="en-US" dirty="0" smtClean="0"/>
+              <a:t>- let the business keep the backlog.  Each iteration they can choose what to give you from their backlog.</a:t>
+            </a:r>
+          </a:p>
+          <a:p>
+            <a:r>
+              <a:rPr lang="en-US" dirty="0" smtClean="0"/>
+              <a:t>- There's a cost to every ticket in the backlog (you have to estimate it, talk about it, keep track of it, discuss it again)</a:t>
+            </a:r>
+          </a:p>
+          <a:p>
+            <a:endParaRPr lang="en-US" dirty="0"/>
+          </a:p>
+        </p:txBody>
+      </p:sp>
+      <p:sp>
+        <p:nvSpPr>
+          <p:cNvPr id="4" name="Slide Number Placeholder 3"/>
+          <p:cNvSpPr>
+            <a:spLocks noGrp="1"/>
+          </p:cNvSpPr>
+          <p:nvPr>
+            <p:ph type="sldNum" sz="quarter" idx="10"/>
+          </p:nvPr>
+        </p:nvSpPr>
+        <p:spPr/>
+        <p:txBody>
+          <a:bodyPr/>
+          <a:lstStyle/>
+          <a:p>
+            <a:fld id="{CF4E5B25-4A79-484F-8CBE-17420048C75D}" type="slidenum">
+              <a:rPr lang="en-US" smtClean="0"/>
+              <a:t>42</a:t>
+            </a:fld>
+            <a:endParaRPr lang="en-US"/>
+          </a:p>
+        </p:txBody>
+      </p:sp>
+    </p:spTree>
+    <p:extLst>
+      <p:ext uri="{BB962C8B-B14F-4D97-AF65-F5344CB8AC3E}">
+        <p14:creationId xmlns:p14="http://schemas.microsoft.com/office/powerpoint/2010/main" val="3247014372"/>
+      </p:ext>
+    </p:extLst>
+  </p:cSld>
+  <p:clrMapOvr>
+    <a:masterClrMapping/>
+  </p:clrMapOvr>
+</p:notes>
+</file>
+
+<file path=ppt/notesSlides/notesSlide41.xml><?xml version="1.0" encoding="utf-8"?>
+<p:notes xmlns:a="http://schemas.openxmlformats.org/drawingml/2006/main" xmlns:r="http://schemas.openxmlformats.org/officeDocument/2006/relationships" xmlns:p="http://schemas.openxmlformats.org/presentationml/2006/main">
+  <p:cSld>
+    <p:spTree>
+      <p:nvGrpSpPr>
+        <p:cNvPr id="1" name=""/>
+        <p:cNvGrpSpPr/>
+        <p:nvPr/>
+      </p:nvGrpSpPr>
+      <p:grpSpPr>
+        <a:xfrm>
+          <a:off x="0" y="0"/>
+          <a:ext cx="0" cy="0"/>
+          <a:chOff x="0" y="0"/>
+          <a:chExt cx="0" cy="0"/>
+        </a:xfrm>
+      </p:grpSpPr>
+      <p:sp>
+        <p:nvSpPr>
+          <p:cNvPr id="2" name="Slide Image Placeholder 1"/>
+          <p:cNvSpPr>
+            <a:spLocks noGrp="1" noRot="1" noChangeAspect="1"/>
+          </p:cNvSpPr>
+          <p:nvPr>
+            <p:ph type="sldImg"/>
+          </p:nvPr>
+        </p:nvSpPr>
+        <p:spPr/>
+      </p:sp>
+      <p:sp>
+        <p:nvSpPr>
+          <p:cNvPr id="3" name="Notes Placeholder 2"/>
+          <p:cNvSpPr>
+            <a:spLocks noGrp="1"/>
+          </p:cNvSpPr>
+          <p:nvPr>
+            <p:ph type="body" idx="1"/>
+          </p:nvPr>
+        </p:nvSpPr>
+        <p:spPr/>
+        <p:txBody>
+          <a:bodyPr/>
+          <a:lstStyle/>
+          <a:p>
+            <a:r>
+              <a:rPr lang="en-US" dirty="0" smtClean="0"/>
+              <a:t>Understand</a:t>
+            </a:r>
+            <a:r>
+              <a:rPr lang="en-US" baseline="0" dirty="0" smtClean="0"/>
+              <a:t> how they like to plan</a:t>
+            </a:r>
+          </a:p>
+          <a:p>
+            <a:r>
+              <a:rPr lang="en-US" baseline="0" dirty="0" smtClean="0"/>
+              <a:t>What is important to them (quick to market, level of quality, involvement from users, etc.)</a:t>
+            </a:r>
+          </a:p>
+          <a:p>
+            <a:r>
+              <a:rPr lang="en-US" baseline="0" dirty="0" smtClean="0"/>
+              <a:t>Estimate often equals “commitment”</a:t>
+            </a:r>
+          </a:p>
+          <a:p>
+            <a:r>
+              <a:rPr lang="en-US" baseline="0" dirty="0" smtClean="0"/>
+              <a:t>If you don’t provide an estimate, one will be made up for you!</a:t>
+            </a:r>
+          </a:p>
+          <a:p>
+            <a:r>
+              <a:rPr lang="en-US" baseline="0" dirty="0" smtClean="0"/>
+              <a:t>You define “normal” for your team (predictability) – “invisible time”</a:t>
+            </a:r>
+          </a:p>
+          <a:p>
+            <a:r>
+              <a:rPr lang="en-US" dirty="0" smtClean="0"/>
+              <a:t>Cost isn't the only thing that matters, ability to change quickly matters</a:t>
+            </a:r>
+            <a:endParaRPr lang="en-US" dirty="0"/>
+          </a:p>
+        </p:txBody>
+      </p:sp>
+      <p:sp>
+        <p:nvSpPr>
+          <p:cNvPr id="4" name="Slide Number Placeholder 3"/>
+          <p:cNvSpPr>
+            <a:spLocks noGrp="1"/>
+          </p:cNvSpPr>
+          <p:nvPr>
+            <p:ph type="sldNum" sz="quarter" idx="10"/>
+          </p:nvPr>
+        </p:nvSpPr>
+        <p:spPr/>
+        <p:txBody>
+          <a:bodyPr/>
+          <a:lstStyle/>
+          <a:p>
+            <a:fld id="{CF4E5B25-4A79-484F-8CBE-17420048C75D}" type="slidenum">
+              <a:rPr lang="en-US" smtClean="0"/>
+              <a:t>43</a:t>
+            </a:fld>
+            <a:endParaRPr lang="en-US"/>
+          </a:p>
+        </p:txBody>
+      </p:sp>
+    </p:spTree>
+    <p:extLst>
+      <p:ext uri="{BB962C8B-B14F-4D97-AF65-F5344CB8AC3E}">
+        <p14:creationId xmlns:p14="http://schemas.microsoft.com/office/powerpoint/2010/main" val="1536291543"/>
+      </p:ext>
+    </p:extLst>
+  </p:cSld>
+  <p:clrMapOvr>
+    <a:masterClrMapping/>
+  </p:clrMapOvr>
+</p:notes>
+</file>
+
+<file path=ppt/notesSlides/notesSlide42.xml><?xml version="1.0" encoding="utf-8"?>
+<p:notes xmlns:a="http://schemas.openxmlformats.org/drawingml/2006/main" xmlns:r="http://schemas.openxmlformats.org/officeDocument/2006/relationships" xmlns:p="http://schemas.openxmlformats.org/presentationml/2006/main">
+  <p:cSld>
+    <p:spTree>
+      <p:nvGrpSpPr>
+        <p:cNvPr id="1" name=""/>
+        <p:cNvGrpSpPr/>
+        <p:nvPr/>
+      </p:nvGrpSpPr>
+      <p:grpSpPr>
+        <a:xfrm>
+          <a:off x="0" y="0"/>
+          <a:ext cx="0" cy="0"/>
+          <a:chOff x="0" y="0"/>
+          <a:chExt cx="0" cy="0"/>
+        </a:xfrm>
+      </p:grpSpPr>
+      <p:sp>
+        <p:nvSpPr>
+          <p:cNvPr id="2" name="Slide Image Placeholder 1"/>
+          <p:cNvSpPr>
+            <a:spLocks noGrp="1" noRot="1" noChangeAspect="1"/>
+          </p:cNvSpPr>
+          <p:nvPr>
+            <p:ph type="sldImg"/>
+          </p:nvPr>
+        </p:nvSpPr>
+        <p:spPr/>
+      </p:sp>
+      <p:sp>
+        <p:nvSpPr>
+          <p:cNvPr id="3" name="Notes Placeholder 2"/>
+          <p:cNvSpPr>
+            <a:spLocks noGrp="1"/>
+          </p:cNvSpPr>
+          <p:nvPr>
+            <p:ph type="body" idx="1"/>
+          </p:nvPr>
+        </p:nvSpPr>
+        <p:spPr/>
+        <p:txBody>
+          <a:bodyPr/>
+          <a:lstStyle/>
+          <a:p>
+            <a:r>
+              <a:rPr lang="en-US" dirty="0" smtClean="0"/>
+              <a:t>Riding waves</a:t>
+            </a:r>
+          </a:p>
+          <a:p>
+            <a:r>
+              <a:rPr lang="en-US" dirty="0" smtClean="0"/>
+              <a:t>Rookie</a:t>
+            </a:r>
+            <a:r>
+              <a:rPr lang="en-US" baseline="0" dirty="0" smtClean="0"/>
+              <a:t> QBs</a:t>
+            </a:r>
+          </a:p>
+          <a:p>
+            <a:r>
+              <a:rPr lang="en-US" baseline="0" dirty="0" smtClean="0"/>
+              <a:t>Keep everything in front of you</a:t>
+            </a:r>
+            <a:endParaRPr lang="en-US" dirty="0"/>
+          </a:p>
+        </p:txBody>
+      </p:sp>
+      <p:sp>
+        <p:nvSpPr>
+          <p:cNvPr id="4" name="Slide Number Placeholder 3"/>
+          <p:cNvSpPr>
+            <a:spLocks noGrp="1"/>
+          </p:cNvSpPr>
+          <p:nvPr>
+            <p:ph type="sldNum" sz="quarter" idx="10"/>
+          </p:nvPr>
+        </p:nvSpPr>
+        <p:spPr/>
+        <p:txBody>
+          <a:bodyPr/>
+          <a:lstStyle/>
+          <a:p>
+            <a:fld id="{CF4E5B25-4A79-484F-8CBE-17420048C75D}" type="slidenum">
+              <a:rPr lang="en-US" smtClean="0"/>
+              <a:t>44</a:t>
+            </a:fld>
+            <a:endParaRPr lang="en-US"/>
+          </a:p>
+        </p:txBody>
+      </p:sp>
+    </p:spTree>
+    <p:extLst>
+      <p:ext uri="{BB962C8B-B14F-4D97-AF65-F5344CB8AC3E}">
+        <p14:creationId xmlns:p14="http://schemas.microsoft.com/office/powerpoint/2010/main" val="1847759258"/>
+      </p:ext>
+    </p:extLst>
+  </p:cSld>
+  <p:clrMapOvr>
+    <a:masterClrMapping/>
+  </p:clrMapOvr>
+</p:notes>
+</file>
+
+<file path=ppt/notesSlides/notesSlide43.xml><?xml version="1.0" encoding="utf-8"?>
+<p:notes xmlns:a="http://schemas.openxmlformats.org/drawingml/2006/main" xmlns:r="http://schemas.openxmlformats.org/officeDocument/2006/relationships" xmlns:p="http://schemas.openxmlformats.org/presentationml/2006/main">
+  <p:cSld>
+    <p:spTree>
+      <p:nvGrpSpPr>
+        <p:cNvPr id="1" name=""/>
+        <p:cNvGrpSpPr/>
+        <p:nvPr/>
+      </p:nvGrpSpPr>
+      <p:grpSpPr>
+        <a:xfrm>
+          <a:off x="0" y="0"/>
+          <a:ext cx="0" cy="0"/>
+          <a:chOff x="0" y="0"/>
+          <a:chExt cx="0" cy="0"/>
+        </a:xfrm>
+      </p:grpSpPr>
+      <p:sp>
+        <p:nvSpPr>
+          <p:cNvPr id="2" name="Slide Image Placeholder 1"/>
+          <p:cNvSpPr>
+            <a:spLocks noGrp="1" noRot="1" noChangeAspect="1"/>
+          </p:cNvSpPr>
+          <p:nvPr>
+            <p:ph type="sldImg"/>
+          </p:nvPr>
+        </p:nvSpPr>
+        <p:spPr/>
+      </p:sp>
+      <p:sp>
+        <p:nvSpPr>
+          <p:cNvPr id="3" name="Notes Placeholder 2"/>
+          <p:cNvSpPr>
+            <a:spLocks noGrp="1"/>
+          </p:cNvSpPr>
+          <p:nvPr>
+            <p:ph type="body" idx="1"/>
+          </p:nvPr>
+        </p:nvSpPr>
+        <p:spPr/>
+        <p:txBody>
+          <a:bodyPr>
+            <a:normAutofit/>
+          </a:bodyPr>
+          <a:lstStyle/>
+          <a:p>
+            <a:pPr>
+              <a:buFontTx/>
+              <a:buChar char="-"/>
+            </a:pPr>
+            <a:endParaRPr lang="en-US" dirty="0"/>
+          </a:p>
+        </p:txBody>
+      </p:sp>
+      <p:sp>
+        <p:nvSpPr>
+          <p:cNvPr id="4" name="Slide Number Placeholder 3"/>
+          <p:cNvSpPr>
+            <a:spLocks noGrp="1"/>
+          </p:cNvSpPr>
+          <p:nvPr>
+            <p:ph type="sldNum" sz="quarter" idx="10"/>
+          </p:nvPr>
+        </p:nvSpPr>
+        <p:spPr/>
+        <p:txBody>
+          <a:bodyPr/>
+          <a:lstStyle/>
+          <a:p>
+            <a:fld id="{46B52E04-8F68-435C-880A-7C7B12D9BA2F}" type="slidenum">
+              <a:rPr lang="en-US" smtClean="0"/>
+              <a:pPr/>
+              <a:t>46</a:t>
+            </a:fld>
+            <a:endParaRPr lang="en-US"/>
+          </a:p>
+        </p:txBody>
+      </p:sp>
+    </p:spTree>
+  </p:cSld>
+  <p:clrMapOvr>
+    <a:masterClrMapping/>
+  </p:clrMapOvr>
+</p:notes>
+</file>
+
 <file path=ppt/notesSlides/notesSlide5.xml><?xml version="1.0" encoding="utf-8"?>
 <p:notes xmlns:a="http://schemas.openxmlformats.org/drawingml/2006/main" xmlns:r="http://schemas.openxmlformats.org/officeDocument/2006/relationships" xmlns:p="http://schemas.openxmlformats.org/presentationml/2006/main">
   <p:cSld>
@@ -4175,11 +5229,7 @@
           <a:p>
             <a:r>
               <a:rPr lang="en-US" dirty="0" smtClean="0"/>
-              <a:t>Physical board vs. online </a:t>
-            </a:r>
-            <a:r>
-              <a:rPr lang="en-US" dirty="0" smtClean="0"/>
-              <a:t>tools</a:t>
+              <a:t>Physical board vs. online tools</a:t>
             </a:r>
           </a:p>
           <a:p>
@@ -7271,7 +8321,7 @@
           <a:p>
             <a:fld id="{286B444B-C4E2-405B-A158-8F5713CA0896}" type="datetimeFigureOut">
               <a:rPr lang="en-US" smtClean="0"/>
-              <a:t>2/11/2015</a:t>
+              <a:t>2/12/2015</a:t>
             </a:fld>
             <a:endParaRPr lang="en-US"/>
           </a:p>
@@ -7556,7 +8606,7 @@
           <a:p>
             <a:fld id="{286B444B-C4E2-405B-A158-8F5713CA0896}" type="datetimeFigureOut">
               <a:rPr lang="en-US" smtClean="0"/>
-              <a:t>2/11/2015</a:t>
+              <a:t>2/12/2015</a:t>
             </a:fld>
             <a:endParaRPr lang="en-US"/>
           </a:p>
@@ -7731,7 +8781,7 @@
           <a:p>
             <a:fld id="{286B444B-C4E2-405B-A158-8F5713CA0896}" type="datetimeFigureOut">
               <a:rPr lang="en-US" smtClean="0"/>
-              <a:t>2/11/2015</a:t>
+              <a:t>2/12/2015</a:t>
             </a:fld>
             <a:endParaRPr lang="en-US"/>
           </a:p>
@@ -7896,7 +8946,7 @@
           <a:p>
             <a:fld id="{286B444B-C4E2-405B-A158-8F5713CA0896}" type="datetimeFigureOut">
               <a:rPr lang="en-US" smtClean="0"/>
-              <a:t>2/11/2015</a:t>
+              <a:t>2/12/2015</a:t>
             </a:fld>
             <a:endParaRPr lang="en-US"/>
           </a:p>
@@ -8137,7 +9187,7 @@
           <a:p>
             <a:fld id="{286B444B-C4E2-405B-A158-8F5713CA0896}" type="datetimeFigureOut">
               <a:rPr lang="en-US" smtClean="0"/>
-              <a:t>2/11/2015</a:t>
+              <a:t>2/12/2015</a:t>
             </a:fld>
             <a:endParaRPr lang="en-US"/>
           </a:p>
@@ -8250,7 +9300,7 @@
           <a:p>
             <a:fld id="{286B444B-C4E2-405B-A158-8F5713CA0896}" type="datetimeFigureOut">
               <a:rPr lang="en-US" smtClean="0"/>
-              <a:t>2/11/2015</a:t>
+              <a:t>2/12/2015</a:t>
             </a:fld>
             <a:endParaRPr lang="en-US"/>
           </a:p>
@@ -8789,7 +9839,7 @@
           <a:p>
             <a:fld id="{286B444B-C4E2-405B-A158-8F5713CA0896}" type="datetimeFigureOut">
               <a:rPr lang="en-US" smtClean="0"/>
-              <a:t>2/11/2015</a:t>
+              <a:t>2/12/2015</a:t>
             </a:fld>
             <a:endParaRPr lang="en-US"/>
           </a:p>
@@ -8902,7 +9952,7 @@
           <a:p>
             <a:fld id="{286B444B-C4E2-405B-A158-8F5713CA0896}" type="datetimeFigureOut">
               <a:rPr lang="en-US" smtClean="0"/>
-              <a:t>2/11/2015</a:t>
+              <a:t>2/12/2015</a:t>
             </a:fld>
             <a:endParaRPr lang="en-US"/>
           </a:p>
@@ -8992,7 +10042,7 @@
           <a:p>
             <a:fld id="{286B444B-C4E2-405B-A158-8F5713CA0896}" type="datetimeFigureOut">
               <a:rPr lang="en-US" smtClean="0"/>
-              <a:t>2/11/2015</a:t>
+              <a:t>2/12/2015</a:t>
             </a:fld>
             <a:endParaRPr lang="en-US"/>
           </a:p>
@@ -11643,7 +12693,7 @@
           <a:p>
             <a:fld id="{286B444B-C4E2-405B-A158-8F5713CA0896}" type="datetimeFigureOut">
               <a:rPr lang="en-US" smtClean="0"/>
-              <a:t>2/11/2015</a:t>
+              <a:t>2/12/2015</a:t>
             </a:fld>
             <a:endParaRPr lang="en-US"/>
           </a:p>
@@ -14855,7 +15905,7 @@
           <a:p>
             <a:fld id="{286B444B-C4E2-405B-A158-8F5713CA0896}" type="datetimeFigureOut">
               <a:rPr lang="en-US" smtClean="0"/>
-              <a:t>2/11/2015</a:t>
+              <a:t>2/12/2015</a:t>
             </a:fld>
             <a:endParaRPr lang="en-US"/>
           </a:p>
@@ -17677,7 +18727,7 @@
           <a:p>
             <a:fld id="{286B444B-C4E2-405B-A158-8F5713CA0896}" type="datetimeFigureOut">
               <a:rPr lang="en-US" smtClean="0"/>
-              <a:t>2/11/2015</a:t>
+              <a:t>2/12/2015</a:t>
             </a:fld>
             <a:endParaRPr lang="en-US"/>
           </a:p>
@@ -20341,11 +21391,7 @@
             <a:pPr algn="ctr"/>
             <a:r>
               <a:rPr lang="en-US" dirty="0" smtClean="0"/>
-              <a:t>Data </a:t>
-            </a:r>
-            <a:r>
-              <a:rPr lang="en-US" dirty="0" smtClean="0"/>
-              <a:t>Analysis</a:t>
+              <a:t>Data Analysis</a:t>
             </a:r>
             <a:br>
               <a:rPr lang="en-US" dirty="0" smtClean="0"/>
@@ -20570,7 +21616,6 @@
               <a:rPr lang="en-US" sz="3600" dirty="0"/>
               <a:t> of the data.</a:t>
             </a:r>
-            <a:endParaRPr lang="en-US" sz="3600" dirty="0"/>
           </a:p>
         </p:txBody>
       </p:sp>
@@ -20640,28 +21685,9 @@
           </a:p>
         </p:txBody>
       </p:sp>
-      <p:sp>
-        <p:nvSpPr>
-          <p:cNvPr id="3" name="Content Placeholder 2"/>
-          <p:cNvSpPr>
-            <a:spLocks noGrp="1"/>
-          </p:cNvSpPr>
-          <p:nvPr>
-            <p:ph idx="1"/>
-          </p:nvPr>
-        </p:nvSpPr>
-        <p:spPr/>
-        <p:txBody>
-          <a:bodyPr/>
-          <a:lstStyle/>
-          <a:p>
-            <a:endParaRPr lang="en-US"/>
-          </a:p>
-        </p:txBody>
-      </p:sp>
       <p:pic>
         <p:nvPicPr>
-          <p:cNvPr id="1026" name="Picture 2" descr="http://jonkruger.com/wp-content/uploads/2015/01/burndown1.jpg"/>
+          <p:cNvPr id="2052" name="Picture 4"/>
           <p:cNvPicPr>
             <a:picLocks noChangeAspect="1" noChangeArrowheads="1"/>
           </p:cNvPicPr>
@@ -20682,20 +21708,33 @@
         </p:blipFill>
         <p:spPr bwMode="auto">
           <a:xfrm>
-            <a:off x="515815" y="1809750"/>
-            <a:ext cx="8144012" cy="4514850"/>
+            <a:off x="732275" y="1671638"/>
+            <a:ext cx="7679450" cy="4576762"/>
           </a:xfrm>
           <a:prstGeom prst="rect">
             <a:avLst/>
           </a:prstGeom>
           <a:noFill/>
+          <a:ln>
+            <a:noFill/>
+          </a:ln>
           <a:extLst>
             <a:ext uri="{909E8E84-426E-40DD-AFC4-6F175D3DCCD1}">
               <a14:hiddenFill xmlns:a14="http://schemas.microsoft.com/office/drawing/2010/main">
                 <a:solidFill>
-                  <a:srgbClr val="FFFFFF"/>
+                  <a:schemeClr val="accent1"/>
                 </a:solidFill>
               </a14:hiddenFill>
+            </a:ext>
+            <a:ext uri="{91240B29-F687-4F45-9708-019B960494DF}">
+              <a14:hiddenLine xmlns:a14="http://schemas.microsoft.com/office/drawing/2010/main" w="9525">
+                <a:solidFill>
+                  <a:schemeClr val="tx1"/>
+                </a:solidFill>
+                <a:miter lim="800000"/>
+                <a:headEnd/>
+                <a:tailEnd/>
+              </a14:hiddenLine>
             </a:ext>
           </a:extLst>
         </p:spPr>
@@ -20755,11 +21794,7 @@
             <a:pPr algn="ctr"/>
             <a:r>
               <a:rPr lang="en-US" dirty="0" smtClean="0"/>
-              <a:t>Internal </a:t>
-            </a:r>
-            <a:r>
-              <a:rPr lang="en-US" dirty="0" smtClean="0"/>
-              <a:t>Metrics</a:t>
+              <a:t>Internal Metrics</a:t>
             </a:r>
             <a:endParaRPr lang="en-US" dirty="0"/>
           </a:p>
@@ -20783,36 +21818,36 @@
           <a:lstStyle/>
           <a:p>
             <a:r>
-              <a:rPr lang="en-US" dirty="0"/>
+              <a:rPr lang="en-US" sz="2800" dirty="0"/>
               <a:t>Estimates vs. </a:t>
             </a:r>
             <a:r>
-              <a:rPr lang="en-US" dirty="0" smtClean="0"/>
+              <a:rPr lang="en-US" sz="2800" dirty="0" smtClean="0"/>
               <a:t>actuals</a:t>
             </a:r>
-            <a:endParaRPr lang="en-US" dirty="0"/>
-          </a:p>
-          <a:p>
-            <a:r>
-              <a:rPr lang="en-US" dirty="0"/>
+            <a:endParaRPr lang="en-US" sz="2800" dirty="0"/>
+          </a:p>
+          <a:p>
+            <a:r>
+              <a:rPr lang="en-US" sz="2800" dirty="0"/>
               <a:t>Points/hours planned for vs. points/hours completed in an iteration</a:t>
             </a:r>
           </a:p>
           <a:p>
             <a:r>
-              <a:rPr lang="en-US" dirty="0"/>
+              <a:rPr lang="en-US" sz="2800" dirty="0"/>
               <a:t>Points/hours completed in an iteration (velocity)</a:t>
             </a:r>
           </a:p>
           <a:p>
             <a:r>
-              <a:rPr lang="en-US" dirty="0" smtClean="0"/>
+              <a:rPr lang="en-US" sz="2800" dirty="0" smtClean="0"/>
               <a:t>Cycle time</a:t>
             </a:r>
-            <a:endParaRPr lang="en-US" dirty="0"/>
-          </a:p>
-          <a:p>
-            <a:endParaRPr lang="en-US" dirty="0"/>
+            <a:endParaRPr lang="en-US" sz="2800" dirty="0"/>
+          </a:p>
+          <a:p>
+            <a:endParaRPr lang="en-US" sz="2800" dirty="0"/>
           </a:p>
         </p:txBody>
       </p:sp>
@@ -21093,11 +22128,7 @@
             <a:pPr algn="ctr"/>
             <a:r>
               <a:rPr lang="en-US" dirty="0" smtClean="0"/>
-              <a:t>Internal </a:t>
-            </a:r>
-            <a:r>
-              <a:rPr lang="en-US" dirty="0" smtClean="0"/>
-              <a:t>Metrics</a:t>
+              <a:t>Internal Metrics</a:t>
             </a:r>
             <a:endParaRPr lang="en-US" dirty="0"/>
           </a:p>
@@ -21720,8 +22751,8 @@
         </p:nvSpPr>
         <p:spPr>
           <a:xfrm>
-            <a:off x="1258645" y="2747963"/>
-            <a:ext cx="6637468" cy="1362075"/>
+            <a:off x="1043490" y="609600"/>
+            <a:ext cx="7024744" cy="1143000"/>
           </a:xfrm>
         </p:spPr>
         <p:txBody>
@@ -21737,29 +22768,64 @@
           </a:p>
         </p:txBody>
       </p:sp>
-      <p:sp>
-        <p:nvSpPr>
-          <p:cNvPr id="5" name="Text Placeholder 4"/>
-          <p:cNvSpPr>
-            <a:spLocks noGrp="1"/>
-          </p:cNvSpPr>
-          <p:nvPr>
-            <p:ph type="body" idx="1"/>
-          </p:nvPr>
-        </p:nvSpPr>
-        <p:spPr/>
-        <p:txBody>
-          <a:bodyPr/>
-          <a:lstStyle/>
-          <a:p>
-            <a:endParaRPr lang="en-US" dirty="0"/>
-          </a:p>
-        </p:txBody>
-      </p:sp>
+      <p:pic>
+        <p:nvPicPr>
+          <p:cNvPr id="2052" name="Picture 4"/>
+          <p:cNvPicPr>
+            <a:picLocks noChangeAspect="1" noChangeArrowheads="1"/>
+          </p:cNvPicPr>
+          <p:nvPr/>
+        </p:nvPicPr>
+        <p:blipFill>
+          <a:blip r:embed="rId3">
+            <a:extLst>
+              <a:ext uri="{28A0092B-C50C-407E-A947-70E740481C1C}">
+                <a14:useLocalDpi xmlns:a14="http://schemas.microsoft.com/office/drawing/2010/main" val="0"/>
+              </a:ext>
+            </a:extLst>
+          </a:blip>
+          <a:srcRect/>
+          <a:stretch>
+            <a:fillRect/>
+          </a:stretch>
+        </p:blipFill>
+        <p:spPr bwMode="auto">
+          <a:xfrm>
+            <a:off x="732275" y="1671638"/>
+            <a:ext cx="7679450" cy="4576762"/>
+          </a:xfrm>
+          <a:prstGeom prst="rect">
+            <a:avLst/>
+          </a:prstGeom>
+          <a:noFill/>
+          <a:ln>
+            <a:noFill/>
+          </a:ln>
+          <a:extLst>
+            <a:ext uri="{909E8E84-426E-40DD-AFC4-6F175D3DCCD1}">
+              <a14:hiddenFill xmlns:a14="http://schemas.microsoft.com/office/drawing/2010/main">
+                <a:solidFill>
+                  <a:schemeClr val="accent1"/>
+                </a:solidFill>
+              </a14:hiddenFill>
+            </a:ext>
+            <a:ext uri="{91240B29-F687-4F45-9708-019B960494DF}">
+              <a14:hiddenLine xmlns:a14="http://schemas.microsoft.com/office/drawing/2010/main" w="9525">
+                <a:solidFill>
+                  <a:schemeClr val="tx1"/>
+                </a:solidFill>
+                <a:miter lim="800000"/>
+                <a:headEnd/>
+                <a:tailEnd/>
+              </a14:hiddenLine>
+            </a:ext>
+          </a:extLst>
+        </p:spPr>
+      </p:pic>
     </p:spTree>
     <p:extLst>
       <p:ext uri="{BB962C8B-B14F-4D97-AF65-F5344CB8AC3E}">
-        <p14:creationId xmlns:p14="http://schemas.microsoft.com/office/powerpoint/2010/main" val="476411358"/>
+        <p14:creationId xmlns:p14="http://schemas.microsoft.com/office/powerpoint/2010/main" val="1673405323"/>
       </p:ext>
     </p:extLst>
   </p:cSld>
@@ -21816,11 +22882,7 @@
             <a:pPr algn="ctr"/>
             <a:r>
               <a:rPr lang="en-US" dirty="0" smtClean="0"/>
-              <a:t>External </a:t>
-            </a:r>
-            <a:r>
-              <a:rPr lang="en-US" dirty="0" smtClean="0"/>
-              <a:t>Metrics</a:t>
+              <a:t>External Metrics</a:t>
             </a:r>
             <a:endParaRPr lang="en-US" dirty="0"/>
           </a:p>
@@ -21905,11 +22967,7 @@
             <a:pPr algn="ctr"/>
             <a:r>
               <a:rPr lang="en-US" dirty="0" smtClean="0"/>
-              <a:t>Bad </a:t>
-            </a:r>
-            <a:r>
-              <a:rPr lang="en-US" dirty="0" smtClean="0"/>
-              <a:t>Metrics</a:t>
+              <a:t>Bad Metrics</a:t>
             </a:r>
             <a:endParaRPr lang="en-US" dirty="0"/>
           </a:p>
@@ -21994,11 +23052,7 @@
             <a:pPr algn="ctr"/>
             <a:r>
               <a:rPr lang="en-US" dirty="0" smtClean="0"/>
-              <a:t>Implied </a:t>
-            </a:r>
-            <a:r>
-              <a:rPr lang="en-US" dirty="0" smtClean="0"/>
-              <a:t>Metrics</a:t>
+              <a:t>Implied Metrics</a:t>
             </a:r>
             <a:endParaRPr lang="en-US" dirty="0"/>
           </a:p>
@@ -22113,8 +23167,8 @@
         </p:nvSpPr>
         <p:spPr>
           <a:xfrm>
-            <a:off x="1258645" y="2747963"/>
-            <a:ext cx="6637468" cy="1362075"/>
+            <a:off x="1043490" y="533400"/>
+            <a:ext cx="7024744" cy="1143000"/>
           </a:xfrm>
         </p:spPr>
         <p:txBody>
@@ -22134,25 +23188,47 @@
           </a:p>
         </p:txBody>
       </p:sp>
-      <p:sp>
-        <p:nvSpPr>
-          <p:cNvPr id="5" name="Text Placeholder 4"/>
-          <p:cNvSpPr>
-            <a:spLocks noGrp="1"/>
-          </p:cNvSpPr>
-          <p:nvPr>
-            <p:ph type="body" idx="1"/>
-          </p:nvPr>
-        </p:nvSpPr>
-        <p:spPr/>
-        <p:txBody>
-          <a:bodyPr/>
-          <a:lstStyle/>
-          <a:p>
-            <a:endParaRPr lang="en-US" dirty="0"/>
-          </a:p>
-        </p:txBody>
-      </p:sp>
+      <p:pic>
+        <p:nvPicPr>
+          <p:cNvPr id="1026" name="Picture 2" descr="simple burndown"/>
+          <p:cNvPicPr>
+            <a:picLocks noChangeAspect="1" noChangeArrowheads="1"/>
+          </p:cNvPicPr>
+          <p:nvPr/>
+        </p:nvPicPr>
+        <p:blipFill>
+          <a:blip r:embed="rId3">
+            <a:extLst>
+              <a:ext uri="{28A0092B-C50C-407E-A947-70E740481C1C}">
+                <a14:useLocalDpi xmlns:a14="http://schemas.microsoft.com/office/drawing/2010/main" val="0"/>
+              </a:ext>
+            </a:extLst>
+          </a:blip>
+          <a:srcRect/>
+          <a:stretch>
+            <a:fillRect/>
+          </a:stretch>
+        </p:blipFill>
+        <p:spPr bwMode="auto">
+          <a:xfrm>
+            <a:off x="533400" y="1752600"/>
+            <a:ext cx="8077200" cy="4451073"/>
+          </a:xfrm>
+          <a:prstGeom prst="rect">
+            <a:avLst/>
+          </a:prstGeom>
+          <a:noFill/>
+          <a:extLst>
+            <a:ext uri="{909E8E84-426E-40DD-AFC4-6F175D3DCCD1}">
+              <a14:hiddenFill xmlns:a14="http://schemas.microsoft.com/office/drawing/2010/main">
+                <a:solidFill>
+                  <a:srgbClr val="FFFFFF"/>
+                </a:solidFill>
+              </a14:hiddenFill>
+            </a:ext>
+          </a:extLst>
+        </p:spPr>
+      </p:pic>
     </p:spTree>
     <p:extLst>
       <p:ext uri="{BB962C8B-B14F-4D97-AF65-F5344CB8AC3E}">
@@ -22202,8 +23278,8 @@
         </p:nvSpPr>
         <p:spPr>
           <a:xfrm>
-            <a:off x="1258645" y="2747963"/>
-            <a:ext cx="6637468" cy="1362075"/>
+            <a:off x="1043490" y="533400"/>
+            <a:ext cx="7024744" cy="1143000"/>
           </a:xfrm>
         </p:spPr>
         <p:txBody>
@@ -22212,36 +23288,62 @@
           <a:p>
             <a:pPr algn="ctr"/>
             <a:r>
+              <a:rPr lang="en-US" dirty="0" err="1" smtClean="0"/>
+              <a:t>Burndown</a:t>
+            </a:r>
+            <a:r>
               <a:rPr lang="en-US" dirty="0" smtClean="0"/>
-              <a:t>Capacity Planning</a:t>
+              <a:t> Charts</a:t>
             </a:r>
             <a:endParaRPr lang="en-US" dirty="0"/>
           </a:p>
         </p:txBody>
       </p:sp>
-      <p:sp>
-        <p:nvSpPr>
-          <p:cNvPr id="5" name="Text Placeholder 4"/>
-          <p:cNvSpPr>
-            <a:spLocks noGrp="1"/>
-          </p:cNvSpPr>
-          <p:nvPr>
-            <p:ph type="body" idx="1"/>
-          </p:nvPr>
-        </p:nvSpPr>
-        <p:spPr/>
-        <p:txBody>
-          <a:bodyPr/>
-          <a:lstStyle/>
-          <a:p>
-            <a:endParaRPr lang="en-US" dirty="0"/>
-          </a:p>
-        </p:txBody>
-      </p:sp>
+      <p:pic>
+        <p:nvPicPr>
+          <p:cNvPr id="3074" name="Picture 2" descr="burndown"/>
+          <p:cNvPicPr>
+            <a:picLocks noChangeAspect="1" noChangeArrowheads="1"/>
+          </p:cNvPicPr>
+          <p:nvPr/>
+        </p:nvPicPr>
+        <p:blipFill>
+          <a:blip r:embed="rId3">
+            <a:extLst>
+              <a:ext uri="{28A0092B-C50C-407E-A947-70E740481C1C}">
+                <a14:useLocalDpi xmlns:a14="http://schemas.microsoft.com/office/drawing/2010/main" val="0"/>
+              </a:ext>
+            </a:extLst>
+          </a:blip>
+          <a:srcRect/>
+          <a:stretch>
+            <a:fillRect/>
+          </a:stretch>
+        </p:blipFill>
+        <p:spPr bwMode="auto">
+          <a:xfrm>
+            <a:off x="762000" y="1524000"/>
+            <a:ext cx="7620000" cy="4959069"/>
+          </a:xfrm>
+          <a:prstGeom prst="rect">
+            <a:avLst/>
+          </a:prstGeom>
+          <a:noFill/>
+          <a:extLst>
+            <a:ext uri="{909E8E84-426E-40DD-AFC4-6F175D3DCCD1}">
+              <a14:hiddenFill xmlns:a14="http://schemas.microsoft.com/office/drawing/2010/main">
+                <a:solidFill>
+                  <a:srgbClr val="FFFFFF"/>
+                </a:solidFill>
+              </a14:hiddenFill>
+            </a:ext>
+          </a:extLst>
+        </p:spPr>
+      </p:pic>
     </p:spTree>
     <p:extLst>
       <p:ext uri="{BB962C8B-B14F-4D97-AF65-F5344CB8AC3E}">
-        <p14:creationId xmlns:p14="http://schemas.microsoft.com/office/powerpoint/2010/main" val="3351244940"/>
+        <p14:creationId xmlns:p14="http://schemas.microsoft.com/office/powerpoint/2010/main" val="3854395986"/>
       </p:ext>
     </p:extLst>
   </p:cSld>
@@ -22287,8 +23389,8 @@
         </p:nvSpPr>
         <p:spPr>
           <a:xfrm>
-            <a:off x="1258645" y="2747963"/>
-            <a:ext cx="6637468" cy="1362075"/>
+            <a:off x="1043490" y="533400"/>
+            <a:ext cx="7024744" cy="1143000"/>
           </a:xfrm>
         </p:spPr>
         <p:txBody>
@@ -22297,36 +23399,62 @@
           <a:p>
             <a:pPr algn="ctr"/>
             <a:r>
+              <a:rPr lang="en-US" dirty="0" err="1" smtClean="0"/>
+              <a:t>Burndown</a:t>
+            </a:r>
+            <a:r>
               <a:rPr lang="en-US" dirty="0" smtClean="0"/>
-              <a:t>Involving Stakeholders</a:t>
+              <a:t> Charts</a:t>
             </a:r>
             <a:endParaRPr lang="en-US" dirty="0"/>
           </a:p>
         </p:txBody>
       </p:sp>
-      <p:sp>
-        <p:nvSpPr>
-          <p:cNvPr id="5" name="Text Placeholder 4"/>
-          <p:cNvSpPr>
-            <a:spLocks noGrp="1"/>
-          </p:cNvSpPr>
-          <p:nvPr>
-            <p:ph type="body" idx="1"/>
-          </p:nvPr>
-        </p:nvSpPr>
-        <p:spPr/>
-        <p:txBody>
-          <a:bodyPr/>
-          <a:lstStyle/>
-          <a:p>
-            <a:endParaRPr lang="en-US" dirty="0"/>
-          </a:p>
-        </p:txBody>
-      </p:sp>
+      <p:pic>
+        <p:nvPicPr>
+          <p:cNvPr id="5122" name="Picture 2" descr="http://jonkruger.com/wp-content/uploads/2015/01/burndown1.jpg"/>
+          <p:cNvPicPr>
+            <a:picLocks noChangeAspect="1" noChangeArrowheads="1"/>
+          </p:cNvPicPr>
+          <p:nvPr/>
+        </p:nvPicPr>
+        <p:blipFill>
+          <a:blip r:embed="rId3">
+            <a:extLst>
+              <a:ext uri="{28A0092B-C50C-407E-A947-70E740481C1C}">
+                <a14:useLocalDpi xmlns:a14="http://schemas.microsoft.com/office/drawing/2010/main" val="0"/>
+              </a:ext>
+            </a:extLst>
+          </a:blip>
+          <a:srcRect/>
+          <a:stretch>
+            <a:fillRect/>
+          </a:stretch>
+        </p:blipFill>
+        <p:spPr bwMode="auto">
+          <a:xfrm>
+            <a:off x="654628" y="1676400"/>
+            <a:ext cx="7834745" cy="4343400"/>
+          </a:xfrm>
+          <a:prstGeom prst="rect">
+            <a:avLst/>
+          </a:prstGeom>
+          <a:noFill/>
+          <a:extLst>
+            <a:ext uri="{909E8E84-426E-40DD-AFC4-6F175D3DCCD1}">
+              <a14:hiddenFill xmlns:a14="http://schemas.microsoft.com/office/drawing/2010/main">
+                <a:solidFill>
+                  <a:srgbClr val="FFFFFF"/>
+                </a:solidFill>
+              </a14:hiddenFill>
+            </a:ext>
+          </a:extLst>
+        </p:spPr>
+      </p:pic>
     </p:spTree>
     <p:extLst>
       <p:ext uri="{BB962C8B-B14F-4D97-AF65-F5344CB8AC3E}">
-        <p14:creationId xmlns:p14="http://schemas.microsoft.com/office/powerpoint/2010/main" val="3466306024"/>
+        <p14:creationId xmlns:p14="http://schemas.microsoft.com/office/powerpoint/2010/main" val="1446003892"/>
       </p:ext>
     </p:extLst>
   </p:cSld>
@@ -22372,8 +23500,8 @@
         </p:nvSpPr>
         <p:spPr>
           <a:xfrm>
-            <a:off x="1258645" y="2747963"/>
-            <a:ext cx="6637468" cy="1362075"/>
+            <a:off x="1043490" y="533400"/>
+            <a:ext cx="7024744" cy="1143000"/>
           </a:xfrm>
         </p:spPr>
         <p:txBody>
@@ -22382,36 +23510,62 @@
           <a:p>
             <a:pPr algn="ctr"/>
             <a:r>
+              <a:rPr lang="en-US" dirty="0" err="1" smtClean="0"/>
+              <a:t>Burndown</a:t>
+            </a:r>
+            <a:r>
               <a:rPr lang="en-US" dirty="0" smtClean="0"/>
-              <a:t>Managing the Backlog</a:t>
+              <a:t> Charts</a:t>
             </a:r>
             <a:endParaRPr lang="en-US" dirty="0"/>
           </a:p>
         </p:txBody>
       </p:sp>
-      <p:sp>
-        <p:nvSpPr>
-          <p:cNvPr id="5" name="Text Placeholder 4"/>
-          <p:cNvSpPr>
-            <a:spLocks noGrp="1"/>
-          </p:cNvSpPr>
-          <p:nvPr>
-            <p:ph type="body" idx="1"/>
-          </p:nvPr>
-        </p:nvSpPr>
-        <p:spPr/>
-        <p:txBody>
-          <a:bodyPr/>
-          <a:lstStyle/>
-          <a:p>
-            <a:endParaRPr lang="en-US" dirty="0"/>
-          </a:p>
-        </p:txBody>
-      </p:sp>
+      <p:pic>
+        <p:nvPicPr>
+          <p:cNvPr id="6146" name="Picture 2" descr="burndown"/>
+          <p:cNvPicPr>
+            <a:picLocks noChangeAspect="1" noChangeArrowheads="1"/>
+          </p:cNvPicPr>
+          <p:nvPr/>
+        </p:nvPicPr>
+        <p:blipFill>
+          <a:blip r:embed="rId3">
+            <a:extLst>
+              <a:ext uri="{28A0092B-C50C-407E-A947-70E740481C1C}">
+                <a14:useLocalDpi xmlns:a14="http://schemas.microsoft.com/office/drawing/2010/main" val="0"/>
+              </a:ext>
+            </a:extLst>
+          </a:blip>
+          <a:srcRect/>
+          <a:stretch>
+            <a:fillRect/>
+          </a:stretch>
+        </p:blipFill>
+        <p:spPr bwMode="auto">
+          <a:xfrm>
+            <a:off x="590142" y="1752600"/>
+            <a:ext cx="7963716" cy="4419600"/>
+          </a:xfrm>
+          <a:prstGeom prst="rect">
+            <a:avLst/>
+          </a:prstGeom>
+          <a:noFill/>
+          <a:extLst>
+            <a:ext uri="{909E8E84-426E-40DD-AFC4-6F175D3DCCD1}">
+              <a14:hiddenFill xmlns:a14="http://schemas.microsoft.com/office/drawing/2010/main">
+                <a:solidFill>
+                  <a:srgbClr val="FFFFFF"/>
+                </a:solidFill>
+              </a14:hiddenFill>
+            </a:ext>
+          </a:extLst>
+        </p:spPr>
+      </p:pic>
     </p:spTree>
     <p:extLst>
       <p:ext uri="{BB962C8B-B14F-4D97-AF65-F5344CB8AC3E}">
-        <p14:creationId xmlns:p14="http://schemas.microsoft.com/office/powerpoint/2010/main" val="2147404377"/>
+        <p14:creationId xmlns:p14="http://schemas.microsoft.com/office/powerpoint/2010/main" val="3199126952"/>
       </p:ext>
     </p:extLst>
   </p:cSld>
@@ -22457,8 +23611,8 @@
         </p:nvSpPr>
         <p:spPr>
           <a:xfrm>
-            <a:off x="1258645" y="2747963"/>
-            <a:ext cx="6637468" cy="1362075"/>
+            <a:off x="1043490" y="533400"/>
+            <a:ext cx="7024744" cy="1143000"/>
           </a:xfrm>
         </p:spPr>
         <p:txBody>
@@ -22467,36 +23621,62 @@
           <a:p>
             <a:pPr algn="ctr"/>
             <a:r>
+              <a:rPr lang="en-US" dirty="0" err="1" smtClean="0"/>
+              <a:t>Burndown</a:t>
+            </a:r>
+            <a:r>
               <a:rPr lang="en-US" dirty="0" smtClean="0"/>
-              <a:t>Working with Management</a:t>
+              <a:t> Charts</a:t>
             </a:r>
             <a:endParaRPr lang="en-US" dirty="0"/>
           </a:p>
         </p:txBody>
       </p:sp>
-      <p:sp>
-        <p:nvSpPr>
-          <p:cNvPr id="5" name="Text Placeholder 4"/>
-          <p:cNvSpPr>
-            <a:spLocks noGrp="1"/>
-          </p:cNvSpPr>
-          <p:nvPr>
-            <p:ph type="body" idx="1"/>
-          </p:nvPr>
-        </p:nvSpPr>
-        <p:spPr/>
-        <p:txBody>
-          <a:bodyPr/>
-          <a:lstStyle/>
-          <a:p>
-            <a:endParaRPr lang="en-US" dirty="0"/>
-          </a:p>
-        </p:txBody>
-      </p:sp>
+      <p:pic>
+        <p:nvPicPr>
+          <p:cNvPr id="7170" name="Picture 2" descr="burndown"/>
+          <p:cNvPicPr>
+            <a:picLocks noChangeAspect="1" noChangeArrowheads="1"/>
+          </p:cNvPicPr>
+          <p:nvPr/>
+        </p:nvPicPr>
+        <p:blipFill>
+          <a:blip r:embed="rId3">
+            <a:extLst>
+              <a:ext uri="{28A0092B-C50C-407E-A947-70E740481C1C}">
+                <a14:useLocalDpi xmlns:a14="http://schemas.microsoft.com/office/drawing/2010/main" val="0"/>
+              </a:ext>
+            </a:extLst>
+          </a:blip>
+          <a:srcRect/>
+          <a:stretch>
+            <a:fillRect/>
+          </a:stretch>
+        </p:blipFill>
+        <p:spPr bwMode="auto">
+          <a:xfrm>
+            <a:off x="668112" y="1828800"/>
+            <a:ext cx="7807777" cy="4343400"/>
+          </a:xfrm>
+          <a:prstGeom prst="rect">
+            <a:avLst/>
+          </a:prstGeom>
+          <a:noFill/>
+          <a:extLst>
+            <a:ext uri="{909E8E84-426E-40DD-AFC4-6F175D3DCCD1}">
+              <a14:hiddenFill xmlns:a14="http://schemas.microsoft.com/office/drawing/2010/main">
+                <a:solidFill>
+                  <a:srgbClr val="FFFFFF"/>
+                </a:solidFill>
+              </a14:hiddenFill>
+            </a:ext>
+          </a:extLst>
+        </p:spPr>
+      </p:pic>
     </p:spTree>
     <p:extLst>
       <p:ext uri="{BB962C8B-B14F-4D97-AF65-F5344CB8AC3E}">
-        <p14:creationId xmlns:p14="http://schemas.microsoft.com/office/powerpoint/2010/main" val="3476679645"/>
+        <p14:creationId xmlns:p14="http://schemas.microsoft.com/office/powerpoint/2010/main" val="2229987818"/>
       </p:ext>
     </p:extLst>
   </p:cSld>
@@ -22553,7 +23733,15 @@
             <a:pPr algn="ctr"/>
             <a:r>
               <a:rPr lang="en-US" dirty="0" smtClean="0"/>
-              <a:t>Keeping Up</a:t>
+              <a:t>Should you post a </a:t>
+            </a:r>
+            <a:r>
+              <a:rPr lang="en-US" dirty="0" err="1" smtClean="0"/>
+              <a:t>burndown</a:t>
+            </a:r>
+            <a:r>
+              <a:rPr lang="en-US" dirty="0" smtClean="0"/>
+              <a:t> chart?</a:t>
             </a:r>
             <a:endParaRPr lang="en-US" dirty="0"/>
           </a:p>
@@ -22581,7 +23769,7 @@
     </p:spTree>
     <p:extLst>
       <p:ext uri="{BB962C8B-B14F-4D97-AF65-F5344CB8AC3E}">
-        <p14:creationId xmlns:p14="http://schemas.microsoft.com/office/powerpoint/2010/main" val="2385406506"/>
+        <p14:creationId xmlns:p14="http://schemas.microsoft.com/office/powerpoint/2010/main" val="3351244940"/>
       </p:ext>
     </p:extLst>
   </p:cSld>
@@ -22712,6 +23900,431 @@
         </p:nvSpPr>
         <p:spPr>
           <a:xfrm>
+            <a:off x="1258645" y="2747963"/>
+            <a:ext cx="6637468" cy="1362075"/>
+          </a:xfrm>
+        </p:spPr>
+        <p:txBody>
+          <a:bodyPr anchor="ctr"/>
+          <a:lstStyle/>
+          <a:p>
+            <a:pPr algn="ctr"/>
+            <a:r>
+              <a:rPr lang="en-US" dirty="0" smtClean="0"/>
+              <a:t>Capacity Planning</a:t>
+            </a:r>
+            <a:endParaRPr lang="en-US" dirty="0"/>
+          </a:p>
+        </p:txBody>
+      </p:sp>
+      <p:sp>
+        <p:nvSpPr>
+          <p:cNvPr id="5" name="Text Placeholder 4"/>
+          <p:cNvSpPr>
+            <a:spLocks noGrp="1"/>
+          </p:cNvSpPr>
+          <p:nvPr>
+            <p:ph type="body" idx="1"/>
+          </p:nvPr>
+        </p:nvSpPr>
+        <p:spPr/>
+        <p:txBody>
+          <a:bodyPr/>
+          <a:lstStyle/>
+          <a:p>
+            <a:endParaRPr lang="en-US" dirty="0"/>
+          </a:p>
+        </p:txBody>
+      </p:sp>
+    </p:spTree>
+    <p:extLst>
+      <p:ext uri="{BB962C8B-B14F-4D97-AF65-F5344CB8AC3E}">
+        <p14:creationId xmlns:p14="http://schemas.microsoft.com/office/powerpoint/2010/main" val="431522499"/>
+      </p:ext>
+    </p:extLst>
+  </p:cSld>
+  <p:clrMapOvr>
+    <a:masterClrMapping/>
+  </p:clrMapOvr>
+  <p:timing>
+    <p:tnLst>
+      <p:par>
+        <p:cTn id="1" dur="indefinite" restart="never" nodeType="tmRoot"/>
+      </p:par>
+    </p:tnLst>
+  </p:timing>
+</p:sld>
+</file>
+
+<file path=ppt/slides/slide41.xml><?xml version="1.0" encoding="utf-8"?>
+<p:sld xmlns:a="http://schemas.openxmlformats.org/drawingml/2006/main" xmlns:r="http://schemas.openxmlformats.org/officeDocument/2006/relationships" xmlns:p="http://schemas.openxmlformats.org/presentationml/2006/main">
+  <p:cSld>
+    <p:spTree>
+      <p:nvGrpSpPr>
+        <p:cNvPr id="1" name=""/>
+        <p:cNvGrpSpPr/>
+        <p:nvPr/>
+      </p:nvGrpSpPr>
+      <p:grpSpPr>
+        <a:xfrm>
+          <a:off x="0" y="0"/>
+          <a:ext cx="0" cy="0"/>
+          <a:chOff x="0" y="0"/>
+          <a:chExt cx="0" cy="0"/>
+        </a:xfrm>
+      </p:grpSpPr>
+      <p:sp>
+        <p:nvSpPr>
+          <p:cNvPr id="4" name="Title 3"/>
+          <p:cNvSpPr>
+            <a:spLocks noGrp="1"/>
+          </p:cNvSpPr>
+          <p:nvPr>
+            <p:ph type="title"/>
+          </p:nvPr>
+        </p:nvSpPr>
+        <p:spPr>
+          <a:xfrm>
+            <a:off x="1258645" y="2747963"/>
+            <a:ext cx="6637468" cy="1362075"/>
+          </a:xfrm>
+        </p:spPr>
+        <p:txBody>
+          <a:bodyPr anchor="ctr"/>
+          <a:lstStyle/>
+          <a:p>
+            <a:pPr algn="ctr"/>
+            <a:r>
+              <a:rPr lang="en-US" dirty="0" smtClean="0"/>
+              <a:t>Involving Stakeholders</a:t>
+            </a:r>
+            <a:endParaRPr lang="en-US" dirty="0"/>
+          </a:p>
+        </p:txBody>
+      </p:sp>
+      <p:sp>
+        <p:nvSpPr>
+          <p:cNvPr id="5" name="Text Placeholder 4"/>
+          <p:cNvSpPr>
+            <a:spLocks noGrp="1"/>
+          </p:cNvSpPr>
+          <p:nvPr>
+            <p:ph type="body" idx="1"/>
+          </p:nvPr>
+        </p:nvSpPr>
+        <p:spPr/>
+        <p:txBody>
+          <a:bodyPr/>
+          <a:lstStyle/>
+          <a:p>
+            <a:endParaRPr lang="en-US" dirty="0"/>
+          </a:p>
+        </p:txBody>
+      </p:sp>
+    </p:spTree>
+    <p:extLst>
+      <p:ext uri="{BB962C8B-B14F-4D97-AF65-F5344CB8AC3E}">
+        <p14:creationId xmlns:p14="http://schemas.microsoft.com/office/powerpoint/2010/main" val="3466306024"/>
+      </p:ext>
+    </p:extLst>
+  </p:cSld>
+  <p:clrMapOvr>
+    <a:masterClrMapping/>
+  </p:clrMapOvr>
+  <p:timing>
+    <p:tnLst>
+      <p:par>
+        <p:cTn id="1" dur="indefinite" restart="never" nodeType="tmRoot"/>
+      </p:par>
+    </p:tnLst>
+  </p:timing>
+</p:sld>
+</file>
+
+<file path=ppt/slides/slide42.xml><?xml version="1.0" encoding="utf-8"?>
+<p:sld xmlns:a="http://schemas.openxmlformats.org/drawingml/2006/main" xmlns:r="http://schemas.openxmlformats.org/officeDocument/2006/relationships" xmlns:p="http://schemas.openxmlformats.org/presentationml/2006/main">
+  <p:cSld>
+    <p:spTree>
+      <p:nvGrpSpPr>
+        <p:cNvPr id="1" name=""/>
+        <p:cNvGrpSpPr/>
+        <p:nvPr/>
+      </p:nvGrpSpPr>
+      <p:grpSpPr>
+        <a:xfrm>
+          <a:off x="0" y="0"/>
+          <a:ext cx="0" cy="0"/>
+          <a:chOff x="0" y="0"/>
+          <a:chExt cx="0" cy="0"/>
+        </a:xfrm>
+      </p:grpSpPr>
+      <p:sp>
+        <p:nvSpPr>
+          <p:cNvPr id="4" name="Title 3"/>
+          <p:cNvSpPr>
+            <a:spLocks noGrp="1"/>
+          </p:cNvSpPr>
+          <p:nvPr>
+            <p:ph type="title"/>
+          </p:nvPr>
+        </p:nvSpPr>
+        <p:spPr>
+          <a:xfrm>
+            <a:off x="1258645" y="2747963"/>
+            <a:ext cx="6637468" cy="1362075"/>
+          </a:xfrm>
+        </p:spPr>
+        <p:txBody>
+          <a:bodyPr anchor="ctr"/>
+          <a:lstStyle/>
+          <a:p>
+            <a:pPr algn="ctr"/>
+            <a:r>
+              <a:rPr lang="en-US" dirty="0" smtClean="0"/>
+              <a:t>Managing the Backlog</a:t>
+            </a:r>
+            <a:endParaRPr lang="en-US" dirty="0"/>
+          </a:p>
+        </p:txBody>
+      </p:sp>
+      <p:sp>
+        <p:nvSpPr>
+          <p:cNvPr id="5" name="Text Placeholder 4"/>
+          <p:cNvSpPr>
+            <a:spLocks noGrp="1"/>
+          </p:cNvSpPr>
+          <p:nvPr>
+            <p:ph type="body" idx="1"/>
+          </p:nvPr>
+        </p:nvSpPr>
+        <p:spPr/>
+        <p:txBody>
+          <a:bodyPr/>
+          <a:lstStyle/>
+          <a:p>
+            <a:endParaRPr lang="en-US" dirty="0"/>
+          </a:p>
+        </p:txBody>
+      </p:sp>
+    </p:spTree>
+    <p:extLst>
+      <p:ext uri="{BB962C8B-B14F-4D97-AF65-F5344CB8AC3E}">
+        <p14:creationId xmlns:p14="http://schemas.microsoft.com/office/powerpoint/2010/main" val="2147404377"/>
+      </p:ext>
+    </p:extLst>
+  </p:cSld>
+  <p:clrMapOvr>
+    <a:masterClrMapping/>
+  </p:clrMapOvr>
+  <p:timing>
+    <p:tnLst>
+      <p:par>
+        <p:cTn id="1" dur="indefinite" restart="never" nodeType="tmRoot"/>
+      </p:par>
+    </p:tnLst>
+  </p:timing>
+</p:sld>
+</file>
+
+<file path=ppt/slides/slide43.xml><?xml version="1.0" encoding="utf-8"?>
+<p:sld xmlns:a="http://schemas.openxmlformats.org/drawingml/2006/main" xmlns:r="http://schemas.openxmlformats.org/officeDocument/2006/relationships" xmlns:p="http://schemas.openxmlformats.org/presentationml/2006/main">
+  <p:cSld>
+    <p:spTree>
+      <p:nvGrpSpPr>
+        <p:cNvPr id="1" name=""/>
+        <p:cNvGrpSpPr/>
+        <p:nvPr/>
+      </p:nvGrpSpPr>
+      <p:grpSpPr>
+        <a:xfrm>
+          <a:off x="0" y="0"/>
+          <a:ext cx="0" cy="0"/>
+          <a:chOff x="0" y="0"/>
+          <a:chExt cx="0" cy="0"/>
+        </a:xfrm>
+      </p:grpSpPr>
+      <p:sp>
+        <p:nvSpPr>
+          <p:cNvPr id="4" name="Title 3"/>
+          <p:cNvSpPr>
+            <a:spLocks noGrp="1"/>
+          </p:cNvSpPr>
+          <p:nvPr>
+            <p:ph type="title"/>
+          </p:nvPr>
+        </p:nvSpPr>
+        <p:spPr>
+          <a:xfrm>
+            <a:off x="1258645" y="2747963"/>
+            <a:ext cx="6637468" cy="1362075"/>
+          </a:xfrm>
+        </p:spPr>
+        <p:txBody>
+          <a:bodyPr anchor="ctr"/>
+          <a:lstStyle/>
+          <a:p>
+            <a:pPr algn="ctr"/>
+            <a:r>
+              <a:rPr lang="en-US" dirty="0" smtClean="0"/>
+              <a:t>Working with Management</a:t>
+            </a:r>
+            <a:endParaRPr lang="en-US" dirty="0"/>
+          </a:p>
+        </p:txBody>
+      </p:sp>
+      <p:sp>
+        <p:nvSpPr>
+          <p:cNvPr id="5" name="Text Placeholder 4"/>
+          <p:cNvSpPr>
+            <a:spLocks noGrp="1"/>
+          </p:cNvSpPr>
+          <p:nvPr>
+            <p:ph type="body" idx="1"/>
+          </p:nvPr>
+        </p:nvSpPr>
+        <p:spPr/>
+        <p:txBody>
+          <a:bodyPr/>
+          <a:lstStyle/>
+          <a:p>
+            <a:endParaRPr lang="en-US" dirty="0"/>
+          </a:p>
+        </p:txBody>
+      </p:sp>
+    </p:spTree>
+    <p:extLst>
+      <p:ext uri="{BB962C8B-B14F-4D97-AF65-F5344CB8AC3E}">
+        <p14:creationId xmlns:p14="http://schemas.microsoft.com/office/powerpoint/2010/main" val="3476679645"/>
+      </p:ext>
+    </p:extLst>
+  </p:cSld>
+  <p:clrMapOvr>
+    <a:masterClrMapping/>
+  </p:clrMapOvr>
+  <p:timing>
+    <p:tnLst>
+      <p:par>
+        <p:cTn id="1" dur="indefinite" restart="never" nodeType="tmRoot"/>
+      </p:par>
+    </p:tnLst>
+  </p:timing>
+</p:sld>
+</file>
+
+<file path=ppt/slides/slide44.xml><?xml version="1.0" encoding="utf-8"?>
+<p:sld xmlns:a="http://schemas.openxmlformats.org/drawingml/2006/main" xmlns:r="http://schemas.openxmlformats.org/officeDocument/2006/relationships" xmlns:p="http://schemas.openxmlformats.org/presentationml/2006/main">
+  <p:cSld>
+    <p:spTree>
+      <p:nvGrpSpPr>
+        <p:cNvPr id="1" name=""/>
+        <p:cNvGrpSpPr/>
+        <p:nvPr/>
+      </p:nvGrpSpPr>
+      <p:grpSpPr>
+        <a:xfrm>
+          <a:off x="0" y="0"/>
+          <a:ext cx="0" cy="0"/>
+          <a:chOff x="0" y="0"/>
+          <a:chExt cx="0" cy="0"/>
+        </a:xfrm>
+      </p:grpSpPr>
+      <p:sp>
+        <p:nvSpPr>
+          <p:cNvPr id="4" name="Title 3"/>
+          <p:cNvSpPr>
+            <a:spLocks noGrp="1"/>
+          </p:cNvSpPr>
+          <p:nvPr>
+            <p:ph type="title"/>
+          </p:nvPr>
+        </p:nvSpPr>
+        <p:spPr>
+          <a:xfrm>
+            <a:off x="1258645" y="2747963"/>
+            <a:ext cx="6637468" cy="1362075"/>
+          </a:xfrm>
+        </p:spPr>
+        <p:txBody>
+          <a:bodyPr anchor="ctr"/>
+          <a:lstStyle/>
+          <a:p>
+            <a:pPr algn="ctr"/>
+            <a:r>
+              <a:rPr lang="en-US" dirty="0" smtClean="0"/>
+              <a:t>Keeping Up</a:t>
+            </a:r>
+            <a:endParaRPr lang="en-US" dirty="0"/>
+          </a:p>
+        </p:txBody>
+      </p:sp>
+      <p:sp>
+        <p:nvSpPr>
+          <p:cNvPr id="5" name="Text Placeholder 4"/>
+          <p:cNvSpPr>
+            <a:spLocks noGrp="1"/>
+          </p:cNvSpPr>
+          <p:nvPr>
+            <p:ph type="body" idx="1"/>
+          </p:nvPr>
+        </p:nvSpPr>
+        <p:spPr/>
+        <p:txBody>
+          <a:bodyPr/>
+          <a:lstStyle/>
+          <a:p>
+            <a:endParaRPr lang="en-US" dirty="0"/>
+          </a:p>
+        </p:txBody>
+      </p:sp>
+    </p:spTree>
+    <p:extLst>
+      <p:ext uri="{BB962C8B-B14F-4D97-AF65-F5344CB8AC3E}">
+        <p14:creationId xmlns:p14="http://schemas.microsoft.com/office/powerpoint/2010/main" val="2385406506"/>
+      </p:ext>
+    </p:extLst>
+  </p:cSld>
+  <p:clrMapOvr>
+    <a:masterClrMapping/>
+  </p:clrMapOvr>
+  <p:timing>
+    <p:tnLst>
+      <p:par>
+        <p:cTn id="1" dur="indefinite" restart="never" nodeType="tmRoot"/>
+      </p:par>
+    </p:tnLst>
+  </p:timing>
+</p:sld>
+</file>
+
+<file path=ppt/slides/slide45.xml><?xml version="1.0" encoding="utf-8"?>
+<p:sld xmlns:a="http://schemas.openxmlformats.org/drawingml/2006/main" xmlns:r="http://schemas.openxmlformats.org/officeDocument/2006/relationships" xmlns:p="http://schemas.openxmlformats.org/presentationml/2006/main">
+  <p:cSld>
+    <p:spTree>
+      <p:nvGrpSpPr>
+        <p:cNvPr id="1" name=""/>
+        <p:cNvGrpSpPr/>
+        <p:nvPr/>
+      </p:nvGrpSpPr>
+      <p:grpSpPr>
+        <a:xfrm>
+          <a:off x="0" y="0"/>
+          <a:ext cx="0" cy="0"/>
+          <a:chOff x="0" y="0"/>
+          <a:chExt cx="0" cy="0"/>
+        </a:xfrm>
+      </p:grpSpPr>
+      <p:sp>
+        <p:nvSpPr>
+          <p:cNvPr id="4" name="Title 3"/>
+          <p:cNvSpPr>
+            <a:spLocks noGrp="1"/>
+          </p:cNvSpPr>
+          <p:nvPr>
+            <p:ph type="title"/>
+          </p:nvPr>
+        </p:nvSpPr>
+        <p:spPr>
+          <a:xfrm>
             <a:off x="1059628" y="1027664"/>
             <a:ext cx="7024744" cy="1143000"/>
           </a:xfrm>
@@ -22772,6 +24385,216 @@
     <p:extLst>
       <p:ext uri="{BB962C8B-B14F-4D97-AF65-F5344CB8AC3E}">
         <p14:creationId xmlns:p14="http://schemas.microsoft.com/office/powerpoint/2010/main" val="117382749"/>
+      </p:ext>
+    </p:extLst>
+  </p:cSld>
+  <p:clrMapOvr>
+    <a:masterClrMapping/>
+  </p:clrMapOvr>
+  <p:timing>
+    <p:tnLst>
+      <p:par>
+        <p:cTn id="1" dur="indefinite" restart="never" nodeType="tmRoot"/>
+      </p:par>
+    </p:tnLst>
+  </p:timing>
+</p:sld>
+</file>
+
+<file path=ppt/slides/slide46.xml><?xml version="1.0" encoding="utf-8"?>
+<p:sld xmlns:a="http://schemas.openxmlformats.org/drawingml/2006/main" xmlns:r="http://schemas.openxmlformats.org/officeDocument/2006/relationships" xmlns:p="http://schemas.openxmlformats.org/presentationml/2006/main">
+  <p:cSld>
+    <p:spTree>
+      <p:nvGrpSpPr>
+        <p:cNvPr id="1" name=""/>
+        <p:cNvGrpSpPr/>
+        <p:nvPr/>
+      </p:nvGrpSpPr>
+      <p:grpSpPr>
+        <a:xfrm>
+          <a:off x="0" y="0"/>
+          <a:ext cx="0" cy="0"/>
+          <a:chOff x="0" y="0"/>
+          <a:chExt cx="0" cy="0"/>
+        </a:xfrm>
+      </p:grpSpPr>
+      <p:sp>
+        <p:nvSpPr>
+          <p:cNvPr id="4" name="Title 3"/>
+          <p:cNvSpPr>
+            <a:spLocks noGrp="1"/>
+          </p:cNvSpPr>
+          <p:nvPr>
+            <p:ph type="title"/>
+          </p:nvPr>
+        </p:nvSpPr>
+        <p:spPr>
+          <a:xfrm>
+            <a:off x="1043490" y="685800"/>
+            <a:ext cx="7024744" cy="1143000"/>
+          </a:xfrm>
+        </p:spPr>
+        <p:txBody>
+          <a:bodyPr anchor="t">
+            <a:normAutofit/>
+          </a:bodyPr>
+          <a:lstStyle/>
+          <a:p>
+            <a:pPr algn="ctr"/>
+            <a:r>
+              <a:rPr lang="en-US" dirty="0" smtClean="0"/>
+              <a:t>Slides and contact info</a:t>
+            </a:r>
+            <a:endParaRPr lang="en-US" dirty="0"/>
+          </a:p>
+        </p:txBody>
+      </p:sp>
+      <p:sp>
+        <p:nvSpPr>
+          <p:cNvPr id="3" name="Content Placeholder 2"/>
+          <p:cNvSpPr>
+            <a:spLocks noGrp="1"/>
+          </p:cNvSpPr>
+          <p:nvPr>
+            <p:ph idx="1"/>
+          </p:nvPr>
+        </p:nvSpPr>
+        <p:spPr>
+          <a:xfrm>
+            <a:off x="609600" y="1447800"/>
+            <a:ext cx="7924800" cy="4953000"/>
+          </a:xfrm>
+        </p:spPr>
+        <p:txBody>
+          <a:bodyPr anchor="ctr">
+            <a:normAutofit fontScale="85000" lnSpcReduction="20000"/>
+          </a:bodyPr>
+          <a:lstStyle/>
+          <a:p>
+            <a:pPr algn="ctr">
+              <a:buNone/>
+            </a:pPr>
+            <a:r>
+              <a:rPr lang="en-US" sz="3600" dirty="0" smtClean="0"/>
+              <a:t>Slides:</a:t>
+            </a:r>
+          </a:p>
+          <a:p>
+            <a:pPr algn="ctr">
+              <a:buNone/>
+            </a:pPr>
+            <a:r>
+              <a:rPr lang="en-US" sz="3600" b="1" dirty="0" smtClean="0"/>
+              <a:t>http://</a:t>
+            </a:r>
+            <a:r>
+              <a:rPr lang="en-US" sz="3600" b="1" dirty="0" err="1" smtClean="0"/>
+              <a:t>jonkruger.com</a:t>
+            </a:r>
+            <a:r>
+              <a:rPr lang="en-US" sz="3600" b="1" dirty="0" smtClean="0"/>
+              <a:t>, </a:t>
+            </a:r>
+          </a:p>
+          <a:p>
+            <a:pPr algn="ctr">
+              <a:buNone/>
+            </a:pPr>
+            <a:r>
+              <a:rPr lang="en-US" sz="3600" b="1" dirty="0" smtClean="0"/>
+              <a:t>click on </a:t>
+            </a:r>
+            <a:r>
+              <a:rPr lang="en-US" sz="3600" b="1" dirty="0" smtClean="0"/>
+              <a:t>Presentations</a:t>
+            </a:r>
+          </a:p>
+          <a:p>
+            <a:pPr algn="ctr">
+              <a:buNone/>
+            </a:pPr>
+            <a:endParaRPr lang="en-US" sz="3600" b="1" dirty="0"/>
+          </a:p>
+          <a:p>
+            <a:pPr algn="ctr">
+              <a:buNone/>
+            </a:pPr>
+            <a:r>
+              <a:rPr lang="en-US" sz="3600" dirty="0" smtClean="0"/>
+              <a:t>Blog Series:</a:t>
+            </a:r>
+          </a:p>
+          <a:p>
+            <a:pPr algn="ctr">
+              <a:buNone/>
+            </a:pPr>
+            <a:r>
+              <a:rPr lang="en-US" sz="3100" b="1" dirty="0" smtClean="0"/>
+              <a:t>http://jonkruger.com/iteration-management</a:t>
+            </a:r>
+            <a:endParaRPr lang="en-US" sz="3100" b="1" dirty="0" smtClean="0"/>
+          </a:p>
+          <a:p>
+            <a:pPr algn="ctr">
+              <a:buNone/>
+            </a:pPr>
+            <a:endParaRPr lang="en-US" sz="3600" b="1" dirty="0" smtClean="0"/>
+          </a:p>
+          <a:p>
+            <a:pPr algn="ctr">
+              <a:buNone/>
+            </a:pPr>
+            <a:r>
+              <a:rPr lang="en-US" sz="3600" dirty="0" smtClean="0"/>
+              <a:t>Email:</a:t>
+            </a:r>
+            <a:r>
+              <a:rPr lang="en-US" sz="3600" b="1" dirty="0" smtClean="0"/>
+              <a:t> jon@jonkruger.com</a:t>
+            </a:r>
+          </a:p>
+          <a:p>
+            <a:pPr algn="ctr">
+              <a:buNone/>
+            </a:pPr>
+            <a:r>
+              <a:rPr lang="en-US" sz="3600" dirty="0" smtClean="0"/>
+              <a:t>Twitter:</a:t>
+            </a:r>
+            <a:r>
+              <a:rPr lang="en-US" sz="3600" b="1" dirty="0" smtClean="0"/>
+              <a:t> @</a:t>
+            </a:r>
+            <a:r>
+              <a:rPr lang="en-US" sz="3600" b="1" dirty="0" err="1" smtClean="0"/>
+              <a:t>JonKruger</a:t>
+            </a:r>
+            <a:endParaRPr lang="en-US" sz="3600" b="1" dirty="0" smtClean="0"/>
+          </a:p>
+          <a:p>
+            <a:pPr algn="ctr">
+              <a:buNone/>
+            </a:pPr>
+            <a:r>
+              <a:rPr lang="en-US" sz="3600" dirty="0" smtClean="0"/>
+              <a:t>Blog:</a:t>
+            </a:r>
+            <a:r>
+              <a:rPr lang="en-US" sz="3600" b="1" dirty="0" smtClean="0"/>
+              <a:t> http://</a:t>
+            </a:r>
+            <a:r>
+              <a:rPr lang="en-US" sz="3600" b="1" dirty="0" err="1" smtClean="0"/>
+              <a:t>jonkruger.com</a:t>
+            </a:r>
+            <a:endParaRPr lang="en-US" sz="3600" b="1" dirty="0"/>
+          </a:p>
+        </p:txBody>
+      </p:sp>
+    </p:spTree>
+    <p:extLst>
+      <p:ext uri="{BB962C8B-B14F-4D97-AF65-F5344CB8AC3E}">
+        <p14:creationId xmlns:p14="http://schemas.microsoft.com/office/powerpoint/2010/main" val="2217112232"/>
       </p:ext>
     </p:extLst>
   </p:cSld>

--- a/Iteration Management - Your Key to Predictable Delivery.pptx
+++ b/Iteration Management - Your Key to Predictable Delivery.pptx
@@ -47,8 +47,8 @@
     <p:sldId id="302" r:id="rId38"/>
     <p:sldId id="303" r:id="rId39"/>
     <p:sldId id="279" r:id="rId40"/>
-    <p:sldId id="305" r:id="rId41"/>
-    <p:sldId id="266" r:id="rId42"/>
+    <p:sldId id="266" r:id="rId41"/>
+    <p:sldId id="305" r:id="rId42"/>
     <p:sldId id="264" r:id="rId43"/>
     <p:sldId id="263" r:id="rId44"/>
     <p:sldId id="265" r:id="rId45"/>
@@ -237,7 +237,7 @@
           <a:p>
             <a:fld id="{6C6C5C74-C5D5-44B4-837D-76A1EE64E52E}" type="datetimeFigureOut">
               <a:rPr lang="en-US" smtClean="0"/>
-              <a:t>2/12/2015</a:t>
+              <a:t>2/16/2015</a:t>
             </a:fld>
             <a:endParaRPr lang="en-US"/>
           </a:p>
@@ -551,7 +551,20 @@
           <a:p>
             <a:r>
               <a:rPr lang="en-US" dirty="0" smtClean="0"/>
-              <a:t>Iteration managers</a:t>
+              <a:t>Iteration management is the art of managing the estimating, planning, and execution of a software development project over a short period of time, whether this is done individually or in a team environment.</a:t>
+            </a:r>
+          </a:p>
+          <a:p>
+            <a:endParaRPr lang="en-US" dirty="0" smtClean="0"/>
+          </a:p>
+          <a:p>
+            <a:r>
+              <a:rPr lang="en-US" dirty="0" smtClean="0"/>
+              <a:t>Iteration </a:t>
+            </a:r>
+            <a:r>
+              <a:rPr lang="en-US" dirty="0" smtClean="0"/>
+              <a:t>managers</a:t>
             </a:r>
             <a:r>
               <a:rPr lang="en-US" baseline="0" dirty="0" smtClean="0"/>
@@ -893,8 +906,19 @@
           <a:p>
             <a:r>
               <a:rPr lang="en-US" baseline="0" dirty="0" smtClean="0"/>
-              <a:t>Finding the bottlenecks</a:t>
-            </a:r>
+              <a:t>Finding the </a:t>
+            </a:r>
+            <a:r>
+              <a:rPr lang="en-US" baseline="0" dirty="0" smtClean="0"/>
+              <a:t>bottlenecks</a:t>
+            </a:r>
+          </a:p>
+          <a:p>
+            <a:r>
+              <a:rPr lang="en-US" baseline="0" dirty="0" smtClean="0"/>
+              <a:t>Definition of Done</a:t>
+            </a:r>
+            <a:endParaRPr lang="en-US" baseline="0" dirty="0" smtClean="0"/>
           </a:p>
           <a:p>
             <a:r>
@@ -2245,8 +2269,13 @@
             </a:pPr>
             <a:r>
               <a:rPr lang="en-US" baseline="0" dirty="0" smtClean="0"/>
-              <a:t>Team members</a:t>
-            </a:r>
+              <a:t>Team </a:t>
+            </a:r>
+            <a:r>
+              <a:rPr lang="en-US" baseline="0" dirty="0" smtClean="0"/>
+              <a:t>members not changing, fully allocated</a:t>
+            </a:r>
+            <a:endParaRPr lang="en-US" baseline="0" dirty="0" smtClean="0"/>
           </a:p>
           <a:p>
             <a:pPr marL="171450" indent="-171450">
@@ -2445,7 +2474,15 @@
           <a:p>
             <a:r>
               <a:rPr lang="en-US" dirty="0" smtClean="0"/>
-              <a:t>- Danger – things feeling up your day</a:t>
+              <a:t>- Danger – things </a:t>
+            </a:r>
+            <a:r>
+              <a:rPr lang="en-US" dirty="0" smtClean="0"/>
+              <a:t>filling </a:t>
+            </a:r>
+            <a:r>
+              <a:rPr lang="en-US" dirty="0" smtClean="0"/>
+              <a:t>up your day</a:t>
             </a:r>
           </a:p>
           <a:p>
@@ -4156,45 +4193,8 @@
               <a:defRPr/>
             </a:pPr>
             <a:r>
-              <a:rPr lang="en-US" dirty="0" smtClean="0"/>
-              <a:t>How much can we commit to, and what</a:t>
-            </a:r>
-            <a:r>
-              <a:rPr lang="en-US" baseline="0" dirty="0" smtClean="0"/>
-              <a:t> should we work on</a:t>
-            </a:r>
-            <a:r>
-              <a:rPr lang="en-US" dirty="0" smtClean="0"/>
-              <a:t>?</a:t>
-            </a:r>
-          </a:p>
-          <a:p>
-            <a:r>
-              <a:rPr lang="en-US" dirty="0" smtClean="0"/>
-              <a:t>Tickets should already be estimated (incl.</a:t>
-            </a:r>
-            <a:r>
-              <a:rPr lang="en-US" baseline="0" dirty="0" smtClean="0"/>
-              <a:t> analysis, testing)</a:t>
-            </a:r>
-          </a:p>
-          <a:p>
-            <a:endParaRPr lang="en-US" baseline="0" dirty="0" smtClean="0"/>
-          </a:p>
-          <a:p>
-            <a:r>
-              <a:rPr lang="en-US" baseline="0" dirty="0" smtClean="0"/>
-              <a:t>% person’s time in each discipline for moving tickets?  (separate by project)</a:t>
-            </a:r>
-          </a:p>
-          <a:p>
-            <a:r>
-              <a:rPr lang="en-US" dirty="0" smtClean="0"/>
-              <a:t>Account</a:t>
-            </a:r>
-            <a:r>
-              <a:rPr lang="en-US" baseline="0" dirty="0" smtClean="0"/>
-              <a:t> for time off, special meetings, etc.</a:t>
+              <a:rPr lang="en-US" baseline="0" smtClean="0"/>
+              <a:t>Product owners</a:t>
             </a:r>
           </a:p>
           <a:p>
@@ -4217,7 +4217,7 @@
             </a:pPr>
             <a:r>
               <a:rPr lang="en-US" baseline="0" dirty="0" smtClean="0"/>
-              <a:t>Expected time needed for new scope, prod support, etc.</a:t>
+              <a:t>Let the business pick what you work on</a:t>
             </a:r>
           </a:p>
           <a:p>
@@ -4240,27 +4240,8 @@
             </a:pPr>
             <a:r>
               <a:rPr lang="en-US" baseline="0" dirty="0" smtClean="0"/>
-              <a:t>Normal working hours</a:t>
-            </a:r>
-          </a:p>
-          <a:p>
-            <a:r>
-              <a:rPr lang="en-US" dirty="0" smtClean="0"/>
-              <a:t>Break</a:t>
-            </a:r>
-            <a:r>
-              <a:rPr lang="en-US" baseline="0" dirty="0" smtClean="0"/>
-              <a:t> the team into smaller teams (or sub-teams) </a:t>
-            </a:r>
-          </a:p>
-          <a:p>
-            <a:r>
-              <a:rPr lang="en-US" baseline="0" dirty="0" smtClean="0"/>
-              <a:t>Each sub-team can do their own capacity planning</a:t>
-            </a:r>
-          </a:p>
-          <a:p>
-            <a:endParaRPr lang="en-US" baseline="0" dirty="0" smtClean="0"/>
+              <a:t>Include the business in the meeting, or meet with the before, whatever works</a:t>
+            </a:r>
           </a:p>
           <a:p>
             <a:pPr marL="0" marR="0" indent="0" algn="l" defTabSz="914400" rtl="0" eaLnBrk="1" fontAlgn="auto" latinLnBrk="0" hangingPunct="1">
@@ -4281,11 +4262,59 @@
               <a:defRPr/>
             </a:pPr>
             <a:r>
+              <a:rPr lang="en-US" dirty="0" smtClean="0"/>
+              <a:t>Set goals for the iteration</a:t>
+            </a:r>
+          </a:p>
+          <a:p>
+            <a:pPr marL="0" marR="0" indent="0" algn="l" defTabSz="914400" rtl="0" eaLnBrk="1" fontAlgn="auto" latinLnBrk="0" hangingPunct="1">
+              <a:lnSpc>
+                <a:spcPct val="100000"/>
+              </a:lnSpc>
+              <a:spcBef>
+                <a:spcPts val="0"/>
+              </a:spcBef>
+              <a:spcAft>
+                <a:spcPts val="0"/>
+              </a:spcAft>
+              <a:buClrTx/>
+              <a:buSzTx/>
+              <a:buFontTx/>
+              <a:buNone/>
+              <a:tabLst/>
+              <a:defRPr/>
+            </a:pPr>
+            <a:r>
+              <a:rPr lang="en-US" dirty="0" smtClean="0"/>
+              <a:t>Swapping</a:t>
+            </a:r>
+            <a:r>
               <a:rPr lang="en-US" baseline="0" dirty="0" smtClean="0"/>
-              <a:t>Start with a gut feel, and then adjust your gut feel estimate based on data and experiences </a:t>
-            </a:r>
-          </a:p>
-          <a:p>
+              <a:t> things out during the iteration</a:t>
+            </a:r>
+          </a:p>
+          <a:p>
+            <a:pPr marL="0" marR="0" indent="0" algn="l" defTabSz="914400" rtl="0" eaLnBrk="1" fontAlgn="auto" latinLnBrk="0" hangingPunct="1">
+              <a:lnSpc>
+                <a:spcPct val="100000"/>
+              </a:lnSpc>
+              <a:spcBef>
+                <a:spcPts val="0"/>
+              </a:spcBef>
+              <a:spcAft>
+                <a:spcPts val="0"/>
+              </a:spcAft>
+              <a:buClrTx/>
+              <a:buSzTx/>
+              <a:buFontTx/>
+              <a:buNone/>
+              <a:tabLst/>
+              <a:defRPr/>
+            </a:pPr>
+            <a:r>
+              <a:rPr lang="en-US" baseline="0" dirty="0" smtClean="0"/>
+              <a:t>Demos/UAT</a:t>
+            </a:r>
             <a:endParaRPr lang="en-US" dirty="0" smtClean="0"/>
           </a:p>
         </p:txBody>
@@ -4388,8 +4417,45 @@
               <a:defRPr/>
             </a:pPr>
             <a:r>
-              <a:rPr lang="en-US" baseline="0" smtClean="0"/>
-              <a:t>Product owners</a:t>
+              <a:rPr lang="en-US" dirty="0" smtClean="0"/>
+              <a:t>How much can we commit to, and what</a:t>
+            </a:r>
+            <a:r>
+              <a:rPr lang="en-US" baseline="0" dirty="0" smtClean="0"/>
+              <a:t> should we work on</a:t>
+            </a:r>
+            <a:r>
+              <a:rPr lang="en-US" dirty="0" smtClean="0"/>
+              <a:t>?</a:t>
+            </a:r>
+          </a:p>
+          <a:p>
+            <a:r>
+              <a:rPr lang="en-US" dirty="0" smtClean="0"/>
+              <a:t>Tickets should already be estimated (incl.</a:t>
+            </a:r>
+            <a:r>
+              <a:rPr lang="en-US" baseline="0" dirty="0" smtClean="0"/>
+              <a:t> analysis, testing)</a:t>
+            </a:r>
+          </a:p>
+          <a:p>
+            <a:endParaRPr lang="en-US" baseline="0" dirty="0" smtClean="0"/>
+          </a:p>
+          <a:p>
+            <a:r>
+              <a:rPr lang="en-US" baseline="0" dirty="0" smtClean="0"/>
+              <a:t>% person’s time in each discipline for moving tickets?  (separate by project)</a:t>
+            </a:r>
+          </a:p>
+          <a:p>
+            <a:r>
+              <a:rPr lang="en-US" dirty="0" smtClean="0"/>
+              <a:t>Account</a:t>
+            </a:r>
+            <a:r>
+              <a:rPr lang="en-US" baseline="0" dirty="0" smtClean="0"/>
+              <a:t> for time off, special meetings, etc.</a:t>
             </a:r>
           </a:p>
           <a:p>
@@ -4412,7 +4478,7 @@
             </a:pPr>
             <a:r>
               <a:rPr lang="en-US" baseline="0" dirty="0" smtClean="0"/>
-              <a:t>Let the business pick what you work on</a:t>
+              <a:t>Expected time needed for new scope, prod support, etc.</a:t>
             </a:r>
           </a:p>
           <a:p>
@@ -4435,8 +4501,27 @@
             </a:pPr>
             <a:r>
               <a:rPr lang="en-US" baseline="0" dirty="0" smtClean="0"/>
-              <a:t>Include the business in the meeting, or meet with the before, whatever works</a:t>
-            </a:r>
+              <a:t>Normal working hours</a:t>
+            </a:r>
+          </a:p>
+          <a:p>
+            <a:r>
+              <a:rPr lang="en-US" dirty="0" smtClean="0"/>
+              <a:t>Break</a:t>
+            </a:r>
+            <a:r>
+              <a:rPr lang="en-US" baseline="0" dirty="0" smtClean="0"/>
+              <a:t> the team into smaller teams (or sub-teams) </a:t>
+            </a:r>
+          </a:p>
+          <a:p>
+            <a:r>
+              <a:rPr lang="en-US" baseline="0" dirty="0" smtClean="0"/>
+              <a:t>Each sub-team can do their own capacity planning</a:t>
+            </a:r>
+          </a:p>
+          <a:p>
+            <a:endParaRPr lang="en-US" baseline="0" dirty="0" smtClean="0"/>
           </a:p>
           <a:p>
             <a:pPr marL="0" marR="0" indent="0" algn="l" defTabSz="914400" rtl="0" eaLnBrk="1" fontAlgn="auto" latinLnBrk="0" hangingPunct="1">
@@ -4457,59 +4542,11 @@
               <a:defRPr/>
             </a:pPr>
             <a:r>
-              <a:rPr lang="en-US" dirty="0" smtClean="0"/>
-              <a:t>Set goals for the iteration</a:t>
-            </a:r>
-          </a:p>
-          <a:p>
-            <a:pPr marL="0" marR="0" indent="0" algn="l" defTabSz="914400" rtl="0" eaLnBrk="1" fontAlgn="auto" latinLnBrk="0" hangingPunct="1">
-              <a:lnSpc>
-                <a:spcPct val="100000"/>
-              </a:lnSpc>
-              <a:spcBef>
-                <a:spcPts val="0"/>
-              </a:spcBef>
-              <a:spcAft>
-                <a:spcPts val="0"/>
-              </a:spcAft>
-              <a:buClrTx/>
-              <a:buSzTx/>
-              <a:buFontTx/>
-              <a:buNone/>
-              <a:tabLst/>
-              <a:defRPr/>
-            </a:pPr>
-            <a:r>
-              <a:rPr lang="en-US" dirty="0" smtClean="0"/>
-              <a:t>Swapping</a:t>
-            </a:r>
-            <a:r>
               <a:rPr lang="en-US" baseline="0" dirty="0" smtClean="0"/>
-              <a:t> things out during the iteration</a:t>
-            </a:r>
-          </a:p>
-          <a:p>
-            <a:pPr marL="0" marR="0" indent="0" algn="l" defTabSz="914400" rtl="0" eaLnBrk="1" fontAlgn="auto" latinLnBrk="0" hangingPunct="1">
-              <a:lnSpc>
-                <a:spcPct val="100000"/>
-              </a:lnSpc>
-              <a:spcBef>
-                <a:spcPts val="0"/>
-              </a:spcBef>
-              <a:spcAft>
-                <a:spcPts val="0"/>
-              </a:spcAft>
-              <a:buClrTx/>
-              <a:buSzTx/>
-              <a:buFontTx/>
-              <a:buNone/>
-              <a:tabLst/>
-              <a:defRPr/>
-            </a:pPr>
-            <a:r>
-              <a:rPr lang="en-US" baseline="0" dirty="0" smtClean="0"/>
-              <a:t>Demos/UAT</a:t>
-            </a:r>
+              <a:t>Start with a gut feel, and then adjust your gut feel estimate based on data and experiences </a:t>
+            </a:r>
+          </a:p>
+          <a:p>
             <a:endParaRPr lang="en-US" dirty="0" smtClean="0"/>
           </a:p>
         </p:txBody>
@@ -8321,7 +8358,7 @@
           <a:p>
             <a:fld id="{286B444B-C4E2-405B-A158-8F5713CA0896}" type="datetimeFigureOut">
               <a:rPr lang="en-US" smtClean="0"/>
-              <a:t>2/12/2015</a:t>
+              <a:t>2/16/2015</a:t>
             </a:fld>
             <a:endParaRPr lang="en-US"/>
           </a:p>
@@ -8606,7 +8643,7 @@
           <a:p>
             <a:fld id="{286B444B-C4E2-405B-A158-8F5713CA0896}" type="datetimeFigureOut">
               <a:rPr lang="en-US" smtClean="0"/>
-              <a:t>2/12/2015</a:t>
+              <a:t>2/16/2015</a:t>
             </a:fld>
             <a:endParaRPr lang="en-US"/>
           </a:p>
@@ -8781,7 +8818,7 @@
           <a:p>
             <a:fld id="{286B444B-C4E2-405B-A158-8F5713CA0896}" type="datetimeFigureOut">
               <a:rPr lang="en-US" smtClean="0"/>
-              <a:t>2/12/2015</a:t>
+              <a:t>2/16/2015</a:t>
             </a:fld>
             <a:endParaRPr lang="en-US"/>
           </a:p>
@@ -8946,7 +8983,7 @@
           <a:p>
             <a:fld id="{286B444B-C4E2-405B-A158-8F5713CA0896}" type="datetimeFigureOut">
               <a:rPr lang="en-US" smtClean="0"/>
-              <a:t>2/12/2015</a:t>
+              <a:t>2/16/2015</a:t>
             </a:fld>
             <a:endParaRPr lang="en-US"/>
           </a:p>
@@ -9187,7 +9224,7 @@
           <a:p>
             <a:fld id="{286B444B-C4E2-405B-A158-8F5713CA0896}" type="datetimeFigureOut">
               <a:rPr lang="en-US" smtClean="0"/>
-              <a:t>2/12/2015</a:t>
+              <a:t>2/16/2015</a:t>
             </a:fld>
             <a:endParaRPr lang="en-US"/>
           </a:p>
@@ -9300,7 +9337,7 @@
           <a:p>
             <a:fld id="{286B444B-C4E2-405B-A158-8F5713CA0896}" type="datetimeFigureOut">
               <a:rPr lang="en-US" smtClean="0"/>
-              <a:t>2/12/2015</a:t>
+              <a:t>2/16/2015</a:t>
             </a:fld>
             <a:endParaRPr lang="en-US"/>
           </a:p>
@@ -9839,7 +9876,7 @@
           <a:p>
             <a:fld id="{286B444B-C4E2-405B-A158-8F5713CA0896}" type="datetimeFigureOut">
               <a:rPr lang="en-US" smtClean="0"/>
-              <a:t>2/12/2015</a:t>
+              <a:t>2/16/2015</a:t>
             </a:fld>
             <a:endParaRPr lang="en-US"/>
           </a:p>
@@ -9952,7 +9989,7 @@
           <a:p>
             <a:fld id="{286B444B-C4E2-405B-A158-8F5713CA0896}" type="datetimeFigureOut">
               <a:rPr lang="en-US" smtClean="0"/>
-              <a:t>2/12/2015</a:t>
+              <a:t>2/16/2015</a:t>
             </a:fld>
             <a:endParaRPr lang="en-US"/>
           </a:p>
@@ -10042,7 +10079,7 @@
           <a:p>
             <a:fld id="{286B444B-C4E2-405B-A158-8F5713CA0896}" type="datetimeFigureOut">
               <a:rPr lang="en-US" smtClean="0"/>
-              <a:t>2/12/2015</a:t>
+              <a:t>2/16/2015</a:t>
             </a:fld>
             <a:endParaRPr lang="en-US"/>
           </a:p>
@@ -12693,7 +12730,7 @@
           <a:p>
             <a:fld id="{286B444B-C4E2-405B-A158-8F5713CA0896}" type="datetimeFigureOut">
               <a:rPr lang="en-US" smtClean="0"/>
-              <a:t>2/12/2015</a:t>
+              <a:t>2/16/2015</a:t>
             </a:fld>
             <a:endParaRPr lang="en-US"/>
           </a:p>
@@ -15905,7 +15942,7 @@
           <a:p>
             <a:fld id="{286B444B-C4E2-405B-A158-8F5713CA0896}" type="datetimeFigureOut">
               <a:rPr lang="en-US" smtClean="0"/>
-              <a:t>2/12/2015</a:t>
+              <a:t>2/16/2015</a:t>
             </a:fld>
             <a:endParaRPr lang="en-US"/>
           </a:p>
@@ -18727,7 +18764,7 @@
           <a:p>
             <a:fld id="{286B444B-C4E2-405B-A158-8F5713CA0896}" type="datetimeFigureOut">
               <a:rPr lang="en-US" smtClean="0"/>
-              <a:t>2/12/2015</a:t>
+              <a:t>2/16/2015</a:t>
             </a:fld>
             <a:endParaRPr lang="en-US"/>
           </a:p>
@@ -23911,7 +23948,7 @@
             <a:pPr algn="ctr"/>
             <a:r>
               <a:rPr lang="en-US" dirty="0" smtClean="0"/>
-              <a:t>Capacity Planning</a:t>
+              <a:t>Involving Stakeholders</a:t>
             </a:r>
             <a:endParaRPr lang="en-US" dirty="0"/>
           </a:p>
@@ -23939,7 +23976,7 @@
     </p:spTree>
     <p:extLst>
       <p:ext uri="{BB962C8B-B14F-4D97-AF65-F5344CB8AC3E}">
-        <p14:creationId xmlns:p14="http://schemas.microsoft.com/office/powerpoint/2010/main" val="431522499"/>
+        <p14:creationId xmlns:p14="http://schemas.microsoft.com/office/powerpoint/2010/main" val="3466306024"/>
       </p:ext>
     </p:extLst>
   </p:cSld>
@@ -23996,7 +24033,7 @@
             <a:pPr algn="ctr"/>
             <a:r>
               <a:rPr lang="en-US" dirty="0" smtClean="0"/>
-              <a:t>Involving Stakeholders</a:t>
+              <a:t>Capacity Planning</a:t>
             </a:r>
             <a:endParaRPr lang="en-US" dirty="0"/>
           </a:p>
@@ -24024,7 +24061,7 @@
     </p:spTree>
     <p:extLst>
       <p:ext uri="{BB962C8B-B14F-4D97-AF65-F5344CB8AC3E}">
-        <p14:creationId xmlns:p14="http://schemas.microsoft.com/office/powerpoint/2010/main" val="3466306024"/>
+        <p14:creationId xmlns:p14="http://schemas.microsoft.com/office/powerpoint/2010/main" val="431522499"/>
       </p:ext>
     </p:extLst>
   </p:cSld>
@@ -24502,11 +24539,7 @@
             </a:pPr>
             <a:r>
               <a:rPr lang="en-US" sz="3600" b="1" dirty="0" smtClean="0"/>
-              <a:t>click on </a:t>
-            </a:r>
-            <a:r>
-              <a:rPr lang="en-US" sz="3600" b="1" dirty="0" smtClean="0"/>
-              <a:t>Presentations</a:t>
+              <a:t>click on Presentations</a:t>
             </a:r>
           </a:p>
           <a:p>
@@ -24532,7 +24565,6 @@
               <a:rPr lang="en-US" sz="3100" b="1" dirty="0" smtClean="0"/>
               <a:t>http://jonkruger.com/iteration-management</a:t>
             </a:r>
-            <a:endParaRPr lang="en-US" sz="3100" b="1" dirty="0" smtClean="0"/>
           </a:p>
           <a:p>
             <a:pPr algn="ctr">

--- a/Iteration Management - Your Key to Predictable Delivery.pptx
+++ b/Iteration Management - Your Key to Predictable Delivery.pptx
@@ -237,7 +237,7 @@
           <a:p>
             <a:fld id="{6C6C5C74-C5D5-44B4-837D-76A1EE64E52E}" type="datetimeFigureOut">
               <a:rPr lang="en-US" smtClean="0"/>
-              <a:t>2/16/2015</a:t>
+              <a:t>2/17/2015</a:t>
             </a:fld>
             <a:endParaRPr lang="en-US"/>
           </a:p>
@@ -560,11 +560,7 @@
           <a:p>
             <a:r>
               <a:rPr lang="en-US" dirty="0" smtClean="0"/>
-              <a:t>Iteration </a:t>
-            </a:r>
-            <a:r>
-              <a:rPr lang="en-US" dirty="0" smtClean="0"/>
-              <a:t>managers</a:t>
+              <a:t>Iteration managers</a:t>
             </a:r>
             <a:r>
               <a:rPr lang="en-US" baseline="0" dirty="0" smtClean="0"/>
@@ -616,8 +612,36 @@
             </a:pPr>
             <a:r>
               <a:rPr lang="en-US" baseline="0" dirty="0" smtClean="0"/>
-              <a:t>Handling changes (from the business, production support, etc.)</a:t>
-            </a:r>
+              <a:t>Handling changes (from the business, production support, etc</a:t>
+            </a:r>
+            <a:r>
+              <a:rPr lang="en-US" baseline="0" dirty="0" smtClean="0"/>
+              <a:t>.)</a:t>
+            </a:r>
+          </a:p>
+          <a:p>
+            <a:pPr marL="0" marR="0" indent="0" algn="l" defTabSz="914400" rtl="0" eaLnBrk="1" fontAlgn="auto" latinLnBrk="0" hangingPunct="1">
+              <a:lnSpc>
+                <a:spcPct val="100000"/>
+              </a:lnSpc>
+              <a:spcBef>
+                <a:spcPts val="0"/>
+              </a:spcBef>
+              <a:spcAft>
+                <a:spcPts val="0"/>
+              </a:spcAft>
+              <a:buClrTx/>
+              <a:buSzTx/>
+              <a:buFontTx/>
+              <a:buNone/>
+              <a:tabLst/>
+              <a:defRPr/>
+            </a:pPr>
+            <a:r>
+              <a:rPr lang="en-US" baseline="0" dirty="0" smtClean="0"/>
+              <a:t>Not necessarily a full time job</a:t>
+            </a:r>
+            <a:endParaRPr lang="en-US" baseline="0" dirty="0" smtClean="0"/>
           </a:p>
         </p:txBody>
       </p:sp>
@@ -906,11 +930,7 @@
           <a:p>
             <a:r>
               <a:rPr lang="en-US" baseline="0" dirty="0" smtClean="0"/>
-              <a:t>Finding the </a:t>
-            </a:r>
-            <a:r>
-              <a:rPr lang="en-US" baseline="0" dirty="0" smtClean="0"/>
-              <a:t>bottlenecks</a:t>
+              <a:t>Finding the bottlenecks</a:t>
             </a:r>
           </a:p>
           <a:p>
@@ -918,7 +938,6 @@
               <a:rPr lang="en-US" baseline="0" dirty="0" smtClean="0"/>
               <a:t>Definition of Done</a:t>
             </a:r>
-            <a:endParaRPr lang="en-US" baseline="0" dirty="0" smtClean="0"/>
           </a:p>
           <a:p>
             <a:r>
@@ -2237,8 +2256,29 @@
           <a:p>
             <a:r>
               <a:rPr lang="en-US" dirty="0" smtClean="0"/>
-              <a:t>Past experiences with data analysis</a:t>
-            </a:r>
+              <a:t>Past experiences with data </a:t>
+            </a:r>
+            <a:r>
+              <a:rPr lang="en-US" dirty="0" smtClean="0"/>
+              <a:t>analysis (</a:t>
+            </a:r>
+            <a:r>
+              <a:rPr lang="en-US" dirty="0" err="1" smtClean="0"/>
+              <a:t>Avizent</a:t>
+            </a:r>
+            <a:r>
+              <a:rPr lang="en-US" dirty="0" smtClean="0"/>
+              <a:t>, AEP, utilization % by</a:t>
+            </a:r>
+            <a:r>
+              <a:rPr lang="en-US" baseline="0" dirty="0" smtClean="0"/>
+              <a:t> category</a:t>
+            </a:r>
+            <a:r>
+              <a:rPr lang="en-US" dirty="0" smtClean="0"/>
+              <a:t>)</a:t>
+            </a:r>
+            <a:endParaRPr lang="en-US" dirty="0" smtClean="0"/>
           </a:p>
           <a:p>
             <a:r>
@@ -2247,8 +2287,13 @@
             </a:r>
             <a:r>
               <a:rPr lang="en-US" baseline="0" dirty="0" smtClean="0"/>
-              <a:t> better at estimating</a:t>
-            </a:r>
+              <a:t> better at </a:t>
+            </a:r>
+            <a:r>
+              <a:rPr lang="en-US" baseline="0" dirty="0" smtClean="0"/>
+              <a:t>estimating and planning</a:t>
+            </a:r>
+            <a:endParaRPr lang="en-US" baseline="0" dirty="0" smtClean="0"/>
           </a:p>
           <a:p>
             <a:r>
@@ -2269,13 +2314,8 @@
             </a:pPr>
             <a:r>
               <a:rPr lang="en-US" baseline="0" dirty="0" smtClean="0"/>
-              <a:t>Team </a:t>
-            </a:r>
-            <a:r>
-              <a:rPr lang="en-US" baseline="0" dirty="0" smtClean="0"/>
-              <a:t>members not changing, fully allocated</a:t>
-            </a:r>
-            <a:endParaRPr lang="en-US" baseline="0" dirty="0" smtClean="0"/>
+              <a:t>Team members not changing, fully allocated</a:t>
+            </a:r>
           </a:p>
           <a:p>
             <a:pPr marL="171450" indent="-171450">
@@ -2474,15 +2514,7 @@
           <a:p>
             <a:r>
               <a:rPr lang="en-US" dirty="0" smtClean="0"/>
-              <a:t>- Danger – things </a:t>
-            </a:r>
-            <a:r>
-              <a:rPr lang="en-US" dirty="0" smtClean="0"/>
-              <a:t>filling </a:t>
-            </a:r>
-            <a:r>
-              <a:rPr lang="en-US" dirty="0" smtClean="0"/>
-              <a:t>up your day</a:t>
+              <a:t>- Danger – things filling up your day</a:t>
             </a:r>
           </a:p>
           <a:p>
@@ -2994,6 +3026,36 @@
             <a:endParaRPr lang="en-US" baseline="0" dirty="0" smtClean="0"/>
           </a:p>
           <a:p>
+            <a:pPr marL="0" marR="0" indent="0" algn="l" defTabSz="914400" rtl="0" eaLnBrk="1" fontAlgn="auto" latinLnBrk="0" hangingPunct="1">
+              <a:lnSpc>
+                <a:spcPct val="100000"/>
+              </a:lnSpc>
+              <a:spcBef>
+                <a:spcPts val="0"/>
+              </a:spcBef>
+              <a:spcAft>
+                <a:spcPts val="0"/>
+              </a:spcAft>
+              <a:buClrTx/>
+              <a:buSzTx/>
+              <a:buFontTx/>
+              <a:buNone/>
+              <a:tabLst/>
+              <a:defRPr/>
+            </a:pPr>
+            <a:r>
+              <a:rPr lang="en-US" dirty="0" smtClean="0"/>
+              <a:t>Start with</a:t>
+            </a:r>
+            <a:r>
+              <a:rPr lang="en-US" baseline="0" dirty="0" smtClean="0"/>
+              <a:t> a gut feel and refine it</a:t>
+            </a:r>
+          </a:p>
+          <a:p>
+            <a:endParaRPr lang="en-US" baseline="0" dirty="0" smtClean="0"/>
+          </a:p>
+          <a:p>
             <a:pPr marL="171450" indent="-171450">
               <a:buFont typeface="Arial" panose="020B0604020202020204" pitchFamily="34" charset="0"/>
               <a:buChar char="•"/>
@@ -3088,18 +3150,12 @@
           </a:p>
           <a:p>
             <a:r>
-              <a:rPr lang="en-US" dirty="0" smtClean="0"/>
-              <a:t>Start with</a:t>
-            </a:r>
-            <a:r>
               <a:rPr lang="en-US" baseline="0" dirty="0" smtClean="0"/>
-              <a:t> a gut feel and refine it</a:t>
-            </a:r>
-          </a:p>
-          <a:p>
+              <a:t>Velocity </a:t>
+            </a:r>
             <a:r>
               <a:rPr lang="en-US" baseline="0" dirty="0" smtClean="0"/>
-              <a:t>Velocity is an internal metric, my capacity estimate is the interpretation of velocity (and other data)</a:t>
+              <a:t>is an internal metric, my capacity estimate is the interpretation of velocity (and other data)</a:t>
             </a:r>
             <a:endParaRPr lang="en-US" dirty="0" smtClean="0"/>
           </a:p>
@@ -3298,19 +3354,44 @@
           <a:p>
             <a:r>
               <a:rPr lang="en-US" dirty="0" smtClean="0"/>
+              <a:t>How</a:t>
+            </a:r>
+            <a:r>
+              <a:rPr lang="en-US" baseline="0" dirty="0" smtClean="0"/>
+              <a:t> many of you are working in an agile environment?</a:t>
+            </a:r>
+          </a:p>
+          <a:p>
+            <a:r>
+              <a:rPr lang="en-US" baseline="0" dirty="0" smtClean="0"/>
+              <a:t>This is not a talk about Agile</a:t>
+            </a:r>
+            <a:endParaRPr lang="en-US" dirty="0" smtClean="0"/>
+          </a:p>
+          <a:p>
+            <a:r>
+              <a:rPr lang="en-US" dirty="0" smtClean="0"/>
               <a:t>You</a:t>
             </a:r>
             <a:r>
               <a:rPr lang="en-US" baseline="0" dirty="0" smtClean="0"/>
-              <a:t> don’t have to be in an Agile environment to do these things, although Agile practices make this a lot easier</a:t>
-            </a:r>
-          </a:p>
-          <a:p>
+              <a:t> </a:t>
+            </a:r>
             <a:r>
               <a:rPr lang="en-US" baseline="0" dirty="0" smtClean="0"/>
-              <a:t>Apply these ideas to the work that you are doing so that you can see problems quicker</a:t>
-            </a:r>
-            <a:endParaRPr lang="en-US" dirty="0"/>
+              <a:t>don’t have to be in an Agile environment to do these things, although Agile practices make this a lot </a:t>
+            </a:r>
+            <a:r>
+              <a:rPr lang="en-US" baseline="0" dirty="0" smtClean="0"/>
+              <a:t>easier</a:t>
+            </a:r>
+          </a:p>
+          <a:p>
+            <a:r>
+              <a:rPr lang="en-US" baseline="0" dirty="0" smtClean="0"/>
+              <a:t>The goal is to find problems as soon as possible so that you can address them</a:t>
+            </a:r>
+            <a:endParaRPr lang="en-US" baseline="0" dirty="0" smtClean="0"/>
           </a:p>
         </p:txBody>
       </p:sp>
@@ -8358,7 +8439,7 @@
           <a:p>
             <a:fld id="{286B444B-C4E2-405B-A158-8F5713CA0896}" type="datetimeFigureOut">
               <a:rPr lang="en-US" smtClean="0"/>
-              <a:t>2/16/2015</a:t>
+              <a:t>2/17/2015</a:t>
             </a:fld>
             <a:endParaRPr lang="en-US"/>
           </a:p>
@@ -8643,7 +8724,7 @@
           <a:p>
             <a:fld id="{286B444B-C4E2-405B-A158-8F5713CA0896}" type="datetimeFigureOut">
               <a:rPr lang="en-US" smtClean="0"/>
-              <a:t>2/16/2015</a:t>
+              <a:t>2/17/2015</a:t>
             </a:fld>
             <a:endParaRPr lang="en-US"/>
           </a:p>
@@ -8818,7 +8899,7 @@
           <a:p>
             <a:fld id="{286B444B-C4E2-405B-A158-8F5713CA0896}" type="datetimeFigureOut">
               <a:rPr lang="en-US" smtClean="0"/>
-              <a:t>2/16/2015</a:t>
+              <a:t>2/17/2015</a:t>
             </a:fld>
             <a:endParaRPr lang="en-US"/>
           </a:p>
@@ -8983,7 +9064,7 @@
           <a:p>
             <a:fld id="{286B444B-C4E2-405B-A158-8F5713CA0896}" type="datetimeFigureOut">
               <a:rPr lang="en-US" smtClean="0"/>
-              <a:t>2/16/2015</a:t>
+              <a:t>2/17/2015</a:t>
             </a:fld>
             <a:endParaRPr lang="en-US"/>
           </a:p>
@@ -9224,7 +9305,7 @@
           <a:p>
             <a:fld id="{286B444B-C4E2-405B-A158-8F5713CA0896}" type="datetimeFigureOut">
               <a:rPr lang="en-US" smtClean="0"/>
-              <a:t>2/16/2015</a:t>
+              <a:t>2/17/2015</a:t>
             </a:fld>
             <a:endParaRPr lang="en-US"/>
           </a:p>
@@ -9337,7 +9418,7 @@
           <a:p>
             <a:fld id="{286B444B-C4E2-405B-A158-8F5713CA0896}" type="datetimeFigureOut">
               <a:rPr lang="en-US" smtClean="0"/>
-              <a:t>2/16/2015</a:t>
+              <a:t>2/17/2015</a:t>
             </a:fld>
             <a:endParaRPr lang="en-US"/>
           </a:p>
@@ -9876,7 +9957,7 @@
           <a:p>
             <a:fld id="{286B444B-C4E2-405B-A158-8F5713CA0896}" type="datetimeFigureOut">
               <a:rPr lang="en-US" smtClean="0"/>
-              <a:t>2/16/2015</a:t>
+              <a:t>2/17/2015</a:t>
             </a:fld>
             <a:endParaRPr lang="en-US"/>
           </a:p>
@@ -9989,7 +10070,7 @@
           <a:p>
             <a:fld id="{286B444B-C4E2-405B-A158-8F5713CA0896}" type="datetimeFigureOut">
               <a:rPr lang="en-US" smtClean="0"/>
-              <a:t>2/16/2015</a:t>
+              <a:t>2/17/2015</a:t>
             </a:fld>
             <a:endParaRPr lang="en-US"/>
           </a:p>
@@ -10079,7 +10160,7 @@
           <a:p>
             <a:fld id="{286B444B-C4E2-405B-A158-8F5713CA0896}" type="datetimeFigureOut">
               <a:rPr lang="en-US" smtClean="0"/>
-              <a:t>2/16/2015</a:t>
+              <a:t>2/17/2015</a:t>
             </a:fld>
             <a:endParaRPr lang="en-US"/>
           </a:p>
@@ -12730,7 +12811,7 @@
           <a:p>
             <a:fld id="{286B444B-C4E2-405B-A158-8F5713CA0896}" type="datetimeFigureOut">
               <a:rPr lang="en-US" smtClean="0"/>
-              <a:t>2/16/2015</a:t>
+              <a:t>2/17/2015</a:t>
             </a:fld>
             <a:endParaRPr lang="en-US"/>
           </a:p>
@@ -15942,7 +16023,7 @@
           <a:p>
             <a:fld id="{286B444B-C4E2-405B-A158-8F5713CA0896}" type="datetimeFigureOut">
               <a:rPr lang="en-US" smtClean="0"/>
-              <a:t>2/16/2015</a:t>
+              <a:t>2/17/2015</a:t>
             </a:fld>
             <a:endParaRPr lang="en-US"/>
           </a:p>
@@ -18764,7 +18845,7 @@
           <a:p>
             <a:fld id="{286B444B-C4E2-405B-A158-8F5713CA0896}" type="datetimeFigureOut">
               <a:rPr lang="en-US" smtClean="0"/>
-              <a:t>2/16/2015</a:t>
+              <a:t>2/17/2015</a:t>
             </a:fld>
             <a:endParaRPr lang="en-US"/>
           </a:p>
@@ -20436,14 +20517,11 @@
             <p:ph type="title"/>
           </p:nvPr>
         </p:nvSpPr>
-        <p:spPr>
-          <a:xfrm>
-            <a:off x="1253266" y="2747963"/>
-            <a:ext cx="6637468" cy="1362075"/>
-          </a:xfrm>
-        </p:spPr>
+        <p:spPr/>
         <p:txBody>
-          <a:bodyPr anchor="ctr"/>
+          <a:bodyPr anchor="ctr">
+            <a:normAutofit fontScale="90000"/>
+          </a:bodyPr>
           <a:lstStyle/>
           <a:p>
             <a:pPr algn="ctr"/>
@@ -20457,12 +20535,12 @@
       </p:sp>
       <p:sp>
         <p:nvSpPr>
-          <p:cNvPr id="5" name="Text Placeholder 4"/>
+          <p:cNvPr id="2" name="Content Placeholder 1"/>
           <p:cNvSpPr>
             <a:spLocks noGrp="1"/>
           </p:cNvSpPr>
           <p:nvPr>
-            <p:ph type="body" idx="1"/>
+            <p:ph idx="1"/>
           </p:nvPr>
         </p:nvSpPr>
         <p:spPr/>
@@ -20470,6 +20548,22 @@
           <a:bodyPr/>
           <a:lstStyle/>
           <a:p>
+            <a:r>
+              <a:rPr lang="en-US" dirty="0" smtClean="0"/>
+              <a:t>Find problems as soon as possible and find a way to fix them</a:t>
+            </a:r>
+          </a:p>
+          <a:p>
+            <a:r>
+              <a:rPr lang="en-US" dirty="0" smtClean="0"/>
+              <a:t>Help the team become as efficient as possible</a:t>
+            </a:r>
+          </a:p>
+          <a:p>
+            <a:r>
+              <a:rPr lang="en-US" dirty="0" smtClean="0"/>
+              <a:t>Help with planning</a:t>
+            </a:r>
             <a:endParaRPr lang="en-US" dirty="0"/>
           </a:p>
         </p:txBody>
@@ -20487,9 +20581,182 @@
   <p:timing>
     <p:tnLst>
       <p:par>
-        <p:cTn id="1" dur="indefinite" restart="never" nodeType="tmRoot"/>
+        <p:cTn id="1" dur="indefinite" restart="never" nodeType="tmRoot">
+          <p:childTnLst>
+            <p:seq concurrent="1" nextAc="seek">
+              <p:cTn id="2" dur="indefinite" nodeType="mainSeq">
+                <p:childTnLst>
+                  <p:par>
+                    <p:cTn id="3" fill="hold">
+                      <p:stCondLst>
+                        <p:cond delay="indefinite"/>
+                      </p:stCondLst>
+                      <p:childTnLst>
+                        <p:par>
+                          <p:cTn id="4" fill="hold">
+                            <p:stCondLst>
+                              <p:cond delay="0"/>
+                            </p:stCondLst>
+                            <p:childTnLst>
+                              <p:par>
+                                <p:cTn id="5" presetID="1" presetClass="entr" presetSubtype="0" fill="hold" grpId="0" nodeType="clickEffect">
+                                  <p:stCondLst>
+                                    <p:cond delay="0"/>
+                                  </p:stCondLst>
+                                  <p:childTnLst>
+                                    <p:set>
+                                      <p:cBhvr>
+                                        <p:cTn id="6" dur="1" fill="hold">
+                                          <p:stCondLst>
+                                            <p:cond delay="0"/>
+                                          </p:stCondLst>
+                                        </p:cTn>
+                                        <p:tgtEl>
+                                          <p:spTgt spid="2">
+                                            <p:txEl>
+                                              <p:pRg st="0" end="0"/>
+                                            </p:txEl>
+                                          </p:spTgt>
+                                        </p:tgtEl>
+                                        <p:attrNameLst>
+                                          <p:attrName>style.visibility</p:attrName>
+                                        </p:attrNameLst>
+                                      </p:cBhvr>
+                                      <p:to>
+                                        <p:strVal val="visible"/>
+                                      </p:to>
+                                    </p:set>
+                                  </p:childTnLst>
+                                </p:cTn>
+                              </p:par>
+                            </p:childTnLst>
+                          </p:cTn>
+                        </p:par>
+                      </p:childTnLst>
+                    </p:cTn>
+                  </p:par>
+                  <p:par>
+                    <p:cTn id="7" fill="hold">
+                      <p:stCondLst>
+                        <p:cond delay="indefinite"/>
+                      </p:stCondLst>
+                      <p:childTnLst>
+                        <p:par>
+                          <p:cTn id="8" fill="hold">
+                            <p:stCondLst>
+                              <p:cond delay="0"/>
+                            </p:stCondLst>
+                            <p:childTnLst>
+                              <p:par>
+                                <p:cTn id="9" presetID="1" presetClass="entr" presetSubtype="0" fill="hold" grpId="0" nodeType="clickEffect">
+                                  <p:stCondLst>
+                                    <p:cond delay="0"/>
+                                  </p:stCondLst>
+                                  <p:childTnLst>
+                                    <p:set>
+                                      <p:cBhvr>
+                                        <p:cTn id="10" dur="1" fill="hold">
+                                          <p:stCondLst>
+                                            <p:cond delay="0"/>
+                                          </p:stCondLst>
+                                        </p:cTn>
+                                        <p:tgtEl>
+                                          <p:spTgt spid="2">
+                                            <p:txEl>
+                                              <p:pRg st="1" end="1"/>
+                                            </p:txEl>
+                                          </p:spTgt>
+                                        </p:tgtEl>
+                                        <p:attrNameLst>
+                                          <p:attrName>style.visibility</p:attrName>
+                                        </p:attrNameLst>
+                                      </p:cBhvr>
+                                      <p:to>
+                                        <p:strVal val="visible"/>
+                                      </p:to>
+                                    </p:set>
+                                  </p:childTnLst>
+                                </p:cTn>
+                              </p:par>
+                            </p:childTnLst>
+                          </p:cTn>
+                        </p:par>
+                      </p:childTnLst>
+                    </p:cTn>
+                  </p:par>
+                  <p:par>
+                    <p:cTn id="11" fill="hold">
+                      <p:stCondLst>
+                        <p:cond delay="indefinite"/>
+                      </p:stCondLst>
+                      <p:childTnLst>
+                        <p:par>
+                          <p:cTn id="12" fill="hold">
+                            <p:stCondLst>
+                              <p:cond delay="0"/>
+                            </p:stCondLst>
+                            <p:childTnLst>
+                              <p:par>
+                                <p:cTn id="13" presetID="1" presetClass="entr" presetSubtype="0" fill="hold" grpId="0" nodeType="clickEffect">
+                                  <p:stCondLst>
+                                    <p:cond delay="0"/>
+                                  </p:stCondLst>
+                                  <p:childTnLst>
+                                    <p:set>
+                                      <p:cBhvr>
+                                        <p:cTn id="14" dur="1" fill="hold">
+                                          <p:stCondLst>
+                                            <p:cond delay="0"/>
+                                          </p:stCondLst>
+                                        </p:cTn>
+                                        <p:tgtEl>
+                                          <p:spTgt spid="2">
+                                            <p:txEl>
+                                              <p:pRg st="2" end="2"/>
+                                            </p:txEl>
+                                          </p:spTgt>
+                                        </p:tgtEl>
+                                        <p:attrNameLst>
+                                          <p:attrName>style.visibility</p:attrName>
+                                        </p:attrNameLst>
+                                      </p:cBhvr>
+                                      <p:to>
+                                        <p:strVal val="visible"/>
+                                      </p:to>
+                                    </p:set>
+                                  </p:childTnLst>
+                                </p:cTn>
+                              </p:par>
+                            </p:childTnLst>
+                          </p:cTn>
+                        </p:par>
+                      </p:childTnLst>
+                    </p:cTn>
+                  </p:par>
+                </p:childTnLst>
+              </p:cTn>
+              <p:prevCondLst>
+                <p:cond evt="onPrev" delay="0">
+                  <p:tgtEl>
+                    <p:sldTgt/>
+                  </p:tgtEl>
+                </p:cond>
+              </p:prevCondLst>
+              <p:nextCondLst>
+                <p:cond evt="onNext" delay="0">
+                  <p:tgtEl>
+                    <p:sldTgt/>
+                  </p:tgtEl>
+                </p:cond>
+              </p:nextCondLst>
+            </p:seq>
+          </p:childTnLst>
+        </p:cTn>
       </p:par>
     </p:tnLst>
+    <p:bldLst>
+      <p:bldP spid="2" grpId="0" build="p"/>
+    </p:bldLst>
   </p:timing>
 </p:sld>
 </file>

--- a/Iteration Management - Your Key to Predictable Delivery.pptx
+++ b/Iteration Management - Your Key to Predictable Delivery.pptx
@@ -5,15 +5,15 @@
     <p:sldMasterId id="2147483912" r:id="rId1"/>
   </p:sldMasterIdLst>
   <p:notesMasterIdLst>
-    <p:notesMasterId r:id="rId48"/>
+    <p:notesMasterId r:id="rId49"/>
   </p:notesMasterIdLst>
   <p:sldIdLst>
     <p:sldId id="256" r:id="rId2"/>
     <p:sldId id="257" r:id="rId3"/>
     <p:sldId id="289" r:id="rId4"/>
-    <p:sldId id="283" r:id="rId5"/>
-    <p:sldId id="284" r:id="rId6"/>
-    <p:sldId id="281" r:id="rId7"/>
+    <p:sldId id="281" r:id="rId5"/>
+    <p:sldId id="283" r:id="rId6"/>
+    <p:sldId id="284" r:id="rId7"/>
     <p:sldId id="267" r:id="rId8"/>
     <p:sldId id="268" r:id="rId9"/>
     <p:sldId id="269" r:id="rId10"/>
@@ -32,28 +32,29 @@
     <p:sldId id="276" r:id="rId23"/>
     <p:sldId id="261" r:id="rId24"/>
     <p:sldId id="290" r:id="rId25"/>
-    <p:sldId id="262" r:id="rId26"/>
-    <p:sldId id="291" r:id="rId27"/>
-    <p:sldId id="296" r:id="rId28"/>
-    <p:sldId id="292" r:id="rId29"/>
-    <p:sldId id="297" r:id="rId30"/>
-    <p:sldId id="299" r:id="rId31"/>
-    <p:sldId id="298" r:id="rId32"/>
-    <p:sldId id="294" r:id="rId33"/>
-    <p:sldId id="295" r:id="rId34"/>
-    <p:sldId id="282" r:id="rId35"/>
-    <p:sldId id="300" r:id="rId36"/>
-    <p:sldId id="301" r:id="rId37"/>
-    <p:sldId id="302" r:id="rId38"/>
-    <p:sldId id="303" r:id="rId39"/>
-    <p:sldId id="279" r:id="rId40"/>
-    <p:sldId id="266" r:id="rId41"/>
-    <p:sldId id="305" r:id="rId42"/>
+    <p:sldId id="308" r:id="rId26"/>
+    <p:sldId id="262" r:id="rId27"/>
+    <p:sldId id="291" r:id="rId28"/>
+    <p:sldId id="296" r:id="rId29"/>
+    <p:sldId id="292" r:id="rId30"/>
+    <p:sldId id="297" r:id="rId31"/>
+    <p:sldId id="299" r:id="rId32"/>
+    <p:sldId id="298" r:id="rId33"/>
+    <p:sldId id="294" r:id="rId34"/>
+    <p:sldId id="295" r:id="rId35"/>
+    <p:sldId id="282" r:id="rId36"/>
+    <p:sldId id="300" r:id="rId37"/>
+    <p:sldId id="301" r:id="rId38"/>
+    <p:sldId id="302" r:id="rId39"/>
+    <p:sldId id="303" r:id="rId40"/>
+    <p:sldId id="279" r:id="rId41"/>
+    <p:sldId id="266" r:id="rId42"/>
     <p:sldId id="264" r:id="rId43"/>
     <p:sldId id="263" r:id="rId44"/>
     <p:sldId id="265" r:id="rId45"/>
     <p:sldId id="277" r:id="rId46"/>
-    <p:sldId id="306" r:id="rId47"/>
+    <p:sldId id="307" r:id="rId47"/>
+    <p:sldId id="306" r:id="rId48"/>
   </p:sldIdLst>
   <p:sldSz cx="9144000" cy="6858000" type="screen4x3"/>
   <p:notesSz cx="6858000" cy="9144000"/>
@@ -152,6 +153,22 @@
       </a:defRPr>
     </a:lvl9pPr>
   </p:defaultTextStyle>
+  <p:extLst>
+    <p:ext uri="{EFAFB233-063F-42B5-8137-9DF3F51BA10A}">
+      <p15:sldGuideLst xmlns:p15="http://schemas.microsoft.com/office/powerpoint/2012/main">
+        <p15:guide id="1" orient="horz" pos="2160">
+          <p15:clr>
+            <a:srgbClr val="A4A3A4"/>
+          </p15:clr>
+        </p15:guide>
+        <p15:guide id="2" pos="2880">
+          <p15:clr>
+            <a:srgbClr val="A4A3A4"/>
+          </p15:clr>
+        </p15:guide>
+      </p15:sldGuideLst>
+    </p:ext>
+  </p:extLst>
 </p:presentation>
 </file>
 
@@ -237,7 +254,7 @@
           <a:p>
             <a:fld id="{6C6C5C74-C5D5-44B4-837D-76A1EE64E52E}" type="datetimeFigureOut">
               <a:rPr lang="en-US" smtClean="0"/>
-              <a:t>2/17/2015</a:t>
+              <a:t>5/5/2016</a:t>
             </a:fld>
             <a:endParaRPr lang="en-US"/>
           </a:p>
@@ -564,8 +581,31 @@
             </a:r>
             <a:r>
               <a:rPr lang="en-US" baseline="0" dirty="0" smtClean="0"/>
-              <a:t> vs. project managers</a:t>
-            </a:r>
+              <a:t> vs. project </a:t>
+            </a:r>
+            <a:r>
+              <a:rPr lang="en-US" baseline="0" dirty="0" smtClean="0"/>
+              <a:t>managers</a:t>
+            </a:r>
+          </a:p>
+          <a:p>
+            <a:endParaRPr lang="en-US" baseline="0" dirty="0" smtClean="0"/>
+          </a:p>
+          <a:p>
+            <a:r>
+              <a:rPr lang="en-US" baseline="0" dirty="0" err="1" smtClean="0"/>
+              <a:t>Unblocker</a:t>
+            </a:r>
+            <a:endParaRPr lang="en-US" baseline="0" dirty="0" smtClean="0"/>
+          </a:p>
+          <a:p>
+            <a:r>
+              <a:rPr lang="en-US" baseline="0" dirty="0" smtClean="0"/>
+              <a:t>How to spot someone being blocked</a:t>
+            </a:r>
+          </a:p>
+          <a:p>
+            <a:endParaRPr lang="en-US" baseline="0" dirty="0" smtClean="0"/>
           </a:p>
           <a:p>
             <a:r>
@@ -577,19 +617,6 @@
             <a:r>
               <a:rPr lang="en-US" baseline="0" dirty="0" smtClean="0"/>
               <a:t>Help the team work as a team (not silos)</a:t>
-            </a:r>
-          </a:p>
-          <a:p>
-            <a:r>
-              <a:rPr lang="en-US" baseline="0" dirty="0" err="1" smtClean="0"/>
-              <a:t>Unblocker</a:t>
-            </a:r>
-            <a:endParaRPr lang="en-US" baseline="0" dirty="0" smtClean="0"/>
-          </a:p>
-          <a:p>
-            <a:r>
-              <a:rPr lang="en-US" baseline="0" dirty="0" smtClean="0"/>
-              <a:t>How to spot someone being blocked</a:t>
             </a:r>
           </a:p>
           <a:p>
@@ -610,14 +637,7 @@
               <a:tabLst/>
               <a:defRPr/>
             </a:pPr>
-            <a:r>
-              <a:rPr lang="en-US" baseline="0" dirty="0" smtClean="0"/>
-              <a:t>Handling changes (from the business, production support, etc</a:t>
-            </a:r>
-            <a:r>
-              <a:rPr lang="en-US" baseline="0" dirty="0" smtClean="0"/>
-              <a:t>.)</a:t>
-            </a:r>
+            <a:endParaRPr lang="en-US" baseline="0" dirty="0" smtClean="0"/>
           </a:p>
           <a:p>
             <a:pPr marL="0" marR="0" indent="0" algn="l" defTabSz="914400" rtl="0" eaLnBrk="1" fontAlgn="auto" latinLnBrk="0" hangingPunct="1">
@@ -639,9 +659,59 @@
             </a:pPr>
             <a:r>
               <a:rPr lang="en-US" baseline="0" dirty="0" smtClean="0"/>
-              <a:t>Not necessarily a full time job</a:t>
-            </a:r>
+              <a:t>Handling </a:t>
+            </a:r>
+            <a:r>
+              <a:rPr lang="en-US" baseline="0" dirty="0" smtClean="0"/>
+              <a:t>changes (from the business, production support, etc.)</a:t>
+            </a:r>
+          </a:p>
+          <a:p>
+            <a:pPr marL="0" marR="0" indent="0" algn="l" defTabSz="914400" rtl="0" eaLnBrk="1" fontAlgn="auto" latinLnBrk="0" hangingPunct="1">
+              <a:lnSpc>
+                <a:spcPct val="100000"/>
+              </a:lnSpc>
+              <a:spcBef>
+                <a:spcPts val="0"/>
+              </a:spcBef>
+              <a:spcAft>
+                <a:spcPts val="0"/>
+              </a:spcAft>
+              <a:buClrTx/>
+              <a:buSzTx/>
+              <a:buFontTx/>
+              <a:buNone/>
+              <a:tabLst/>
+              <a:defRPr/>
+            </a:pPr>
             <a:endParaRPr lang="en-US" baseline="0" dirty="0" smtClean="0"/>
+          </a:p>
+          <a:p>
+            <a:pPr marL="0" marR="0" indent="0" algn="l" defTabSz="914400" rtl="0" eaLnBrk="1" fontAlgn="auto" latinLnBrk="0" hangingPunct="1">
+              <a:lnSpc>
+                <a:spcPct val="100000"/>
+              </a:lnSpc>
+              <a:spcBef>
+                <a:spcPts val="0"/>
+              </a:spcBef>
+              <a:spcAft>
+                <a:spcPts val="0"/>
+              </a:spcAft>
+              <a:buClrTx/>
+              <a:buSzTx/>
+              <a:buFontTx/>
+              <a:buNone/>
+              <a:tabLst/>
+              <a:defRPr/>
+            </a:pPr>
+            <a:r>
+              <a:rPr lang="en-US" baseline="0" dirty="0" smtClean="0"/>
+              <a:t>Not </a:t>
+            </a:r>
+            <a:r>
+              <a:rPr lang="en-US" baseline="0" dirty="0" smtClean="0"/>
+              <a:t>necessarily a full time job</a:t>
+            </a:r>
           </a:p>
         </p:txBody>
       </p:sp>
@@ -1034,26 +1104,11 @@
           <a:p>
             <a:r>
               <a:rPr lang="en-US" dirty="0" smtClean="0"/>
-              <a:t>How many</a:t>
-            </a:r>
-            <a:r>
-              <a:rPr lang="en-US" baseline="0" dirty="0" smtClean="0"/>
-              <a:t> of you estimate </a:t>
-            </a:r>
-            <a:r>
-              <a:rPr lang="en-US" baseline="0" dirty="0" err="1" smtClean="0"/>
-              <a:t>dev</a:t>
-            </a:r>
-            <a:r>
-              <a:rPr lang="en-US" baseline="0" dirty="0" smtClean="0"/>
-              <a:t>?  QA?  Analysis?</a:t>
-            </a:r>
-            <a:endParaRPr lang="en-US" dirty="0" smtClean="0"/>
-          </a:p>
-          <a:p>
+              <a:t>“Estimates </a:t>
+            </a:r>
             <a:r>
               <a:rPr lang="en-US" dirty="0" smtClean="0"/>
-              <a:t>“Estimates are always wrong” – business needs better</a:t>
+              <a:t>are always wrong” – business needs better</a:t>
             </a:r>
             <a:r>
               <a:rPr lang="en-US" baseline="0" dirty="0" smtClean="0"/>
@@ -1103,7 +1158,11 @@
             </a:r>
             <a:r>
               <a:rPr lang="en-US" baseline="0" dirty="0" smtClean="0"/>
-              <a:t> doing the work should do the estimates</a:t>
+              <a:t> doing the work should do the </a:t>
+            </a:r>
+            <a:r>
+              <a:rPr lang="en-US" baseline="0" dirty="0" smtClean="0"/>
+              <a:t>estimates</a:t>
             </a:r>
           </a:p>
           <a:p>
@@ -1126,54 +1185,9 @@
             </a:pPr>
             <a:r>
               <a:rPr lang="en-US" baseline="0" dirty="0" smtClean="0"/>
-              <a:t>Estimate as late as possible</a:t>
-            </a:r>
-          </a:p>
-          <a:p>
-            <a:pPr marL="0" marR="0" indent="0" algn="l" defTabSz="914400" rtl="0" eaLnBrk="1" fontAlgn="auto" latinLnBrk="0" hangingPunct="1">
-              <a:lnSpc>
-                <a:spcPct val="100000"/>
-              </a:lnSpc>
-              <a:spcBef>
-                <a:spcPts val="0"/>
-              </a:spcBef>
-              <a:spcAft>
-                <a:spcPts val="0"/>
-              </a:spcAft>
-              <a:buClrTx/>
-              <a:buSzTx/>
-              <a:buFontTx/>
-              <a:buNone/>
-              <a:tabLst/>
-              <a:defRPr/>
-            </a:pPr>
-            <a:r>
-              <a:rPr lang="en-US" baseline="0" dirty="0" smtClean="0"/>
-              <a:t>Don’t have long estimation meetings</a:t>
-            </a:r>
-          </a:p>
-          <a:p>
-            <a:pPr marL="0" marR="0" indent="0" algn="l" defTabSz="914400" rtl="0" eaLnBrk="1" fontAlgn="auto" latinLnBrk="0" hangingPunct="1">
-              <a:lnSpc>
-                <a:spcPct val="100000"/>
-              </a:lnSpc>
-              <a:spcBef>
-                <a:spcPts val="0"/>
-              </a:spcBef>
-              <a:spcAft>
-                <a:spcPts val="0"/>
-              </a:spcAft>
-              <a:buClrTx/>
-              <a:buSzTx/>
-              <a:buFontTx/>
-              <a:buNone/>
-              <a:tabLst/>
-              <a:defRPr/>
-            </a:pPr>
-            <a:r>
-              <a:rPr lang="en-US" baseline="0" dirty="0" smtClean="0"/>
-              <a:t>Re-estimating work that was estimated long ago</a:t>
-            </a:r>
+              <a:t>Estimate QA and analysis too</a:t>
+            </a:r>
+            <a:endParaRPr lang="en-US" baseline="0" dirty="0" smtClean="0"/>
           </a:p>
         </p:txBody>
       </p:sp>
@@ -1545,16 +1559,6 @@
               <a:buFontTx/>
               <a:buChar char="-"/>
             </a:pPr>
-            <a:r>
-              <a:rPr lang="en-US" baseline="0" dirty="0" smtClean="0"/>
-              <a:t>Velocity has more meaning</a:t>
-            </a:r>
-          </a:p>
-          <a:p>
-            <a:pPr marL="171450" indent="-171450">
-              <a:buFontTx/>
-              <a:buChar char="-"/>
-            </a:pPr>
             <a:endParaRPr lang="en-US" baseline="0" dirty="0" smtClean="0"/>
           </a:p>
           <a:p>
@@ -1796,7 +1800,21 @@
             </a:pPr>
             <a:r>
               <a:rPr lang="en-US" baseline="0" dirty="0" smtClean="0"/>
-              <a:t>Works well if you handle work as it comes to you </a:t>
+              <a:t>Estimation is a waste of time, just do the most important work now – I don’t know that this is always practical</a:t>
+            </a:r>
+          </a:p>
+          <a:p>
+            <a:pPr marL="171450" indent="-171450">
+              <a:buFontTx/>
+              <a:buChar char="-"/>
+            </a:pPr>
+            <a:r>
+              <a:rPr lang="en-US" baseline="0" dirty="0" smtClean="0"/>
+              <a:t>Works </a:t>
+            </a:r>
+            <a:r>
+              <a:rPr lang="en-US" baseline="0" dirty="0" smtClean="0"/>
+              <a:t>well if you handle work as it comes to you </a:t>
             </a:r>
           </a:p>
           <a:p>
@@ -2256,11 +2274,7 @@
           <a:p>
             <a:r>
               <a:rPr lang="en-US" dirty="0" smtClean="0"/>
-              <a:t>Past experiences with data </a:t>
-            </a:r>
-            <a:r>
-              <a:rPr lang="en-US" dirty="0" smtClean="0"/>
-              <a:t>analysis (</a:t>
+              <a:t>Past experiences with data analysis (</a:t>
             </a:r>
             <a:r>
               <a:rPr lang="en-US" dirty="0" err="1" smtClean="0"/>
@@ -2278,7 +2292,6 @@
               <a:rPr lang="en-US" dirty="0" smtClean="0"/>
               <a:t>)</a:t>
             </a:r>
-            <a:endParaRPr lang="en-US" dirty="0" smtClean="0"/>
           </a:p>
           <a:p>
             <a:r>
@@ -2287,13 +2300,8 @@
             </a:r>
             <a:r>
               <a:rPr lang="en-US" baseline="0" dirty="0" smtClean="0"/>
-              <a:t> better at </a:t>
-            </a:r>
-            <a:r>
-              <a:rPr lang="en-US" baseline="0" dirty="0" smtClean="0"/>
-              <a:t>estimating and planning</a:t>
-            </a:r>
-            <a:endParaRPr lang="en-US" baseline="0" dirty="0" smtClean="0"/>
+              <a:t> better at estimating and planning</a:t>
+            </a:r>
           </a:p>
           <a:p>
             <a:r>
@@ -2334,7 +2342,7 @@
             </a:pPr>
             <a:r>
               <a:rPr lang="en-US" baseline="0" dirty="0" smtClean="0"/>
-              <a:t>Expected the unexpected</a:t>
+              <a:t>Expect the unexpected</a:t>
             </a:r>
           </a:p>
           <a:p>
@@ -2471,7 +2479,7 @@
           <a:p>
             <a:r>
               <a:rPr lang="en-US" dirty="0" smtClean="0"/>
-              <a:t>- % time per activity</a:t>
+              <a:t>- % time per activity – estimate this too!</a:t>
             </a:r>
           </a:p>
           <a:p>
@@ -2605,15 +2613,155 @@
           <a:bodyPr/>
           <a:lstStyle/>
           <a:p>
+            <a:pPr marL="0" marR="0" indent="0" algn="l" defTabSz="914400" rtl="0" eaLnBrk="1" fontAlgn="auto" latinLnBrk="0" hangingPunct="1">
+              <a:lnSpc>
+                <a:spcPct val="100000"/>
+              </a:lnSpc>
+              <a:spcBef>
+                <a:spcPts val="0"/>
+              </a:spcBef>
+              <a:spcAft>
+                <a:spcPts val="0"/>
+              </a:spcAft>
+              <a:buClrTx/>
+              <a:buSzTx/>
+              <a:buFontTx/>
+              <a:buNone/>
+              <a:tabLst/>
+              <a:defRPr/>
+            </a:pPr>
             <a:r>
               <a:rPr lang="en-US" dirty="0" smtClean="0"/>
-              <a:t>Things</a:t>
+              <a:t>How much can we commit to, and what</a:t>
             </a:r>
             <a:r>
               <a:rPr lang="en-US" baseline="0" dirty="0" smtClean="0"/>
-              <a:t> you track that you might share with others to communicate status</a:t>
-            </a:r>
-            <a:endParaRPr lang="en-US" dirty="0"/>
+              <a:t> should we work on</a:t>
+            </a:r>
+            <a:r>
+              <a:rPr lang="en-US" dirty="0" smtClean="0"/>
+              <a:t>?</a:t>
+            </a:r>
+          </a:p>
+          <a:p>
+            <a:r>
+              <a:rPr lang="en-US" dirty="0" smtClean="0"/>
+              <a:t>Tickets should already be estimated (incl.</a:t>
+            </a:r>
+            <a:r>
+              <a:rPr lang="en-US" baseline="0" dirty="0" smtClean="0"/>
+              <a:t> analysis, testing)</a:t>
+            </a:r>
+          </a:p>
+          <a:p>
+            <a:endParaRPr lang="en-US" baseline="0" dirty="0" smtClean="0"/>
+          </a:p>
+          <a:p>
+            <a:r>
+              <a:rPr lang="en-US" baseline="0" dirty="0" smtClean="0"/>
+              <a:t>% person’s time in each discipline for moving tickets?  (separate by project)</a:t>
+            </a:r>
+          </a:p>
+          <a:p>
+            <a:r>
+              <a:rPr lang="en-US" dirty="0" smtClean="0"/>
+              <a:t>Account</a:t>
+            </a:r>
+            <a:r>
+              <a:rPr lang="en-US" baseline="0" dirty="0" smtClean="0"/>
+              <a:t> for time off, special meetings, etc.</a:t>
+            </a:r>
+          </a:p>
+          <a:p>
+            <a:pPr marL="0" marR="0" indent="0" algn="l" defTabSz="914400" rtl="0" eaLnBrk="1" fontAlgn="auto" latinLnBrk="0" hangingPunct="1">
+              <a:lnSpc>
+                <a:spcPct val="100000"/>
+              </a:lnSpc>
+              <a:spcBef>
+                <a:spcPts val="0"/>
+              </a:spcBef>
+              <a:spcAft>
+                <a:spcPts val="0"/>
+              </a:spcAft>
+              <a:buClrTx/>
+              <a:buSzTx/>
+              <a:buFontTx/>
+              <a:buNone/>
+              <a:tabLst/>
+              <a:defRPr/>
+            </a:pPr>
+            <a:r>
+              <a:rPr lang="en-US" baseline="0" dirty="0" smtClean="0"/>
+              <a:t>Expected time needed for new scope, prod support, etc.</a:t>
+            </a:r>
+          </a:p>
+          <a:p>
+            <a:pPr marL="0" marR="0" indent="0" algn="l" defTabSz="914400" rtl="0" eaLnBrk="1" fontAlgn="auto" latinLnBrk="0" hangingPunct="1">
+              <a:lnSpc>
+                <a:spcPct val="100000"/>
+              </a:lnSpc>
+              <a:spcBef>
+                <a:spcPts val="0"/>
+              </a:spcBef>
+              <a:spcAft>
+                <a:spcPts val="0"/>
+              </a:spcAft>
+              <a:buClrTx/>
+              <a:buSzTx/>
+              <a:buFontTx/>
+              <a:buNone/>
+              <a:tabLst/>
+              <a:defRPr/>
+            </a:pPr>
+            <a:r>
+              <a:rPr lang="en-US" baseline="0" dirty="0" smtClean="0"/>
+              <a:t>Normal working hours</a:t>
+            </a:r>
+          </a:p>
+          <a:p>
+            <a:r>
+              <a:rPr lang="en-US" dirty="0" smtClean="0"/>
+              <a:t>Break</a:t>
+            </a:r>
+            <a:r>
+              <a:rPr lang="en-US" baseline="0" dirty="0" smtClean="0"/>
+              <a:t> the team into smaller teams (or sub-teams) </a:t>
+            </a:r>
+          </a:p>
+          <a:p>
+            <a:r>
+              <a:rPr lang="en-US" baseline="0" dirty="0" smtClean="0"/>
+              <a:t>Each sub-team can do their own capacity planning</a:t>
+            </a:r>
+          </a:p>
+          <a:p>
+            <a:endParaRPr lang="en-US" baseline="0" dirty="0" smtClean="0"/>
+          </a:p>
+          <a:p>
+            <a:pPr marL="0" marR="0" indent="0" algn="l" defTabSz="914400" rtl="0" eaLnBrk="1" fontAlgn="auto" latinLnBrk="0" hangingPunct="1">
+              <a:lnSpc>
+                <a:spcPct val="100000"/>
+              </a:lnSpc>
+              <a:spcBef>
+                <a:spcPts val="0"/>
+              </a:spcBef>
+              <a:spcAft>
+                <a:spcPts val="0"/>
+              </a:spcAft>
+              <a:buClrTx/>
+              <a:buSzTx/>
+              <a:buFontTx/>
+              <a:buNone/>
+              <a:tabLst/>
+              <a:defRPr/>
+            </a:pPr>
+            <a:r>
+              <a:rPr lang="en-US" baseline="0" dirty="0" smtClean="0"/>
+              <a:t>Start with a gut feel, and then adjust your gut feel estimate based on data and experiences </a:t>
+            </a:r>
+          </a:p>
+          <a:p>
+            <a:endParaRPr lang="en-US" dirty="0" smtClean="0"/>
           </a:p>
         </p:txBody>
       </p:sp>
@@ -2643,7 +2791,7 @@
     </p:spTree>
     <p:extLst>
       <p:ext uri="{BB962C8B-B14F-4D97-AF65-F5344CB8AC3E}">
-        <p14:creationId xmlns:p14="http://schemas.microsoft.com/office/powerpoint/2010/main" val="3965149903"/>
+        <p14:creationId xmlns:p14="http://schemas.microsoft.com/office/powerpoint/2010/main" val="718184148"/>
       </p:ext>
     </p:extLst>
   </p:cSld>
@@ -2699,48 +2847,12 @@
           <a:p>
             <a:r>
               <a:rPr lang="en-US" dirty="0" smtClean="0"/>
-              <a:t>What</a:t>
+              <a:t>Things</a:t>
             </a:r>
             <a:r>
               <a:rPr lang="en-US" baseline="0" dirty="0" smtClean="0"/>
-              <a:t> can you conclude from this chart?</a:t>
-            </a:r>
-          </a:p>
-          <a:p>
-            <a:pPr marL="171450" indent="-171450">
-              <a:buFontTx/>
-              <a:buChar char="-"/>
-            </a:pPr>
-            <a:r>
-              <a:rPr lang="en-US" baseline="0" dirty="0" smtClean="0"/>
-              <a:t>Average velocity is 58</a:t>
-            </a:r>
-          </a:p>
-          <a:p>
-            <a:pPr marL="171450" indent="-171450">
-              <a:buFontTx/>
-              <a:buChar char="-"/>
-            </a:pPr>
-            <a:r>
-              <a:rPr lang="en-US" baseline="0" dirty="0" smtClean="0"/>
-              <a:t>The last two iterations have been good so we can do better than 58</a:t>
-            </a:r>
-          </a:p>
-          <a:p>
-            <a:pPr marL="171450" indent="-171450">
-              <a:buFontTx/>
-              <a:buChar char="-"/>
-            </a:pPr>
-            <a:r>
-              <a:rPr lang="en-US" baseline="0" dirty="0" smtClean="0"/>
-              <a:t>Absolutely nothing!</a:t>
-            </a:r>
-          </a:p>
-          <a:p>
-            <a:pPr marL="171450" indent="-171450">
-              <a:buFontTx/>
-              <a:buChar char="-"/>
-            </a:pPr>
+              <a:t> you track that you might share with others to communicate status</a:t>
+            </a:r>
             <a:endParaRPr lang="en-US" dirty="0"/>
           </a:p>
         </p:txBody>
@@ -2762,7 +2874,7 @@
           <a:p>
             <a:fld id="{CF4E5B25-4A79-484F-8CBE-17420048C75D}" type="slidenum">
               <a:rPr lang="en-US" smtClean="0"/>
-              <a:t>27</a:t>
+              <a:t>26</a:t>
             </a:fld>
             <a:endParaRPr lang="en-US"/>
           </a:p>
@@ -2771,7 +2883,7 @@
     </p:spTree>
     <p:extLst>
       <p:ext uri="{BB962C8B-B14F-4D97-AF65-F5344CB8AC3E}">
-        <p14:creationId xmlns:p14="http://schemas.microsoft.com/office/powerpoint/2010/main" val="1231796444"/>
+        <p14:creationId xmlns:p14="http://schemas.microsoft.com/office/powerpoint/2010/main" val="3965149903"/>
       </p:ext>
     </p:extLst>
   </p:cSld>
@@ -2827,18 +2939,48 @@
           <a:p>
             <a:r>
               <a:rPr lang="en-US" dirty="0" smtClean="0"/>
-              <a:t>Things</a:t>
+              <a:t>What</a:t>
             </a:r>
             <a:r>
               <a:rPr lang="en-US" baseline="0" dirty="0" smtClean="0"/>
-              <a:t> I’m going to track to help me plan/estimate</a:t>
-            </a:r>
-          </a:p>
-          <a:p>
+              <a:t> can you conclude from this chart?</a:t>
+            </a:r>
+          </a:p>
+          <a:p>
+            <a:pPr marL="171450" indent="-171450">
+              <a:buFontTx/>
+              <a:buChar char="-"/>
+            </a:pPr>
             <a:r>
               <a:rPr lang="en-US" baseline="0" dirty="0" smtClean="0"/>
-              <a:t>Not going to share (outside the team)</a:t>
-            </a:r>
+              <a:t>Average velocity is 58</a:t>
+            </a:r>
+          </a:p>
+          <a:p>
+            <a:pPr marL="171450" indent="-171450">
+              <a:buFontTx/>
+              <a:buChar char="-"/>
+            </a:pPr>
+            <a:r>
+              <a:rPr lang="en-US" baseline="0" dirty="0" smtClean="0"/>
+              <a:t>The last two iterations have been good so we can do better than 58</a:t>
+            </a:r>
+          </a:p>
+          <a:p>
+            <a:pPr marL="171450" indent="-171450">
+              <a:buFontTx/>
+              <a:buChar char="-"/>
+            </a:pPr>
+            <a:r>
+              <a:rPr lang="en-US" baseline="0" dirty="0" smtClean="0"/>
+              <a:t>Absolutely nothing!</a:t>
+            </a:r>
+          </a:p>
+          <a:p>
+            <a:pPr marL="171450" indent="-171450">
+              <a:buFontTx/>
+              <a:buChar char="-"/>
+            </a:pPr>
             <a:endParaRPr lang="en-US" dirty="0"/>
           </a:p>
         </p:txBody>
@@ -2869,7 +3011,7 @@
     </p:spTree>
     <p:extLst>
       <p:ext uri="{BB962C8B-B14F-4D97-AF65-F5344CB8AC3E}">
-        <p14:creationId xmlns:p14="http://schemas.microsoft.com/office/powerpoint/2010/main" val="4119223399"/>
+        <p14:creationId xmlns:p14="http://schemas.microsoft.com/office/powerpoint/2010/main" val="1231796444"/>
       </p:ext>
     </p:extLst>
   </p:cSld>
@@ -2923,6 +3065,20 @@
           <a:bodyPr/>
           <a:lstStyle/>
           <a:p>
+            <a:r>
+              <a:rPr lang="en-US" dirty="0" smtClean="0"/>
+              <a:t>Things</a:t>
+            </a:r>
+            <a:r>
+              <a:rPr lang="en-US" baseline="0" dirty="0" smtClean="0"/>
+              <a:t> I’m going to track to help me plan/estimate</a:t>
+            </a:r>
+          </a:p>
+          <a:p>
+            <a:r>
+              <a:rPr lang="en-US" baseline="0" dirty="0" smtClean="0"/>
+              <a:t>Not going to share (outside the team)</a:t>
+            </a:r>
             <a:endParaRPr lang="en-US" dirty="0"/>
           </a:p>
         </p:txBody>
@@ -3007,163 +3163,6 @@
           <a:bodyPr/>
           <a:lstStyle/>
           <a:p>
-            <a:r>
-              <a:rPr lang="en-US" dirty="0" smtClean="0"/>
-              <a:t>Velocity</a:t>
-            </a:r>
-            <a:r>
-              <a:rPr lang="en-US" baseline="0" dirty="0" smtClean="0"/>
-              <a:t> affected by variables</a:t>
-            </a:r>
-          </a:p>
-          <a:p>
-            <a:r>
-              <a:rPr lang="en-US" baseline="0" dirty="0" smtClean="0"/>
-              <a:t>Capacity is better</a:t>
-            </a:r>
-          </a:p>
-          <a:p>
-            <a:endParaRPr lang="en-US" baseline="0" dirty="0" smtClean="0"/>
-          </a:p>
-          <a:p>
-            <a:pPr marL="0" marR="0" indent="0" algn="l" defTabSz="914400" rtl="0" eaLnBrk="1" fontAlgn="auto" latinLnBrk="0" hangingPunct="1">
-              <a:lnSpc>
-                <a:spcPct val="100000"/>
-              </a:lnSpc>
-              <a:spcBef>
-                <a:spcPts val="0"/>
-              </a:spcBef>
-              <a:spcAft>
-                <a:spcPts val="0"/>
-              </a:spcAft>
-              <a:buClrTx/>
-              <a:buSzTx/>
-              <a:buFontTx/>
-              <a:buNone/>
-              <a:tabLst/>
-              <a:defRPr/>
-            </a:pPr>
-            <a:r>
-              <a:rPr lang="en-US" dirty="0" smtClean="0"/>
-              <a:t>Start with</a:t>
-            </a:r>
-            <a:r>
-              <a:rPr lang="en-US" baseline="0" dirty="0" smtClean="0"/>
-              <a:t> a gut feel and refine it</a:t>
-            </a:r>
-          </a:p>
-          <a:p>
-            <a:endParaRPr lang="en-US" baseline="0" dirty="0" smtClean="0"/>
-          </a:p>
-          <a:p>
-            <a:pPr marL="171450" indent="-171450">
-              <a:buFont typeface="Arial" panose="020B0604020202020204" pitchFamily="34" charset="0"/>
-              <a:buChar char="•"/>
-            </a:pPr>
-            <a:r>
-              <a:rPr lang="en-US" sz="1200" b="0" i="0" kern="1200" dirty="0" smtClean="0">
-                <a:solidFill>
-                  <a:schemeClr val="tx1"/>
-                </a:solidFill>
-                <a:effectLst/>
-                <a:latin typeface="+mn-lt"/>
-                <a:ea typeface="+mn-ea"/>
-                <a:cs typeface="+mn-cs"/>
-              </a:rPr>
-              <a:t>Estimates vs. actuals at the feature level</a:t>
-            </a:r>
-          </a:p>
-          <a:p>
-            <a:pPr marL="171450" indent="-171450">
-              <a:buFont typeface="Arial" panose="020B0604020202020204" pitchFamily="34" charset="0"/>
-              <a:buChar char="•"/>
-            </a:pPr>
-            <a:r>
-              <a:rPr lang="en-US" sz="1200" b="0" i="0" kern="1200" dirty="0" smtClean="0">
-                <a:solidFill>
-                  <a:schemeClr val="tx1"/>
-                </a:solidFill>
-                <a:effectLst/>
-                <a:latin typeface="+mn-lt"/>
-                <a:ea typeface="+mn-ea"/>
-                <a:cs typeface="+mn-cs"/>
-              </a:rPr>
-              <a:t>Work that comes into the iteration after the iteration starts (excluding even swaps of one feature for another) – for example, this could be bugs, production support, etc.</a:t>
-            </a:r>
-          </a:p>
-          <a:p>
-            <a:pPr marL="171450" indent="-171450">
-              <a:buFont typeface="Arial" panose="020B0604020202020204" pitchFamily="34" charset="0"/>
-              <a:buChar char="•"/>
-            </a:pPr>
-            <a:r>
-              <a:rPr lang="en-US" sz="1200" b="0" i="0" kern="1200" dirty="0" smtClean="0">
-                <a:solidFill>
-                  <a:schemeClr val="tx1"/>
-                </a:solidFill>
-                <a:effectLst/>
-                <a:latin typeface="+mn-lt"/>
-                <a:ea typeface="+mn-ea"/>
-                <a:cs typeface="+mn-cs"/>
-              </a:rPr>
-              <a:t>Percentage of time spent on analysis, development, testing, and everything else</a:t>
-            </a:r>
-          </a:p>
-          <a:p>
-            <a:pPr marL="171450" indent="-171450">
-              <a:buFont typeface="Arial" panose="020B0604020202020204" pitchFamily="34" charset="0"/>
-              <a:buChar char="•"/>
-            </a:pPr>
-            <a:r>
-              <a:rPr lang="en-US" sz="1200" b="0" i="0" kern="1200" dirty="0" smtClean="0">
-                <a:solidFill>
-                  <a:schemeClr val="tx1"/>
-                </a:solidFill>
-                <a:effectLst/>
-                <a:latin typeface="+mn-lt"/>
-                <a:ea typeface="+mn-ea"/>
-                <a:cs typeface="+mn-cs"/>
-              </a:rPr>
-              <a:t>Points/hours planned for vs. points/hours completed in an iteration</a:t>
-            </a:r>
-          </a:p>
-          <a:p>
-            <a:pPr marL="171450" indent="-171450">
-              <a:buFont typeface="Arial" panose="020B0604020202020204" pitchFamily="34" charset="0"/>
-              <a:buChar char="•"/>
-            </a:pPr>
-            <a:r>
-              <a:rPr lang="en-US" sz="1200" b="0" i="0" kern="1200" dirty="0" smtClean="0">
-                <a:solidFill>
-                  <a:schemeClr val="tx1"/>
-                </a:solidFill>
-                <a:effectLst/>
-                <a:latin typeface="+mn-lt"/>
-                <a:ea typeface="+mn-ea"/>
-                <a:cs typeface="+mn-cs"/>
-              </a:rPr>
-              <a:t>Planned vacations, holidays, or other unusual events</a:t>
-            </a:r>
-          </a:p>
-          <a:p>
-            <a:endParaRPr lang="en-US" dirty="0" smtClean="0"/>
-          </a:p>
-          <a:p>
-            <a:r>
-              <a:rPr lang="en-US" baseline="0" dirty="0" smtClean="0"/>
-              <a:t>Velocity </a:t>
-            </a:r>
-            <a:r>
-              <a:rPr lang="en-US" baseline="0" dirty="0" smtClean="0"/>
-              <a:t>is an internal metric, my capacity estimate is the interpretation of velocity (and other data)</a:t>
-            </a:r>
-            <a:endParaRPr lang="en-US" dirty="0" smtClean="0"/>
-          </a:p>
-          <a:p>
-            <a:pPr marL="171450" indent="-171450">
-              <a:buFontTx/>
-              <a:buChar char="-"/>
-            </a:pPr>
             <a:endParaRPr lang="en-US" dirty="0"/>
           </a:p>
         </p:txBody>
@@ -3194,7 +3193,7 @@
     </p:spTree>
     <p:extLst>
       <p:ext uri="{BB962C8B-B14F-4D97-AF65-F5344CB8AC3E}">
-        <p14:creationId xmlns:p14="http://schemas.microsoft.com/office/powerpoint/2010/main" val="1231796444"/>
+        <p14:creationId xmlns:p14="http://schemas.microsoft.com/office/powerpoint/2010/main" val="4119223399"/>
       </p:ext>
     </p:extLst>
   </p:cSld>
@@ -3250,24 +3249,157 @@
           <a:p>
             <a:r>
               <a:rPr lang="en-US" dirty="0" smtClean="0"/>
-              <a:t>What do</a:t>
+              <a:t>Velocity</a:t>
             </a:r>
             <a:r>
               <a:rPr lang="en-US" baseline="0" dirty="0" smtClean="0"/>
-              <a:t> people want to know, and why?</a:t>
+              <a:t> affected by variables</a:t>
             </a:r>
           </a:p>
           <a:p>
             <a:r>
               <a:rPr lang="en-US" baseline="0" dirty="0" smtClean="0"/>
-              <a:t>Posted metrics can distract the team from the goal</a:t>
-            </a:r>
-          </a:p>
-          <a:p>
+              <a:t>Capacity is better</a:t>
+            </a:r>
+          </a:p>
+          <a:p>
+            <a:endParaRPr lang="en-US" baseline="0" dirty="0" smtClean="0"/>
+          </a:p>
+          <a:p>
+            <a:pPr marL="0" marR="0" indent="0" algn="l" defTabSz="914400" rtl="0" eaLnBrk="1" fontAlgn="auto" latinLnBrk="0" hangingPunct="1">
+              <a:lnSpc>
+                <a:spcPct val="100000"/>
+              </a:lnSpc>
+              <a:spcBef>
+                <a:spcPts val="0"/>
+              </a:spcBef>
+              <a:spcAft>
+                <a:spcPts val="0"/>
+              </a:spcAft>
+              <a:buClrTx/>
+              <a:buSzTx/>
+              <a:buFontTx/>
+              <a:buNone/>
+              <a:tabLst/>
+              <a:defRPr/>
+            </a:pPr>
+            <a:r>
+              <a:rPr lang="en-US" dirty="0" smtClean="0"/>
+              <a:t>Start with</a:t>
+            </a:r>
             <a:r>
               <a:rPr lang="en-US" baseline="0" dirty="0" smtClean="0"/>
-              <a:t>Have a really good reason for posting metrics</a:t>
-            </a:r>
+              <a:t> a gut feel and refine it</a:t>
+            </a:r>
+          </a:p>
+          <a:p>
+            <a:endParaRPr lang="en-US" baseline="0" dirty="0" smtClean="0"/>
+          </a:p>
+          <a:p>
+            <a:pPr marL="171450" indent="-171450">
+              <a:buFont typeface="Arial" panose="020B0604020202020204" pitchFamily="34" charset="0"/>
+              <a:buChar char="•"/>
+            </a:pPr>
+            <a:r>
+              <a:rPr lang="en-US" sz="1200" b="0" i="0" kern="1200" dirty="0" smtClean="0">
+                <a:solidFill>
+                  <a:schemeClr val="tx1"/>
+                </a:solidFill>
+                <a:effectLst/>
+                <a:latin typeface="+mn-lt"/>
+                <a:ea typeface="+mn-ea"/>
+                <a:cs typeface="+mn-cs"/>
+              </a:rPr>
+              <a:t>Estimates vs. actuals at the feature level</a:t>
+            </a:r>
+          </a:p>
+          <a:p>
+            <a:pPr marL="171450" indent="-171450">
+              <a:buFont typeface="Arial" panose="020B0604020202020204" pitchFamily="34" charset="0"/>
+              <a:buChar char="•"/>
+            </a:pPr>
+            <a:r>
+              <a:rPr lang="en-US" sz="1200" b="0" i="0" kern="1200" dirty="0" smtClean="0">
+                <a:solidFill>
+                  <a:schemeClr val="tx1"/>
+                </a:solidFill>
+                <a:effectLst/>
+                <a:latin typeface="+mn-lt"/>
+                <a:ea typeface="+mn-ea"/>
+                <a:cs typeface="+mn-cs"/>
+              </a:rPr>
+              <a:t>Work that comes into the iteration after the iteration starts (excluding even swaps of one feature for another) – for example, this could be bugs, production support, etc.</a:t>
+            </a:r>
+          </a:p>
+          <a:p>
+            <a:pPr marL="171450" indent="-171450">
+              <a:buFont typeface="Arial" panose="020B0604020202020204" pitchFamily="34" charset="0"/>
+              <a:buChar char="•"/>
+            </a:pPr>
+            <a:r>
+              <a:rPr lang="en-US" sz="1200" b="0" i="0" kern="1200" dirty="0" smtClean="0">
+                <a:solidFill>
+                  <a:schemeClr val="tx1"/>
+                </a:solidFill>
+                <a:effectLst/>
+                <a:latin typeface="+mn-lt"/>
+                <a:ea typeface="+mn-ea"/>
+                <a:cs typeface="+mn-cs"/>
+              </a:rPr>
+              <a:t>Percentage of time spent on analysis, development, testing, and everything else</a:t>
+            </a:r>
+          </a:p>
+          <a:p>
+            <a:pPr marL="171450" indent="-171450">
+              <a:buFont typeface="Arial" panose="020B0604020202020204" pitchFamily="34" charset="0"/>
+              <a:buChar char="•"/>
+            </a:pPr>
+            <a:r>
+              <a:rPr lang="en-US" sz="1200" b="0" i="0" kern="1200" dirty="0" smtClean="0">
+                <a:solidFill>
+                  <a:schemeClr val="tx1"/>
+                </a:solidFill>
+                <a:effectLst/>
+                <a:latin typeface="+mn-lt"/>
+                <a:ea typeface="+mn-ea"/>
+                <a:cs typeface="+mn-cs"/>
+              </a:rPr>
+              <a:t>Points/hours planned for vs. points/hours completed in an iteration</a:t>
+            </a:r>
+          </a:p>
+          <a:p>
+            <a:pPr marL="171450" indent="-171450">
+              <a:buFont typeface="Arial" panose="020B0604020202020204" pitchFamily="34" charset="0"/>
+              <a:buChar char="•"/>
+            </a:pPr>
+            <a:r>
+              <a:rPr lang="en-US" sz="1200" b="0" i="0" kern="1200" dirty="0" smtClean="0">
+                <a:solidFill>
+                  <a:schemeClr val="tx1"/>
+                </a:solidFill>
+                <a:effectLst/>
+                <a:latin typeface="+mn-lt"/>
+                <a:ea typeface="+mn-ea"/>
+                <a:cs typeface="+mn-cs"/>
+              </a:rPr>
+              <a:t>Planned vacations, holidays, or other unusual events</a:t>
+            </a:r>
+          </a:p>
+          <a:p>
+            <a:endParaRPr lang="en-US" dirty="0" smtClean="0"/>
+          </a:p>
+          <a:p>
+            <a:r>
+              <a:rPr lang="en-US" b="1" baseline="0" dirty="0" smtClean="0"/>
+              <a:t>Velocity is an internal metric, my capacity estimate is the interpretation of velocity (and other data)</a:t>
+            </a:r>
+            <a:endParaRPr lang="en-US" b="1" dirty="0" smtClean="0"/>
+          </a:p>
+          <a:p>
+            <a:pPr marL="171450" indent="-171450">
+              <a:buFontTx/>
+              <a:buChar char="-"/>
+            </a:pPr>
             <a:endParaRPr lang="en-US" dirty="0"/>
           </a:p>
         </p:txBody>
@@ -3298,7 +3430,7 @@
     </p:spTree>
     <p:extLst>
       <p:ext uri="{BB962C8B-B14F-4D97-AF65-F5344CB8AC3E}">
-        <p14:creationId xmlns:p14="http://schemas.microsoft.com/office/powerpoint/2010/main" val="2683108887"/>
+        <p14:creationId xmlns:p14="http://schemas.microsoft.com/office/powerpoint/2010/main" val="1231796444"/>
       </p:ext>
     </p:extLst>
   </p:cSld>
@@ -3354,44 +3486,27 @@
           <a:p>
             <a:r>
               <a:rPr lang="en-US" dirty="0" smtClean="0"/>
-              <a:t>How</a:t>
+              <a:t>Small</a:t>
             </a:r>
             <a:r>
               <a:rPr lang="en-US" baseline="0" dirty="0" smtClean="0"/>
-              <a:t> many of you are working in an agile environment?</a:t>
+              <a:t>, defined amount of time (scrum)</a:t>
             </a:r>
           </a:p>
           <a:p>
             <a:r>
               <a:rPr lang="en-US" baseline="0" dirty="0" smtClean="0"/>
-              <a:t>This is not a talk about Agile</a:t>
-            </a:r>
-            <a:endParaRPr lang="en-US" dirty="0" smtClean="0"/>
-          </a:p>
-          <a:p>
-            <a:r>
-              <a:rPr lang="en-US" dirty="0" smtClean="0"/>
-              <a:t>You</a:t>
+              <a:t>Continuous flow of work (</a:t>
+            </a:r>
+            <a:r>
+              <a:rPr lang="en-US" baseline="0" dirty="0" err="1" smtClean="0"/>
+              <a:t>kanban</a:t>
             </a:r>
             <a:r>
               <a:rPr lang="en-US" baseline="0" dirty="0" smtClean="0"/>
-              <a:t> </a:t>
-            </a:r>
-            <a:r>
-              <a:rPr lang="en-US" baseline="0" dirty="0" smtClean="0"/>
-              <a:t>don’t have to be in an Agile environment to do these things, although Agile practices make this a lot </a:t>
-            </a:r>
-            <a:r>
-              <a:rPr lang="en-US" baseline="0" dirty="0" smtClean="0"/>
-              <a:t>easier</a:t>
-            </a:r>
-          </a:p>
-          <a:p>
-            <a:r>
-              <a:rPr lang="en-US" baseline="0" dirty="0" smtClean="0"/>
-              <a:t>The goal is to find problems as soon as possible so that you can address them</a:t>
-            </a:r>
-            <a:endParaRPr lang="en-US" baseline="0" dirty="0" smtClean="0"/>
+              <a:t>)</a:t>
+            </a:r>
+            <a:endParaRPr lang="en-US" dirty="0"/>
           </a:p>
         </p:txBody>
       </p:sp>
@@ -3477,17 +3592,23 @@
           <a:p>
             <a:r>
               <a:rPr lang="en-US" dirty="0" smtClean="0"/>
-              <a:t>Anything that compares team</a:t>
+              <a:t>What do</a:t>
             </a:r>
             <a:r>
               <a:rPr lang="en-US" baseline="0" dirty="0" smtClean="0"/>
-              <a:t> members</a:t>
+              <a:t> people want to know, and why?</a:t>
             </a:r>
           </a:p>
           <a:p>
             <a:r>
               <a:rPr lang="en-US" baseline="0" dirty="0" smtClean="0"/>
-              <a:t>Anything that encourages competition vs. working together</a:t>
+              <a:t>Posted metrics can distract the team from the goal</a:t>
+            </a:r>
+          </a:p>
+          <a:p>
+            <a:r>
+              <a:rPr lang="en-US" baseline="0" dirty="0" smtClean="0"/>
+              <a:t>Have a really good reason for posting metrics</a:t>
             </a:r>
             <a:endParaRPr lang="en-US" dirty="0"/>
           </a:p>
@@ -3519,7 +3640,7 @@
     </p:spTree>
     <p:extLst>
       <p:ext uri="{BB962C8B-B14F-4D97-AF65-F5344CB8AC3E}">
-        <p14:creationId xmlns:p14="http://schemas.microsoft.com/office/powerpoint/2010/main" val="1329780345"/>
+        <p14:creationId xmlns:p14="http://schemas.microsoft.com/office/powerpoint/2010/main" val="2683108887"/>
       </p:ext>
     </p:extLst>
   </p:cSld>
@@ -3575,11 +3696,17 @@
           <a:p>
             <a:r>
               <a:rPr lang="en-US" dirty="0" smtClean="0"/>
-              <a:t>This incentivizes developers</a:t>
+              <a:t>Anything that compares team</a:t>
             </a:r>
             <a:r>
               <a:rPr lang="en-US" baseline="0" dirty="0" smtClean="0"/>
-              <a:t> to get as many features to QA as possible (quality doesn’t matter, helping others doesn’t matter)</a:t>
+              <a:t> members</a:t>
+            </a:r>
+          </a:p>
+          <a:p>
+            <a:r>
+              <a:rPr lang="en-US" baseline="0" dirty="0" smtClean="0"/>
+              <a:t>Anything that encourages competition vs. working together</a:t>
             </a:r>
             <a:endParaRPr lang="en-US" dirty="0"/>
           </a:p>
@@ -3611,7 +3738,7 @@
     </p:spTree>
     <p:extLst>
       <p:ext uri="{BB962C8B-B14F-4D97-AF65-F5344CB8AC3E}">
-        <p14:creationId xmlns:p14="http://schemas.microsoft.com/office/powerpoint/2010/main" val="3678939436"/>
+        <p14:creationId xmlns:p14="http://schemas.microsoft.com/office/powerpoint/2010/main" val="1329780345"/>
       </p:ext>
     </p:extLst>
   </p:cSld>
@@ -3667,22 +3794,11 @@
           <a:p>
             <a:r>
               <a:rPr lang="en-US" dirty="0" smtClean="0"/>
-              <a:t>Basic </a:t>
-            </a:r>
-            <a:r>
-              <a:rPr lang="en-US" dirty="0" err="1" smtClean="0"/>
-              <a:t>burndowns</a:t>
-            </a:r>
-            <a:endParaRPr lang="en-US" dirty="0" smtClean="0"/>
-          </a:p>
-          <a:p>
-            <a:r>
-              <a:rPr lang="en-US" dirty="0" smtClean="0"/>
-              <a:t>Project</a:t>
+              <a:t>This incentivizes developers</a:t>
             </a:r>
             <a:r>
               <a:rPr lang="en-US" baseline="0" dirty="0" smtClean="0"/>
-              <a:t> level vs. iteration level</a:t>
+              <a:t> to get as many features to QA as possible (quality doesn’t matter, helping others doesn’t matter)</a:t>
             </a:r>
             <a:endParaRPr lang="en-US" dirty="0"/>
           </a:p>
@@ -3714,7 +3830,7 @@
     </p:spTree>
     <p:extLst>
       <p:ext uri="{BB962C8B-B14F-4D97-AF65-F5344CB8AC3E}">
-        <p14:creationId xmlns:p14="http://schemas.microsoft.com/office/powerpoint/2010/main" val="3818611304"/>
+        <p14:creationId xmlns:p14="http://schemas.microsoft.com/office/powerpoint/2010/main" val="3678939436"/>
       </p:ext>
     </p:extLst>
   </p:cSld>
@@ -3770,29 +3886,22 @@
           <a:p>
             <a:r>
               <a:rPr lang="en-US" dirty="0" smtClean="0"/>
-              <a:t>Total scope line</a:t>
-            </a:r>
+              <a:t>Basic </a:t>
+            </a:r>
+            <a:r>
+              <a:rPr lang="en-US" dirty="0" err="1" smtClean="0"/>
+              <a:t>burndowns</a:t>
+            </a:r>
+            <a:endParaRPr lang="en-US" dirty="0" smtClean="0"/>
           </a:p>
           <a:p>
             <a:r>
               <a:rPr lang="en-US" dirty="0" smtClean="0"/>
-              <a:t>Actual completed</a:t>
+              <a:t>Project</a:t>
             </a:r>
             <a:r>
               <a:rPr lang="en-US" baseline="0" dirty="0" smtClean="0"/>
-              <a:t> line (“burn-up”)</a:t>
-            </a:r>
-          </a:p>
-          <a:p>
-            <a:r>
-              <a:rPr lang="en-US" baseline="0" dirty="0" smtClean="0"/>
-              <a:t>Callouts</a:t>
-            </a:r>
-          </a:p>
-          <a:p>
-            <a:r>
-              <a:rPr lang="en-US" baseline="0" dirty="0" smtClean="0"/>
-              <a:t>“Ideal Remaining” line reflects the project schedule</a:t>
+              <a:t> level vs. iteration level</a:t>
             </a:r>
             <a:endParaRPr lang="en-US" dirty="0"/>
           </a:p>
@@ -3880,11 +3989,29 @@
           <a:p>
             <a:r>
               <a:rPr lang="en-US" dirty="0" smtClean="0"/>
-              <a:t>How would you interpret</a:t>
+              <a:t>Total scope line</a:t>
+            </a:r>
+          </a:p>
+          <a:p>
+            <a:r>
+              <a:rPr lang="en-US" dirty="0" smtClean="0"/>
+              <a:t>Actual completed</a:t>
             </a:r>
             <a:r>
               <a:rPr lang="en-US" baseline="0" dirty="0" smtClean="0"/>
-              <a:t> this?</a:t>
+              <a:t> line (“burn-up”)</a:t>
+            </a:r>
+          </a:p>
+          <a:p>
+            <a:r>
+              <a:rPr lang="en-US" baseline="0" dirty="0" smtClean="0"/>
+              <a:t>Callouts</a:t>
+            </a:r>
+          </a:p>
+          <a:p>
+            <a:r>
+              <a:rPr lang="en-US" baseline="0" dirty="0" smtClean="0"/>
+              <a:t>“Ideal Remaining” line reflects the project schedule</a:t>
             </a:r>
             <a:endParaRPr lang="en-US" dirty="0"/>
           </a:p>
@@ -3972,11 +4099,11 @@
           <a:p>
             <a:r>
               <a:rPr lang="en-US" dirty="0" smtClean="0"/>
-              <a:t>Showing optimistic/pessimistic</a:t>
+              <a:t>How would you interpret</a:t>
             </a:r>
             <a:r>
               <a:rPr lang="en-US" baseline="0" dirty="0" smtClean="0"/>
-              <a:t> trend</a:t>
+              <a:t> this?</a:t>
             </a:r>
             <a:endParaRPr lang="en-US" dirty="0"/>
           </a:p>
@@ -4064,11 +4191,11 @@
           <a:p>
             <a:r>
               <a:rPr lang="en-US" dirty="0" smtClean="0"/>
-              <a:t>What it looks like after the bump</a:t>
+              <a:t>Showing optimistic/pessimistic</a:t>
             </a:r>
             <a:r>
               <a:rPr lang="en-US" baseline="0" dirty="0" smtClean="0"/>
-              <a:t> in the road</a:t>
+              <a:t> trend</a:t>
             </a:r>
             <a:endParaRPr lang="en-US" dirty="0"/>
           </a:p>
@@ -4156,23 +4283,13 @@
           <a:p>
             <a:r>
               <a:rPr lang="en-US" dirty="0" smtClean="0"/>
-              <a:t>Find out what</a:t>
+              <a:t>What it looks like after the bump</a:t>
             </a:r>
             <a:r>
               <a:rPr lang="en-US" baseline="0" dirty="0" smtClean="0"/>
-              <a:t> questions they really want answered, then just tell them the answer</a:t>
-            </a:r>
-          </a:p>
-          <a:p>
-            <a:r>
-              <a:rPr lang="en-US" baseline="0" dirty="0" err="1" smtClean="0"/>
-              <a:t>Burndowns</a:t>
-            </a:r>
-            <a:r>
-              <a:rPr lang="en-US" baseline="0" dirty="0" smtClean="0"/>
-              <a:t> still leave lots of room for interpretation</a:t>
-            </a:r>
-            <a:endParaRPr lang="en-US" dirty="0" smtClean="0"/>
+              <a:t> in the road</a:t>
+            </a:r>
+            <a:endParaRPr lang="en-US" dirty="0"/>
           </a:p>
         </p:txBody>
       </p:sp>
@@ -4202,7 +4319,7 @@
     </p:spTree>
     <p:extLst>
       <p:ext uri="{BB962C8B-B14F-4D97-AF65-F5344CB8AC3E}">
-        <p14:creationId xmlns:p14="http://schemas.microsoft.com/office/powerpoint/2010/main" val="1936386122"/>
+        <p14:creationId xmlns:p14="http://schemas.microsoft.com/office/powerpoint/2010/main" val="3818611304"/>
       </p:ext>
     </p:extLst>
   </p:cSld>
@@ -4256,145 +4373,23 @@
           <a:bodyPr/>
           <a:lstStyle/>
           <a:p>
-            <a:pPr marL="0" marR="0" indent="0" algn="l" defTabSz="914400" rtl="0" eaLnBrk="1" fontAlgn="auto" latinLnBrk="0" hangingPunct="1">
-              <a:lnSpc>
-                <a:spcPct val="100000"/>
-              </a:lnSpc>
-              <a:spcBef>
-                <a:spcPts val="0"/>
-              </a:spcBef>
-              <a:spcAft>
-                <a:spcPts val="0"/>
-              </a:spcAft>
-              <a:buClrTx/>
-              <a:buSzTx/>
-              <a:buFontTx/>
-              <a:buNone/>
-              <a:tabLst/>
-              <a:defRPr/>
-            </a:pPr>
-            <a:r>
-              <a:rPr lang="en-US" baseline="0" smtClean="0"/>
-              <a:t>Product owners</a:t>
-            </a:r>
-          </a:p>
-          <a:p>
-            <a:pPr marL="0" marR="0" indent="0" algn="l" defTabSz="914400" rtl="0" eaLnBrk="1" fontAlgn="auto" latinLnBrk="0" hangingPunct="1">
-              <a:lnSpc>
-                <a:spcPct val="100000"/>
-              </a:lnSpc>
-              <a:spcBef>
-                <a:spcPts val="0"/>
-              </a:spcBef>
-              <a:spcAft>
-                <a:spcPts val="0"/>
-              </a:spcAft>
-              <a:buClrTx/>
-              <a:buSzTx/>
-              <a:buFontTx/>
-              <a:buNone/>
-              <a:tabLst/>
-              <a:defRPr/>
-            </a:pPr>
+            <a:r>
+              <a:rPr lang="en-US" dirty="0" smtClean="0"/>
+              <a:t>Find out what</a:t>
+            </a:r>
             <a:r>
               <a:rPr lang="en-US" baseline="0" dirty="0" smtClean="0"/>
-              <a:t>Let the business pick what you work on</a:t>
-            </a:r>
-          </a:p>
-          <a:p>
-            <a:pPr marL="0" marR="0" indent="0" algn="l" defTabSz="914400" rtl="0" eaLnBrk="1" fontAlgn="auto" latinLnBrk="0" hangingPunct="1">
-              <a:lnSpc>
-                <a:spcPct val="100000"/>
-              </a:lnSpc>
-              <a:spcBef>
-                <a:spcPts val="0"/>
-              </a:spcBef>
-              <a:spcAft>
-                <a:spcPts val="0"/>
-              </a:spcAft>
-              <a:buClrTx/>
-              <a:buSzTx/>
-              <a:buFontTx/>
-              <a:buNone/>
-              <a:tabLst/>
-              <a:defRPr/>
-            </a:pPr>
+              <a:t> questions they really want answered, then just tell them the answer</a:t>
+            </a:r>
+          </a:p>
+          <a:p>
+            <a:r>
+              <a:rPr lang="en-US" baseline="0" dirty="0" err="1" smtClean="0"/>
+              <a:t>Burndowns</a:t>
+            </a:r>
             <a:r>
               <a:rPr lang="en-US" baseline="0" dirty="0" smtClean="0"/>
-              <a:t>Include the business in the meeting, or meet with the before, whatever works</a:t>
-            </a:r>
-          </a:p>
-          <a:p>
-            <a:pPr marL="0" marR="0" indent="0" algn="l" defTabSz="914400" rtl="0" eaLnBrk="1" fontAlgn="auto" latinLnBrk="0" hangingPunct="1">
-              <a:lnSpc>
-                <a:spcPct val="100000"/>
-              </a:lnSpc>
-              <a:spcBef>
-                <a:spcPts val="0"/>
-              </a:spcBef>
-              <a:spcAft>
-                <a:spcPts val="0"/>
-              </a:spcAft>
-              <a:buClrTx/>
-              <a:buSzTx/>
-              <a:buFontTx/>
-              <a:buNone/>
-              <a:tabLst/>
-              <a:defRPr/>
-            </a:pPr>
-            <a:r>
-              <a:rPr lang="en-US" dirty="0" smtClean="0"/>
-              <a:t>Set goals for the iteration</a:t>
-            </a:r>
-          </a:p>
-          <a:p>
-            <a:pPr marL="0" marR="0" indent="0" algn="l" defTabSz="914400" rtl="0" eaLnBrk="1" fontAlgn="auto" latinLnBrk="0" hangingPunct="1">
-              <a:lnSpc>
-                <a:spcPct val="100000"/>
-              </a:lnSpc>
-              <a:spcBef>
-                <a:spcPts val="0"/>
-              </a:spcBef>
-              <a:spcAft>
-                <a:spcPts val="0"/>
-              </a:spcAft>
-              <a:buClrTx/>
-              <a:buSzTx/>
-              <a:buFontTx/>
-              <a:buNone/>
-              <a:tabLst/>
-              <a:defRPr/>
-            </a:pPr>
-            <a:r>
-              <a:rPr lang="en-US" dirty="0" smtClean="0"/>
-              <a:t>Swapping</a:t>
-            </a:r>
-            <a:r>
-              <a:rPr lang="en-US" baseline="0" dirty="0" smtClean="0"/>
-              <a:t> things out during the iteration</a:t>
-            </a:r>
-          </a:p>
-          <a:p>
-            <a:pPr marL="0" marR="0" indent="0" algn="l" defTabSz="914400" rtl="0" eaLnBrk="1" fontAlgn="auto" latinLnBrk="0" hangingPunct="1">
-              <a:lnSpc>
-                <a:spcPct val="100000"/>
-              </a:lnSpc>
-              <a:spcBef>
-                <a:spcPts val="0"/>
-              </a:spcBef>
-              <a:spcAft>
-                <a:spcPts val="0"/>
-              </a:spcAft>
-              <a:buClrTx/>
-              <a:buSzTx/>
-              <a:buFontTx/>
-              <a:buNone/>
-              <a:tabLst/>
-              <a:defRPr/>
-            </a:pPr>
-            <a:r>
-              <a:rPr lang="en-US" baseline="0" dirty="0" smtClean="0"/>
-              <a:t>Demos/UAT</a:t>
+              <a:t> still leave lots of room for interpretation</a:t>
             </a:r>
             <a:endParaRPr lang="en-US" dirty="0" smtClean="0"/>
           </a:p>
@@ -4498,45 +4493,8 @@
               <a:defRPr/>
             </a:pPr>
             <a:r>
-              <a:rPr lang="en-US" dirty="0" smtClean="0"/>
-              <a:t>How much can we commit to, and what</a:t>
-            </a:r>
-            <a:r>
-              <a:rPr lang="en-US" baseline="0" dirty="0" smtClean="0"/>
-              <a:t> should we work on</a:t>
-            </a:r>
-            <a:r>
-              <a:rPr lang="en-US" dirty="0" smtClean="0"/>
-              <a:t>?</a:t>
-            </a:r>
-          </a:p>
-          <a:p>
-            <a:r>
-              <a:rPr lang="en-US" dirty="0" smtClean="0"/>
-              <a:t>Tickets should already be estimated (incl.</a:t>
-            </a:r>
-            <a:r>
-              <a:rPr lang="en-US" baseline="0" dirty="0" smtClean="0"/>
-              <a:t> analysis, testing)</a:t>
-            </a:r>
-          </a:p>
-          <a:p>
-            <a:endParaRPr lang="en-US" baseline="0" dirty="0" smtClean="0"/>
-          </a:p>
-          <a:p>
-            <a:r>
-              <a:rPr lang="en-US" baseline="0" dirty="0" smtClean="0"/>
-              <a:t>% person’s time in each discipline for moving tickets?  (separate by project)</a:t>
-            </a:r>
-          </a:p>
-          <a:p>
-            <a:r>
-              <a:rPr lang="en-US" dirty="0" smtClean="0"/>
-              <a:t>Account</a:t>
-            </a:r>
-            <a:r>
-              <a:rPr lang="en-US" baseline="0" dirty="0" smtClean="0"/>
-              <a:t> for time off, special meetings, etc.</a:t>
+              <a:rPr lang="en-US" baseline="0" smtClean="0"/>
+              <a:t>Product owners</a:t>
             </a:r>
           </a:p>
           <a:p>
@@ -4559,7 +4517,7 @@
             </a:pPr>
             <a:r>
               <a:rPr lang="en-US" baseline="0" dirty="0" smtClean="0"/>
-              <a:t>Expected time needed for new scope, prod support, etc.</a:t>
+              <a:t>Let the business pick what you work on</a:t>
             </a:r>
           </a:p>
           <a:p>
@@ -4582,27 +4540,8 @@
             </a:pPr>
             <a:r>
               <a:rPr lang="en-US" baseline="0" dirty="0" smtClean="0"/>
-              <a:t>Normal working hours</a:t>
-            </a:r>
-          </a:p>
-          <a:p>
-            <a:r>
-              <a:rPr lang="en-US" dirty="0" smtClean="0"/>
-              <a:t>Break</a:t>
-            </a:r>
-            <a:r>
-              <a:rPr lang="en-US" baseline="0" dirty="0" smtClean="0"/>
-              <a:t> the team into smaller teams (or sub-teams) </a:t>
-            </a:r>
-          </a:p>
-          <a:p>
-            <a:r>
-              <a:rPr lang="en-US" baseline="0" dirty="0" smtClean="0"/>
-              <a:t>Each sub-team can do their own capacity planning</a:t>
-            </a:r>
-          </a:p>
-          <a:p>
-            <a:endParaRPr lang="en-US" baseline="0" dirty="0" smtClean="0"/>
+              <a:t>Include the business in the meeting, or meet with the before, whatever works</a:t>
+            </a:r>
           </a:p>
           <a:p>
             <a:pPr marL="0" marR="0" indent="0" algn="l" defTabSz="914400" rtl="0" eaLnBrk="1" fontAlgn="auto" latinLnBrk="0" hangingPunct="1">
@@ -4623,11 +4562,59 @@
               <a:defRPr/>
             </a:pPr>
             <a:r>
+              <a:rPr lang="en-US" dirty="0" smtClean="0"/>
+              <a:t>Set goals for the iteration</a:t>
+            </a:r>
+          </a:p>
+          <a:p>
+            <a:pPr marL="0" marR="0" indent="0" algn="l" defTabSz="914400" rtl="0" eaLnBrk="1" fontAlgn="auto" latinLnBrk="0" hangingPunct="1">
+              <a:lnSpc>
+                <a:spcPct val="100000"/>
+              </a:lnSpc>
+              <a:spcBef>
+                <a:spcPts val="0"/>
+              </a:spcBef>
+              <a:spcAft>
+                <a:spcPts val="0"/>
+              </a:spcAft>
+              <a:buClrTx/>
+              <a:buSzTx/>
+              <a:buFontTx/>
+              <a:buNone/>
+              <a:tabLst/>
+              <a:defRPr/>
+            </a:pPr>
+            <a:r>
+              <a:rPr lang="en-US" dirty="0" smtClean="0"/>
+              <a:t>Swapping</a:t>
+            </a:r>
+            <a:r>
               <a:rPr lang="en-US" baseline="0" dirty="0" smtClean="0"/>
-              <a:t>Start with a gut feel, and then adjust your gut feel estimate based on data and experiences </a:t>
-            </a:r>
-          </a:p>
-          <a:p>
+              <a:t> things out during the iteration</a:t>
+            </a:r>
+          </a:p>
+          <a:p>
+            <a:pPr marL="0" marR="0" indent="0" algn="l" defTabSz="914400" rtl="0" eaLnBrk="1" fontAlgn="auto" latinLnBrk="0" hangingPunct="1">
+              <a:lnSpc>
+                <a:spcPct val="100000"/>
+              </a:lnSpc>
+              <a:spcBef>
+                <a:spcPts val="0"/>
+              </a:spcBef>
+              <a:spcAft>
+                <a:spcPts val="0"/>
+              </a:spcAft>
+              <a:buClrTx/>
+              <a:buSzTx/>
+              <a:buFontTx/>
+              <a:buNone/>
+              <a:tabLst/>
+              <a:defRPr/>
+            </a:pPr>
+            <a:r>
+              <a:rPr lang="en-US" baseline="0" dirty="0" smtClean="0"/>
+              <a:t>Demos/UAT</a:t>
+            </a:r>
             <a:endParaRPr lang="en-US" dirty="0" smtClean="0"/>
           </a:p>
         </p:txBody>
@@ -4714,13 +4701,35 @@
           <a:p>
             <a:r>
               <a:rPr lang="en-US" dirty="0" smtClean="0"/>
-              <a:t>Think</a:t>
+              <a:t>How</a:t>
             </a:r>
             <a:r>
               <a:rPr lang="en-US" baseline="0" dirty="0" smtClean="0"/>
-              <a:t> of yourself as a team of one – apply principles</a:t>
-            </a:r>
-            <a:endParaRPr lang="en-US" dirty="0"/>
+              <a:t> many of you are working in an agile environment?</a:t>
+            </a:r>
+          </a:p>
+          <a:p>
+            <a:r>
+              <a:rPr lang="en-US" baseline="0" dirty="0" smtClean="0"/>
+              <a:t>This is not a talk about Agile</a:t>
+            </a:r>
+            <a:endParaRPr lang="en-US" dirty="0" smtClean="0"/>
+          </a:p>
+          <a:p>
+            <a:r>
+              <a:rPr lang="en-US" dirty="0" smtClean="0"/>
+              <a:t>You</a:t>
+            </a:r>
+            <a:r>
+              <a:rPr lang="en-US" baseline="0" dirty="0" smtClean="0"/>
+              <a:t> don’t have to be in an Agile environment to do these things, although Agile practices make this a lot easier</a:t>
+            </a:r>
+          </a:p>
+          <a:p>
+            <a:r>
+              <a:rPr lang="en-US" baseline="0" dirty="0" smtClean="0"/>
+              <a:t>The goal is to find problems as soon as possible so that you can address them</a:t>
+            </a:r>
           </a:p>
         </p:txBody>
       </p:sp>
@@ -5181,13 +5190,18 @@
             <a:fld id="{46B52E04-8F68-435C-880A-7C7B12D9BA2F}" type="slidenum">
               <a:rPr lang="en-US" smtClean="0"/>
               <a:pPr/>
-              <a:t>46</a:t>
+              <a:t>47</a:t>
             </a:fld>
             <a:endParaRPr lang="en-US"/>
           </a:p>
         </p:txBody>
       </p:sp>
     </p:spTree>
+    <p:extLst>
+      <p:ext uri="{BB962C8B-B14F-4D97-AF65-F5344CB8AC3E}">
+        <p14:creationId xmlns:p14="http://schemas.microsoft.com/office/powerpoint/2010/main" val="3750462484"/>
+      </p:ext>
+    </p:extLst>
   </p:cSld>
   <p:clrMapOvr>
     <a:masterClrMapping/>
@@ -5241,25 +5255,11 @@
           <a:p>
             <a:r>
               <a:rPr lang="en-US" dirty="0" smtClean="0"/>
-              <a:t>Small</a:t>
+              <a:t>Think</a:t>
             </a:r>
             <a:r>
               <a:rPr lang="en-US" baseline="0" dirty="0" smtClean="0"/>
-              <a:t>, defined amount of time (scrum)</a:t>
-            </a:r>
-          </a:p>
-          <a:p>
-            <a:r>
-              <a:rPr lang="en-US" baseline="0" dirty="0" smtClean="0"/>
-              <a:t>Continuous flow of work (</a:t>
-            </a:r>
-            <a:r>
-              <a:rPr lang="en-US" baseline="0" dirty="0" err="1" smtClean="0"/>
-              <a:t>kanban</a:t>
-            </a:r>
-            <a:r>
-              <a:rPr lang="en-US" baseline="0" dirty="0" smtClean="0"/>
-              <a:t>)</a:t>
+              <a:t> of yourself as a team of one – apply principles</a:t>
             </a:r>
             <a:endParaRPr lang="en-US" dirty="0"/>
           </a:p>
@@ -8439,7 +8439,7 @@
           <a:p>
             <a:fld id="{286B444B-C4E2-405B-A158-8F5713CA0896}" type="datetimeFigureOut">
               <a:rPr lang="en-US" smtClean="0"/>
-              <a:t>2/17/2015</a:t>
+              <a:t>5/5/2016</a:t>
             </a:fld>
             <a:endParaRPr lang="en-US"/>
           </a:p>
@@ -8724,7 +8724,7 @@
           <a:p>
             <a:fld id="{286B444B-C4E2-405B-A158-8F5713CA0896}" type="datetimeFigureOut">
               <a:rPr lang="en-US" smtClean="0"/>
-              <a:t>2/17/2015</a:t>
+              <a:t>5/5/2016</a:t>
             </a:fld>
             <a:endParaRPr lang="en-US"/>
           </a:p>
@@ -8899,7 +8899,7 @@
           <a:p>
             <a:fld id="{286B444B-C4E2-405B-A158-8F5713CA0896}" type="datetimeFigureOut">
               <a:rPr lang="en-US" smtClean="0"/>
-              <a:t>2/17/2015</a:t>
+              <a:t>5/5/2016</a:t>
             </a:fld>
             <a:endParaRPr lang="en-US"/>
           </a:p>
@@ -9064,7 +9064,7 @@
           <a:p>
             <a:fld id="{286B444B-C4E2-405B-A158-8F5713CA0896}" type="datetimeFigureOut">
               <a:rPr lang="en-US" smtClean="0"/>
-              <a:t>2/17/2015</a:t>
+              <a:t>5/5/2016</a:t>
             </a:fld>
             <a:endParaRPr lang="en-US"/>
           </a:p>
@@ -9305,7 +9305,7 @@
           <a:p>
             <a:fld id="{286B444B-C4E2-405B-A158-8F5713CA0896}" type="datetimeFigureOut">
               <a:rPr lang="en-US" smtClean="0"/>
-              <a:t>2/17/2015</a:t>
+              <a:t>5/5/2016</a:t>
             </a:fld>
             <a:endParaRPr lang="en-US"/>
           </a:p>
@@ -9418,7 +9418,7 @@
           <a:p>
             <a:fld id="{286B444B-C4E2-405B-A158-8F5713CA0896}" type="datetimeFigureOut">
               <a:rPr lang="en-US" smtClean="0"/>
-              <a:t>2/17/2015</a:t>
+              <a:t>5/5/2016</a:t>
             </a:fld>
             <a:endParaRPr lang="en-US"/>
           </a:p>
@@ -9957,7 +9957,7 @@
           <a:p>
             <a:fld id="{286B444B-C4E2-405B-A158-8F5713CA0896}" type="datetimeFigureOut">
               <a:rPr lang="en-US" smtClean="0"/>
-              <a:t>2/17/2015</a:t>
+              <a:t>5/5/2016</a:t>
             </a:fld>
             <a:endParaRPr lang="en-US"/>
           </a:p>
@@ -10070,7 +10070,7 @@
           <a:p>
             <a:fld id="{286B444B-C4E2-405B-A158-8F5713CA0896}" type="datetimeFigureOut">
               <a:rPr lang="en-US" smtClean="0"/>
-              <a:t>2/17/2015</a:t>
+              <a:t>5/5/2016</a:t>
             </a:fld>
             <a:endParaRPr lang="en-US"/>
           </a:p>
@@ -10160,7 +10160,7 @@
           <a:p>
             <a:fld id="{286B444B-C4E2-405B-A158-8F5713CA0896}" type="datetimeFigureOut">
               <a:rPr lang="en-US" smtClean="0"/>
-              <a:t>2/17/2015</a:t>
+              <a:t>5/5/2016</a:t>
             </a:fld>
             <a:endParaRPr lang="en-US"/>
           </a:p>
@@ -12811,7 +12811,7 @@
           <a:p>
             <a:fld id="{286B444B-C4E2-405B-A158-8F5713CA0896}" type="datetimeFigureOut">
               <a:rPr lang="en-US" smtClean="0"/>
-              <a:t>2/17/2015</a:t>
+              <a:t>5/5/2016</a:t>
             </a:fld>
             <a:endParaRPr lang="en-US"/>
           </a:p>
@@ -16023,7 +16023,7 @@
           <a:p>
             <a:fld id="{286B444B-C4E2-405B-A158-8F5713CA0896}" type="datetimeFigureOut">
               <a:rPr lang="en-US" smtClean="0"/>
-              <a:t>2/17/2015</a:t>
+              <a:t>5/5/2016</a:t>
             </a:fld>
             <a:endParaRPr lang="en-US"/>
           </a:p>
@@ -18845,7 +18845,7 @@
           <a:p>
             <a:fld id="{286B444B-C4E2-405B-A158-8F5713CA0896}" type="datetimeFigureOut">
               <a:rPr lang="en-US" smtClean="0"/>
-              <a:t>2/17/2015</a:t>
+              <a:t>5/5/2016</a:t>
             </a:fld>
             <a:endParaRPr lang="en-US"/>
           </a:p>
@@ -19773,6 +19773,81 @@
           </a:p>
         </p:txBody>
       </p:sp>
+      <p:pic>
+        <p:nvPicPr>
+          <p:cNvPr id="6" name="Picture 2" descr="https://encrypted-tbn0.gstatic.com/images?q=tbn:ANd9GcRb9WBTgxITIG8zFvN-dF1rl2ttYR8nKqq-ndQ5pOHcUUCCguOr"/>
+          <p:cNvPicPr>
+            <a:picLocks noChangeAspect="1" noChangeArrowheads="1"/>
+          </p:cNvPicPr>
+          <p:nvPr/>
+        </p:nvPicPr>
+        <p:blipFill>
+          <a:blip r:embed="rId3">
+            <a:extLst>
+              <a:ext uri="{28A0092B-C50C-407E-A947-70E740481C1C}">
+                <a14:useLocalDpi xmlns:a14="http://schemas.microsoft.com/office/drawing/2010/main" val="0"/>
+              </a:ext>
+            </a:extLst>
+          </a:blip>
+          <a:srcRect/>
+          <a:stretch>
+            <a:fillRect/>
+          </a:stretch>
+        </p:blipFill>
+        <p:spPr bwMode="auto">
+          <a:xfrm>
+            <a:off x="533401" y="381001"/>
+            <a:ext cx="1551396" cy="1162050"/>
+          </a:xfrm>
+          <a:prstGeom prst="rect">
+            <a:avLst/>
+          </a:prstGeom>
+          <a:noFill/>
+          <a:extLst>
+            <a:ext uri="{909E8E84-426E-40DD-AFC4-6F175D3DCCD1}">
+              <a14:hiddenFill xmlns:a14="http://schemas.microsoft.com/office/drawing/2010/main">
+                <a:solidFill>
+                  <a:srgbClr val="FFFFFF"/>
+                </a:solidFill>
+              </a14:hiddenFill>
+            </a:ext>
+          </a:extLst>
+        </p:spPr>
+      </p:pic>
+      <p:sp>
+        <p:nvSpPr>
+          <p:cNvPr id="7" name="TextBox 6"/>
+          <p:cNvSpPr txBox="1"/>
+          <p:nvPr/>
+        </p:nvSpPr>
+        <p:spPr>
+          <a:xfrm>
+            <a:off x="914400" y="609600"/>
+            <a:ext cx="856325" cy="646331"/>
+          </a:xfrm>
+          <a:prstGeom prst="rect">
+            <a:avLst/>
+          </a:prstGeom>
+          <a:noFill/>
+        </p:spPr>
+        <p:txBody>
+          <a:bodyPr wrap="none" rtlCol="0">
+            <a:spAutoFit/>
+          </a:bodyPr>
+          <a:lstStyle/>
+          <a:p>
+            <a:r>
+              <a:rPr lang="en-US" sz="3600" dirty="0" smtClean="0">
+                <a:latin typeface="Comic Sans MS" panose="030F0702030302020204" pitchFamily="66" charset="0"/>
+              </a:rPr>
+              <a:t>#2</a:t>
+            </a:r>
+            <a:endParaRPr lang="en-US" sz="3600" dirty="0">
+              <a:latin typeface="Comic Sans MS" panose="030F0702030302020204" pitchFamily="66" charset="0"/>
+            </a:endParaRPr>
+          </a:p>
+        </p:txBody>
+      </p:sp>
     </p:spTree>
     <p:extLst>
       <p:ext uri="{BB962C8B-B14F-4D97-AF65-F5344CB8AC3E}">
@@ -19880,6 +19955,81 @@
           </a:extLst>
         </p:spPr>
       </p:pic>
+      <p:pic>
+        <p:nvPicPr>
+          <p:cNvPr id="5" name="Picture 2" descr="https://encrypted-tbn0.gstatic.com/images?q=tbn:ANd9GcRb9WBTgxITIG8zFvN-dF1rl2ttYR8nKqq-ndQ5pOHcUUCCguOr"/>
+          <p:cNvPicPr>
+            <a:picLocks noChangeAspect="1" noChangeArrowheads="1"/>
+          </p:cNvPicPr>
+          <p:nvPr/>
+        </p:nvPicPr>
+        <p:blipFill>
+          <a:blip r:embed="rId4">
+            <a:extLst>
+              <a:ext uri="{28A0092B-C50C-407E-A947-70E740481C1C}">
+                <a14:useLocalDpi xmlns:a14="http://schemas.microsoft.com/office/drawing/2010/main" val="0"/>
+              </a:ext>
+            </a:extLst>
+          </a:blip>
+          <a:srcRect/>
+          <a:stretch>
+            <a:fillRect/>
+          </a:stretch>
+        </p:blipFill>
+        <p:spPr bwMode="auto">
+          <a:xfrm>
+            <a:off x="533401" y="381001"/>
+            <a:ext cx="1551396" cy="1162050"/>
+          </a:xfrm>
+          <a:prstGeom prst="rect">
+            <a:avLst/>
+          </a:prstGeom>
+          <a:noFill/>
+          <a:extLst>
+            <a:ext uri="{909E8E84-426E-40DD-AFC4-6F175D3DCCD1}">
+              <a14:hiddenFill xmlns:a14="http://schemas.microsoft.com/office/drawing/2010/main">
+                <a:solidFill>
+                  <a:srgbClr val="FFFFFF"/>
+                </a:solidFill>
+              </a14:hiddenFill>
+            </a:ext>
+          </a:extLst>
+        </p:spPr>
+      </p:pic>
+      <p:sp>
+        <p:nvSpPr>
+          <p:cNvPr id="6" name="TextBox 5"/>
+          <p:cNvSpPr txBox="1"/>
+          <p:nvPr/>
+        </p:nvSpPr>
+        <p:spPr>
+          <a:xfrm>
+            <a:off x="914400" y="609600"/>
+            <a:ext cx="856325" cy="646331"/>
+          </a:xfrm>
+          <a:prstGeom prst="rect">
+            <a:avLst/>
+          </a:prstGeom>
+          <a:noFill/>
+        </p:spPr>
+        <p:txBody>
+          <a:bodyPr wrap="none" rtlCol="0">
+            <a:spAutoFit/>
+          </a:bodyPr>
+          <a:lstStyle/>
+          <a:p>
+            <a:r>
+              <a:rPr lang="en-US" sz="3600" dirty="0" smtClean="0">
+                <a:latin typeface="Comic Sans MS" panose="030F0702030302020204" pitchFamily="66" charset="0"/>
+              </a:rPr>
+              <a:t>#3</a:t>
+            </a:r>
+            <a:endParaRPr lang="en-US" sz="3600" dirty="0">
+              <a:latin typeface="Comic Sans MS" panose="030F0702030302020204" pitchFamily="66" charset="0"/>
+            </a:endParaRPr>
+          </a:p>
+        </p:txBody>
+      </p:sp>
     </p:spTree>
     <p:extLst>
       <p:ext uri="{BB962C8B-B14F-4D97-AF65-F5344CB8AC3E}">
@@ -19990,8 +20140,13 @@
             </a:pPr>
             <a:r>
               <a:rPr lang="en-US" sz="3200" dirty="0" smtClean="0"/>
-              <a:t>No estimating</a:t>
-            </a:r>
+              <a:t>#</a:t>
+            </a:r>
+            <a:r>
+              <a:rPr lang="en-US" sz="3200" dirty="0" err="1" smtClean="0"/>
+              <a:t>NoEstimates</a:t>
+            </a:r>
+            <a:endParaRPr lang="en-US" sz="3200" dirty="0" smtClean="0"/>
           </a:p>
           <a:p>
             <a:endParaRPr lang="en-US" sz="3200" dirty="0"/>
@@ -20108,8 +20263,13 @@
             </a:pPr>
             <a:r>
               <a:rPr lang="en-US" sz="3200" dirty="0" smtClean="0"/>
-              <a:t>No estimating</a:t>
-            </a:r>
+              <a:t>#</a:t>
+            </a:r>
+            <a:r>
+              <a:rPr lang="en-US" sz="3200" dirty="0" err="1" smtClean="0"/>
+              <a:t>NoEstimates</a:t>
+            </a:r>
+            <a:endParaRPr lang="en-US" sz="3200" dirty="0" smtClean="0"/>
           </a:p>
           <a:p>
             <a:endParaRPr lang="en-US" sz="3200" dirty="0"/>
@@ -20226,8 +20386,13 @@
             </a:pPr>
             <a:r>
               <a:rPr lang="en-US" sz="3200" dirty="0" smtClean="0"/>
-              <a:t>No estimating</a:t>
-            </a:r>
+              <a:t>#</a:t>
+            </a:r>
+            <a:r>
+              <a:rPr lang="en-US" sz="3200" dirty="0" err="1" smtClean="0"/>
+              <a:t>NoEstimates</a:t>
+            </a:r>
+            <a:endParaRPr lang="en-US" sz="3200" dirty="0" smtClean="0"/>
           </a:p>
           <a:p>
             <a:endParaRPr lang="en-US" sz="3200" dirty="0"/>
@@ -20344,8 +20509,13 @@
             </a:pPr>
             <a:r>
               <a:rPr lang="en-US" sz="3200" dirty="0" smtClean="0"/>
-              <a:t>No estimating</a:t>
-            </a:r>
+              <a:t>#</a:t>
+            </a:r>
+            <a:r>
+              <a:rPr lang="en-US" sz="3200" dirty="0" err="1" smtClean="0"/>
+              <a:t>NoEstimates</a:t>
+            </a:r>
+            <a:endParaRPr lang="en-US" sz="3200" dirty="0" smtClean="0"/>
           </a:p>
           <a:p>
             <a:endParaRPr lang="en-US" sz="3200" dirty="0"/>
@@ -20462,8 +20632,13 @@
             </a:pPr>
             <a:r>
               <a:rPr lang="en-US" sz="3200" b="1" dirty="0" smtClean="0"/>
-              <a:t>No estimating</a:t>
-            </a:r>
+              <a:t>#</a:t>
+            </a:r>
+            <a:r>
+              <a:rPr lang="en-US" sz="3200" b="1" dirty="0" err="1" smtClean="0"/>
+              <a:t>NoEstimates</a:t>
+            </a:r>
+            <a:endParaRPr lang="en-US" sz="3200" b="1" dirty="0" smtClean="0"/>
           </a:p>
           <a:p>
             <a:endParaRPr lang="en-US" sz="3200" dirty="0"/>
@@ -20550,7 +20725,17 @@
           <a:p>
             <a:r>
               <a:rPr lang="en-US" dirty="0" smtClean="0"/>
-              <a:t>Find problems as soon as possible and find a way to fix them</a:t>
+              <a:t>Not the same as project management</a:t>
+            </a:r>
+          </a:p>
+          <a:p>
+            <a:r>
+              <a:rPr lang="en-US" dirty="0" smtClean="0"/>
+              <a:t>Identify team problems </a:t>
+            </a:r>
+            <a:r>
+              <a:rPr lang="en-US" dirty="0" smtClean="0"/>
+              <a:t>as soon as possible and find a way to fix them</a:t>
             </a:r>
           </a:p>
           <a:p>
@@ -20733,6 +20918,55 @@
                       </p:childTnLst>
                     </p:cTn>
                   </p:par>
+                  <p:par>
+                    <p:cTn id="15" fill="hold">
+                      <p:stCondLst>
+                        <p:cond delay="indefinite"/>
+                      </p:stCondLst>
+                      <p:childTnLst>
+                        <p:par>
+                          <p:cTn id="16" fill="hold">
+                            <p:stCondLst>
+                              <p:cond delay="0"/>
+                            </p:stCondLst>
+                            <p:childTnLst>
+                              <p:par>
+                                <p:cTn id="17" presetID="1" presetClass="entr" presetSubtype="0" fill="hold" grpId="0" nodeType="clickEffect">
+                                  <p:stCondLst>
+                                    <p:cond delay="0"/>
+                                  </p:stCondLst>
+                                  <p:childTnLst>
+                                    <p:set>
+                                      <p:cBhvr>
+                                        <p:cTn id="18" dur="1" fill="hold">
+                                          <p:stCondLst>
+                                            <p:cond delay="0"/>
+                                          </p:stCondLst>
+                                        </p:cTn>
+                                        <p:tgtEl>
+                                          <p:spTgt spid="2">
+                                            <p:txEl>
+                                              <p:pRg st="3" end="3"/>
+                                            </p:txEl>
+                                          </p:spTgt>
+                                        </p:tgtEl>
+                                        <p:attrNameLst>
+                                          <p:attrName>style.visibility</p:attrName>
+                                        </p:attrNameLst>
+                                      </p:cBhvr>
+                                      <p:to>
+                                        <p:strVal val="visible"/>
+                                      </p:to>
+                                    </p:set>
+                                  </p:childTnLst>
+                                </p:cTn>
+                              </p:par>
+                            </p:childTnLst>
+                          </p:cTn>
+                        </p:par>
+                      </p:childTnLst>
+                    </p:cTn>
+                  </p:par>
                 </p:childTnLst>
               </p:cTn>
               <p:prevCondLst>
@@ -21633,6 +21867,81 @@
           </a:p>
         </p:txBody>
       </p:sp>
+      <p:pic>
+        <p:nvPicPr>
+          <p:cNvPr id="6" name="Picture 2" descr="https://encrypted-tbn0.gstatic.com/images?q=tbn:ANd9GcRb9WBTgxITIG8zFvN-dF1rl2ttYR8nKqq-ndQ5pOHcUUCCguOr"/>
+          <p:cNvPicPr>
+            <a:picLocks noChangeAspect="1" noChangeArrowheads="1"/>
+          </p:cNvPicPr>
+          <p:nvPr/>
+        </p:nvPicPr>
+        <p:blipFill>
+          <a:blip r:embed="rId3">
+            <a:extLst>
+              <a:ext uri="{28A0092B-C50C-407E-A947-70E740481C1C}">
+                <a14:useLocalDpi xmlns:a14="http://schemas.microsoft.com/office/drawing/2010/main" val="0"/>
+              </a:ext>
+            </a:extLst>
+          </a:blip>
+          <a:srcRect/>
+          <a:stretch>
+            <a:fillRect/>
+          </a:stretch>
+        </p:blipFill>
+        <p:spPr bwMode="auto">
+          <a:xfrm>
+            <a:off x="533401" y="381000"/>
+            <a:ext cx="1551396" cy="1162050"/>
+          </a:xfrm>
+          <a:prstGeom prst="rect">
+            <a:avLst/>
+          </a:prstGeom>
+          <a:noFill/>
+          <a:extLst>
+            <a:ext uri="{909E8E84-426E-40DD-AFC4-6F175D3DCCD1}">
+              <a14:hiddenFill xmlns:a14="http://schemas.microsoft.com/office/drawing/2010/main">
+                <a:solidFill>
+                  <a:srgbClr val="FFFFFF"/>
+                </a:solidFill>
+              </a14:hiddenFill>
+            </a:ext>
+          </a:extLst>
+        </p:spPr>
+      </p:pic>
+      <p:sp>
+        <p:nvSpPr>
+          <p:cNvPr id="7" name="TextBox 6"/>
+          <p:cNvSpPr txBox="1"/>
+          <p:nvPr/>
+        </p:nvSpPr>
+        <p:spPr>
+          <a:xfrm>
+            <a:off x="914400" y="609599"/>
+            <a:ext cx="856325" cy="646331"/>
+          </a:xfrm>
+          <a:prstGeom prst="rect">
+            <a:avLst/>
+          </a:prstGeom>
+          <a:noFill/>
+        </p:spPr>
+        <p:txBody>
+          <a:bodyPr wrap="none" rtlCol="0">
+            <a:spAutoFit/>
+          </a:bodyPr>
+          <a:lstStyle/>
+          <a:p>
+            <a:r>
+              <a:rPr lang="en-US" sz="3600" dirty="0" smtClean="0">
+                <a:latin typeface="Comic Sans MS" panose="030F0702030302020204" pitchFamily="66" charset="0"/>
+              </a:rPr>
+              <a:t>#4</a:t>
+            </a:r>
+            <a:endParaRPr lang="en-US" sz="3600" dirty="0">
+              <a:latin typeface="Comic Sans MS" panose="030F0702030302020204" pitchFamily="66" charset="0"/>
+            </a:endParaRPr>
+          </a:p>
+        </p:txBody>
+      </p:sp>
     </p:spTree>
     <p:extLst>
       <p:ext uri="{BB962C8B-B14F-4D97-AF65-F5344CB8AC3E}">
@@ -21794,7 +22103,7 @@
             <a:pPr algn="ctr"/>
             <a:r>
               <a:rPr lang="en-US" dirty="0" smtClean="0"/>
-              <a:t>Metrics</a:t>
+              <a:t>Capacity Planning</a:t>
             </a:r>
             <a:endParaRPr lang="en-US" dirty="0"/>
           </a:p>
@@ -21819,10 +22128,82 @@
           </a:p>
         </p:txBody>
       </p:sp>
+      <p:pic>
+        <p:nvPicPr>
+          <p:cNvPr id="6" name="Picture 2" descr="https://encrypted-tbn0.gstatic.com/images?q=tbn:ANd9GcRb9WBTgxITIG8zFvN-dF1rl2ttYR8nKqq-ndQ5pOHcUUCCguOr"/>
+          <p:cNvPicPr>
+            <a:picLocks noChangeAspect="1" noChangeArrowheads="1"/>
+          </p:cNvPicPr>
+          <p:nvPr/>
+        </p:nvPicPr>
+        <p:blipFill>
+          <a:blip r:embed="rId3">
+            <a:extLst>
+              <a:ext uri="{28A0092B-C50C-407E-A947-70E740481C1C}">
+                <a14:useLocalDpi xmlns:a14="http://schemas.microsoft.com/office/drawing/2010/main" val="0"/>
+              </a:ext>
+            </a:extLst>
+          </a:blip>
+          <a:srcRect/>
+          <a:stretch>
+            <a:fillRect/>
+          </a:stretch>
+        </p:blipFill>
+        <p:spPr bwMode="auto">
+          <a:xfrm>
+            <a:off x="533401" y="381001"/>
+            <a:ext cx="1551396" cy="1162050"/>
+          </a:xfrm>
+          <a:prstGeom prst="rect">
+            <a:avLst/>
+          </a:prstGeom>
+          <a:noFill/>
+          <a:extLst>
+            <a:ext uri="{909E8E84-426E-40DD-AFC4-6F175D3DCCD1}">
+              <a14:hiddenFill xmlns:a14="http://schemas.microsoft.com/office/drawing/2010/main">
+                <a:solidFill>
+                  <a:srgbClr val="FFFFFF"/>
+                </a:solidFill>
+              </a14:hiddenFill>
+            </a:ext>
+          </a:extLst>
+        </p:spPr>
+      </p:pic>
+      <p:sp>
+        <p:nvSpPr>
+          <p:cNvPr id="7" name="TextBox 6"/>
+          <p:cNvSpPr txBox="1"/>
+          <p:nvPr/>
+        </p:nvSpPr>
+        <p:spPr>
+          <a:xfrm>
+            <a:off x="914400" y="609600"/>
+            <a:ext cx="856325" cy="646331"/>
+          </a:xfrm>
+          <a:prstGeom prst="rect">
+            <a:avLst/>
+          </a:prstGeom>
+          <a:noFill/>
+        </p:spPr>
+        <p:txBody>
+          <a:bodyPr wrap="none" rtlCol="0">
+            <a:spAutoFit/>
+          </a:bodyPr>
+          <a:lstStyle/>
+          <a:p>
+            <a:r>
+              <a:rPr lang="en-US" sz="3600" dirty="0" smtClean="0">
+                <a:latin typeface="Comic Sans MS" panose="030F0702030302020204" pitchFamily="66" charset="0"/>
+              </a:rPr>
+              <a:t>#5</a:t>
+            </a:r>
+          </a:p>
+        </p:txBody>
+      </p:sp>
     </p:spTree>
     <p:extLst>
       <p:ext uri="{BB962C8B-B14F-4D97-AF65-F5344CB8AC3E}">
-        <p14:creationId xmlns:p14="http://schemas.microsoft.com/office/powerpoint/2010/main" val="538743597"/>
+        <p14:creationId xmlns:p14="http://schemas.microsoft.com/office/powerpoint/2010/main" val="3484048526"/>
       </p:ext>
     </p:extLst>
   </p:cSld>
@@ -21866,6 +22247,166 @@
             <p:ph type="title"/>
           </p:nvPr>
         </p:nvSpPr>
+        <p:spPr>
+          <a:xfrm>
+            <a:off x="1258645" y="2747963"/>
+            <a:ext cx="6637468" cy="1362075"/>
+          </a:xfrm>
+        </p:spPr>
+        <p:txBody>
+          <a:bodyPr anchor="ctr"/>
+          <a:lstStyle/>
+          <a:p>
+            <a:pPr algn="ctr"/>
+            <a:r>
+              <a:rPr lang="en-US" dirty="0" smtClean="0"/>
+              <a:t>Metrics</a:t>
+            </a:r>
+            <a:endParaRPr lang="en-US" dirty="0"/>
+          </a:p>
+        </p:txBody>
+      </p:sp>
+      <p:sp>
+        <p:nvSpPr>
+          <p:cNvPr id="5" name="Text Placeholder 4"/>
+          <p:cNvSpPr>
+            <a:spLocks noGrp="1"/>
+          </p:cNvSpPr>
+          <p:nvPr>
+            <p:ph type="body" idx="1"/>
+          </p:nvPr>
+        </p:nvSpPr>
+        <p:spPr/>
+        <p:txBody>
+          <a:bodyPr/>
+          <a:lstStyle/>
+          <a:p>
+            <a:endParaRPr lang="en-US" dirty="0"/>
+          </a:p>
+        </p:txBody>
+      </p:sp>
+      <p:pic>
+        <p:nvPicPr>
+          <p:cNvPr id="6" name="Picture 2" descr="https://encrypted-tbn0.gstatic.com/images?q=tbn:ANd9GcRb9WBTgxITIG8zFvN-dF1rl2ttYR8nKqq-ndQ5pOHcUUCCguOr"/>
+          <p:cNvPicPr>
+            <a:picLocks noChangeAspect="1" noChangeArrowheads="1"/>
+          </p:cNvPicPr>
+          <p:nvPr/>
+        </p:nvPicPr>
+        <p:blipFill>
+          <a:blip r:embed="rId3">
+            <a:extLst>
+              <a:ext uri="{28A0092B-C50C-407E-A947-70E740481C1C}">
+                <a14:useLocalDpi xmlns:a14="http://schemas.microsoft.com/office/drawing/2010/main" val="0"/>
+              </a:ext>
+            </a:extLst>
+          </a:blip>
+          <a:srcRect/>
+          <a:stretch>
+            <a:fillRect/>
+          </a:stretch>
+        </p:blipFill>
+        <p:spPr bwMode="auto">
+          <a:xfrm>
+            <a:off x="533401" y="381001"/>
+            <a:ext cx="1551396" cy="1162050"/>
+          </a:xfrm>
+          <a:prstGeom prst="rect">
+            <a:avLst/>
+          </a:prstGeom>
+          <a:noFill/>
+          <a:extLst>
+            <a:ext uri="{909E8E84-426E-40DD-AFC4-6F175D3DCCD1}">
+              <a14:hiddenFill xmlns:a14="http://schemas.microsoft.com/office/drawing/2010/main">
+                <a:solidFill>
+                  <a:srgbClr val="FFFFFF"/>
+                </a:solidFill>
+              </a14:hiddenFill>
+            </a:ext>
+          </a:extLst>
+        </p:spPr>
+      </p:pic>
+      <p:sp>
+        <p:nvSpPr>
+          <p:cNvPr id="7" name="TextBox 6"/>
+          <p:cNvSpPr txBox="1"/>
+          <p:nvPr/>
+        </p:nvSpPr>
+        <p:spPr>
+          <a:xfrm>
+            <a:off x="914400" y="609600"/>
+            <a:ext cx="856325" cy="646331"/>
+          </a:xfrm>
+          <a:prstGeom prst="rect">
+            <a:avLst/>
+          </a:prstGeom>
+          <a:noFill/>
+        </p:spPr>
+        <p:txBody>
+          <a:bodyPr wrap="none" rtlCol="0">
+            <a:spAutoFit/>
+          </a:bodyPr>
+          <a:lstStyle/>
+          <a:p>
+            <a:r>
+              <a:rPr lang="en-US" sz="3600" dirty="0" smtClean="0">
+                <a:latin typeface="Comic Sans MS" panose="030F0702030302020204" pitchFamily="66" charset="0"/>
+              </a:rPr>
+              <a:t>#6</a:t>
+            </a:r>
+            <a:endParaRPr lang="en-US" sz="3600" dirty="0">
+              <a:latin typeface="Comic Sans MS" panose="030F0702030302020204" pitchFamily="66" charset="0"/>
+            </a:endParaRPr>
+          </a:p>
+        </p:txBody>
+      </p:sp>
+    </p:spTree>
+    <p:extLst>
+      <p:ext uri="{BB962C8B-B14F-4D97-AF65-F5344CB8AC3E}">
+        <p14:creationId xmlns:p14="http://schemas.microsoft.com/office/powerpoint/2010/main" val="538743597"/>
+      </p:ext>
+    </p:extLst>
+  </p:cSld>
+  <p:clrMapOvr>
+    <a:masterClrMapping/>
+  </p:clrMapOvr>
+  <p:timing>
+    <p:tnLst>
+      <p:par>
+        <p:cTn id="1" dur="indefinite" restart="never" nodeType="tmRoot"/>
+      </p:par>
+    </p:tnLst>
+  </p:timing>
+</p:sld>
+</file>
+
+<file path=ppt/slides/slide27.xml><?xml version="1.0" encoding="utf-8"?>
+<p:sld xmlns:a="http://schemas.openxmlformats.org/drawingml/2006/main" xmlns:r="http://schemas.openxmlformats.org/officeDocument/2006/relationships" xmlns:p="http://schemas.openxmlformats.org/presentationml/2006/main">
+  <p:cSld>
+    <p:spTree>
+      <p:nvGrpSpPr>
+        <p:cNvPr id="1" name=""/>
+        <p:cNvGrpSpPr/>
+        <p:nvPr/>
+      </p:nvGrpSpPr>
+      <p:grpSpPr>
+        <a:xfrm>
+          <a:off x="0" y="0"/>
+          <a:ext cx="0" cy="0"/>
+          <a:chOff x="0" y="0"/>
+          <a:chExt cx="0" cy="0"/>
+        </a:xfrm>
+      </p:grpSpPr>
+      <p:sp>
+        <p:nvSpPr>
+          <p:cNvPr id="4" name="Title 3"/>
+          <p:cNvSpPr>
+            <a:spLocks noGrp="1"/>
+          </p:cNvSpPr>
+          <p:nvPr>
+            <p:ph type="title"/>
+          </p:nvPr>
+        </p:nvSpPr>
         <p:spPr/>
         <p:txBody>
           <a:bodyPr anchor="ctr"/>
@@ -21943,7 +22484,7 @@
 </p:sld>
 </file>
 
-<file path=ppt/slides/slide27.xml><?xml version="1.0" encoding="utf-8"?>
+<file path=ppt/slides/slide28.xml><?xml version="1.0" encoding="utf-8"?>
 <p:sld xmlns:a="http://schemas.openxmlformats.org/drawingml/2006/main" xmlns:r="http://schemas.openxmlformats.org/officeDocument/2006/relationships" xmlns:p="http://schemas.openxmlformats.org/presentationml/2006/main">
   <p:cSld>
     <p:spTree>
@@ -22063,7 +22604,7 @@
 </p:sld>
 </file>
 
-<file path=ppt/slides/slide28.xml><?xml version="1.0" encoding="utf-8"?>
+<file path=ppt/slides/slide29.xml><?xml version="1.0" encoding="utf-8"?>
 <p:sld xmlns:a="http://schemas.openxmlformats.org/drawingml/2006/main" xmlns:r="http://schemas.openxmlformats.org/officeDocument/2006/relationships" xmlns:p="http://schemas.openxmlformats.org/presentationml/2006/main">
   <p:cSld>
     <p:spTree>
@@ -22397,7 +22938,247 @@
 </p:sld>
 </file>
 
-<file path=ppt/slides/slide29.xml><?xml version="1.0" encoding="utf-8"?>
+<file path=ppt/slides/slide3.xml><?xml version="1.0" encoding="utf-8"?>
+<p:sld xmlns:a="http://schemas.openxmlformats.org/drawingml/2006/main" xmlns:r="http://schemas.openxmlformats.org/officeDocument/2006/relationships" xmlns:p="http://schemas.openxmlformats.org/presentationml/2006/main">
+  <p:cSld>
+    <p:spTree>
+      <p:nvGrpSpPr>
+        <p:cNvPr id="1" name=""/>
+        <p:cNvGrpSpPr/>
+        <p:nvPr/>
+      </p:nvGrpSpPr>
+      <p:grpSpPr>
+        <a:xfrm>
+          <a:off x="0" y="0"/>
+          <a:ext cx="0" cy="0"/>
+          <a:chOff x="0" y="0"/>
+          <a:chExt cx="0" cy="0"/>
+        </a:xfrm>
+      </p:grpSpPr>
+      <p:sp>
+        <p:nvSpPr>
+          <p:cNvPr id="4" name="Title 3"/>
+          <p:cNvSpPr>
+            <a:spLocks noGrp="1"/>
+          </p:cNvSpPr>
+          <p:nvPr>
+            <p:ph type="title"/>
+          </p:nvPr>
+        </p:nvSpPr>
+        <p:spPr>
+          <a:xfrm>
+            <a:off x="1253266" y="2747963"/>
+            <a:ext cx="6637468" cy="1362075"/>
+          </a:xfrm>
+        </p:spPr>
+        <p:txBody>
+          <a:bodyPr anchor="ctr"/>
+          <a:lstStyle/>
+          <a:p>
+            <a:pPr algn="ctr"/>
+            <a:r>
+              <a:rPr lang="en-US" dirty="0" smtClean="0"/>
+              <a:t>Management wants things done quickly</a:t>
+            </a:r>
+            <a:endParaRPr lang="en-US" dirty="0"/>
+          </a:p>
+        </p:txBody>
+      </p:sp>
+      <p:sp>
+        <p:nvSpPr>
+          <p:cNvPr id="6" name="Title 3"/>
+          <p:cNvSpPr txBox="1">
+            <a:spLocks/>
+          </p:cNvSpPr>
+          <p:nvPr/>
+        </p:nvSpPr>
+        <p:spPr>
+          <a:xfrm>
+            <a:off x="1287332" y="3962400"/>
+            <a:ext cx="6637468" cy="1362075"/>
+          </a:xfrm>
+          <a:prstGeom prst="rect">
+            <a:avLst/>
+          </a:prstGeom>
+        </p:spPr>
+        <p:txBody>
+          <a:bodyPr vert="horz" lIns="91440" tIns="45720" rIns="91440" bIns="45720" rtlCol="0" anchor="ctr">
+            <a:normAutofit/>
+          </a:bodyPr>
+          <a:lstStyle>
+            <a:lvl1pPr algn="l" defTabSz="914400" rtl="0" eaLnBrk="1" latinLnBrk="0" hangingPunct="1">
+              <a:spcBef>
+                <a:spcPct val="0"/>
+              </a:spcBef>
+              <a:buNone/>
+              <a:defRPr sz="4000" b="0" kern="1200" cap="none" baseline="0">
+                <a:solidFill>
+                  <a:schemeClr val="accent1"/>
+                </a:solidFill>
+                <a:latin typeface="+mj-lt"/>
+                <a:ea typeface="+mj-ea"/>
+                <a:cs typeface="+mj-cs"/>
+              </a:defRPr>
+            </a:lvl1pPr>
+            <a:lvl2pPr eaLnBrk="1" hangingPunct="1">
+              <a:defRPr>
+                <a:solidFill>
+                  <a:schemeClr val="tx2"/>
+                </a:solidFill>
+              </a:defRPr>
+            </a:lvl2pPr>
+            <a:lvl3pPr eaLnBrk="1" hangingPunct="1">
+              <a:defRPr>
+                <a:solidFill>
+                  <a:schemeClr val="tx2"/>
+                </a:solidFill>
+              </a:defRPr>
+            </a:lvl3pPr>
+            <a:lvl4pPr eaLnBrk="1" hangingPunct="1">
+              <a:defRPr>
+                <a:solidFill>
+                  <a:schemeClr val="tx2"/>
+                </a:solidFill>
+              </a:defRPr>
+            </a:lvl4pPr>
+            <a:lvl5pPr eaLnBrk="1" hangingPunct="1">
+              <a:defRPr>
+                <a:solidFill>
+                  <a:schemeClr val="tx2"/>
+                </a:solidFill>
+              </a:defRPr>
+            </a:lvl5pPr>
+            <a:lvl6pPr eaLnBrk="1" hangingPunct="1">
+              <a:defRPr>
+                <a:solidFill>
+                  <a:schemeClr val="tx2"/>
+                </a:solidFill>
+              </a:defRPr>
+            </a:lvl6pPr>
+            <a:lvl7pPr eaLnBrk="1" hangingPunct="1">
+              <a:defRPr>
+                <a:solidFill>
+                  <a:schemeClr val="tx2"/>
+                </a:solidFill>
+              </a:defRPr>
+            </a:lvl7pPr>
+            <a:lvl8pPr eaLnBrk="1" hangingPunct="1">
+              <a:defRPr>
+                <a:solidFill>
+                  <a:schemeClr val="tx2"/>
+                </a:solidFill>
+              </a:defRPr>
+            </a:lvl8pPr>
+            <a:lvl9pPr eaLnBrk="1" hangingPunct="1">
+              <a:defRPr>
+                <a:solidFill>
+                  <a:schemeClr val="tx2"/>
+                </a:solidFill>
+              </a:defRPr>
+            </a:lvl9pPr>
+          </a:lstStyle>
+          <a:p>
+            <a:pPr algn="ctr"/>
+            <a:r>
+              <a:rPr lang="en-US" i="1" dirty="0" smtClean="0"/>
+              <a:t>… and predictably</a:t>
+            </a:r>
+            <a:endParaRPr lang="en-US" i="1" dirty="0"/>
+          </a:p>
+        </p:txBody>
+      </p:sp>
+    </p:spTree>
+    <p:extLst>
+      <p:ext uri="{BB962C8B-B14F-4D97-AF65-F5344CB8AC3E}">
+        <p14:creationId xmlns:p14="http://schemas.microsoft.com/office/powerpoint/2010/main" val="2006772610"/>
+      </p:ext>
+    </p:extLst>
+  </p:cSld>
+  <p:clrMapOvr>
+    <a:masterClrMapping/>
+  </p:clrMapOvr>
+  <p:timing>
+    <p:tnLst>
+      <p:par>
+        <p:cTn id="1" dur="indefinite" restart="never" nodeType="tmRoot">
+          <p:childTnLst>
+            <p:seq concurrent="1" nextAc="seek">
+              <p:cTn id="2" dur="indefinite" nodeType="mainSeq">
+                <p:childTnLst>
+                  <p:par>
+                    <p:cTn id="3" fill="hold">
+                      <p:stCondLst>
+                        <p:cond delay="indefinite"/>
+                      </p:stCondLst>
+                      <p:childTnLst>
+                        <p:par>
+                          <p:cTn id="4" fill="hold">
+                            <p:stCondLst>
+                              <p:cond delay="0"/>
+                            </p:stCondLst>
+                            <p:childTnLst>
+                              <p:par>
+                                <p:cTn id="5" presetID="1" presetClass="entr" presetSubtype="0" fill="hold" grpId="0" nodeType="clickEffect">
+                                  <p:stCondLst>
+                                    <p:cond delay="0"/>
+                                  </p:stCondLst>
+                                  <p:childTnLst>
+                                    <p:set>
+                                      <p:cBhvr>
+                                        <p:cTn id="6" dur="1" fill="hold">
+                                          <p:stCondLst>
+                                            <p:cond delay="0"/>
+                                          </p:stCondLst>
+                                        </p:cTn>
+                                        <p:tgtEl>
+                                          <p:spTgt spid="6"/>
+                                        </p:tgtEl>
+                                        <p:attrNameLst>
+                                          <p:attrName>style.visibility</p:attrName>
+                                        </p:attrNameLst>
+                                      </p:cBhvr>
+                                      <p:to>
+                                        <p:strVal val="visible"/>
+                                      </p:to>
+                                    </p:set>
+                                  </p:childTnLst>
+                                </p:cTn>
+                              </p:par>
+                            </p:childTnLst>
+                          </p:cTn>
+                        </p:par>
+                      </p:childTnLst>
+                    </p:cTn>
+                  </p:par>
+                </p:childTnLst>
+              </p:cTn>
+              <p:prevCondLst>
+                <p:cond evt="onPrev" delay="0">
+                  <p:tgtEl>
+                    <p:sldTgt/>
+                  </p:tgtEl>
+                </p:cond>
+              </p:prevCondLst>
+              <p:nextCondLst>
+                <p:cond evt="onNext" delay="0">
+                  <p:tgtEl>
+                    <p:sldTgt/>
+                  </p:tgtEl>
+                </p:cond>
+              </p:nextCondLst>
+            </p:seq>
+          </p:childTnLst>
+        </p:cTn>
+      </p:par>
+    </p:tnLst>
+    <p:bldLst>
+      <p:bldP spid="6" grpId="0"/>
+    </p:bldLst>
+  </p:timing>
+</p:sld>
+</file>
+
+<file path=ppt/slides/slide30.xml><?xml version="1.0" encoding="utf-8"?>
 <p:sld xmlns:a="http://schemas.openxmlformats.org/drawingml/2006/main" xmlns:r="http://schemas.openxmlformats.org/officeDocument/2006/relationships" xmlns:p="http://schemas.openxmlformats.org/presentationml/2006/main">
   <p:cSld>
     <p:spTree>
@@ -22786,247 +23567,7 @@
 </p:sld>
 </file>
 
-<file path=ppt/slides/slide3.xml><?xml version="1.0" encoding="utf-8"?>
-<p:sld xmlns:a="http://schemas.openxmlformats.org/drawingml/2006/main" xmlns:r="http://schemas.openxmlformats.org/officeDocument/2006/relationships" xmlns:p="http://schemas.openxmlformats.org/presentationml/2006/main">
-  <p:cSld>
-    <p:spTree>
-      <p:nvGrpSpPr>
-        <p:cNvPr id="1" name=""/>
-        <p:cNvGrpSpPr/>
-        <p:nvPr/>
-      </p:nvGrpSpPr>
-      <p:grpSpPr>
-        <a:xfrm>
-          <a:off x="0" y="0"/>
-          <a:ext cx="0" cy="0"/>
-          <a:chOff x="0" y="0"/>
-          <a:chExt cx="0" cy="0"/>
-        </a:xfrm>
-      </p:grpSpPr>
-      <p:sp>
-        <p:nvSpPr>
-          <p:cNvPr id="4" name="Title 3"/>
-          <p:cNvSpPr>
-            <a:spLocks noGrp="1"/>
-          </p:cNvSpPr>
-          <p:nvPr>
-            <p:ph type="title"/>
-          </p:nvPr>
-        </p:nvSpPr>
-        <p:spPr>
-          <a:xfrm>
-            <a:off x="1253266" y="2747963"/>
-            <a:ext cx="6637468" cy="1362075"/>
-          </a:xfrm>
-        </p:spPr>
-        <p:txBody>
-          <a:bodyPr anchor="ctr"/>
-          <a:lstStyle/>
-          <a:p>
-            <a:pPr algn="ctr"/>
-            <a:r>
-              <a:rPr lang="en-US" dirty="0" smtClean="0"/>
-              <a:t>Management wants things done quickly</a:t>
-            </a:r>
-            <a:endParaRPr lang="en-US" dirty="0"/>
-          </a:p>
-        </p:txBody>
-      </p:sp>
-      <p:sp>
-        <p:nvSpPr>
-          <p:cNvPr id="6" name="Title 3"/>
-          <p:cNvSpPr txBox="1">
-            <a:spLocks/>
-          </p:cNvSpPr>
-          <p:nvPr/>
-        </p:nvSpPr>
-        <p:spPr>
-          <a:xfrm>
-            <a:off x="1287332" y="3962400"/>
-            <a:ext cx="6637468" cy="1362075"/>
-          </a:xfrm>
-          <a:prstGeom prst="rect">
-            <a:avLst/>
-          </a:prstGeom>
-        </p:spPr>
-        <p:txBody>
-          <a:bodyPr vert="horz" lIns="91440" tIns="45720" rIns="91440" bIns="45720" rtlCol="0" anchor="ctr">
-            <a:normAutofit/>
-          </a:bodyPr>
-          <a:lstStyle>
-            <a:lvl1pPr algn="l" defTabSz="914400" rtl="0" eaLnBrk="1" latinLnBrk="0" hangingPunct="1">
-              <a:spcBef>
-                <a:spcPct val="0"/>
-              </a:spcBef>
-              <a:buNone/>
-              <a:defRPr sz="4000" b="0" kern="1200" cap="none" baseline="0">
-                <a:solidFill>
-                  <a:schemeClr val="accent1"/>
-                </a:solidFill>
-                <a:latin typeface="+mj-lt"/>
-                <a:ea typeface="+mj-ea"/>
-                <a:cs typeface="+mj-cs"/>
-              </a:defRPr>
-            </a:lvl1pPr>
-            <a:lvl2pPr eaLnBrk="1" hangingPunct="1">
-              <a:defRPr>
-                <a:solidFill>
-                  <a:schemeClr val="tx2"/>
-                </a:solidFill>
-              </a:defRPr>
-            </a:lvl2pPr>
-            <a:lvl3pPr eaLnBrk="1" hangingPunct="1">
-              <a:defRPr>
-                <a:solidFill>
-                  <a:schemeClr val="tx2"/>
-                </a:solidFill>
-              </a:defRPr>
-            </a:lvl3pPr>
-            <a:lvl4pPr eaLnBrk="1" hangingPunct="1">
-              <a:defRPr>
-                <a:solidFill>
-                  <a:schemeClr val="tx2"/>
-                </a:solidFill>
-              </a:defRPr>
-            </a:lvl4pPr>
-            <a:lvl5pPr eaLnBrk="1" hangingPunct="1">
-              <a:defRPr>
-                <a:solidFill>
-                  <a:schemeClr val="tx2"/>
-                </a:solidFill>
-              </a:defRPr>
-            </a:lvl5pPr>
-            <a:lvl6pPr eaLnBrk="1" hangingPunct="1">
-              <a:defRPr>
-                <a:solidFill>
-                  <a:schemeClr val="tx2"/>
-                </a:solidFill>
-              </a:defRPr>
-            </a:lvl6pPr>
-            <a:lvl7pPr eaLnBrk="1" hangingPunct="1">
-              <a:defRPr>
-                <a:solidFill>
-                  <a:schemeClr val="tx2"/>
-                </a:solidFill>
-              </a:defRPr>
-            </a:lvl7pPr>
-            <a:lvl8pPr eaLnBrk="1" hangingPunct="1">
-              <a:defRPr>
-                <a:solidFill>
-                  <a:schemeClr val="tx2"/>
-                </a:solidFill>
-              </a:defRPr>
-            </a:lvl8pPr>
-            <a:lvl9pPr eaLnBrk="1" hangingPunct="1">
-              <a:defRPr>
-                <a:solidFill>
-                  <a:schemeClr val="tx2"/>
-                </a:solidFill>
-              </a:defRPr>
-            </a:lvl9pPr>
-          </a:lstStyle>
-          <a:p>
-            <a:pPr algn="ctr"/>
-            <a:r>
-              <a:rPr lang="en-US" i="1" dirty="0" smtClean="0"/>
-              <a:t>… and predictably</a:t>
-            </a:r>
-            <a:endParaRPr lang="en-US" i="1" dirty="0"/>
-          </a:p>
-        </p:txBody>
-      </p:sp>
-    </p:spTree>
-    <p:extLst>
-      <p:ext uri="{BB962C8B-B14F-4D97-AF65-F5344CB8AC3E}">
-        <p14:creationId xmlns:p14="http://schemas.microsoft.com/office/powerpoint/2010/main" val="2006772610"/>
-      </p:ext>
-    </p:extLst>
-  </p:cSld>
-  <p:clrMapOvr>
-    <a:masterClrMapping/>
-  </p:clrMapOvr>
-  <p:timing>
-    <p:tnLst>
-      <p:par>
-        <p:cTn id="1" dur="indefinite" restart="never" nodeType="tmRoot">
-          <p:childTnLst>
-            <p:seq concurrent="1" nextAc="seek">
-              <p:cTn id="2" dur="indefinite" nodeType="mainSeq">
-                <p:childTnLst>
-                  <p:par>
-                    <p:cTn id="3" fill="hold">
-                      <p:stCondLst>
-                        <p:cond delay="indefinite"/>
-                      </p:stCondLst>
-                      <p:childTnLst>
-                        <p:par>
-                          <p:cTn id="4" fill="hold">
-                            <p:stCondLst>
-                              <p:cond delay="0"/>
-                            </p:stCondLst>
-                            <p:childTnLst>
-                              <p:par>
-                                <p:cTn id="5" presetID="1" presetClass="entr" presetSubtype="0" fill="hold" grpId="0" nodeType="clickEffect">
-                                  <p:stCondLst>
-                                    <p:cond delay="0"/>
-                                  </p:stCondLst>
-                                  <p:childTnLst>
-                                    <p:set>
-                                      <p:cBhvr>
-                                        <p:cTn id="6" dur="1" fill="hold">
-                                          <p:stCondLst>
-                                            <p:cond delay="0"/>
-                                          </p:stCondLst>
-                                        </p:cTn>
-                                        <p:tgtEl>
-                                          <p:spTgt spid="6"/>
-                                        </p:tgtEl>
-                                        <p:attrNameLst>
-                                          <p:attrName>style.visibility</p:attrName>
-                                        </p:attrNameLst>
-                                      </p:cBhvr>
-                                      <p:to>
-                                        <p:strVal val="visible"/>
-                                      </p:to>
-                                    </p:set>
-                                  </p:childTnLst>
-                                </p:cTn>
-                              </p:par>
-                            </p:childTnLst>
-                          </p:cTn>
-                        </p:par>
-                      </p:childTnLst>
-                    </p:cTn>
-                  </p:par>
-                </p:childTnLst>
-              </p:cTn>
-              <p:prevCondLst>
-                <p:cond evt="onPrev" delay="0">
-                  <p:tgtEl>
-                    <p:sldTgt/>
-                  </p:tgtEl>
-                </p:cond>
-              </p:prevCondLst>
-              <p:nextCondLst>
-                <p:cond evt="onNext" delay="0">
-                  <p:tgtEl>
-                    <p:sldTgt/>
-                  </p:tgtEl>
-                </p:cond>
-              </p:nextCondLst>
-            </p:seq>
-          </p:childTnLst>
-        </p:cTn>
-      </p:par>
-    </p:tnLst>
-    <p:bldLst>
-      <p:bldP spid="6" grpId="0"/>
-    </p:bldLst>
-  </p:timing>
-</p:sld>
-</file>
-
-<file path=ppt/slides/slide30.xml><?xml version="1.0" encoding="utf-8"?>
+<file path=ppt/slides/slide31.xml><?xml version="1.0" encoding="utf-8"?>
 <p:sld xmlns:a="http://schemas.openxmlformats.org/drawingml/2006/main" xmlns:r="http://schemas.openxmlformats.org/officeDocument/2006/relationships" xmlns:p="http://schemas.openxmlformats.org/presentationml/2006/main">
   <p:cSld>
     <p:spTree>
@@ -23146,7 +23687,7 @@
 </p:sld>
 </file>
 
-<file path=ppt/slides/slide31.xml><?xml version="1.0" encoding="utf-8"?>
+<file path=ppt/slides/slide32.xml><?xml version="1.0" encoding="utf-8"?>
 <p:sld xmlns:a="http://schemas.openxmlformats.org/drawingml/2006/main" xmlns:r="http://schemas.openxmlformats.org/officeDocument/2006/relationships" xmlns:p="http://schemas.openxmlformats.org/presentationml/2006/main">
   <p:cSld>
     <p:spTree>
@@ -23231,7 +23772,7 @@
 </p:sld>
 </file>
 
-<file path=ppt/slides/slide32.xml><?xml version="1.0" encoding="utf-8"?>
+<file path=ppt/slides/slide33.xml><?xml version="1.0" encoding="utf-8"?>
 <p:sld xmlns:a="http://schemas.openxmlformats.org/drawingml/2006/main" xmlns:r="http://schemas.openxmlformats.org/officeDocument/2006/relationships" xmlns:p="http://schemas.openxmlformats.org/presentationml/2006/main">
   <p:cSld>
     <p:spTree>
@@ -23316,7 +23857,7 @@
 </p:sld>
 </file>
 
-<file path=ppt/slides/slide33.xml><?xml version="1.0" encoding="utf-8"?>
+<file path=ppt/slides/slide34.xml><?xml version="1.0" encoding="utf-8"?>
 <p:sld xmlns:a="http://schemas.openxmlformats.org/drawingml/2006/main" xmlns:r="http://schemas.openxmlformats.org/officeDocument/2006/relationships" xmlns:p="http://schemas.openxmlformats.org/presentationml/2006/main">
   <p:cSld>
     <p:spTree>
@@ -23442,7 +23983,7 @@
 </p:sld>
 </file>
 
-<file path=ppt/slides/slide34.xml><?xml version="1.0" encoding="utf-8"?>
+<file path=ppt/slides/slide35.xml><?xml version="1.0" encoding="utf-8"?>
 <p:sld xmlns:a="http://schemas.openxmlformats.org/drawingml/2006/main" xmlns:r="http://schemas.openxmlformats.org/officeDocument/2006/relationships" xmlns:p="http://schemas.openxmlformats.org/presentationml/2006/main">
   <p:cSld>
     <p:spTree>
@@ -23533,6 +24074,81 @@
           </a:extLst>
         </p:spPr>
       </p:pic>
+      <p:pic>
+        <p:nvPicPr>
+          <p:cNvPr id="5" name="Picture 2" descr="https://encrypted-tbn0.gstatic.com/images?q=tbn:ANd9GcRb9WBTgxITIG8zFvN-dF1rl2ttYR8nKqq-ndQ5pOHcUUCCguOr"/>
+          <p:cNvPicPr>
+            <a:picLocks noChangeAspect="1" noChangeArrowheads="1"/>
+          </p:cNvPicPr>
+          <p:nvPr/>
+        </p:nvPicPr>
+        <p:blipFill>
+          <a:blip r:embed="rId4">
+            <a:extLst>
+              <a:ext uri="{28A0092B-C50C-407E-A947-70E740481C1C}">
+                <a14:useLocalDpi xmlns:a14="http://schemas.microsoft.com/office/drawing/2010/main" val="0"/>
+              </a:ext>
+            </a:extLst>
+          </a:blip>
+          <a:srcRect/>
+          <a:stretch>
+            <a:fillRect/>
+          </a:stretch>
+        </p:blipFill>
+        <p:spPr bwMode="auto">
+          <a:xfrm>
+            <a:off x="533401" y="381001"/>
+            <a:ext cx="1551396" cy="1162050"/>
+          </a:xfrm>
+          <a:prstGeom prst="rect">
+            <a:avLst/>
+          </a:prstGeom>
+          <a:noFill/>
+          <a:extLst>
+            <a:ext uri="{909E8E84-426E-40DD-AFC4-6F175D3DCCD1}">
+              <a14:hiddenFill xmlns:a14="http://schemas.microsoft.com/office/drawing/2010/main">
+                <a:solidFill>
+                  <a:srgbClr val="FFFFFF"/>
+                </a:solidFill>
+              </a14:hiddenFill>
+            </a:ext>
+          </a:extLst>
+        </p:spPr>
+      </p:pic>
+      <p:sp>
+        <p:nvSpPr>
+          <p:cNvPr id="6" name="TextBox 5"/>
+          <p:cNvSpPr txBox="1"/>
+          <p:nvPr/>
+        </p:nvSpPr>
+        <p:spPr>
+          <a:xfrm>
+            <a:off x="914400" y="609600"/>
+            <a:ext cx="856325" cy="646331"/>
+          </a:xfrm>
+          <a:prstGeom prst="rect">
+            <a:avLst/>
+          </a:prstGeom>
+          <a:noFill/>
+        </p:spPr>
+        <p:txBody>
+          <a:bodyPr wrap="none" rtlCol="0">
+            <a:spAutoFit/>
+          </a:bodyPr>
+          <a:lstStyle/>
+          <a:p>
+            <a:r>
+              <a:rPr lang="en-US" sz="3600" dirty="0" smtClean="0">
+                <a:latin typeface="Comic Sans MS" panose="030F0702030302020204" pitchFamily="66" charset="0"/>
+              </a:rPr>
+              <a:t>#7</a:t>
+            </a:r>
+            <a:endParaRPr lang="en-US" sz="3600" dirty="0">
+              <a:latin typeface="Comic Sans MS" panose="030F0702030302020204" pitchFamily="66" charset="0"/>
+            </a:endParaRPr>
+          </a:p>
+        </p:txBody>
+      </p:sp>
     </p:spTree>
     <p:extLst>
       <p:ext uri="{BB962C8B-B14F-4D97-AF65-F5344CB8AC3E}">
@@ -23553,7 +24169,7 @@
 </p:sld>
 </file>
 
-<file path=ppt/slides/slide35.xml><?xml version="1.0" encoding="utf-8"?>
+<file path=ppt/slides/slide36.xml><?xml version="1.0" encoding="utf-8"?>
 <p:sld xmlns:a="http://schemas.openxmlformats.org/drawingml/2006/main" xmlns:r="http://schemas.openxmlformats.org/officeDocument/2006/relationships" xmlns:p="http://schemas.openxmlformats.org/presentationml/2006/main">
   <p:cSld>
     <p:spTree>
@@ -23664,7 +24280,7 @@
 </p:sld>
 </file>
 
-<file path=ppt/slides/slide36.xml><?xml version="1.0" encoding="utf-8"?>
+<file path=ppt/slides/slide37.xml><?xml version="1.0" encoding="utf-8"?>
 <p:sld xmlns:a="http://schemas.openxmlformats.org/drawingml/2006/main" xmlns:r="http://schemas.openxmlformats.org/officeDocument/2006/relationships" xmlns:p="http://schemas.openxmlformats.org/presentationml/2006/main">
   <p:cSld>
     <p:spTree>
@@ -23775,7 +24391,7 @@
 </p:sld>
 </file>
 
-<file path=ppt/slides/slide37.xml><?xml version="1.0" encoding="utf-8"?>
+<file path=ppt/slides/slide38.xml><?xml version="1.0" encoding="utf-8"?>
 <p:sld xmlns:a="http://schemas.openxmlformats.org/drawingml/2006/main" xmlns:r="http://schemas.openxmlformats.org/officeDocument/2006/relationships" xmlns:p="http://schemas.openxmlformats.org/presentationml/2006/main">
   <p:cSld>
     <p:spTree>
@@ -23886,7 +24502,7 @@
 </p:sld>
 </file>
 
-<file path=ppt/slides/slide38.xml><?xml version="1.0" encoding="utf-8"?>
+<file path=ppt/slides/slide39.xml><?xml version="1.0" encoding="utf-8"?>
 <p:sld xmlns:a="http://schemas.openxmlformats.org/drawingml/2006/main" xmlns:r="http://schemas.openxmlformats.org/officeDocument/2006/relationships" xmlns:p="http://schemas.openxmlformats.org/presentationml/2006/main">
   <p:cSld>
     <p:spTree>
@@ -23997,99 +24613,6 @@
 </p:sld>
 </file>
 
-<file path=ppt/slides/slide39.xml><?xml version="1.0" encoding="utf-8"?>
-<p:sld xmlns:a="http://schemas.openxmlformats.org/drawingml/2006/main" xmlns:r="http://schemas.openxmlformats.org/officeDocument/2006/relationships" xmlns:p="http://schemas.openxmlformats.org/presentationml/2006/main">
-  <p:cSld>
-    <p:spTree>
-      <p:nvGrpSpPr>
-        <p:cNvPr id="1" name=""/>
-        <p:cNvGrpSpPr/>
-        <p:nvPr/>
-      </p:nvGrpSpPr>
-      <p:grpSpPr>
-        <a:xfrm>
-          <a:off x="0" y="0"/>
-          <a:ext cx="0" cy="0"/>
-          <a:chOff x="0" y="0"/>
-          <a:chExt cx="0" cy="0"/>
-        </a:xfrm>
-      </p:grpSpPr>
-      <p:sp>
-        <p:nvSpPr>
-          <p:cNvPr id="4" name="Title 3"/>
-          <p:cNvSpPr>
-            <a:spLocks noGrp="1"/>
-          </p:cNvSpPr>
-          <p:nvPr>
-            <p:ph type="title"/>
-          </p:nvPr>
-        </p:nvSpPr>
-        <p:spPr>
-          <a:xfrm>
-            <a:off x="1258645" y="2747963"/>
-            <a:ext cx="6637468" cy="1362075"/>
-          </a:xfrm>
-        </p:spPr>
-        <p:txBody>
-          <a:bodyPr anchor="ctr"/>
-          <a:lstStyle/>
-          <a:p>
-            <a:pPr algn="ctr"/>
-            <a:r>
-              <a:rPr lang="en-US" dirty="0" smtClean="0"/>
-              <a:t>Should you post a </a:t>
-            </a:r>
-            <a:r>
-              <a:rPr lang="en-US" dirty="0" err="1" smtClean="0"/>
-              <a:t>burndown</a:t>
-            </a:r>
-            <a:r>
-              <a:rPr lang="en-US" dirty="0" smtClean="0"/>
-              <a:t> chart?</a:t>
-            </a:r>
-            <a:endParaRPr lang="en-US" dirty="0"/>
-          </a:p>
-        </p:txBody>
-      </p:sp>
-      <p:sp>
-        <p:nvSpPr>
-          <p:cNvPr id="5" name="Text Placeholder 4"/>
-          <p:cNvSpPr>
-            <a:spLocks noGrp="1"/>
-          </p:cNvSpPr>
-          <p:nvPr>
-            <p:ph type="body" idx="1"/>
-          </p:nvPr>
-        </p:nvSpPr>
-        <p:spPr/>
-        <p:txBody>
-          <a:bodyPr/>
-          <a:lstStyle/>
-          <a:p>
-            <a:endParaRPr lang="en-US" dirty="0"/>
-          </a:p>
-        </p:txBody>
-      </p:sp>
-    </p:spTree>
-    <p:extLst>
-      <p:ext uri="{BB962C8B-B14F-4D97-AF65-F5344CB8AC3E}">
-        <p14:creationId xmlns:p14="http://schemas.microsoft.com/office/powerpoint/2010/main" val="3351244940"/>
-      </p:ext>
-    </p:extLst>
-  </p:cSld>
-  <p:clrMapOvr>
-    <a:masterClrMapping/>
-  </p:clrMapOvr>
-  <p:timing>
-    <p:tnLst>
-      <p:par>
-        <p:cTn id="1" dur="indefinite" restart="never" nodeType="tmRoot"/>
-      </p:par>
-    </p:tnLst>
-  </p:timing>
-</p:sld>
-</file>
-
 <file path=ppt/slides/slide4.xml><?xml version="1.0" encoding="utf-8"?>
 <p:sld xmlns:a="http://schemas.openxmlformats.org/drawingml/2006/main" xmlns:r="http://schemas.openxmlformats.org/officeDocument/2006/relationships" xmlns:p="http://schemas.openxmlformats.org/presentationml/2006/main">
   <p:cSld>
@@ -24130,7 +24653,7 @@
             <a:pPr algn="ctr"/>
             <a:r>
               <a:rPr lang="en-US" dirty="0" smtClean="0"/>
-              <a:t>What if I’m not an Agile project?</a:t>
+              <a:t>What’s an iteration?</a:t>
             </a:r>
             <a:endParaRPr lang="en-US" dirty="0"/>
           </a:p>
@@ -24158,7 +24681,7 @@
     </p:spTree>
     <p:extLst>
       <p:ext uri="{BB962C8B-B14F-4D97-AF65-F5344CB8AC3E}">
-        <p14:creationId xmlns:p14="http://schemas.microsoft.com/office/powerpoint/2010/main" val="3720548761"/>
+        <p14:creationId xmlns:p14="http://schemas.microsoft.com/office/powerpoint/2010/main" val="1297658133"/>
       </p:ext>
     </p:extLst>
   </p:cSld>
@@ -24215,7 +24738,15 @@
             <a:pPr algn="ctr"/>
             <a:r>
               <a:rPr lang="en-US" dirty="0" smtClean="0"/>
-              <a:t>Involving Stakeholders</a:t>
+              <a:t>Should you post a </a:t>
+            </a:r>
+            <a:r>
+              <a:rPr lang="en-US" dirty="0" err="1" smtClean="0"/>
+              <a:t>burndown</a:t>
+            </a:r>
+            <a:r>
+              <a:rPr lang="en-US" dirty="0" smtClean="0"/>
+              <a:t> chart?</a:t>
             </a:r>
             <a:endParaRPr lang="en-US" dirty="0"/>
           </a:p>
@@ -24243,7 +24774,7 @@
     </p:spTree>
     <p:extLst>
       <p:ext uri="{BB962C8B-B14F-4D97-AF65-F5344CB8AC3E}">
-        <p14:creationId xmlns:p14="http://schemas.microsoft.com/office/powerpoint/2010/main" val="3466306024"/>
+        <p14:creationId xmlns:p14="http://schemas.microsoft.com/office/powerpoint/2010/main" val="3351244940"/>
       </p:ext>
     </p:extLst>
   </p:cSld>
@@ -24300,7 +24831,7 @@
             <a:pPr algn="ctr"/>
             <a:r>
               <a:rPr lang="en-US" dirty="0" smtClean="0"/>
-              <a:t>Capacity Planning</a:t>
+              <a:t>Involving Stakeholders</a:t>
             </a:r>
             <a:endParaRPr lang="en-US" dirty="0"/>
           </a:p>
@@ -24325,10 +24856,85 @@
           </a:p>
         </p:txBody>
       </p:sp>
+      <p:pic>
+        <p:nvPicPr>
+          <p:cNvPr id="6" name="Picture 2" descr="https://encrypted-tbn0.gstatic.com/images?q=tbn:ANd9GcRb9WBTgxITIG8zFvN-dF1rl2ttYR8nKqq-ndQ5pOHcUUCCguOr"/>
+          <p:cNvPicPr>
+            <a:picLocks noChangeAspect="1" noChangeArrowheads="1"/>
+          </p:cNvPicPr>
+          <p:nvPr/>
+        </p:nvPicPr>
+        <p:blipFill>
+          <a:blip r:embed="rId3">
+            <a:extLst>
+              <a:ext uri="{28A0092B-C50C-407E-A947-70E740481C1C}">
+                <a14:useLocalDpi xmlns:a14="http://schemas.microsoft.com/office/drawing/2010/main" val="0"/>
+              </a:ext>
+            </a:extLst>
+          </a:blip>
+          <a:srcRect/>
+          <a:stretch>
+            <a:fillRect/>
+          </a:stretch>
+        </p:blipFill>
+        <p:spPr bwMode="auto">
+          <a:xfrm>
+            <a:off x="533401" y="381001"/>
+            <a:ext cx="1551396" cy="1162050"/>
+          </a:xfrm>
+          <a:prstGeom prst="rect">
+            <a:avLst/>
+          </a:prstGeom>
+          <a:noFill/>
+          <a:extLst>
+            <a:ext uri="{909E8E84-426E-40DD-AFC4-6F175D3DCCD1}">
+              <a14:hiddenFill xmlns:a14="http://schemas.microsoft.com/office/drawing/2010/main">
+                <a:solidFill>
+                  <a:srgbClr val="FFFFFF"/>
+                </a:solidFill>
+              </a14:hiddenFill>
+            </a:ext>
+          </a:extLst>
+        </p:spPr>
+      </p:pic>
+      <p:sp>
+        <p:nvSpPr>
+          <p:cNvPr id="7" name="TextBox 6"/>
+          <p:cNvSpPr txBox="1"/>
+          <p:nvPr/>
+        </p:nvSpPr>
+        <p:spPr>
+          <a:xfrm>
+            <a:off x="914400" y="609600"/>
+            <a:ext cx="856325" cy="646331"/>
+          </a:xfrm>
+          <a:prstGeom prst="rect">
+            <a:avLst/>
+          </a:prstGeom>
+          <a:noFill/>
+        </p:spPr>
+        <p:txBody>
+          <a:bodyPr wrap="none" rtlCol="0">
+            <a:spAutoFit/>
+          </a:bodyPr>
+          <a:lstStyle/>
+          <a:p>
+            <a:r>
+              <a:rPr lang="en-US" sz="3600" dirty="0" smtClean="0">
+                <a:latin typeface="Comic Sans MS" panose="030F0702030302020204" pitchFamily="66" charset="0"/>
+              </a:rPr>
+              <a:t>#8</a:t>
+            </a:r>
+            <a:endParaRPr lang="en-US" sz="3600" dirty="0">
+              <a:latin typeface="Comic Sans MS" panose="030F0702030302020204" pitchFamily="66" charset="0"/>
+            </a:endParaRPr>
+          </a:p>
+        </p:txBody>
+      </p:sp>
     </p:spTree>
     <p:extLst>
       <p:ext uri="{BB962C8B-B14F-4D97-AF65-F5344CB8AC3E}">
-        <p14:creationId xmlns:p14="http://schemas.microsoft.com/office/powerpoint/2010/main" val="431522499"/>
+        <p14:creationId xmlns:p14="http://schemas.microsoft.com/office/powerpoint/2010/main" val="3466306024"/>
       </p:ext>
     </p:extLst>
   </p:cSld>
@@ -24407,6 +25013,81 @@
           <a:lstStyle/>
           <a:p>
             <a:endParaRPr lang="en-US" dirty="0"/>
+          </a:p>
+        </p:txBody>
+      </p:sp>
+      <p:pic>
+        <p:nvPicPr>
+          <p:cNvPr id="6" name="Picture 2" descr="https://encrypted-tbn0.gstatic.com/images?q=tbn:ANd9GcRb9WBTgxITIG8zFvN-dF1rl2ttYR8nKqq-ndQ5pOHcUUCCguOr"/>
+          <p:cNvPicPr>
+            <a:picLocks noChangeAspect="1" noChangeArrowheads="1"/>
+          </p:cNvPicPr>
+          <p:nvPr/>
+        </p:nvPicPr>
+        <p:blipFill>
+          <a:blip r:embed="rId3">
+            <a:extLst>
+              <a:ext uri="{28A0092B-C50C-407E-A947-70E740481C1C}">
+                <a14:useLocalDpi xmlns:a14="http://schemas.microsoft.com/office/drawing/2010/main" val="0"/>
+              </a:ext>
+            </a:extLst>
+          </a:blip>
+          <a:srcRect/>
+          <a:stretch>
+            <a:fillRect/>
+          </a:stretch>
+        </p:blipFill>
+        <p:spPr bwMode="auto">
+          <a:xfrm>
+            <a:off x="533401" y="381001"/>
+            <a:ext cx="1551396" cy="1162050"/>
+          </a:xfrm>
+          <a:prstGeom prst="rect">
+            <a:avLst/>
+          </a:prstGeom>
+          <a:noFill/>
+          <a:extLst>
+            <a:ext uri="{909E8E84-426E-40DD-AFC4-6F175D3DCCD1}">
+              <a14:hiddenFill xmlns:a14="http://schemas.microsoft.com/office/drawing/2010/main">
+                <a:solidFill>
+                  <a:srgbClr val="FFFFFF"/>
+                </a:solidFill>
+              </a14:hiddenFill>
+            </a:ext>
+          </a:extLst>
+        </p:spPr>
+      </p:pic>
+      <p:sp>
+        <p:nvSpPr>
+          <p:cNvPr id="7" name="TextBox 6"/>
+          <p:cNvSpPr txBox="1"/>
+          <p:nvPr/>
+        </p:nvSpPr>
+        <p:spPr>
+          <a:xfrm>
+            <a:off x="914400" y="609600"/>
+            <a:ext cx="856325" cy="646331"/>
+          </a:xfrm>
+          <a:prstGeom prst="rect">
+            <a:avLst/>
+          </a:prstGeom>
+          <a:noFill/>
+        </p:spPr>
+        <p:txBody>
+          <a:bodyPr wrap="none" rtlCol="0">
+            <a:spAutoFit/>
+          </a:bodyPr>
+          <a:lstStyle/>
+          <a:p>
+            <a:r>
+              <a:rPr lang="en-US" sz="3600" dirty="0" smtClean="0">
+                <a:latin typeface="Comic Sans MS" panose="030F0702030302020204" pitchFamily="66" charset="0"/>
+              </a:rPr>
+              <a:t>#9</a:t>
+            </a:r>
+            <a:endParaRPr lang="en-US" sz="3600" dirty="0">
+              <a:latin typeface="Comic Sans MS" panose="030F0702030302020204" pitchFamily="66" charset="0"/>
+            </a:endParaRPr>
           </a:p>
         </p:txBody>
       </p:sp>
@@ -24495,6 +25176,81 @@
           </a:p>
         </p:txBody>
       </p:sp>
+      <p:pic>
+        <p:nvPicPr>
+          <p:cNvPr id="6" name="Picture 2" descr="https://encrypted-tbn0.gstatic.com/images?q=tbn:ANd9GcRb9WBTgxITIG8zFvN-dF1rl2ttYR8nKqq-ndQ5pOHcUUCCguOr"/>
+          <p:cNvPicPr>
+            <a:picLocks noChangeAspect="1" noChangeArrowheads="1"/>
+          </p:cNvPicPr>
+          <p:nvPr/>
+        </p:nvPicPr>
+        <p:blipFill>
+          <a:blip r:embed="rId3">
+            <a:extLst>
+              <a:ext uri="{28A0092B-C50C-407E-A947-70E740481C1C}">
+                <a14:useLocalDpi xmlns:a14="http://schemas.microsoft.com/office/drawing/2010/main" val="0"/>
+              </a:ext>
+            </a:extLst>
+          </a:blip>
+          <a:srcRect/>
+          <a:stretch>
+            <a:fillRect/>
+          </a:stretch>
+        </p:blipFill>
+        <p:spPr bwMode="auto">
+          <a:xfrm>
+            <a:off x="533401" y="381001"/>
+            <a:ext cx="1551396" cy="1162050"/>
+          </a:xfrm>
+          <a:prstGeom prst="rect">
+            <a:avLst/>
+          </a:prstGeom>
+          <a:noFill/>
+          <a:extLst>
+            <a:ext uri="{909E8E84-426E-40DD-AFC4-6F175D3DCCD1}">
+              <a14:hiddenFill xmlns:a14="http://schemas.microsoft.com/office/drawing/2010/main">
+                <a:solidFill>
+                  <a:srgbClr val="FFFFFF"/>
+                </a:solidFill>
+              </a14:hiddenFill>
+            </a:ext>
+          </a:extLst>
+        </p:spPr>
+      </p:pic>
+      <p:sp>
+        <p:nvSpPr>
+          <p:cNvPr id="7" name="TextBox 6"/>
+          <p:cNvSpPr txBox="1"/>
+          <p:nvPr/>
+        </p:nvSpPr>
+        <p:spPr>
+          <a:xfrm>
+            <a:off x="826434" y="669638"/>
+            <a:ext cx="965329" cy="584775"/>
+          </a:xfrm>
+          <a:prstGeom prst="rect">
+            <a:avLst/>
+          </a:prstGeom>
+          <a:noFill/>
+        </p:spPr>
+        <p:txBody>
+          <a:bodyPr wrap="none" rtlCol="0">
+            <a:spAutoFit/>
+          </a:bodyPr>
+          <a:lstStyle/>
+          <a:p>
+            <a:r>
+              <a:rPr lang="en-US" sz="3200" dirty="0" smtClean="0">
+                <a:latin typeface="Comic Sans MS" panose="030F0702030302020204" pitchFamily="66" charset="0"/>
+              </a:rPr>
+              <a:t>#10</a:t>
+            </a:r>
+            <a:endParaRPr lang="en-US" sz="3200" dirty="0">
+              <a:latin typeface="Comic Sans MS" panose="030F0702030302020204" pitchFamily="66" charset="0"/>
+            </a:endParaRPr>
+          </a:p>
+        </p:txBody>
+      </p:sp>
     </p:spTree>
     <p:extLst>
       <p:ext uri="{BB962C8B-B14F-4D97-AF65-F5344CB8AC3E}">
@@ -24734,6 +25490,105 @@
         </p:nvSpPr>
         <p:spPr>
           <a:xfrm>
+            <a:off x="1059628" y="1027664"/>
+            <a:ext cx="7024744" cy="1143000"/>
+          </a:xfrm>
+        </p:spPr>
+        <p:txBody>
+          <a:bodyPr anchor="ctr"/>
+          <a:lstStyle/>
+          <a:p>
+            <a:pPr algn="ctr"/>
+            <a:r>
+              <a:rPr lang="en-US" dirty="0" smtClean="0"/>
+              <a:t>Questions</a:t>
+            </a:r>
+            <a:endParaRPr lang="en-US" dirty="0"/>
+          </a:p>
+        </p:txBody>
+      </p:sp>
+      <p:sp>
+        <p:nvSpPr>
+          <p:cNvPr id="2" name="Content Placeholder 1"/>
+          <p:cNvSpPr>
+            <a:spLocks noGrp="1"/>
+          </p:cNvSpPr>
+          <p:nvPr>
+            <p:ph idx="1"/>
+          </p:nvPr>
+        </p:nvSpPr>
+        <p:spPr>
+          <a:xfrm>
+            <a:off x="1183342" y="2323652"/>
+            <a:ext cx="6777317" cy="3508977"/>
+          </a:xfrm>
+        </p:spPr>
+        <p:txBody>
+          <a:bodyPr>
+            <a:noAutofit/>
+          </a:bodyPr>
+          <a:lstStyle/>
+          <a:p>
+            <a:pPr marL="68580" indent="0" algn="ctr">
+              <a:buNone/>
+            </a:pPr>
+            <a:r>
+              <a:rPr lang="en-US" sz="23900" b="1" i="1" dirty="0" smtClean="0"/>
+              <a:t>?</a:t>
+            </a:r>
+            <a:endParaRPr lang="en-US" sz="23900" b="1" i="1" dirty="0"/>
+          </a:p>
+        </p:txBody>
+      </p:sp>
+    </p:spTree>
+    <p:extLst>
+      <p:ext uri="{BB962C8B-B14F-4D97-AF65-F5344CB8AC3E}">
+        <p14:creationId xmlns:p14="http://schemas.microsoft.com/office/powerpoint/2010/main" val="3552087203"/>
+      </p:ext>
+    </p:extLst>
+  </p:cSld>
+  <p:clrMapOvr>
+    <a:masterClrMapping/>
+  </p:clrMapOvr>
+  <p:timing>
+    <p:tnLst>
+      <p:par>
+        <p:cTn id="1" dur="indefinite" restart="never" nodeType="tmRoot"/>
+      </p:par>
+    </p:tnLst>
+  </p:timing>
+</p:sld>
+</file>
+
+<file path=ppt/slides/slide47.xml><?xml version="1.0" encoding="utf-8"?>
+<p:sld xmlns:a="http://schemas.openxmlformats.org/drawingml/2006/main" xmlns:r="http://schemas.openxmlformats.org/officeDocument/2006/relationships" xmlns:p="http://schemas.openxmlformats.org/presentationml/2006/main">
+  <p:cSld>
+    <p:spTree>
+      <p:nvGrpSpPr>
+        <p:cNvPr id="1" name=""/>
+        <p:cNvGrpSpPr/>
+        <p:nvPr/>
+      </p:nvGrpSpPr>
+      <p:grpSpPr>
+        <a:xfrm>
+          <a:off x="0" y="0"/>
+          <a:ext cx="0" cy="0"/>
+          <a:chOff x="0" y="0"/>
+          <a:chExt cx="0" cy="0"/>
+        </a:xfrm>
+      </p:grpSpPr>
+      <p:sp>
+        <p:nvSpPr>
+          <p:cNvPr id="4" name="Title 3"/>
+          <p:cNvSpPr>
+            <a:spLocks noGrp="1"/>
+          </p:cNvSpPr>
+          <p:nvPr>
+            <p:ph type="title"/>
+          </p:nvPr>
+        </p:nvSpPr>
+        <p:spPr>
+          <a:xfrm>
             <a:off x="1043490" y="685800"/>
             <a:ext cx="7024744" cy="1143000"/>
           </a:xfrm>
@@ -24950,7 +25805,7 @@
             <a:pPr algn="ctr"/>
             <a:r>
               <a:rPr lang="en-US" dirty="0" smtClean="0"/>
-              <a:t>What if I’m not a team lead?</a:t>
+              <a:t>What if I’m not an Agile project?</a:t>
             </a:r>
             <a:endParaRPr lang="en-US" dirty="0"/>
           </a:p>
@@ -24978,7 +25833,7 @@
     </p:spTree>
     <p:extLst>
       <p:ext uri="{BB962C8B-B14F-4D97-AF65-F5344CB8AC3E}">
-        <p14:creationId xmlns:p14="http://schemas.microsoft.com/office/powerpoint/2010/main" val="3333028837"/>
+        <p14:creationId xmlns:p14="http://schemas.microsoft.com/office/powerpoint/2010/main" val="3720548761"/>
       </p:ext>
     </p:extLst>
   </p:cSld>
@@ -25035,7 +25890,7 @@
             <a:pPr algn="ctr"/>
             <a:r>
               <a:rPr lang="en-US" dirty="0" smtClean="0"/>
-              <a:t>What’s an iteration?</a:t>
+              <a:t>What if I’m not a team lead?</a:t>
             </a:r>
             <a:endParaRPr lang="en-US" dirty="0"/>
           </a:p>
@@ -25063,7 +25918,7 @@
     </p:spTree>
     <p:extLst>
       <p:ext uri="{BB962C8B-B14F-4D97-AF65-F5344CB8AC3E}">
-        <p14:creationId xmlns:p14="http://schemas.microsoft.com/office/powerpoint/2010/main" val="1297658133"/>
+        <p14:creationId xmlns:p14="http://schemas.microsoft.com/office/powerpoint/2010/main" val="3333028837"/>
       </p:ext>
     </p:extLst>
   </p:cSld>
@@ -25157,6 +26012,81 @@
           </a:prstGeom>
         </p:spPr>
       </p:pic>
+      <p:pic>
+        <p:nvPicPr>
+          <p:cNvPr id="7" name="Picture 2" descr="https://encrypted-tbn0.gstatic.com/images?q=tbn:ANd9GcRb9WBTgxITIG8zFvN-dF1rl2ttYR8nKqq-ndQ5pOHcUUCCguOr"/>
+          <p:cNvPicPr>
+            <a:picLocks noChangeAspect="1" noChangeArrowheads="1"/>
+          </p:cNvPicPr>
+          <p:nvPr/>
+        </p:nvPicPr>
+        <p:blipFill>
+          <a:blip r:embed="rId4">
+            <a:extLst>
+              <a:ext uri="{28A0092B-C50C-407E-A947-70E740481C1C}">
+                <a14:useLocalDpi xmlns:a14="http://schemas.microsoft.com/office/drawing/2010/main" val="0"/>
+              </a:ext>
+            </a:extLst>
+          </a:blip>
+          <a:srcRect/>
+          <a:stretch>
+            <a:fillRect/>
+          </a:stretch>
+        </p:blipFill>
+        <p:spPr bwMode="auto">
+          <a:xfrm>
+            <a:off x="533401" y="381001"/>
+            <a:ext cx="1551396" cy="1162050"/>
+          </a:xfrm>
+          <a:prstGeom prst="rect">
+            <a:avLst/>
+          </a:prstGeom>
+          <a:noFill/>
+          <a:extLst>
+            <a:ext uri="{909E8E84-426E-40DD-AFC4-6F175D3DCCD1}">
+              <a14:hiddenFill xmlns:a14="http://schemas.microsoft.com/office/drawing/2010/main">
+                <a:solidFill>
+                  <a:srgbClr val="FFFFFF"/>
+                </a:solidFill>
+              </a14:hiddenFill>
+            </a:ext>
+          </a:extLst>
+        </p:spPr>
+      </p:pic>
+      <p:sp>
+        <p:nvSpPr>
+          <p:cNvPr id="3" name="TextBox 2"/>
+          <p:cNvSpPr txBox="1"/>
+          <p:nvPr/>
+        </p:nvSpPr>
+        <p:spPr>
+          <a:xfrm>
+            <a:off x="914400" y="609600"/>
+            <a:ext cx="782587" cy="646331"/>
+          </a:xfrm>
+          <a:prstGeom prst="rect">
+            <a:avLst/>
+          </a:prstGeom>
+          <a:noFill/>
+        </p:spPr>
+        <p:txBody>
+          <a:bodyPr wrap="none" rtlCol="0">
+            <a:spAutoFit/>
+          </a:bodyPr>
+          <a:lstStyle/>
+          <a:p>
+            <a:r>
+              <a:rPr lang="en-US" sz="3600" dirty="0" smtClean="0">
+                <a:latin typeface="Comic Sans MS" panose="030F0702030302020204" pitchFamily="66" charset="0"/>
+              </a:rPr>
+              <a:t>#1</a:t>
+            </a:r>
+            <a:endParaRPr lang="en-US" sz="3600" dirty="0">
+              <a:latin typeface="Comic Sans MS" panose="030F0702030302020204" pitchFamily="66" charset="0"/>
+            </a:endParaRPr>
+          </a:p>
+        </p:txBody>
+      </p:sp>
     </p:spTree>
     <p:extLst>
       <p:ext uri="{BB962C8B-B14F-4D97-AF65-F5344CB8AC3E}">

--- a/Iteration Management - Your Key to Predictable Delivery.pptx
+++ b/Iteration Management - Your Key to Predictable Delivery.pptx
@@ -254,7 +254,7 @@
           <a:p>
             <a:fld id="{6C6C5C74-C5D5-44B4-837D-76A1EE64E52E}" type="datetimeFigureOut">
               <a:rPr lang="en-US" smtClean="0"/>
-              <a:t>5/5/2016</a:t>
+              <a:t>5/6/2016</a:t>
             </a:fld>
             <a:endParaRPr lang="en-US"/>
           </a:p>
@@ -581,11 +581,7 @@
             </a:r>
             <a:r>
               <a:rPr lang="en-US" baseline="0" dirty="0" smtClean="0"/>
-              <a:t> vs. project </a:t>
-            </a:r>
-            <a:r>
-              <a:rPr lang="en-US" baseline="0" dirty="0" smtClean="0"/>
-              <a:t>managers</a:t>
+              <a:t> vs. project managers</a:t>
             </a:r>
           </a:p>
           <a:p>
@@ -659,11 +655,7 @@
             </a:pPr>
             <a:r>
               <a:rPr lang="en-US" baseline="0" dirty="0" smtClean="0"/>
-              <a:t>Handling </a:t>
-            </a:r>
-            <a:r>
-              <a:rPr lang="en-US" baseline="0" dirty="0" smtClean="0"/>
-              <a:t>changes (from the business, production support, etc.)</a:t>
+              <a:t>Handling changes (from the business, production support, etc.)</a:t>
             </a:r>
           </a:p>
           <a:p>
@@ -706,11 +698,7 @@
             </a:pPr>
             <a:r>
               <a:rPr lang="en-US" baseline="0" dirty="0" smtClean="0"/>
-              <a:t>Not </a:t>
-            </a:r>
-            <a:r>
-              <a:rPr lang="en-US" baseline="0" dirty="0" smtClean="0"/>
-              <a:t>necessarily a full time job</a:t>
+              <a:t>Not necessarily a full time job</a:t>
             </a:r>
           </a:p>
         </p:txBody>
@@ -1104,11 +1092,7 @@
           <a:p>
             <a:r>
               <a:rPr lang="en-US" dirty="0" smtClean="0"/>
-              <a:t>“Estimates </a:t>
-            </a:r>
-            <a:r>
-              <a:rPr lang="en-US" dirty="0" smtClean="0"/>
-              <a:t>are always wrong” – business needs better</a:t>
+              <a:t>“Estimates are always wrong” – business needs better</a:t>
             </a:r>
             <a:r>
               <a:rPr lang="en-US" baseline="0" dirty="0" smtClean="0"/>
@@ -1158,11 +1142,7 @@
             </a:r>
             <a:r>
               <a:rPr lang="en-US" baseline="0" dirty="0" smtClean="0"/>
-              <a:t> doing the work should do the </a:t>
-            </a:r>
-            <a:r>
-              <a:rPr lang="en-US" baseline="0" dirty="0" smtClean="0"/>
-              <a:t>estimates</a:t>
+              <a:t> doing the work should do the estimates</a:t>
             </a:r>
           </a:p>
           <a:p>
@@ -1187,7 +1167,6 @@
               <a:rPr lang="en-US" baseline="0" dirty="0" smtClean="0"/>
               <a:t>Estimate QA and analysis too</a:t>
             </a:r>
-            <a:endParaRPr lang="en-US" baseline="0" dirty="0" smtClean="0"/>
           </a:p>
         </p:txBody>
       </p:sp>
@@ -1810,11 +1789,7 @@
             </a:pPr>
             <a:r>
               <a:rPr lang="en-US" baseline="0" dirty="0" smtClean="0"/>
-              <a:t>Works </a:t>
-            </a:r>
-            <a:r>
-              <a:rPr lang="en-US" baseline="0" dirty="0" smtClean="0"/>
-              <a:t>well if you handle work as it comes to you </a:t>
+              <a:t>Works well if you handle work as it comes to you </a:t>
             </a:r>
           </a:p>
           <a:p>
@@ -8439,7 +8414,7 @@
           <a:p>
             <a:fld id="{286B444B-C4E2-405B-A158-8F5713CA0896}" type="datetimeFigureOut">
               <a:rPr lang="en-US" smtClean="0"/>
-              <a:t>5/5/2016</a:t>
+              <a:t>5/6/2016</a:t>
             </a:fld>
             <a:endParaRPr lang="en-US"/>
           </a:p>
@@ -8724,7 +8699,7 @@
           <a:p>
             <a:fld id="{286B444B-C4E2-405B-A158-8F5713CA0896}" type="datetimeFigureOut">
               <a:rPr lang="en-US" smtClean="0"/>
-              <a:t>5/5/2016</a:t>
+              <a:t>5/6/2016</a:t>
             </a:fld>
             <a:endParaRPr lang="en-US"/>
           </a:p>
@@ -8899,7 +8874,7 @@
           <a:p>
             <a:fld id="{286B444B-C4E2-405B-A158-8F5713CA0896}" type="datetimeFigureOut">
               <a:rPr lang="en-US" smtClean="0"/>
-              <a:t>5/5/2016</a:t>
+              <a:t>5/6/2016</a:t>
             </a:fld>
             <a:endParaRPr lang="en-US"/>
           </a:p>
@@ -9064,7 +9039,7 @@
           <a:p>
             <a:fld id="{286B444B-C4E2-405B-A158-8F5713CA0896}" type="datetimeFigureOut">
               <a:rPr lang="en-US" smtClean="0"/>
-              <a:t>5/5/2016</a:t>
+              <a:t>5/6/2016</a:t>
             </a:fld>
             <a:endParaRPr lang="en-US"/>
           </a:p>
@@ -9305,7 +9280,7 @@
           <a:p>
             <a:fld id="{286B444B-C4E2-405B-A158-8F5713CA0896}" type="datetimeFigureOut">
               <a:rPr lang="en-US" smtClean="0"/>
-              <a:t>5/5/2016</a:t>
+              <a:t>5/6/2016</a:t>
             </a:fld>
             <a:endParaRPr lang="en-US"/>
           </a:p>
@@ -9418,7 +9393,7 @@
           <a:p>
             <a:fld id="{286B444B-C4E2-405B-A158-8F5713CA0896}" type="datetimeFigureOut">
               <a:rPr lang="en-US" smtClean="0"/>
-              <a:t>5/5/2016</a:t>
+              <a:t>5/6/2016</a:t>
             </a:fld>
             <a:endParaRPr lang="en-US"/>
           </a:p>
@@ -9957,7 +9932,7 @@
           <a:p>
             <a:fld id="{286B444B-C4E2-405B-A158-8F5713CA0896}" type="datetimeFigureOut">
               <a:rPr lang="en-US" smtClean="0"/>
-              <a:t>5/5/2016</a:t>
+              <a:t>5/6/2016</a:t>
             </a:fld>
             <a:endParaRPr lang="en-US"/>
           </a:p>
@@ -10070,7 +10045,7 @@
           <a:p>
             <a:fld id="{286B444B-C4E2-405B-A158-8F5713CA0896}" type="datetimeFigureOut">
               <a:rPr lang="en-US" smtClean="0"/>
-              <a:t>5/5/2016</a:t>
+              <a:t>5/6/2016</a:t>
             </a:fld>
             <a:endParaRPr lang="en-US"/>
           </a:p>
@@ -10160,7 +10135,7 @@
           <a:p>
             <a:fld id="{286B444B-C4E2-405B-A158-8F5713CA0896}" type="datetimeFigureOut">
               <a:rPr lang="en-US" smtClean="0"/>
-              <a:t>5/5/2016</a:t>
+              <a:t>5/6/2016</a:t>
             </a:fld>
             <a:endParaRPr lang="en-US"/>
           </a:p>
@@ -12811,7 +12786,7 @@
           <a:p>
             <a:fld id="{286B444B-C4E2-405B-A158-8F5713CA0896}" type="datetimeFigureOut">
               <a:rPr lang="en-US" smtClean="0"/>
-              <a:t>5/5/2016</a:t>
+              <a:t>5/6/2016</a:t>
             </a:fld>
             <a:endParaRPr lang="en-US"/>
           </a:p>
@@ -16023,7 +15998,7 @@
           <a:p>
             <a:fld id="{286B444B-C4E2-405B-A158-8F5713CA0896}" type="datetimeFigureOut">
               <a:rPr lang="en-US" smtClean="0"/>
-              <a:t>5/5/2016</a:t>
+              <a:t>5/6/2016</a:t>
             </a:fld>
             <a:endParaRPr lang="en-US"/>
           </a:p>
@@ -18845,7 +18820,7 @@
           <a:p>
             <a:fld id="{286B444B-C4E2-405B-A158-8F5713CA0896}" type="datetimeFigureOut">
               <a:rPr lang="en-US" smtClean="0"/>
-              <a:t>5/5/2016</a:t>
+              <a:t>5/6/2016</a:t>
             </a:fld>
             <a:endParaRPr lang="en-US"/>
           </a:p>
@@ -20731,11 +20706,7 @@
           <a:p>
             <a:r>
               <a:rPr lang="en-US" dirty="0" smtClean="0"/>
-              <a:t>Identify team problems </a:t>
-            </a:r>
-            <a:r>
-              <a:rPr lang="en-US" dirty="0" smtClean="0"/>
-              <a:t>as soon as possible and find a way to fix them</a:t>
+              <a:t>Identify team problems as soon as possible and find a way to fix them</a:t>
             </a:r>
           </a:p>
           <a:p>
@@ -20747,7 +20718,22 @@
           <a:p>
             <a:r>
               <a:rPr lang="en-US" dirty="0" smtClean="0"/>
-              <a:t>Help with planning</a:t>
+              <a:t>Help with </a:t>
+            </a:r>
+            <a:r>
+              <a:rPr lang="en-US" dirty="0" smtClean="0"/>
+              <a:t>planning </a:t>
+            </a:r>
+            <a:r>
+              <a:rPr lang="en-US" smtClean="0"/>
+              <a:t>and estimating</a:t>
+            </a:r>
+            <a:endParaRPr lang="en-US" dirty="0" smtClean="0"/>
+          </a:p>
+          <a:p>
+            <a:r>
+              <a:rPr lang="en-US" dirty="0" smtClean="0"/>
+              <a:t>Communicate with management</a:t>
             </a:r>
             <a:endParaRPr lang="en-US" dirty="0"/>
           </a:p>
@@ -20947,6 +20933,55 @@
                                           <p:spTgt spid="2">
                                             <p:txEl>
                                               <p:pRg st="3" end="3"/>
+                                            </p:txEl>
+                                          </p:spTgt>
+                                        </p:tgtEl>
+                                        <p:attrNameLst>
+                                          <p:attrName>style.visibility</p:attrName>
+                                        </p:attrNameLst>
+                                      </p:cBhvr>
+                                      <p:to>
+                                        <p:strVal val="visible"/>
+                                      </p:to>
+                                    </p:set>
+                                  </p:childTnLst>
+                                </p:cTn>
+                              </p:par>
+                            </p:childTnLst>
+                          </p:cTn>
+                        </p:par>
+                      </p:childTnLst>
+                    </p:cTn>
+                  </p:par>
+                  <p:par>
+                    <p:cTn id="19" fill="hold">
+                      <p:stCondLst>
+                        <p:cond delay="indefinite"/>
+                      </p:stCondLst>
+                      <p:childTnLst>
+                        <p:par>
+                          <p:cTn id="20" fill="hold">
+                            <p:stCondLst>
+                              <p:cond delay="0"/>
+                            </p:stCondLst>
+                            <p:childTnLst>
+                              <p:par>
+                                <p:cTn id="21" presetID="1" presetClass="entr" presetSubtype="0" fill="hold" grpId="0" nodeType="clickEffect">
+                                  <p:stCondLst>
+                                    <p:cond delay="0"/>
+                                  </p:stCondLst>
+                                  <p:childTnLst>
+                                    <p:set>
+                                      <p:cBhvr>
+                                        <p:cTn id="22" dur="1" fill="hold">
+                                          <p:stCondLst>
+                                            <p:cond delay="0"/>
+                                          </p:stCondLst>
+                                        </p:cTn>
+                                        <p:tgtEl>
+                                          <p:spTgt spid="2">
+                                            <p:txEl>
+                                              <p:pRg st="4" end="4"/>
                                             </p:txEl>
                                           </p:spTgt>
                                         </p:tgtEl>
